--- a/presentation_RCura.pptx
+++ b/presentation_RCura.pptx
@@ -5,32 +5,50 @@
     <p:sldMasterId id="2147483648" r:id="rId1"/>
   </p:sldMasterIdLst>
   <p:notesMasterIdLst>
-    <p:notesMasterId r:id="rId22"/>
+    <p:notesMasterId r:id="rId40"/>
   </p:notesMasterIdLst>
   <p:handoutMasterIdLst>
-    <p:handoutMasterId r:id="rId23"/>
+    <p:handoutMasterId r:id="rId41"/>
   </p:handoutMasterIdLst>
   <p:sldIdLst>
     <p:sldId id="256" r:id="rId2"/>
     <p:sldId id="275" r:id="rId3"/>
     <p:sldId id="276" r:id="rId4"/>
-    <p:sldId id="258" r:id="rId5"/>
-    <p:sldId id="259" r:id="rId6"/>
-    <p:sldId id="260" r:id="rId7"/>
-    <p:sldId id="261" r:id="rId8"/>
-    <p:sldId id="262" r:id="rId9"/>
-    <p:sldId id="263" r:id="rId10"/>
-    <p:sldId id="264" r:id="rId11"/>
-    <p:sldId id="265" r:id="rId12"/>
-    <p:sldId id="266" r:id="rId13"/>
-    <p:sldId id="267" r:id="rId14"/>
-    <p:sldId id="268" r:id="rId15"/>
-    <p:sldId id="269" r:id="rId16"/>
-    <p:sldId id="270" r:id="rId17"/>
-    <p:sldId id="271" r:id="rId18"/>
-    <p:sldId id="272" r:id="rId19"/>
-    <p:sldId id="273" r:id="rId20"/>
-    <p:sldId id="274" r:id="rId21"/>
+    <p:sldId id="280" r:id="rId5"/>
+    <p:sldId id="282" r:id="rId6"/>
+    <p:sldId id="281" r:id="rId7"/>
+    <p:sldId id="284" r:id="rId8"/>
+    <p:sldId id="287" r:id="rId9"/>
+    <p:sldId id="288" r:id="rId10"/>
+    <p:sldId id="291" r:id="rId11"/>
+    <p:sldId id="292" r:id="rId12"/>
+    <p:sldId id="293" r:id="rId13"/>
+    <p:sldId id="294" r:id="rId14"/>
+    <p:sldId id="295" r:id="rId15"/>
+    <p:sldId id="283" r:id="rId16"/>
+    <p:sldId id="278" r:id="rId17"/>
+    <p:sldId id="279" r:id="rId18"/>
+    <p:sldId id="285" r:id="rId19"/>
+    <p:sldId id="286" r:id="rId20"/>
+    <p:sldId id="296" r:id="rId21"/>
+    <p:sldId id="297" r:id="rId22"/>
+    <p:sldId id="258" r:id="rId23"/>
+    <p:sldId id="259" r:id="rId24"/>
+    <p:sldId id="260" r:id="rId25"/>
+    <p:sldId id="261" r:id="rId26"/>
+    <p:sldId id="262" r:id="rId27"/>
+    <p:sldId id="263" r:id="rId28"/>
+    <p:sldId id="264" r:id="rId29"/>
+    <p:sldId id="265" r:id="rId30"/>
+    <p:sldId id="266" r:id="rId31"/>
+    <p:sldId id="267" r:id="rId32"/>
+    <p:sldId id="268" r:id="rId33"/>
+    <p:sldId id="269" r:id="rId34"/>
+    <p:sldId id="270" r:id="rId35"/>
+    <p:sldId id="271" r:id="rId36"/>
+    <p:sldId id="272" r:id="rId37"/>
+    <p:sldId id="273" r:id="rId38"/>
+    <p:sldId id="274" r:id="rId39"/>
   </p:sldIdLst>
   <p:sldSz cx="9144000" cy="6858000" type="screen4x3"/>
   <p:notesSz cx="9867900" cy="6743700"/>
@@ -5561,42 +5579,42 @@
               <a:defRPr/>
             </a:pPr>
             <a:r>
-              <a:rPr lang="fr-FR" i="1" dirty="0" smtClean="0">
+              <a:rPr lang="fr-FR" b="1" i="1" dirty="0" smtClean="0">
                 <a:latin typeface="Arno Pro" pitchFamily="18" charset="0"/>
               </a:rPr>
               <a:t>A </a:t>
             </a:r>
             <a:r>
-              <a:rPr lang="fr-FR" i="1" dirty="0" err="1" smtClean="0">
+              <a:rPr lang="fr-FR" b="1" i="1" dirty="0" err="1" smtClean="0">
                 <a:latin typeface="Arno Pro" pitchFamily="18" charset="0"/>
               </a:rPr>
               <a:t>pointcloud</a:t>
             </a:r>
             <a:r>
-              <a:rPr lang="fr-FR" i="1" dirty="0" smtClean="0">
+              <a:rPr lang="fr-FR" b="1" i="1" dirty="0" smtClean="0">
                 <a:latin typeface="Arno Pro" pitchFamily="18" charset="0"/>
               </a:rPr>
               <a:t> server for data </a:t>
             </a:r>
             <a:r>
-              <a:rPr lang="fr-FR" i="1" dirty="0" err="1" smtClean="0">
+              <a:rPr lang="fr-FR" b="1" i="1" dirty="0" err="1" smtClean="0">
                 <a:latin typeface="Arno Pro" pitchFamily="18" charset="0"/>
               </a:rPr>
               <a:t>storage</a:t>
             </a:r>
             <a:r>
-              <a:rPr lang="fr-FR" i="1" dirty="0" smtClean="0">
+              <a:rPr lang="fr-FR" b="1" i="1" dirty="0" smtClean="0">
                 <a:latin typeface="Arno Pro" pitchFamily="18" charset="0"/>
               </a:rPr>
               <a:t> and </a:t>
             </a:r>
             <a:r>
-              <a:rPr lang="fr-FR" i="1" dirty="0" err="1" smtClean="0">
+              <a:rPr lang="fr-FR" b="1" i="1" dirty="0" err="1" smtClean="0">
                 <a:latin typeface="Arno Pro" pitchFamily="18" charset="0"/>
               </a:rPr>
               <a:t>processing</a:t>
             </a:r>
-            <a:endParaRPr lang="fr-FR" sz="1800" dirty="0">
+            <a:endParaRPr lang="fr-FR" sz="1800" b="1" dirty="0">
               <a:latin typeface="Arno Pro" pitchFamily="18" charset="0"/>
             </a:endParaRPr>
           </a:p>
@@ -5620,7 +5638,7 @@
         </p:spPr>
         <p:txBody>
           <a:bodyPr>
-            <a:normAutofit fontScale="92500"/>
+            <a:normAutofit/>
           </a:bodyPr>
           <a:lstStyle/>
           <a:p>
@@ -5631,166 +5649,171 @@
               <a:defRPr/>
             </a:pPr>
             <a:r>
-              <a:rPr lang="fr-FR" dirty="0" err="1" smtClean="0">
+              <a:rPr lang="en-US" dirty="0" smtClean="0">
                 <a:latin typeface="Arno Pro" pitchFamily="18" charset="0"/>
               </a:rPr>
-              <a:t>Presente</a:t>
-            </a:r>
-            <a:r>
-              <a:rPr lang="fr-FR" dirty="0" err="1" smtClean="0">
+              <a:t>Presented</a:t>
+            </a:r>
+            <a:r>
+              <a:rPr lang="en-US" dirty="0" smtClean="0">
                 <a:latin typeface="Arno Pro" pitchFamily="18" charset="0"/>
               </a:rPr>
-              <a:t>d</a:t>
-            </a:r>
-            <a:r>
-              <a:rPr lang="fr-FR" dirty="0" smtClean="0">
+              <a:t> at  </a:t>
+            </a:r>
+            <a:r>
+              <a:rPr lang="en-US" dirty="0" err="1" smtClean="0">
+                <a:latin typeface="Arno Pro" pitchFamily="18" charset="0"/>
+              </a:rPr>
+              <a:t>postgresl</a:t>
+            </a:r>
+            <a:r>
+              <a:rPr lang="en-US" dirty="0" smtClean="0">
+                <a:latin typeface="Arno Pro" pitchFamily="18" charset="0"/>
+              </a:rPr>
+              <a:t> PARIS session 6. </a:t>
+            </a:r>
+          </a:p>
+          <a:p>
+            <a:pPr eaLnBrk="1" fontAlgn="auto" hangingPunct="1">
+              <a:spcAft>
+                <a:spcPts val="0"/>
+              </a:spcAft>
+              <a:defRPr/>
+            </a:pPr>
+            <a:r>
+              <a:rPr lang="en-US" sz="1500" dirty="0" smtClean="0"/>
+              <a:t>http://www.oslandia.com/postgresql-session-6-postgis.html</a:t>
+            </a:r>
+          </a:p>
+          <a:p>
+            <a:pPr eaLnBrk="1" fontAlgn="auto" hangingPunct="1">
+              <a:spcAft>
+                <a:spcPts val="0"/>
+              </a:spcAft>
+              <a:defRPr/>
+            </a:pPr>
+            <a:endParaRPr lang="en-US" dirty="0" smtClean="0">
+              <a:latin typeface="Arno Pro" pitchFamily="18" charset="0"/>
+            </a:endParaRPr>
+          </a:p>
+          <a:p>
+            <a:pPr eaLnBrk="1" fontAlgn="auto" hangingPunct="1">
+              <a:spcAft>
+                <a:spcPts val="0"/>
+              </a:spcAft>
+              <a:defRPr/>
+            </a:pPr>
+            <a:endParaRPr lang="en-US" dirty="0" smtClean="0">
+              <a:latin typeface="Arno Pro" pitchFamily="18" charset="0"/>
+            </a:endParaRPr>
+          </a:p>
+          <a:p>
+            <a:pPr eaLnBrk="1" fontAlgn="auto" hangingPunct="1">
+              <a:spcAft>
+                <a:spcPts val="0"/>
+              </a:spcAft>
+              <a:defRPr/>
+            </a:pPr>
+            <a:endParaRPr lang="en-US" dirty="0" smtClean="0">
+              <a:latin typeface="Arno Pro" pitchFamily="18" charset="0"/>
+            </a:endParaRPr>
+          </a:p>
+          <a:p>
+            <a:pPr eaLnBrk="1" fontAlgn="auto" hangingPunct="1">
+              <a:spcAft>
+                <a:spcPts val="0"/>
+              </a:spcAft>
+              <a:defRPr/>
+            </a:pPr>
+            <a:r>
+              <a:rPr lang="en-US" dirty="0" smtClean="0">
+                <a:latin typeface="Arno Pro" pitchFamily="18" charset="0"/>
+              </a:rPr>
+              <a:t>Rémi </a:t>
+            </a:r>
+            <a:r>
+              <a:rPr lang="en-US" dirty="0" err="1" smtClean="0">
+                <a:latin typeface="Arno Pro" pitchFamily="18" charset="0"/>
+              </a:rPr>
+              <a:t>Cura</a:t>
+            </a:r>
+            <a:endParaRPr lang="en-US" dirty="0" smtClean="0">
+              <a:latin typeface="Arno Pro" pitchFamily="18" charset="0"/>
+            </a:endParaRPr>
+          </a:p>
+          <a:p>
+            <a:pPr eaLnBrk="1" fontAlgn="auto" hangingPunct="1">
+              <a:spcAft>
+                <a:spcPts val="0"/>
+              </a:spcAft>
+              <a:defRPr/>
+            </a:pPr>
+            <a:endParaRPr lang="en-US" dirty="0" smtClean="0">
+              <a:latin typeface="Arno Pro" pitchFamily="18" charset="0"/>
+            </a:endParaRPr>
+          </a:p>
+          <a:p>
+            <a:pPr eaLnBrk="1" fontAlgn="auto" hangingPunct="1">
+              <a:spcAft>
+                <a:spcPts val="0"/>
+              </a:spcAft>
+              <a:defRPr/>
+            </a:pPr>
+            <a:r>
+              <a:rPr lang="en-US" dirty="0" err="1" smtClean="0">
+                <a:latin typeface="Arno Pro" pitchFamily="18" charset="0"/>
+              </a:rPr>
+              <a:t>Julien</a:t>
+            </a:r>
+            <a:r>
+              <a:rPr lang="en-US" dirty="0" smtClean="0">
                 <a:latin typeface="Arno Pro" pitchFamily="18" charset="0"/>
               </a:rPr>
               <a:t> </a:t>
             </a:r>
             <a:r>
-              <a:rPr lang="fr-FR" dirty="0" err="1" smtClean="0">
+              <a:rPr lang="en-US" dirty="0" err="1" smtClean="0">
                 <a:latin typeface="Arno Pro" pitchFamily="18" charset="0"/>
               </a:rPr>
-              <a:t>at</a:t>
-            </a:r>
-            <a:r>
-              <a:rPr lang="fr-FR" dirty="0" smtClean="0">
+              <a:t>Perret</a:t>
+            </a:r>
+            <a:r>
+              <a:rPr lang="en-US" dirty="0" smtClean="0">
                 <a:latin typeface="Arno Pro" pitchFamily="18" charset="0"/>
               </a:rPr>
-              <a:t>  </a:t>
-            </a:r>
-            <a:r>
-              <a:rPr lang="fr-FR" dirty="0" err="1" smtClean="0">
-                <a:latin typeface="Arno Pro" pitchFamily="18" charset="0"/>
-              </a:rPr>
-              <a:t>postgresl</a:t>
-            </a:r>
-            <a:r>
-              <a:rPr lang="fr-FR" dirty="0" smtClean="0">
-                <a:latin typeface="Arno Pro" pitchFamily="18" charset="0"/>
-              </a:rPr>
-              <a:t> PARIS session 6. </a:t>
-            </a:r>
-          </a:p>
-          <a:p>
-            <a:pPr eaLnBrk="1" fontAlgn="auto" hangingPunct="1">
-              <a:spcAft>
-                <a:spcPts val="0"/>
-              </a:spcAft>
-              <a:defRPr/>
-            </a:pPr>
-            <a:r>
-              <a:rPr lang="fr-FR" dirty="0" smtClean="0"/>
-              <a:t>http</a:t>
-            </a:r>
-            <a:r>
-              <a:rPr lang="fr-FR" dirty="0" smtClean="0"/>
-              <a:t>://www.oslandia.com/postgresql-session-6-postgis.html</a:t>
-            </a:r>
-          </a:p>
-          <a:p>
-            <a:pPr eaLnBrk="1" fontAlgn="auto" hangingPunct="1">
-              <a:spcAft>
-                <a:spcPts val="0"/>
-              </a:spcAft>
-              <a:defRPr/>
-            </a:pPr>
-            <a:endParaRPr lang="fr-FR" dirty="0" smtClean="0">
-              <a:latin typeface="Arno Pro" pitchFamily="18" charset="0"/>
-            </a:endParaRPr>
-          </a:p>
-          <a:p>
-            <a:pPr eaLnBrk="1" fontAlgn="auto" hangingPunct="1">
-              <a:spcAft>
-                <a:spcPts val="0"/>
-              </a:spcAft>
-              <a:defRPr/>
-            </a:pPr>
-            <a:endParaRPr lang="fr-FR" dirty="0" smtClean="0">
-              <a:latin typeface="Arno Pro" pitchFamily="18" charset="0"/>
-            </a:endParaRPr>
-          </a:p>
-          <a:p>
-            <a:pPr eaLnBrk="1" fontAlgn="auto" hangingPunct="1">
-              <a:spcAft>
-                <a:spcPts val="0"/>
-              </a:spcAft>
-              <a:defRPr/>
-            </a:pPr>
-            <a:endParaRPr lang="fr-FR" dirty="0" smtClean="0">
-              <a:latin typeface="Arno Pro" pitchFamily="18" charset="0"/>
-            </a:endParaRPr>
-          </a:p>
-          <a:p>
-            <a:pPr eaLnBrk="1" fontAlgn="auto" hangingPunct="1">
-              <a:spcAft>
-                <a:spcPts val="0"/>
-              </a:spcAft>
-              <a:defRPr/>
-            </a:pPr>
-            <a:r>
-              <a:rPr lang="fr-FR" dirty="0" smtClean="0">
-                <a:latin typeface="Arno Pro" pitchFamily="18" charset="0"/>
-              </a:rPr>
-              <a:t>Rémi Cura</a:t>
-            </a:r>
-          </a:p>
-          <a:p>
-            <a:pPr eaLnBrk="1" fontAlgn="auto" hangingPunct="1">
-              <a:spcAft>
-                <a:spcPts val="0"/>
-              </a:spcAft>
-              <a:defRPr/>
-            </a:pPr>
-            <a:endParaRPr lang="fr-FR" dirty="0" smtClean="0">
-              <a:latin typeface="Arno Pro" pitchFamily="18" charset="0"/>
-            </a:endParaRPr>
-          </a:p>
-          <a:p>
-            <a:pPr eaLnBrk="1" fontAlgn="auto" hangingPunct="1">
-              <a:spcAft>
-                <a:spcPts val="0"/>
-              </a:spcAft>
-              <a:defRPr/>
-            </a:pPr>
-            <a:r>
-              <a:rPr lang="fr-FR" dirty="0" smtClean="0">
-                <a:latin typeface="Arno Pro" pitchFamily="18" charset="0"/>
-              </a:rPr>
-              <a:t>Julien Perret – Nicolas </a:t>
-            </a:r>
-            <a:r>
-              <a:rPr lang="fr-FR" dirty="0" err="1" smtClean="0">
+              <a:t> – Nicolas </a:t>
+            </a:r>
+            <a:r>
+              <a:rPr lang="en-US" dirty="0" err="1" smtClean="0">
                 <a:latin typeface="Arno Pro" pitchFamily="18" charset="0"/>
               </a:rPr>
               <a:t>paparoditis</a:t>
             </a:r>
             <a:r>
-              <a:rPr lang="fr-FR" dirty="0" smtClean="0">
+              <a:rPr lang="en-US" dirty="0" smtClean="0">
                 <a:latin typeface="Arno Pro" pitchFamily="18" charset="0"/>
               </a:rPr>
               <a:t> – </a:t>
             </a:r>
             <a:r>
-              <a:rPr lang="fr-FR" dirty="0" err="1" smtClean="0">
+              <a:rPr lang="en-US" dirty="0" err="1" smtClean="0">
                 <a:latin typeface="Arno Pro" pitchFamily="18" charset="0"/>
               </a:rPr>
               <a:t>GildaS</a:t>
             </a:r>
             <a:r>
-              <a:rPr lang="fr-FR" dirty="0" smtClean="0">
+              <a:rPr lang="en-US" dirty="0" smtClean="0">
                 <a:latin typeface="Arno Pro" pitchFamily="18" charset="0"/>
               </a:rPr>
               <a:t> Le </a:t>
             </a:r>
             <a:r>
-              <a:rPr lang="fr-FR" dirty="0" err="1" smtClean="0">
+              <a:rPr lang="en-US" dirty="0" err="1" smtClean="0">
                 <a:latin typeface="Arno Pro" pitchFamily="18" charset="0"/>
               </a:rPr>
               <a:t>meur</a:t>
             </a:r>
-            <a:endParaRPr lang="fr-FR" dirty="0" smtClean="0">
+            <a:endParaRPr lang="en-US" dirty="0" smtClean="0">
               <a:latin typeface="Arno Pro" pitchFamily="18" charset="0"/>
             </a:endParaRPr>
           </a:p>
@@ -5887,102 +5910,216 @@
             <a:spLocks noGrp="1"/>
           </p:cNvSpPr>
           <p:nvPr>
-            <p:ph type="ctrTitle"/>
-          </p:nvPr>
-        </p:nvSpPr>
-        <p:spPr>
-          <a:xfrm>
-            <a:off x="685800" y="1785938"/>
-            <a:ext cx="7772400" cy="1814512"/>
-          </a:xfrm>
-        </p:spPr>
-        <p:txBody>
-          <a:bodyPr rtlCol="0">
-            <a:normAutofit/>
+            <p:ph type="title"/>
+          </p:nvPr>
+        </p:nvSpPr>
+        <p:spPr/>
+        <p:txBody>
+          <a:bodyPr/>
+          <a:lstStyle/>
+          <a:p>
+            <a:r>
+              <a:rPr lang="en-US" dirty="0" smtClean="0"/>
+              <a:t>Why use a </a:t>
+            </a:r>
+            <a:r>
+              <a:rPr lang="en-US" dirty="0" smtClean="0"/>
+              <a:t>DBMS?</a:t>
+            </a:r>
+            <a:endParaRPr lang="en-US" dirty="0"/>
+          </a:p>
+        </p:txBody>
+      </p:sp>
+      <p:sp>
+        <p:nvSpPr>
+          <p:cNvPr id="3" name="Espace réservé du contenu 2"/>
+          <p:cNvSpPr>
+            <a:spLocks noGrp="1"/>
+          </p:cNvSpPr>
+          <p:nvPr>
+            <p:ph idx="1"/>
+          </p:nvPr>
+        </p:nvSpPr>
+        <p:spPr/>
+        <p:txBody>
+          <a:bodyPr>
+            <a:normAutofit lnSpcReduction="10000"/>
           </a:bodyPr>
           <a:lstStyle/>
           <a:p>
-            <a:pPr eaLnBrk="1" fontAlgn="auto" hangingPunct="1">
-              <a:spcAft>
-                <a:spcPts val="0"/>
-              </a:spcAft>
-              <a:defRPr/>
-            </a:pPr>
-            <a:r>
-              <a:rPr lang="fr-FR" dirty="0" smtClean="0"/>
-              <a:t>PCL :</a:t>
+            <a:r>
+              <a:rPr lang="en-US" dirty="0" smtClean="0"/>
+              <a:t>What people do with point clouds? </a:t>
+            </a:r>
+            <a:endParaRPr lang="en-US" dirty="0" smtClean="0"/>
+          </a:p>
+          <a:p>
+            <a:pPr>
+              <a:buNone/>
+            </a:pPr>
+            <a:r>
+              <a:rPr lang="en-US" dirty="0" smtClean="0"/>
+              <a:t>(See [1])</a:t>
+            </a:r>
+          </a:p>
+          <a:p>
+            <a:pPr lvl="1"/>
+            <a:r>
+              <a:rPr lang="en-US" dirty="0" smtClean="0"/>
+              <a:t>Create data</a:t>
+            </a:r>
+          </a:p>
+          <a:p>
+            <a:pPr lvl="1"/>
+            <a:r>
+              <a:rPr lang="en-US" dirty="0" smtClean="0"/>
+              <a:t>Get data based on </a:t>
             </a:r>
             <a:br>
-              <a:rPr lang="fr-FR" dirty="0" smtClean="0"/>
+              <a:rPr lang="en-US" dirty="0" smtClean="0"/>
             </a:br>
             <a:r>
-              <a:rPr lang="fr-FR" dirty="0" smtClean="0"/>
-              <a:t> </a:t>
-            </a:r>
-            <a:r>
-              <a:rPr lang="fr-FR" dirty="0" err="1" smtClean="0"/>
-              <a:t>Detection</a:t>
-            </a:r>
-            <a:r>
-              <a:rPr lang="fr-FR" dirty="0" smtClean="0"/>
-              <a:t> de plans</a:t>
+              <a:rPr lang="en-US" dirty="0" smtClean="0"/>
+              <a:t>localization </a:t>
             </a:r>
             <a:br>
-              <a:rPr lang="fr-FR" dirty="0" smtClean="0"/>
+              <a:rPr lang="en-US" dirty="0" smtClean="0"/>
             </a:br>
             <a:r>
-              <a:rPr lang="fr-FR" dirty="0" smtClean="0"/>
-              <a:t>filtrage</a:t>
-            </a:r>
-          </a:p>
-        </p:txBody>
-      </p:sp>
-      <p:sp>
-        <p:nvSpPr>
-          <p:cNvPr id="3" name="Sous-titre 2"/>
-          <p:cNvSpPr>
-            <a:spLocks noGrp="1"/>
-          </p:cNvSpPr>
-          <p:nvPr>
-            <p:ph type="subTitle" idx="1"/>
-          </p:nvPr>
-        </p:nvSpPr>
-        <p:spPr/>
-        <p:txBody>
-          <a:bodyPr rtlCol="0">
-            <a:normAutofit/>
-          </a:bodyPr>
-          <a:lstStyle/>
-          <a:p>
-            <a:pPr eaLnBrk="1" fontAlgn="auto" hangingPunct="1">
-              <a:spcAft>
-                <a:spcPts val="0"/>
-              </a:spcAft>
-              <a:buFont typeface="Arial" pitchFamily="34" charset="0"/>
-              <a:buNone/>
-              <a:defRPr/>
-            </a:pPr>
-            <a:r>
-              <a:rPr lang="fr-FR" dirty="0" smtClean="0">
-                <a:hlinkClick r:id="rId2"/>
-              </a:rPr>
-              <a:t>https://github.com/strawlab/python-pcl/blob/master/tests/test.py</a:t>
-            </a:r>
-            <a:endParaRPr lang="fr-FR" dirty="0" smtClean="0"/>
-          </a:p>
-          <a:p>
-            <a:pPr eaLnBrk="1" fontAlgn="auto" hangingPunct="1">
-              <a:spcAft>
-                <a:spcPts val="0"/>
-              </a:spcAft>
-              <a:buFont typeface="Arial" pitchFamily="34" charset="0"/>
-              <a:buNone/>
-              <a:defRPr/>
-            </a:pPr>
-            <a:r>
-              <a:rPr lang="fr-FR" dirty="0" smtClean="0"/>
-              <a:t>https://github.com/strawlab/python-pcl/</a:t>
-            </a:r>
+              <a:rPr lang="en-US" dirty="0" smtClean="0"/>
+              <a:t>time </a:t>
+            </a:r>
+            <a:br>
+              <a:rPr lang="en-US" dirty="0" smtClean="0"/>
+            </a:br>
+            <a:r>
+              <a:rPr lang="en-US" dirty="0" smtClean="0"/>
+              <a:t>attributes</a:t>
+            </a:r>
+          </a:p>
+          <a:p>
+            <a:pPr lvl="1"/>
+            <a:r>
+              <a:rPr lang="en-US" dirty="0" smtClean="0"/>
+              <a:t>Mix data set</a:t>
+            </a:r>
+          </a:p>
+          <a:p>
+            <a:pPr lvl="1"/>
+            <a:r>
+              <a:rPr lang="en-US" dirty="0" smtClean="0"/>
+              <a:t>Convert data </a:t>
+            </a:r>
+          </a:p>
+          <a:p>
+            <a:pPr lvl="1"/>
+            <a:r>
+              <a:rPr lang="en-US" dirty="0" smtClean="0"/>
+              <a:t>Process data</a:t>
+            </a:r>
+          </a:p>
+          <a:p>
+            <a:pPr lvl="1"/>
+            <a:r>
+              <a:rPr lang="en-US" dirty="0" smtClean="0"/>
+              <a:t>Visualize data</a:t>
+            </a:r>
+          </a:p>
+          <a:p>
+            <a:pPr lvl="1"/>
+            <a:r>
+              <a:rPr lang="en-US" dirty="0" smtClean="0"/>
+              <a:t>Update data</a:t>
+            </a:r>
+          </a:p>
+          <a:p>
+            <a:pPr lvl="1"/>
+            <a:endParaRPr lang="en-US" dirty="0"/>
+          </a:p>
+        </p:txBody>
+      </p:sp>
+      <p:sp>
+        <p:nvSpPr>
+          <p:cNvPr id="4" name="Espace réservé de la date 3"/>
+          <p:cNvSpPr>
+            <a:spLocks noGrp="1"/>
+          </p:cNvSpPr>
+          <p:nvPr>
+            <p:ph type="dt" sz="half" idx="10"/>
+          </p:nvPr>
+        </p:nvSpPr>
+        <p:spPr/>
+        <p:txBody>
+          <a:bodyPr/>
+          <a:lstStyle/>
+          <a:p>
+            <a:pPr>
+              <a:defRPr/>
+            </a:pPr>
+            <a:fld id="{E213AF71-F760-4AA3-87B2-C2FBB7A81BCA}" type="datetime1">
+              <a:rPr lang="fr-FR" smtClean="0"/>
+              <a:t>22/09/2014</a:t>
+            </a:fld>
+            <a:endParaRPr lang="fr-FR" dirty="0"/>
+          </a:p>
+        </p:txBody>
+      </p:sp>
+      <p:sp>
+        <p:nvSpPr>
+          <p:cNvPr id="5" name="Espace réservé du pied de page 4"/>
+          <p:cNvSpPr>
+            <a:spLocks noGrp="1"/>
+          </p:cNvSpPr>
+          <p:nvPr>
+            <p:ph type="ftr" sz="quarter" idx="11"/>
+          </p:nvPr>
+        </p:nvSpPr>
+        <p:spPr/>
+        <p:txBody>
+          <a:bodyPr/>
+          <a:lstStyle/>
+          <a:p>
+            <a:pPr>
+              <a:defRPr/>
+            </a:pPr>
+            <a:r>
+              <a:rPr lang="fr-FR" smtClean="0"/>
+              <a:t>Thales - IGN / COGIT - MATIS</a:t>
+            </a:r>
+            <a:endParaRPr lang="fr-FR" dirty="0"/>
+          </a:p>
+        </p:txBody>
+      </p:sp>
+      <p:sp>
+        <p:nvSpPr>
+          <p:cNvPr id="6" name="Espace réservé du numéro de diapositive 5"/>
+          <p:cNvSpPr>
+            <a:spLocks noGrp="1"/>
+          </p:cNvSpPr>
+          <p:nvPr>
+            <p:ph type="sldNum" sz="quarter" idx="12"/>
+          </p:nvPr>
+        </p:nvSpPr>
+        <p:spPr/>
+        <p:txBody>
+          <a:bodyPr/>
+          <a:lstStyle/>
+          <a:p>
+            <a:pPr>
+              <a:defRPr/>
+            </a:pPr>
+            <a:fld id="{504B660C-1446-45BE-A6D7-15805AAE1919}" type="slidenum">
+              <a:rPr lang="fr-FR" smtClean="0"/>
+              <a:pPr>
+                <a:defRPr/>
+              </a:pPr>
+              <a:t>10</a:t>
+            </a:fld>
+            <a:r>
+              <a:rPr lang="fr-FR" smtClean="0"/>
+              <a:t>/</a:t>
+            </a:r>
+            <a:endParaRPr lang="fr-FR" dirty="0"/>
           </a:p>
         </p:txBody>
       </p:sp>
@@ -6013,7 +6150,7 @@
       </p:grpSpPr>
       <p:sp>
         <p:nvSpPr>
-          <p:cNvPr id="10242" name="Titre 1"/>
+          <p:cNvPr id="2" name="Titre 1"/>
           <p:cNvSpPr>
             <a:spLocks noGrp="1"/>
           </p:cNvSpPr>
@@ -6026,11 +6163,15 @@
           <a:bodyPr/>
           <a:lstStyle/>
           <a:p>
-            <a:pPr eaLnBrk="1" hangingPunct="1"/>
-            <a:r>
-              <a:rPr lang="fr-FR" smtClean="0"/>
-              <a:t>Conversion en raster </a:t>
-            </a:r>
+            <a:r>
+              <a:rPr lang="en-US" dirty="0" smtClean="0"/>
+              <a:t>Why use a </a:t>
+            </a:r>
+            <a:r>
+              <a:rPr lang="en-US" dirty="0" smtClean="0"/>
+              <a:t>DBMS?</a:t>
+            </a:r>
+            <a:endParaRPr lang="en-US" dirty="0"/>
           </a:p>
         </p:txBody>
       </p:sp>
@@ -6044,173 +6185,619 @@
             <p:ph idx="1"/>
           </p:nvPr>
         </p:nvSpPr>
-        <p:spPr/>
-        <p:txBody>
-          <a:bodyPr rtlCol="0">
+        <p:spPr>
+          <a:xfrm>
+            <a:off x="357158" y="1142984"/>
+            <a:ext cx="8362950" cy="5715016"/>
+          </a:xfrm>
+        </p:spPr>
+        <p:txBody>
+          <a:bodyPr>
             <a:normAutofit/>
           </a:bodyPr>
           <a:lstStyle/>
           <a:p>
-            <a:pPr eaLnBrk="1" fontAlgn="auto" hangingPunct="1">
+            <a:pPr>
+              <a:buNone/>
+            </a:pPr>
+            <a:r>
+              <a:rPr lang="en-US" cap="none" dirty="0" smtClean="0"/>
+              <a:t>File system limitations</a:t>
+            </a:r>
+          </a:p>
+          <a:p>
+            <a:pPr>
+              <a:buNone/>
+            </a:pPr>
+            <a:r>
+              <a:rPr lang="en-US" cap="none" dirty="0" smtClean="0"/>
+              <a:t>Typically, point clouds are cut in pieces to form a hierarchy of folders (ex : quad tree).</a:t>
+            </a:r>
+          </a:p>
+          <a:p>
+            <a:pPr lvl="1"/>
+            <a:r>
+              <a:rPr lang="en-US" dirty="0" smtClean="0"/>
+              <a:t>Create data</a:t>
+            </a:r>
+          </a:p>
+          <a:p>
+            <a:pPr lvl="1"/>
+            <a:r>
+              <a:rPr lang="en-US" dirty="0" smtClean="0"/>
+              <a:t>Get data based on </a:t>
+            </a:r>
+            <a:br>
+              <a:rPr lang="en-US" dirty="0" smtClean="0"/>
+            </a:br>
+            <a:r>
+              <a:rPr lang="en-US" dirty="0" smtClean="0"/>
+              <a:t>localization </a:t>
+            </a:r>
+            <a:br>
+              <a:rPr lang="en-US" dirty="0" smtClean="0"/>
+            </a:br>
+            <a:r>
+              <a:rPr lang="en-US" dirty="0" smtClean="0"/>
+              <a:t>time </a:t>
+            </a:r>
+            <a:br>
+              <a:rPr lang="en-US" dirty="0" smtClean="0"/>
+            </a:br>
+            <a:r>
+              <a:rPr lang="en-US" dirty="0" smtClean="0"/>
+              <a:t>attributes</a:t>
+            </a:r>
+          </a:p>
+          <a:p>
+            <a:pPr lvl="1"/>
+            <a:r>
+              <a:rPr lang="en-US" dirty="0" smtClean="0"/>
+              <a:t>Mix data sets</a:t>
+            </a:r>
+          </a:p>
+          <a:p>
+            <a:pPr lvl="1"/>
+            <a:r>
+              <a:rPr lang="en-US" dirty="0" smtClean="0"/>
+              <a:t>Convert data </a:t>
+            </a:r>
+          </a:p>
+          <a:p>
+            <a:pPr lvl="1"/>
+            <a:r>
+              <a:rPr lang="en-US" dirty="0" smtClean="0"/>
+              <a:t>Process data</a:t>
+            </a:r>
+          </a:p>
+          <a:p>
+            <a:pPr lvl="1"/>
+            <a:r>
+              <a:rPr lang="en-US" dirty="0" smtClean="0"/>
+              <a:t>Visualize data</a:t>
+            </a:r>
+          </a:p>
+          <a:p>
+            <a:pPr lvl="1"/>
+            <a:r>
+              <a:rPr lang="en-US" dirty="0" smtClean="0"/>
+              <a:t>Update data</a:t>
+            </a:r>
+          </a:p>
+          <a:p>
+            <a:pPr lvl="1"/>
+            <a:endParaRPr lang="en-US" dirty="0"/>
+          </a:p>
+        </p:txBody>
+      </p:sp>
+      <p:sp>
+        <p:nvSpPr>
+          <p:cNvPr id="4" name="Espace réservé de la date 3"/>
+          <p:cNvSpPr>
+            <a:spLocks noGrp="1"/>
+          </p:cNvSpPr>
+          <p:nvPr>
+            <p:ph type="dt" sz="half" idx="10"/>
+          </p:nvPr>
+        </p:nvSpPr>
+        <p:spPr/>
+        <p:txBody>
+          <a:bodyPr/>
+          <a:lstStyle/>
+          <a:p>
+            <a:pPr>
+              <a:defRPr/>
+            </a:pPr>
+            <a:fld id="{E213AF71-F760-4AA3-87B2-C2FBB7A81BCA}" type="datetime1">
+              <a:rPr lang="fr-FR" smtClean="0"/>
+              <a:t>22/09/2014</a:t>
+            </a:fld>
+            <a:endParaRPr lang="fr-FR" dirty="0"/>
+          </a:p>
+        </p:txBody>
+      </p:sp>
+      <p:sp>
+        <p:nvSpPr>
+          <p:cNvPr id="5" name="Espace réservé du pied de page 4"/>
+          <p:cNvSpPr>
+            <a:spLocks noGrp="1"/>
+          </p:cNvSpPr>
+          <p:nvPr>
+            <p:ph type="ftr" sz="quarter" idx="11"/>
+          </p:nvPr>
+        </p:nvSpPr>
+        <p:spPr/>
+        <p:txBody>
+          <a:bodyPr/>
+          <a:lstStyle/>
+          <a:p>
+            <a:pPr>
+              <a:defRPr/>
+            </a:pPr>
+            <a:r>
+              <a:rPr lang="fr-FR" smtClean="0"/>
+              <a:t>Thales - IGN / COGIT - MATIS</a:t>
+            </a:r>
+            <a:endParaRPr lang="fr-FR" dirty="0"/>
+          </a:p>
+        </p:txBody>
+      </p:sp>
+      <p:sp>
+        <p:nvSpPr>
+          <p:cNvPr id="6" name="Espace réservé du numéro de diapositive 5"/>
+          <p:cNvSpPr>
+            <a:spLocks noGrp="1"/>
+          </p:cNvSpPr>
+          <p:nvPr>
+            <p:ph type="sldNum" sz="quarter" idx="12"/>
+          </p:nvPr>
+        </p:nvSpPr>
+        <p:spPr/>
+        <p:txBody>
+          <a:bodyPr/>
+          <a:lstStyle/>
+          <a:p>
+            <a:pPr>
+              <a:defRPr/>
+            </a:pPr>
+            <a:fld id="{504B660C-1446-45BE-A6D7-15805AAE1919}" type="slidenum">
+              <a:rPr lang="fr-FR" smtClean="0"/>
+              <a:pPr>
+                <a:defRPr/>
+              </a:pPr>
+              <a:t>11</a:t>
+            </a:fld>
+            <a:r>
+              <a:rPr lang="fr-FR" smtClean="0"/>
+              <a:t>/</a:t>
+            </a:r>
+            <a:endParaRPr lang="fr-FR" dirty="0"/>
+          </a:p>
+        </p:txBody>
+      </p:sp>
+      <p:sp>
+        <p:nvSpPr>
+          <p:cNvPr id="7" name="Espace réservé du contenu 2"/>
+          <p:cNvSpPr txBox="1">
+            <a:spLocks/>
+          </p:cNvSpPr>
+          <p:nvPr/>
+        </p:nvSpPr>
+        <p:spPr>
+          <a:xfrm>
+            <a:off x="3247986" y="2357430"/>
+            <a:ext cx="5500726" cy="4618045"/>
+          </a:xfrm>
+          <a:prstGeom prst="rect">
+            <a:avLst/>
+          </a:prstGeom>
+        </p:spPr>
+        <p:txBody>
+          <a:bodyPr vert="horz" lIns="91440" tIns="45720" rIns="91440" bIns="45720" rtlCol="0">
+            <a:normAutofit/>
+          </a:bodyPr>
+          <a:lstStyle/>
+          <a:p>
+            <a:pPr marL="627063" marR="0" lvl="1" indent="-169863" algn="l" defTabSz="914400" rtl="0" eaLnBrk="0" fontAlgn="base" latinLnBrk="0" hangingPunct="0">
+              <a:lnSpc>
+                <a:spcPct val="100000"/>
+              </a:lnSpc>
+              <a:spcBef>
+                <a:spcPts val="1800"/>
+              </a:spcBef>
               <a:spcAft>
-                <a:spcPts val="0"/>
+                <a:spcPct val="0"/>
               </a:spcAft>
-              <a:buFont typeface="Arial" pitchFamily="34" charset="0"/>
-              <a:buChar char="•"/>
-              <a:defRPr/>
-            </a:pPr>
-            <a:r>
-              <a:rPr lang="fr-FR" dirty="0" smtClean="0"/>
-              <a:t>Cuisine perso + trick pour </a:t>
-            </a:r>
-            <a:r>
-              <a:rPr lang="fr-FR" dirty="0" err="1" smtClean="0"/>
-              <a:t>ecrire</a:t>
-            </a:r>
-            <a:r>
-              <a:rPr lang="fr-FR" dirty="0" smtClean="0"/>
-              <a:t> les fichiers </a:t>
-            </a:r>
-            <a:r>
-              <a:rPr lang="fr-FR" dirty="0" err="1" smtClean="0"/>
-              <a:t>rapidemment</a:t>
-            </a:r>
-            <a:endParaRPr lang="fr-FR" dirty="0" smtClean="0"/>
-          </a:p>
-          <a:p>
-            <a:pPr eaLnBrk="1" fontAlgn="auto" hangingPunct="1">
+              <a:buClr>
+                <a:srgbClr val="72797F"/>
+              </a:buClr>
+              <a:buSzTx/>
+              <a:tabLst/>
+              <a:defRPr/>
+            </a:pPr>
+            <a:r>
+              <a:rPr kumimoji="0" lang="en-US" sz="1800" b="0" i="0" u="none" strike="noStrike" kern="1200" cap="none" spc="0" normalizeH="0" baseline="0" noProof="0" dirty="0" smtClean="0">
+                <a:ln>
+                  <a:noFill/>
+                </a:ln>
+                <a:solidFill>
+                  <a:schemeClr val="tx1"/>
+                </a:solidFill>
+                <a:effectLst/>
+                <a:uLnTx/>
+                <a:uFillTx/>
+                <a:latin typeface="Arial" pitchFamily="34" charset="0"/>
+                <a:ea typeface="+mn-ea"/>
+                <a:cs typeface="Arial" pitchFamily="34" charset="0"/>
+              </a:rPr>
+              <a:t>Only 1 user at</a:t>
+            </a:r>
+            <a:r>
+              <a:rPr kumimoji="0" lang="en-US" sz="1800" b="0" i="0" u="none" strike="noStrike" kern="1200" cap="none" spc="0" normalizeH="0" noProof="0" dirty="0" smtClean="0">
+                <a:ln>
+                  <a:noFill/>
+                </a:ln>
+                <a:solidFill>
+                  <a:schemeClr val="tx1"/>
+                </a:solidFill>
+                <a:effectLst/>
+                <a:uLnTx/>
+                <a:uFillTx/>
+                <a:latin typeface="Arial" pitchFamily="34" charset="0"/>
+                <a:ea typeface="+mn-ea"/>
+                <a:cs typeface="Arial" pitchFamily="34" charset="0"/>
+              </a:rPr>
+              <a:t> a time</a:t>
+            </a:r>
+            <a:endParaRPr kumimoji="0" lang="en-US" sz="1800" b="0" i="0" u="none" strike="noStrike" kern="1200" cap="none" spc="0" normalizeH="0" baseline="0" noProof="0" dirty="0" smtClean="0">
+              <a:ln>
+                <a:noFill/>
+              </a:ln>
+              <a:solidFill>
+                <a:schemeClr val="tx1"/>
+              </a:solidFill>
+              <a:effectLst/>
+              <a:uLnTx/>
+              <a:uFillTx/>
+              <a:latin typeface="Arial" pitchFamily="34" charset="0"/>
+              <a:ea typeface="+mn-ea"/>
+              <a:cs typeface="Arial" pitchFamily="34" charset="0"/>
+            </a:endParaRPr>
+          </a:p>
+          <a:p>
+            <a:pPr marL="627063" marR="0" lvl="1" indent="-169863" algn="l" defTabSz="914400" rtl="0" eaLnBrk="0" fontAlgn="base" latinLnBrk="0" hangingPunct="0">
+              <a:lnSpc>
+                <a:spcPct val="100000"/>
+              </a:lnSpc>
+              <a:spcBef>
+                <a:spcPts val="1800"/>
+              </a:spcBef>
               <a:spcAft>
-                <a:spcPts val="0"/>
+                <a:spcPct val="0"/>
               </a:spcAft>
-              <a:buFont typeface="Arial" pitchFamily="34" charset="0"/>
-              <a:buChar char="•"/>
-              <a:defRPr/>
-            </a:pPr>
-            <a:r>
-              <a:rPr lang="fr-FR" dirty="0" smtClean="0"/>
-              <a:t>Filtrage </a:t>
-            </a:r>
-          </a:p>
-          <a:p>
-            <a:pPr eaLnBrk="1" fontAlgn="auto" hangingPunct="1">
+              <a:buClr>
+                <a:srgbClr val="72797F"/>
+              </a:buClr>
+              <a:buSzTx/>
+              <a:tabLst/>
+              <a:defRPr/>
+            </a:pPr>
+            <a:r>
+              <a:rPr kumimoji="0" lang="en-US" sz="1800" b="0" i="0" u="none" strike="noStrike" kern="1200" cap="none" spc="0" normalizeH="0" baseline="0" noProof="0" dirty="0" smtClean="0">
+                <a:ln>
+                  <a:noFill/>
+                </a:ln>
+                <a:solidFill>
+                  <a:schemeClr val="tx1"/>
+                </a:solidFill>
+                <a:effectLst/>
+                <a:uLnTx/>
+                <a:uFillTx/>
+                <a:latin typeface="Arial" pitchFamily="34" charset="0"/>
+                <a:ea typeface="+mn-ea"/>
+                <a:cs typeface="Arial" pitchFamily="34" charset="0"/>
+              </a:rPr>
+              <a:t>Need to choose a File structure adapted to one and only one query type</a:t>
+            </a:r>
+            <a:br>
+              <a:rPr kumimoji="0" lang="en-US" sz="1800" b="0" i="0" u="none" strike="noStrike" kern="1200" cap="none" spc="0" normalizeH="0" baseline="0" noProof="0" dirty="0" smtClean="0">
+                <a:ln>
+                  <a:noFill/>
+                </a:ln>
+                <a:solidFill>
+                  <a:schemeClr val="tx1"/>
+                </a:solidFill>
+                <a:effectLst/>
+                <a:uLnTx/>
+                <a:uFillTx/>
+                <a:latin typeface="Arial" pitchFamily="34" charset="0"/>
+                <a:ea typeface="+mn-ea"/>
+                <a:cs typeface="Arial" pitchFamily="34" charset="0"/>
+              </a:rPr>
+            </a:br>
+            <a:r>
+              <a:rPr kumimoji="0" lang="en-US" sz="1800" b="0" i="0" u="none" strike="noStrike" kern="1200" cap="none" spc="0" normalizeH="0" baseline="0" noProof="0" dirty="0" smtClean="0">
+                <a:ln>
+                  <a:noFill/>
+                </a:ln>
+                <a:solidFill>
+                  <a:schemeClr val="tx1"/>
+                </a:solidFill>
+                <a:effectLst/>
+                <a:uLnTx/>
+                <a:uFillTx/>
+                <a:latin typeface="Arial" pitchFamily="34" charset="0"/>
+                <a:ea typeface="+mn-ea"/>
+                <a:cs typeface="Arial" pitchFamily="34" charset="0"/>
+              </a:rPr>
+              <a:t> </a:t>
+            </a:r>
+            <a:br>
+              <a:rPr kumimoji="0" lang="en-US" sz="1800" b="0" i="0" u="none" strike="noStrike" kern="1200" cap="none" spc="0" normalizeH="0" baseline="0" noProof="0" dirty="0" smtClean="0">
+                <a:ln>
+                  <a:noFill/>
+                </a:ln>
+                <a:solidFill>
+                  <a:schemeClr val="tx1"/>
+                </a:solidFill>
+                <a:effectLst/>
+                <a:uLnTx/>
+                <a:uFillTx/>
+                <a:latin typeface="Arial" pitchFamily="34" charset="0"/>
+                <a:ea typeface="+mn-ea"/>
+                <a:cs typeface="Arial" pitchFamily="34" charset="0"/>
+              </a:rPr>
+            </a:br>
+            <a:r>
+              <a:rPr kumimoji="0" lang="en-US" sz="1800" b="0" i="0" u="none" strike="noStrike" kern="1200" cap="none" spc="0" normalizeH="0" baseline="0" noProof="0" dirty="0" smtClean="0">
+                <a:ln>
+                  <a:noFill/>
+                </a:ln>
+                <a:solidFill>
+                  <a:schemeClr val="tx1"/>
+                </a:solidFill>
+                <a:effectLst/>
+                <a:uLnTx/>
+                <a:uFillTx/>
+                <a:latin typeface="Arial" pitchFamily="34" charset="0"/>
+                <a:ea typeface="+mn-ea"/>
+                <a:cs typeface="Arial" pitchFamily="34" charset="0"/>
+              </a:rPr>
+              <a:t> </a:t>
+            </a:r>
+          </a:p>
+          <a:p>
+            <a:pPr marL="627063" marR="0" lvl="1" indent="-169863" algn="l" defTabSz="914400" rtl="0" eaLnBrk="0" fontAlgn="base" latinLnBrk="0" hangingPunct="0">
+              <a:lnSpc>
+                <a:spcPct val="100000"/>
+              </a:lnSpc>
+              <a:spcBef>
+                <a:spcPts val="1800"/>
+              </a:spcBef>
               <a:spcAft>
-                <a:spcPts val="0"/>
+                <a:spcPct val="0"/>
               </a:spcAft>
-              <a:buFont typeface="Arial" pitchFamily="34" charset="0"/>
-              <a:buChar char="•"/>
-              <a:defRPr/>
-            </a:pPr>
-            <a:r>
-              <a:rPr lang="fr-FR" dirty="0" err="1" smtClean="0"/>
-              <a:t>Opencv</a:t>
-            </a:r>
-            <a:endParaRPr lang="fr-FR" dirty="0" smtClean="0"/>
-          </a:p>
-          <a:p>
-            <a:pPr lvl="1" eaLnBrk="1" fontAlgn="auto" hangingPunct="1">
+              <a:buClr>
+                <a:srgbClr val="72797F"/>
+              </a:buClr>
+              <a:buSzTx/>
+              <a:tabLst/>
+              <a:defRPr/>
+            </a:pPr>
+            <a:r>
+              <a:rPr kumimoji="0" lang="en-US" sz="1800" b="0" i="0" u="none" strike="noStrike" kern="1200" cap="none" spc="0" normalizeH="0" baseline="0" noProof="0" dirty="0" smtClean="0">
+                <a:ln>
+                  <a:noFill/>
+                </a:ln>
+                <a:solidFill>
+                  <a:schemeClr val="tx1"/>
+                </a:solidFill>
+                <a:effectLst/>
+                <a:uLnTx/>
+                <a:uFillTx/>
+                <a:latin typeface="Arial" pitchFamily="34" charset="0"/>
+                <a:ea typeface="+mn-ea"/>
+                <a:cs typeface="Arial" pitchFamily="34" charset="0"/>
+              </a:rPr>
+              <a:t>Very difficult</a:t>
+            </a:r>
+          </a:p>
+          <a:p>
+            <a:pPr marL="627063" marR="0" lvl="1" indent="-169863" algn="l" defTabSz="914400" rtl="0" eaLnBrk="0" fontAlgn="base" latinLnBrk="0" hangingPunct="0">
+              <a:lnSpc>
+                <a:spcPct val="100000"/>
+              </a:lnSpc>
+              <a:spcBef>
+                <a:spcPts val="1800"/>
+              </a:spcBef>
               <a:spcAft>
-                <a:spcPts val="0"/>
+                <a:spcPct val="0"/>
               </a:spcAft>
-              <a:buFont typeface="Arial" pitchFamily="34" charset="0"/>
-              <a:buChar char="–"/>
-              <a:defRPr/>
-            </a:pPr>
-            <a:r>
-              <a:rPr lang="fr-FR" dirty="0" smtClean="0"/>
-              <a:t>Image basique</a:t>
-            </a:r>
-          </a:p>
-          <a:p>
-            <a:pPr lvl="1" eaLnBrk="1" fontAlgn="auto" hangingPunct="1">
+              <a:buClr>
+                <a:srgbClr val="72797F"/>
+              </a:buClr>
+              <a:buSzTx/>
+              <a:tabLst/>
+              <a:defRPr/>
+            </a:pPr>
+            <a:r>
+              <a:rPr kumimoji="0" lang="en-US" sz="1800" b="0" i="0" u="none" strike="noStrike" kern="1200" cap="none" spc="0" normalizeH="0" baseline="0" noProof="0" dirty="0" smtClean="0">
+                <a:ln>
+                  <a:noFill/>
+                </a:ln>
+                <a:solidFill>
+                  <a:schemeClr val="tx1"/>
+                </a:solidFill>
+                <a:effectLst/>
+                <a:uLnTx/>
+                <a:uFillTx/>
+                <a:latin typeface="Arial" pitchFamily="34" charset="0"/>
+                <a:ea typeface="+mn-ea"/>
+                <a:cs typeface="Arial" pitchFamily="34" charset="0"/>
+              </a:rPr>
+              <a:t>OK</a:t>
+            </a:r>
+          </a:p>
+          <a:p>
+            <a:pPr marL="627063" marR="0" lvl="1" indent="-169863" algn="l" defTabSz="914400" rtl="0" eaLnBrk="0" fontAlgn="base" latinLnBrk="0" hangingPunct="0">
+              <a:lnSpc>
+                <a:spcPct val="100000"/>
+              </a:lnSpc>
+              <a:spcBef>
+                <a:spcPts val="1800"/>
+              </a:spcBef>
               <a:spcAft>
-                <a:spcPts val="0"/>
+                <a:spcPct val="0"/>
               </a:spcAft>
-              <a:buFont typeface="Arial" pitchFamily="34" charset="0"/>
-              <a:buChar char="–"/>
-              <a:defRPr/>
-            </a:pPr>
-            <a:r>
-              <a:rPr lang="fr-FR" dirty="0" err="1" smtClean="0"/>
-              <a:t>Detection</a:t>
-            </a:r>
-            <a:r>
-              <a:rPr lang="fr-FR" dirty="0" smtClean="0"/>
-              <a:t> de cercle/lignes (</a:t>
-            </a:r>
-            <a:r>
-              <a:rPr lang="fr-FR" dirty="0" err="1" smtClean="0"/>
-              <a:t>hough</a:t>
-            </a:r>
-            <a:r>
-              <a:rPr lang="fr-FR" dirty="0" smtClean="0"/>
-              <a:t>)</a:t>
-            </a:r>
-          </a:p>
-          <a:p>
-            <a:pPr lvl="1" eaLnBrk="1" fontAlgn="auto" hangingPunct="1">
+              <a:buClr>
+                <a:srgbClr val="72797F"/>
+              </a:buClr>
+              <a:buSzTx/>
+              <a:tabLst/>
+              <a:defRPr/>
+            </a:pPr>
+            <a:r>
+              <a:rPr kumimoji="0" lang="en-US" sz="1800" b="0" i="0" u="none" strike="noStrike" kern="1200" cap="none" spc="0" normalizeH="0" baseline="0" noProof="0" dirty="0" smtClean="0">
+                <a:ln>
+                  <a:noFill/>
+                </a:ln>
+                <a:solidFill>
+                  <a:schemeClr val="tx1"/>
+                </a:solidFill>
+                <a:effectLst/>
+                <a:uLnTx/>
+                <a:uFillTx/>
+                <a:latin typeface="Arial" pitchFamily="34" charset="0"/>
+                <a:ea typeface="+mn-ea"/>
+                <a:cs typeface="Arial" pitchFamily="34" charset="0"/>
+              </a:rPr>
+              <a:t>User need to create manually buffers of</a:t>
+            </a:r>
+            <a:r>
+              <a:rPr kumimoji="0" lang="en-US" sz="1800" b="0" i="0" u="none" strike="noStrike" kern="1200" cap="none" spc="0" normalizeH="0" noProof="0" dirty="0" smtClean="0">
+                <a:ln>
+                  <a:noFill/>
+                </a:ln>
+                <a:solidFill>
+                  <a:schemeClr val="tx1"/>
+                </a:solidFill>
+                <a:effectLst/>
+                <a:uLnTx/>
+                <a:uFillTx/>
+                <a:latin typeface="Arial" pitchFamily="34" charset="0"/>
+                <a:ea typeface="+mn-ea"/>
+                <a:cs typeface="Arial" pitchFamily="34" charset="0"/>
+              </a:rPr>
+              <a:t> points</a:t>
+            </a:r>
+            <a:endParaRPr kumimoji="0" lang="en-US" sz="1800" b="0" i="0" u="none" strike="noStrike" kern="1200" cap="none" spc="0" normalizeH="0" baseline="0" noProof="0" dirty="0" smtClean="0">
+              <a:ln>
+                <a:noFill/>
+              </a:ln>
+              <a:solidFill>
+                <a:schemeClr val="tx1"/>
+              </a:solidFill>
+              <a:effectLst/>
+              <a:uLnTx/>
+              <a:uFillTx/>
+              <a:latin typeface="Arial" pitchFamily="34" charset="0"/>
+              <a:ea typeface="+mn-ea"/>
+              <a:cs typeface="Arial" pitchFamily="34" charset="0"/>
+            </a:endParaRPr>
+          </a:p>
+          <a:p>
+            <a:pPr marL="627063" marR="0" lvl="1" indent="-169863" algn="l" defTabSz="914400" rtl="0" eaLnBrk="0" fontAlgn="base" latinLnBrk="0" hangingPunct="0">
+              <a:lnSpc>
+                <a:spcPct val="100000"/>
+              </a:lnSpc>
+              <a:spcBef>
+                <a:spcPts val="1800"/>
+              </a:spcBef>
               <a:spcAft>
-                <a:spcPts val="0"/>
+                <a:spcPct val="0"/>
               </a:spcAft>
-              <a:buFont typeface="Arial" pitchFamily="34" charset="0"/>
-              <a:buChar char="–"/>
-              <a:defRPr/>
-            </a:pPr>
-            <a:r>
-              <a:rPr lang="fr-FR" dirty="0" err="1" smtClean="0"/>
-              <a:t>Detecteurs</a:t>
-            </a:r>
-            <a:endParaRPr lang="fr-FR" dirty="0" smtClean="0"/>
-          </a:p>
-          <a:p>
-            <a:pPr lvl="1" eaLnBrk="1" fontAlgn="auto" hangingPunct="1">
+              <a:buClr>
+                <a:srgbClr val="72797F"/>
+              </a:buClr>
+              <a:buSzTx/>
+              <a:tabLst/>
+              <a:defRPr/>
+            </a:pPr>
+            <a:r>
+              <a:rPr kumimoji="0" lang="en-US" sz="1800" b="0" i="0" u="none" strike="noStrike" kern="1200" cap="none" spc="0" normalizeH="0" baseline="0" noProof="0" dirty="0" smtClean="0">
+                <a:ln>
+                  <a:noFill/>
+                </a:ln>
+                <a:solidFill>
+                  <a:schemeClr val="tx1"/>
+                </a:solidFill>
+                <a:effectLst/>
+                <a:uLnTx/>
+                <a:uFillTx/>
+                <a:latin typeface="Arial" pitchFamily="34" charset="0"/>
+                <a:ea typeface="+mn-ea"/>
+                <a:cs typeface="Arial" pitchFamily="34" charset="0"/>
+              </a:rPr>
+              <a:t>OK</a:t>
+            </a:r>
+          </a:p>
+          <a:p>
+            <a:pPr marL="627063" lvl="1" indent="-169863" eaLnBrk="0" hangingPunct="0">
+              <a:spcBef>
+                <a:spcPts val="1800"/>
+              </a:spcBef>
+              <a:buClr>
+                <a:srgbClr val="72797F"/>
+              </a:buClr>
+              <a:defRPr/>
+            </a:pPr>
+            <a:r>
+              <a:rPr lang="en-US" dirty="0" smtClean="0">
+                <a:latin typeface="Arial" pitchFamily="34" charset="0"/>
+                <a:cs typeface="Arial" pitchFamily="34" charset="0"/>
+              </a:rPr>
+              <a:t>Only </a:t>
+            </a:r>
+            <a:r>
+              <a:rPr lang="en-US" dirty="0" smtClean="0">
+                <a:latin typeface="Arial" pitchFamily="34" charset="0"/>
+                <a:cs typeface="Arial" pitchFamily="34" charset="0"/>
+              </a:rPr>
+              <a:t>1 user at a time</a:t>
+            </a:r>
+          </a:p>
+          <a:p>
+            <a:pPr marL="627063" marR="0" lvl="1" indent="-169863" algn="l" defTabSz="914400" rtl="0" eaLnBrk="0" fontAlgn="base" latinLnBrk="0" hangingPunct="0">
+              <a:lnSpc>
+                <a:spcPct val="100000"/>
+              </a:lnSpc>
+              <a:spcBef>
+                <a:spcPts val="1800"/>
+              </a:spcBef>
               <a:spcAft>
-                <a:spcPts val="0"/>
+                <a:spcPct val="0"/>
               </a:spcAft>
-              <a:buFont typeface="Arial" pitchFamily="34" charset="0"/>
-              <a:buChar char="–"/>
-              <a:defRPr/>
-            </a:pPr>
-            <a:r>
-              <a:rPr lang="fr-FR" dirty="0" err="1" smtClean="0"/>
-              <a:t>Matching</a:t>
-            </a:r>
-            <a:r>
-              <a:rPr lang="fr-FR" dirty="0" smtClean="0"/>
-              <a:t> pour trouver les marquages « </a:t>
-            </a:r>
-            <a:r>
-              <a:rPr lang="fr-FR" dirty="0" err="1" smtClean="0"/>
-              <a:t>velos</a:t>
-            </a:r>
-            <a:r>
-              <a:rPr lang="fr-FR" dirty="0" smtClean="0"/>
-              <a:t> »</a:t>
-            </a:r>
-          </a:p>
-          <a:p>
-            <a:pPr lvl="2" eaLnBrk="1" fontAlgn="auto" hangingPunct="1">
-              <a:spcAft>
-                <a:spcPts val="0"/>
-              </a:spcAft>
-              <a:buFont typeface="Arial" pitchFamily="34" charset="0"/>
-              <a:buChar char="•"/>
-              <a:defRPr/>
-            </a:pPr>
-            <a:r>
-              <a:rPr lang="fr-FR" dirty="0" smtClean="0"/>
-              <a:t>http://docs.opencv.org/trunk/doc/py_tutorials/py_feature2d/py_feature_homography/py_feature_homography.html#py-feature-homography</a:t>
-            </a:r>
-          </a:p>
-          <a:p>
-            <a:pPr eaLnBrk="1" fontAlgn="auto" hangingPunct="1">
-              <a:spcAft>
-                <a:spcPts val="0"/>
-              </a:spcAft>
-              <a:buFont typeface="Arial" pitchFamily="34" charset="0"/>
-              <a:buChar char="•"/>
-              <a:defRPr/>
-            </a:pPr>
-            <a:endParaRPr lang="fr-FR" dirty="0" smtClean="0"/>
+              <a:buClr>
+                <a:srgbClr val="72797F"/>
+              </a:buClr>
+              <a:buSzTx/>
+              <a:tabLst/>
+              <a:defRPr/>
+            </a:pPr>
+            <a:endParaRPr kumimoji="0" lang="en-US" sz="1800" b="0" i="0" u="none" strike="noStrike" kern="1200" cap="none" spc="0" normalizeH="0" baseline="0" noProof="0" dirty="0">
+              <a:ln>
+                <a:noFill/>
+              </a:ln>
+              <a:solidFill>
+                <a:schemeClr val="tx1"/>
+              </a:solidFill>
+              <a:effectLst/>
+              <a:uLnTx/>
+              <a:uFillTx/>
+              <a:latin typeface="Arial" pitchFamily="34" charset="0"/>
+              <a:ea typeface="+mn-ea"/>
+              <a:cs typeface="Arial" pitchFamily="34" charset="0"/>
+            </a:endParaRPr>
           </a:p>
         </p:txBody>
       </p:sp>
@@ -6241,83 +6828,169 @@
       </p:grpSpPr>
       <p:sp>
         <p:nvSpPr>
-          <p:cNvPr id="11266" name="Titre 1"/>
-          <p:cNvSpPr>
-            <a:spLocks noGrp="1"/>
-          </p:cNvSpPr>
-          <p:nvPr>
-            <p:ph type="ctrTitle"/>
-          </p:nvPr>
-        </p:nvSpPr>
-        <p:spPr/>
-        <p:txBody>
-          <a:bodyPr/>
-          <a:lstStyle/>
-          <a:p>
-            <a:pPr eaLnBrk="1" hangingPunct="1"/>
-            <a:r>
+          <p:cNvPr id="2" name="Titre 1"/>
+          <p:cNvSpPr>
+            <a:spLocks noGrp="1"/>
+          </p:cNvSpPr>
+          <p:nvPr>
+            <p:ph type="title"/>
+          </p:nvPr>
+        </p:nvSpPr>
+        <p:spPr/>
+        <p:txBody>
+          <a:bodyPr/>
+          <a:lstStyle/>
+          <a:p>
+            <a:r>
+              <a:rPr lang="en-US" dirty="0" smtClean="0"/>
+              <a:t>Why use a DBMS?</a:t>
+            </a:r>
+            <a:endParaRPr lang="en-US" dirty="0"/>
+          </a:p>
+        </p:txBody>
+      </p:sp>
+      <p:sp>
+        <p:nvSpPr>
+          <p:cNvPr id="3" name="Espace réservé du contenu 2"/>
+          <p:cNvSpPr>
+            <a:spLocks noGrp="1"/>
+          </p:cNvSpPr>
+          <p:nvPr>
+            <p:ph idx="1"/>
+          </p:nvPr>
+        </p:nvSpPr>
+        <p:spPr/>
+        <p:txBody>
+          <a:bodyPr/>
+          <a:lstStyle/>
+          <a:p>
+            <a:r>
+              <a:rPr lang="en-US" dirty="0" smtClean="0"/>
+              <a:t>Using a </a:t>
+            </a:r>
+            <a:r>
+              <a:rPr lang="en-US" dirty="0" err="1" smtClean="0"/>
+              <a:t>filesystem</a:t>
+            </a:r>
+            <a:endParaRPr lang="en-US" dirty="0" smtClean="0"/>
+          </a:p>
+          <a:p>
+            <a:r>
+              <a:rPr lang="en-US" cap="none" dirty="0" smtClean="0"/>
+              <a:t>Everything can be done, but it would amounts to redeveloping a DBMS system !</a:t>
+            </a:r>
+          </a:p>
+          <a:p>
+            <a:r>
+              <a:rPr lang="en-US" cap="none" dirty="0" smtClean="0"/>
+              <a:t>No security of the data</a:t>
+            </a:r>
+          </a:p>
+          <a:p>
+            <a:r>
+              <a:rPr lang="en-US" cap="none" dirty="0" smtClean="0"/>
+              <a:t>No concurrency</a:t>
+            </a:r>
+          </a:p>
+          <a:p>
+            <a:r>
+              <a:rPr lang="en-US" cap="none" dirty="0" smtClean="0"/>
+              <a:t>Need a different solution for every kind of data (points, raster, vector)</a:t>
+            </a:r>
+          </a:p>
+          <a:p>
+            <a:endParaRPr lang="en-US" cap="none" dirty="0" smtClean="0"/>
+          </a:p>
+          <a:p>
+            <a:r>
+              <a:rPr lang="en-US" cap="none" dirty="0" smtClean="0"/>
+              <a:t>In the raster world, massive trends toward database/server.</a:t>
+            </a:r>
+          </a:p>
+        </p:txBody>
+      </p:sp>
+      <p:sp>
+        <p:nvSpPr>
+          <p:cNvPr id="4" name="Espace réservé de la date 3"/>
+          <p:cNvSpPr>
+            <a:spLocks noGrp="1"/>
+          </p:cNvSpPr>
+          <p:nvPr>
+            <p:ph type="dt" sz="half" idx="10"/>
+          </p:nvPr>
+        </p:nvSpPr>
+        <p:spPr/>
+        <p:txBody>
+          <a:bodyPr/>
+          <a:lstStyle/>
+          <a:p>
+            <a:pPr>
+              <a:defRPr/>
+            </a:pPr>
+            <a:fld id="{E213AF71-F760-4AA3-87B2-C2FBB7A81BCA}" type="datetime1">
               <a:rPr lang="fr-FR" smtClean="0"/>
-              <a:t>Traitement d’image basique</a:t>
-            </a:r>
-          </a:p>
-        </p:txBody>
-      </p:sp>
-      <p:sp>
-        <p:nvSpPr>
-          <p:cNvPr id="3" name="Sous-titre 2"/>
-          <p:cNvSpPr>
-            <a:spLocks noGrp="1"/>
-          </p:cNvSpPr>
-          <p:nvPr>
-            <p:ph type="subTitle" idx="1"/>
-          </p:nvPr>
-        </p:nvSpPr>
-        <p:spPr/>
-        <p:txBody>
-          <a:bodyPr rtlCol="0">
-            <a:normAutofit/>
-          </a:bodyPr>
-          <a:lstStyle/>
-          <a:p>
-            <a:pPr eaLnBrk="1" fontAlgn="auto" hangingPunct="1">
-              <a:spcAft>
-                <a:spcPts val="0"/>
-              </a:spcAft>
-              <a:buFont typeface="Arial" pitchFamily="34" charset="0"/>
-              <a:buNone/>
-              <a:defRPr/>
-            </a:pPr>
-            <a:r>
-              <a:rPr lang="fr-FR" dirty="0" smtClean="0"/>
-              <a:t>http://docs.opencv.org/trunk/doc/py_tutorials/py_tutorials.html</a:t>
-            </a:r>
-          </a:p>
-          <a:p>
-            <a:pPr eaLnBrk="1" fontAlgn="auto" hangingPunct="1">
-              <a:spcAft>
-                <a:spcPts val="0"/>
-              </a:spcAft>
-              <a:buFont typeface="Arial" pitchFamily="34" charset="0"/>
-              <a:buNone/>
-              <a:defRPr/>
-            </a:pPr>
-            <a:r>
-              <a:rPr lang="fr-FR" dirty="0" smtClean="0"/>
-              <a:t>Gradient + </a:t>
-            </a:r>
-            <a:r>
-              <a:rPr lang="fr-FR" dirty="0" err="1" smtClean="0"/>
-              <a:t>Detection</a:t>
-            </a:r>
-            <a:r>
-              <a:rPr lang="fr-FR" dirty="0" smtClean="0"/>
-              <a:t> de cercle avec </a:t>
-            </a:r>
-            <a:r>
-              <a:rPr lang="fr-FR" dirty="0" err="1" smtClean="0"/>
-              <a:t>OpenCV</a:t>
-            </a:r>
-            <a:endParaRPr lang="fr-FR" dirty="0" smtClean="0"/>
+              <a:t>22/09/2014</a:t>
+            </a:fld>
+            <a:endParaRPr lang="fr-FR" dirty="0"/>
+          </a:p>
+        </p:txBody>
+      </p:sp>
+      <p:sp>
+        <p:nvSpPr>
+          <p:cNvPr id="5" name="Espace réservé du pied de page 4"/>
+          <p:cNvSpPr>
+            <a:spLocks noGrp="1"/>
+          </p:cNvSpPr>
+          <p:nvPr>
+            <p:ph type="ftr" sz="quarter" idx="11"/>
+          </p:nvPr>
+        </p:nvSpPr>
+        <p:spPr/>
+        <p:txBody>
+          <a:bodyPr/>
+          <a:lstStyle/>
+          <a:p>
+            <a:pPr>
+              <a:defRPr/>
+            </a:pPr>
+            <a:r>
+              <a:rPr lang="fr-FR" smtClean="0"/>
+              <a:t>Thales - IGN / COGIT - MATIS</a:t>
+            </a:r>
+            <a:endParaRPr lang="fr-FR" dirty="0"/>
+          </a:p>
+        </p:txBody>
+      </p:sp>
+      <p:sp>
+        <p:nvSpPr>
+          <p:cNvPr id="6" name="Espace réservé du numéro de diapositive 5"/>
+          <p:cNvSpPr>
+            <a:spLocks noGrp="1"/>
+          </p:cNvSpPr>
+          <p:nvPr>
+            <p:ph type="sldNum" sz="quarter" idx="12"/>
+          </p:nvPr>
+        </p:nvSpPr>
+        <p:spPr/>
+        <p:txBody>
+          <a:bodyPr/>
+          <a:lstStyle/>
+          <a:p>
+            <a:pPr>
+              <a:defRPr/>
+            </a:pPr>
+            <a:fld id="{504B660C-1446-45BE-A6D7-15805AAE1919}" type="slidenum">
+              <a:rPr lang="fr-FR" smtClean="0"/>
+              <a:pPr>
+                <a:defRPr/>
+              </a:pPr>
+              <a:t>12</a:t>
+            </a:fld>
+            <a:r>
+              <a:rPr lang="fr-FR" smtClean="0"/>
+              <a:t>/</a:t>
+            </a:r>
+            <a:endParaRPr lang="fr-FR" dirty="0"/>
           </a:p>
         </p:txBody>
       </p:sp>
@@ -6348,53 +7021,173 @@
       </p:grpSpPr>
       <p:sp>
         <p:nvSpPr>
-          <p:cNvPr id="12290" name="Titre 1"/>
-          <p:cNvSpPr>
-            <a:spLocks noGrp="1"/>
-          </p:cNvSpPr>
-          <p:nvPr>
-            <p:ph type="ctrTitle"/>
-          </p:nvPr>
-        </p:nvSpPr>
-        <p:spPr/>
-        <p:txBody>
-          <a:bodyPr/>
-          <a:lstStyle/>
-          <a:p>
-            <a:pPr eaLnBrk="1" hangingPunct="1"/>
-            <a:r>
+          <p:cNvPr id="2" name="Titre 1"/>
+          <p:cNvSpPr>
+            <a:spLocks noGrp="1"/>
+          </p:cNvSpPr>
+          <p:nvPr>
+            <p:ph type="title"/>
+          </p:nvPr>
+        </p:nvSpPr>
+        <p:spPr/>
+        <p:txBody>
+          <a:bodyPr/>
+          <a:lstStyle/>
+          <a:p>
+            <a:r>
+              <a:rPr lang="en-US" dirty="0" smtClean="0"/>
+              <a:t>Why use a DBMS?</a:t>
+            </a:r>
+            <a:endParaRPr lang="en-US" dirty="0"/>
+          </a:p>
+        </p:txBody>
+      </p:sp>
+      <p:sp>
+        <p:nvSpPr>
+          <p:cNvPr id="3" name="Espace réservé du contenu 2"/>
+          <p:cNvSpPr>
+            <a:spLocks noGrp="1"/>
+          </p:cNvSpPr>
+          <p:nvPr>
+            <p:ph idx="1"/>
+          </p:nvPr>
+        </p:nvSpPr>
+        <p:spPr/>
+        <p:txBody>
+          <a:bodyPr/>
+          <a:lstStyle/>
+          <a:p>
+            <a:r>
+              <a:rPr lang="en-US" dirty="0" err="1" smtClean="0"/>
+              <a:t>USing</a:t>
+            </a:r>
+            <a:r>
+              <a:rPr lang="en-US" dirty="0" smtClean="0"/>
+              <a:t> A DBMS </a:t>
+            </a:r>
+            <a:r>
+              <a:rPr lang="en-US" dirty="0" smtClean="0"/>
+              <a:t>solution</a:t>
+            </a:r>
+          </a:p>
+          <a:p>
+            <a:endParaRPr lang="en-US" dirty="0" smtClean="0"/>
+          </a:p>
+          <a:p>
+            <a:r>
+              <a:rPr lang="en-US" cap="none" dirty="0" smtClean="0"/>
+              <a:t>Allow concurrency / clusters of servers</a:t>
+            </a:r>
+          </a:p>
+          <a:p>
+            <a:r>
+              <a:rPr lang="en-US" cap="none" dirty="0" smtClean="0"/>
+              <a:t>All geospatial data in the same place</a:t>
+            </a:r>
+          </a:p>
+          <a:p>
+            <a:endParaRPr lang="en-US" cap="none" dirty="0" smtClean="0"/>
+          </a:p>
+          <a:p>
+            <a:r>
+              <a:rPr lang="en-US" cap="none" dirty="0" smtClean="0"/>
+              <a:t>Efficient querying on localization &amp; time &amp; attributes</a:t>
+            </a:r>
+          </a:p>
+          <a:p>
+            <a:endParaRPr lang="en-US" cap="none" dirty="0" smtClean="0"/>
+          </a:p>
+          <a:p>
+            <a:r>
+              <a:rPr lang="en-US" cap="none" dirty="0" smtClean="0"/>
+              <a:t>Point clouds as a service : can be integrated in sophisticated client system.</a:t>
+            </a:r>
+            <a:endParaRPr lang="en-US" cap="none" dirty="0" smtClean="0"/>
+          </a:p>
+        </p:txBody>
+      </p:sp>
+      <p:sp>
+        <p:nvSpPr>
+          <p:cNvPr id="4" name="Espace réservé de la date 3"/>
+          <p:cNvSpPr>
+            <a:spLocks noGrp="1"/>
+          </p:cNvSpPr>
+          <p:nvPr>
+            <p:ph type="dt" sz="half" idx="10"/>
+          </p:nvPr>
+        </p:nvSpPr>
+        <p:spPr/>
+        <p:txBody>
+          <a:bodyPr/>
+          <a:lstStyle/>
+          <a:p>
+            <a:pPr>
+              <a:defRPr/>
+            </a:pPr>
+            <a:fld id="{E213AF71-F760-4AA3-87B2-C2FBB7A81BCA}" type="datetime1">
               <a:rPr lang="fr-FR" smtClean="0"/>
-              <a:t>avancé</a:t>
-            </a:r>
-          </a:p>
-        </p:txBody>
-      </p:sp>
-      <p:sp>
-        <p:nvSpPr>
-          <p:cNvPr id="3" name="Sous-titre 2"/>
-          <p:cNvSpPr>
-            <a:spLocks noGrp="1"/>
-          </p:cNvSpPr>
-          <p:nvPr>
-            <p:ph type="subTitle" idx="1"/>
-          </p:nvPr>
-        </p:nvSpPr>
-        <p:spPr/>
-        <p:txBody>
-          <a:bodyPr rtlCol="0">
-            <a:normAutofit/>
-          </a:bodyPr>
-          <a:lstStyle/>
-          <a:p>
-            <a:pPr eaLnBrk="1" fontAlgn="auto" hangingPunct="1">
-              <a:spcAft>
-                <a:spcPts val="0"/>
-              </a:spcAft>
-              <a:buFont typeface="Arial" pitchFamily="34" charset="0"/>
-              <a:buNone/>
-              <a:defRPr/>
-            </a:pPr>
-            <a:endParaRPr lang="fr-FR" smtClean="0"/>
+              <a:t>22/09/2014</a:t>
+            </a:fld>
+            <a:endParaRPr lang="fr-FR" dirty="0"/>
+          </a:p>
+        </p:txBody>
+      </p:sp>
+      <p:sp>
+        <p:nvSpPr>
+          <p:cNvPr id="5" name="Espace réservé du pied de page 4"/>
+          <p:cNvSpPr>
+            <a:spLocks noGrp="1"/>
+          </p:cNvSpPr>
+          <p:nvPr>
+            <p:ph type="ftr" sz="quarter" idx="11"/>
+          </p:nvPr>
+        </p:nvSpPr>
+        <p:spPr/>
+        <p:txBody>
+          <a:bodyPr/>
+          <a:lstStyle/>
+          <a:p>
+            <a:pPr>
+              <a:defRPr/>
+            </a:pPr>
+            <a:r>
+              <a:rPr lang="fr-FR" smtClean="0"/>
+              <a:t>Thales - IGN / COGIT - MATIS</a:t>
+            </a:r>
+            <a:endParaRPr lang="fr-FR" dirty="0"/>
+          </a:p>
+        </p:txBody>
+      </p:sp>
+      <p:sp>
+        <p:nvSpPr>
+          <p:cNvPr id="6" name="Espace réservé du numéro de diapositive 5"/>
+          <p:cNvSpPr>
+            <a:spLocks noGrp="1"/>
+          </p:cNvSpPr>
+          <p:nvPr>
+            <p:ph type="sldNum" sz="quarter" idx="12"/>
+          </p:nvPr>
+        </p:nvSpPr>
+        <p:spPr/>
+        <p:txBody>
+          <a:bodyPr/>
+          <a:lstStyle/>
+          <a:p>
+            <a:pPr>
+              <a:defRPr/>
+            </a:pPr>
+            <a:fld id="{504B660C-1446-45BE-A6D7-15805AAE1919}" type="slidenum">
+              <a:rPr lang="fr-FR" smtClean="0"/>
+              <a:pPr>
+                <a:defRPr/>
+              </a:pPr>
+              <a:t>13</a:t>
+            </a:fld>
+            <a:r>
+              <a:rPr lang="fr-FR" smtClean="0"/>
+              <a:t>/</a:t>
+            </a:r>
+            <a:endParaRPr lang="fr-FR" dirty="0"/>
           </a:p>
         </p:txBody>
       </p:sp>
@@ -6425,7 +7218,7 @@
       </p:grpSpPr>
       <p:sp>
         <p:nvSpPr>
-          <p:cNvPr id="13314" name="Titre 1"/>
+          <p:cNvPr id="2" name="Titre 1"/>
           <p:cNvSpPr>
             <a:spLocks noGrp="1"/>
           </p:cNvSpPr>
@@ -6438,17 +7231,110 @@
           <a:bodyPr/>
           <a:lstStyle/>
           <a:p>
-            <a:pPr eaLnBrk="1" hangingPunct="1"/>
+            <a:r>
+              <a:rPr lang="en-US" dirty="0" err="1" smtClean="0"/>
+              <a:t>PointCLOUD</a:t>
+            </a:r>
+            <a:r>
+              <a:rPr lang="en-US" dirty="0" smtClean="0"/>
+              <a:t> : efficient  storing/querying in </a:t>
+            </a:r>
+            <a:r>
+              <a:rPr lang="en-US" dirty="0" err="1" smtClean="0"/>
+              <a:t>postgres</a:t>
+            </a:r>
+            <a:endParaRPr lang="fr-FR" dirty="0"/>
+          </a:p>
+        </p:txBody>
+      </p:sp>
+      <p:sp>
+        <p:nvSpPr>
+          <p:cNvPr id="3" name="Espace réservé du pied de page 2"/>
+          <p:cNvSpPr>
+            <a:spLocks noGrp="1"/>
+          </p:cNvSpPr>
+          <p:nvPr>
+            <p:ph type="ftr" sz="quarter" idx="10"/>
+          </p:nvPr>
+        </p:nvSpPr>
+        <p:spPr/>
+        <p:txBody>
+          <a:bodyPr/>
+          <a:lstStyle/>
+          <a:p>
+            <a:pPr>
+              <a:defRPr/>
+            </a:pPr>
             <a:r>
               <a:rPr lang="fr-FR" smtClean="0"/>
-              <a:t>24/06</a:t>
-            </a:r>
-          </a:p>
-        </p:txBody>
-      </p:sp>
-      <p:sp>
-        <p:nvSpPr>
-          <p:cNvPr id="13315" name="Espace réservé du contenu 2"/>
+              <a:t>Thales - IGN / COGIT - MATIS</a:t>
+            </a:r>
+            <a:endParaRPr lang="fr-FR" dirty="0"/>
+          </a:p>
+        </p:txBody>
+      </p:sp>
+      <p:sp>
+        <p:nvSpPr>
+          <p:cNvPr id="4" name="Espace réservé de la date 3"/>
+          <p:cNvSpPr>
+            <a:spLocks noGrp="1"/>
+          </p:cNvSpPr>
+          <p:nvPr>
+            <p:ph type="dt" sz="half" idx="11"/>
+          </p:nvPr>
+        </p:nvSpPr>
+        <p:spPr/>
+        <p:txBody>
+          <a:bodyPr/>
+          <a:lstStyle/>
+          <a:p>
+            <a:pPr>
+              <a:defRPr/>
+            </a:pPr>
+            <a:fld id="{1305F5B3-A6E5-40AA-A82B-787F42B9B41F}" type="datetime1">
+              <a:rPr lang="fr-FR" smtClean="0"/>
+              <a:t>22/09/2014</a:t>
+            </a:fld>
+            <a:endParaRPr lang="fr-FR" dirty="0"/>
+          </a:p>
+        </p:txBody>
+      </p:sp>
+      <p:sp>
+        <p:nvSpPr>
+          <p:cNvPr id="5" name="Espace réservé du numéro de diapositive 4"/>
+          <p:cNvSpPr>
+            <a:spLocks noGrp="1"/>
+          </p:cNvSpPr>
+          <p:nvPr>
+            <p:ph type="sldNum" sz="quarter" idx="12"/>
+          </p:nvPr>
+        </p:nvSpPr>
+        <p:spPr/>
+        <p:txBody>
+          <a:bodyPr/>
+          <a:lstStyle/>
+          <a:p>
+            <a:pPr>
+              <a:defRPr/>
+            </a:pPr>
+            <a:fld id="{F70D7BCD-66D0-4372-890E-9084B1AF6A1A}" type="slidenum">
+              <a:rPr lang="fr-FR" smtClean="0"/>
+              <a:pPr>
+                <a:defRPr/>
+              </a:pPr>
+              <a:t>14</a:t>
+            </a:fld>
+            <a:r>
+              <a:rPr lang="fr-FR" smtClean="0"/>
+              <a:t>/</a:t>
+            </a:r>
+            <a:endParaRPr lang="fr-FR" dirty="0"/>
+          </a:p>
+        </p:txBody>
+      </p:sp>
+      <p:sp>
+        <p:nvSpPr>
+          <p:cNvPr id="6" name="Espace réservé du contenu 5"/>
           <p:cNvSpPr>
             <a:spLocks noGrp="1"/>
           </p:cNvSpPr>
@@ -6461,11 +7347,42 @@
           <a:bodyPr/>
           <a:lstStyle/>
           <a:p>
-            <a:pPr eaLnBrk="1" hangingPunct="1"/>
-            <a:r>
-              <a:rPr lang="fr-FR" smtClean="0"/>
-              <a:t>Travail sur clustering dans R</a:t>
-            </a:r>
+            <a:r>
+              <a:rPr lang="en-US" dirty="0" smtClean="0"/>
+              <a:t>What is </a:t>
+            </a:r>
+            <a:r>
+              <a:rPr lang="en-US" dirty="0" err="1" smtClean="0"/>
+              <a:t>PointCLoud</a:t>
+            </a:r>
+            <a:r>
+              <a:rPr lang="en-US" dirty="0" smtClean="0"/>
+              <a:t>?</a:t>
+            </a:r>
+          </a:p>
+          <a:p>
+            <a:r>
+              <a:rPr lang="en-US" dirty="0" smtClean="0"/>
+              <a:t>Efficient storage</a:t>
+            </a:r>
+          </a:p>
+          <a:p>
+            <a:r>
+              <a:rPr lang="en-US" dirty="0" smtClean="0"/>
+              <a:t>Efficient loading</a:t>
+            </a:r>
+          </a:p>
+          <a:p>
+            <a:r>
+              <a:rPr lang="en-US" dirty="0" smtClean="0"/>
+              <a:t>FAST querying</a:t>
+            </a:r>
+          </a:p>
+          <a:p>
+            <a:endParaRPr lang="en-US" dirty="0" smtClean="0"/>
+          </a:p>
+          <a:p>
+            <a:endParaRPr lang="en-US" dirty="0"/>
           </a:p>
         </p:txBody>
       </p:sp>
@@ -6496,7 +7413,7 @@
       </p:grpSpPr>
       <p:sp>
         <p:nvSpPr>
-          <p:cNvPr id="14338" name="Titre 1"/>
+          <p:cNvPr id="2" name="Titre 1"/>
           <p:cNvSpPr>
             <a:spLocks noGrp="1"/>
           </p:cNvSpPr>
@@ -6509,17 +7426,102 @@
           <a:bodyPr/>
           <a:lstStyle/>
           <a:p>
-            <a:pPr eaLnBrk="1" hangingPunct="1"/>
+            <a:r>
+              <a:rPr lang="fr-FR" dirty="0" smtClean="0"/>
+              <a:t>ressources</a:t>
+            </a:r>
+            <a:endParaRPr lang="fr-FR" dirty="0"/>
+          </a:p>
+        </p:txBody>
+      </p:sp>
+      <p:sp>
+        <p:nvSpPr>
+          <p:cNvPr id="3" name="Espace réservé du pied de page 2"/>
+          <p:cNvSpPr>
+            <a:spLocks noGrp="1"/>
+          </p:cNvSpPr>
+          <p:nvPr>
+            <p:ph type="ftr" sz="quarter" idx="10"/>
+          </p:nvPr>
+        </p:nvSpPr>
+        <p:spPr/>
+        <p:txBody>
+          <a:bodyPr/>
+          <a:lstStyle/>
+          <a:p>
+            <a:pPr>
+              <a:defRPr/>
+            </a:pPr>
             <a:r>
               <a:rPr lang="fr-FR" smtClean="0"/>
-              <a:t>Loading data</a:t>
-            </a:r>
-          </a:p>
-        </p:txBody>
-      </p:sp>
-      <p:sp>
-        <p:nvSpPr>
-          <p:cNvPr id="14339" name="Espace réservé du contenu 2"/>
+              <a:t>Thales - IGN / COGIT - MATIS</a:t>
+            </a:r>
+            <a:endParaRPr lang="fr-FR" dirty="0"/>
+          </a:p>
+        </p:txBody>
+      </p:sp>
+      <p:sp>
+        <p:nvSpPr>
+          <p:cNvPr id="4" name="Espace réservé de la date 3"/>
+          <p:cNvSpPr>
+            <a:spLocks noGrp="1"/>
+          </p:cNvSpPr>
+          <p:nvPr>
+            <p:ph type="dt" sz="half" idx="11"/>
+          </p:nvPr>
+        </p:nvSpPr>
+        <p:spPr/>
+        <p:txBody>
+          <a:bodyPr/>
+          <a:lstStyle/>
+          <a:p>
+            <a:pPr>
+              <a:defRPr/>
+            </a:pPr>
+            <a:fld id="{1305F5B3-A6E5-40AA-A82B-787F42B9B41F}" type="datetime1">
+              <a:rPr lang="fr-FR" smtClean="0"/>
+              <a:t>22/09/2014</a:t>
+            </a:fld>
+            <a:endParaRPr lang="fr-FR" dirty="0"/>
+          </a:p>
+        </p:txBody>
+      </p:sp>
+      <p:sp>
+        <p:nvSpPr>
+          <p:cNvPr id="5" name="Espace réservé du numéro de diapositive 4"/>
+          <p:cNvSpPr>
+            <a:spLocks noGrp="1"/>
+          </p:cNvSpPr>
+          <p:nvPr>
+            <p:ph type="sldNum" sz="quarter" idx="12"/>
+          </p:nvPr>
+        </p:nvSpPr>
+        <p:spPr/>
+        <p:txBody>
+          <a:bodyPr/>
+          <a:lstStyle/>
+          <a:p>
+            <a:pPr>
+              <a:defRPr/>
+            </a:pPr>
+            <a:fld id="{F70D7BCD-66D0-4372-890E-9084B1AF6A1A}" type="slidenum">
+              <a:rPr lang="fr-FR" smtClean="0"/>
+              <a:pPr>
+                <a:defRPr/>
+              </a:pPr>
+              <a:t>15</a:t>
+            </a:fld>
+            <a:r>
+              <a:rPr lang="fr-FR" smtClean="0"/>
+              <a:t>/</a:t>
+            </a:r>
+            <a:endParaRPr lang="fr-FR" dirty="0"/>
+          </a:p>
+        </p:txBody>
+      </p:sp>
+      <p:sp>
+        <p:nvSpPr>
+          <p:cNvPr id="6" name="Espace réservé du contenu 5"/>
           <p:cNvSpPr>
             <a:spLocks noGrp="1"/>
           </p:cNvSpPr>
@@ -6532,32 +7534,17 @@
           <a:bodyPr/>
           <a:lstStyle/>
           <a:p>
-            <a:pPr eaLnBrk="1" hangingPunct="1"/>
-            <a:r>
-              <a:rPr lang="fr-FR" smtClean="0"/>
-              <a:t>Use the github project PointCloud_In_DB</a:t>
-            </a:r>
-          </a:p>
-          <a:p>
-            <a:pPr eaLnBrk="1" hangingPunct="1"/>
-            <a:r>
-              <a:rPr lang="fr-FR" smtClean="0"/>
-              <a:t>Get the data from IGN pointcloud benchmark</a:t>
-            </a:r>
-          </a:p>
-          <a:p>
-            <a:pPr eaLnBrk="1" hangingPunct="1"/>
-            <a:r>
-              <a:rPr lang="fr-FR" smtClean="0"/>
-              <a:t>Follow instruction of github project</a:t>
-            </a:r>
-          </a:p>
-          <a:p>
-            <a:pPr eaLnBrk="1" hangingPunct="1"/>
-            <a:r>
-              <a:rPr lang="fr-FR" smtClean="0"/>
-              <a:t>Install IGN spatial ref using the github project</a:t>
-            </a:r>
+            <a:r>
+              <a:rPr lang="fr-FR" dirty="0" smtClean="0"/>
+              <a:t>Documentation</a:t>
+            </a:r>
+          </a:p>
+          <a:p>
+            <a:r>
+              <a:rPr lang="fr-FR" dirty="0" err="1" smtClean="0"/>
+              <a:t>tools</a:t>
+            </a:r>
+            <a:endParaRPr lang="fr-FR" dirty="0"/>
           </a:p>
         </p:txBody>
       </p:sp>
@@ -6588,7 +7575,7 @@
       </p:grpSpPr>
       <p:sp>
         <p:nvSpPr>
-          <p:cNvPr id="15362" name="Titre 1"/>
+          <p:cNvPr id="2" name="Titre 1"/>
           <p:cNvSpPr>
             <a:spLocks noGrp="1"/>
           </p:cNvSpPr>
@@ -6601,80 +7588,282 @@
           <a:bodyPr/>
           <a:lstStyle/>
           <a:p>
-            <a:pPr eaLnBrk="1" hangingPunct="1"/>
-            <a:r>
+            <a:r>
+              <a:rPr lang="fr-FR" dirty="0" smtClean="0"/>
+              <a:t>Doc</a:t>
+            </a:r>
+            <a:endParaRPr lang="fr-FR" dirty="0"/>
+          </a:p>
+        </p:txBody>
+      </p:sp>
+      <p:sp>
+        <p:nvSpPr>
+          <p:cNvPr id="3" name="Espace réservé du contenu 2"/>
+          <p:cNvSpPr>
+            <a:spLocks noGrp="1"/>
+          </p:cNvSpPr>
+          <p:nvPr>
+            <p:ph idx="1"/>
+          </p:nvPr>
+        </p:nvSpPr>
+        <p:spPr/>
+        <p:txBody>
+          <a:bodyPr/>
+          <a:lstStyle/>
+          <a:p>
+            <a:r>
+              <a:rPr lang="fr-FR" dirty="0" smtClean="0"/>
+              <a:t>P. </a:t>
+            </a:r>
+            <a:r>
+              <a:rPr lang="fr-FR" dirty="0" err="1" smtClean="0"/>
+              <a:t>Ramsey</a:t>
+            </a:r>
+            <a:r>
+              <a:rPr lang="fr-FR" dirty="0" smtClean="0"/>
+              <a:t> </a:t>
+            </a:r>
+            <a:r>
+              <a:rPr lang="fr-FR" dirty="0" err="1" smtClean="0"/>
+              <a:t>presentation</a:t>
+            </a:r>
+            <a:r>
+              <a:rPr lang="fr-FR" dirty="0" smtClean="0"/>
+              <a:t> of </a:t>
+            </a:r>
+            <a:r>
+              <a:rPr lang="fr-FR" dirty="0" err="1" smtClean="0"/>
+              <a:t>PointCloud</a:t>
+            </a:r>
+            <a:r>
+              <a:rPr lang="fr-FR" dirty="0" smtClean="0"/>
+              <a:t> : </a:t>
+            </a:r>
+            <a:r>
+              <a:rPr lang="fr-FR" dirty="0" smtClean="0"/>
+              <a:t>boundlessgeo.com/</a:t>
+            </a:r>
+            <a:r>
+              <a:rPr lang="fr-FR" dirty="0" err="1" smtClean="0"/>
+              <a:t>wp</a:t>
+            </a:r>
+            <a:r>
+              <a:rPr lang="fr-FR" dirty="0" smtClean="0"/>
+              <a:t>-content/</a:t>
+            </a:r>
+            <a:r>
+              <a:rPr lang="fr-FR" dirty="0" err="1" smtClean="0"/>
+              <a:t>uploads</a:t>
+            </a:r>
+            <a:r>
+              <a:rPr lang="fr-FR" dirty="0" smtClean="0"/>
+              <a:t>/2013/10/pgpointcloud-foss4-2013.pdf</a:t>
+            </a:r>
+          </a:p>
+          <a:p>
+            <a:endParaRPr lang="fr-FR" dirty="0" smtClean="0"/>
+          </a:p>
+          <a:p>
+            <a:r>
+              <a:rPr lang="fr-FR" dirty="0" smtClean="0"/>
+              <a:t>[1] : Point </a:t>
+            </a:r>
+            <a:r>
+              <a:rPr lang="fr-FR" dirty="0" err="1" smtClean="0"/>
+              <a:t>cloud</a:t>
+            </a:r>
+            <a:r>
+              <a:rPr lang="fr-FR" dirty="0" smtClean="0"/>
+              <a:t> data </a:t>
+            </a:r>
+            <a:r>
+              <a:rPr lang="fr-FR" dirty="0" smtClean="0"/>
+              <a:t>management</a:t>
+            </a:r>
+            <a:br>
+              <a:rPr lang="fr-FR" dirty="0" smtClean="0"/>
+            </a:br>
+            <a:r>
+              <a:rPr lang="fr-FR" i="1" dirty="0" smtClean="0"/>
+              <a:t>Peter </a:t>
+            </a:r>
+            <a:r>
+              <a:rPr lang="fr-FR" i="1" dirty="0" smtClean="0"/>
+              <a:t>van </a:t>
+            </a:r>
+            <a:r>
+              <a:rPr lang="fr-FR" i="1" dirty="0" err="1" smtClean="0"/>
+              <a:t>Oosterom</a:t>
+            </a:r>
+            <a:r>
+              <a:rPr lang="fr-FR" i="1" dirty="0" smtClean="0"/>
+              <a:t>, Siva </a:t>
+            </a:r>
+            <a:r>
+              <a:rPr lang="fr-FR" i="1" dirty="0" err="1" smtClean="0"/>
+              <a:t>Ravada</a:t>
+            </a:r>
+            <a:r>
+              <a:rPr lang="fr-FR" i="1" dirty="0" smtClean="0"/>
+              <a:t>, Mike </a:t>
+            </a:r>
+            <a:r>
+              <a:rPr lang="fr-FR" i="1" dirty="0" err="1" smtClean="0"/>
+              <a:t>Horhammer</a:t>
+            </a:r>
+            <a:r>
+              <a:rPr lang="fr-FR" i="1" dirty="0" smtClean="0"/>
+              <a:t>, Oscar Marinez </a:t>
+            </a:r>
+            <a:r>
+              <a:rPr lang="fr-FR" i="1" dirty="0" err="1" smtClean="0"/>
+              <a:t>Rubi</a:t>
+            </a:r>
+            <a:r>
+              <a:rPr lang="fr-FR" i="1" dirty="0" smtClean="0"/>
+              <a:t>, Milena </a:t>
+            </a:r>
+            <a:r>
+              <a:rPr lang="fr-FR" i="1" dirty="0" err="1" smtClean="0"/>
+              <a:t>Ivanova</a:t>
+            </a:r>
+            <a:r>
+              <a:rPr lang="fr-FR" i="1" dirty="0" smtClean="0"/>
+              <a:t>, Martin </a:t>
+            </a:r>
+            <a:r>
+              <a:rPr lang="fr-FR" i="1" dirty="0" err="1" smtClean="0"/>
+              <a:t>Kodde</a:t>
+            </a:r>
+            <a:r>
+              <a:rPr lang="fr-FR" i="1" dirty="0" smtClean="0"/>
+              <a:t> </a:t>
+            </a:r>
+            <a:r>
+              <a:rPr lang="fr-FR" i="1" dirty="0" smtClean="0"/>
+              <a:t>and </a:t>
+            </a:r>
+            <a:r>
+              <a:rPr lang="fr-FR" i="1" dirty="0" smtClean="0"/>
+              <a:t>Theo </a:t>
+            </a:r>
+            <a:r>
+              <a:rPr lang="fr-FR" i="1" dirty="0" err="1" smtClean="0"/>
+              <a:t>Tijssen</a:t>
+            </a:r>
+            <a:r>
+              <a:rPr lang="fr-FR" i="1" dirty="0" smtClean="0"/>
+              <a:t/>
+            </a:r>
+            <a:br>
+              <a:rPr lang="fr-FR" i="1" dirty="0" smtClean="0"/>
+            </a:br>
+            <a:r>
+              <a:rPr lang="en-US" i="1" dirty="0" err="1" smtClean="0"/>
+              <a:t>IQmulus</a:t>
+            </a:r>
+            <a:r>
+              <a:rPr lang="en-US" i="1" dirty="0" smtClean="0"/>
+              <a:t> </a:t>
+            </a:r>
+            <a:r>
+              <a:rPr lang="en-US" i="1" dirty="0" smtClean="0"/>
+              <a:t>Workshop on Processing Large </a:t>
+            </a:r>
+            <a:r>
+              <a:rPr lang="en-US" i="1" dirty="0" smtClean="0"/>
+              <a:t>Geospatial Data</a:t>
+            </a:r>
+            <a:r>
+              <a:rPr lang="en-US" i="1" dirty="0" smtClean="0"/>
+              <a:t>, 8 July 2014, Cardiff, Wales, UK</a:t>
+            </a:r>
+            <a:endParaRPr lang="fr-FR" dirty="0"/>
+          </a:p>
+        </p:txBody>
+      </p:sp>
+      <p:sp>
+        <p:nvSpPr>
+          <p:cNvPr id="4" name="Espace réservé de la date 3"/>
+          <p:cNvSpPr>
+            <a:spLocks noGrp="1"/>
+          </p:cNvSpPr>
+          <p:nvPr>
+            <p:ph type="dt" sz="half" idx="10"/>
+          </p:nvPr>
+        </p:nvSpPr>
+        <p:spPr/>
+        <p:txBody>
+          <a:bodyPr/>
+          <a:lstStyle/>
+          <a:p>
+            <a:pPr>
+              <a:defRPr/>
+            </a:pPr>
+            <a:fld id="{E213AF71-F760-4AA3-87B2-C2FBB7A81BCA}" type="datetime1">
               <a:rPr lang="fr-FR" smtClean="0"/>
-              <a:t>Patch To Raster</a:t>
-            </a:r>
-          </a:p>
-        </p:txBody>
-      </p:sp>
-      <p:sp>
-        <p:nvSpPr>
-          <p:cNvPr id="15363" name="Espace réservé du contenu 2"/>
-          <p:cNvSpPr>
-            <a:spLocks noGrp="1"/>
-          </p:cNvSpPr>
-          <p:nvPr>
-            <p:ph idx="1"/>
-          </p:nvPr>
-        </p:nvSpPr>
-        <p:spPr/>
-        <p:txBody>
-          <a:bodyPr/>
-          <a:lstStyle/>
-          <a:p>
-            <a:pPr eaLnBrk="1" hangingPunct="1"/>
+              <a:t>22/09/2014</a:t>
+            </a:fld>
+            <a:endParaRPr lang="fr-FR" dirty="0"/>
+          </a:p>
+        </p:txBody>
+      </p:sp>
+      <p:sp>
+        <p:nvSpPr>
+          <p:cNvPr id="5" name="Espace réservé du pied de page 4"/>
+          <p:cNvSpPr>
+            <a:spLocks noGrp="1"/>
+          </p:cNvSpPr>
+          <p:nvPr>
+            <p:ph type="ftr" sz="quarter" idx="11"/>
+          </p:nvPr>
+        </p:nvSpPr>
+        <p:spPr/>
+        <p:txBody>
+          <a:bodyPr/>
+          <a:lstStyle/>
+          <a:p>
+            <a:pPr>
+              <a:defRPr/>
+            </a:pPr>
             <a:r>
               <a:rPr lang="fr-FR" smtClean="0"/>
-              <a:t>Get the function from PPPP utilities</a:t>
-            </a:r>
-          </a:p>
-          <a:p>
-            <a:pPr eaLnBrk="1" hangingPunct="1"/>
-            <a:r>
+              <a:t>Thales - IGN / COGIT - MATIS</a:t>
+            </a:r>
+            <a:endParaRPr lang="fr-FR" dirty="0"/>
+          </a:p>
+        </p:txBody>
+      </p:sp>
+      <p:sp>
+        <p:nvSpPr>
+          <p:cNvPr id="6" name="Espace réservé du numéro de diapositive 5"/>
+          <p:cNvSpPr>
+            <a:spLocks noGrp="1"/>
+          </p:cNvSpPr>
+          <p:nvPr>
+            <p:ph type="sldNum" sz="quarter" idx="12"/>
+          </p:nvPr>
+        </p:nvSpPr>
+        <p:spPr/>
+        <p:txBody>
+          <a:bodyPr/>
+          <a:lstStyle/>
+          <a:p>
+            <a:pPr>
+              <a:defRPr/>
+            </a:pPr>
+            <a:fld id="{504B660C-1446-45BE-A6D7-15805AAE1919}" type="slidenum">
               <a:rPr lang="fr-FR" smtClean="0"/>
-              <a:t>Get rc_random_string</a:t>
-            </a:r>
-          </a:p>
-          <a:p>
-            <a:pPr eaLnBrk="1" hangingPunct="1"/>
+              <a:pPr>
+                <a:defRPr/>
+              </a:pPr>
+              <a:t>16</a:t>
+            </a:fld>
             <a:r>
               <a:rPr lang="fr-FR" smtClean="0"/>
-              <a:t>rc_unnest_with_ordinality</a:t>
-            </a:r>
-          </a:p>
-          <a:p>
-            <a:pPr eaLnBrk="1" hangingPunct="1"/>
-            <a:r>
-              <a:rPr lang="fr-FR" smtClean="0"/>
-              <a:t>Array_agg_custom (array of array)</a:t>
-            </a:r>
-          </a:p>
-          <a:p>
-            <a:pPr eaLnBrk="1" hangingPunct="1"/>
-            <a:endParaRPr lang="fr-FR" smtClean="0"/>
-          </a:p>
-          <a:p>
-            <a:pPr eaLnBrk="1" hangingPunct="1"/>
-            <a:r>
-              <a:rPr lang="fr-FR" smtClean="0"/>
-              <a:t>Pour ecrire les raster qqpart :</a:t>
-            </a:r>
-          </a:p>
-          <a:p>
-            <a:pPr eaLnBrk="1" hangingPunct="1"/>
-            <a:r>
-              <a:rPr lang="fr-FR" smtClean="0"/>
-              <a:t>write_file_texte</a:t>
-            </a:r>
-          </a:p>
-          <a:p>
-            <a:pPr eaLnBrk="1" hangingPunct="1"/>
-            <a:r>
-              <a:rPr lang="fr-FR" smtClean="0"/>
-              <a:t>Activer les sorties pour les rasters : </a:t>
-            </a:r>
+              <a:t>/</a:t>
+            </a:r>
+            <a:endParaRPr lang="fr-FR" dirty="0"/>
           </a:p>
         </p:txBody>
       </p:sp>
@@ -6705,7 +7894,7 @@
       </p:grpSpPr>
       <p:sp>
         <p:nvSpPr>
-          <p:cNvPr id="16386" name="Titre 1"/>
+          <p:cNvPr id="2" name="Titre 1"/>
           <p:cNvSpPr>
             <a:spLocks noGrp="1"/>
           </p:cNvSpPr>
@@ -6718,55 +7907,143 @@
           <a:bodyPr/>
           <a:lstStyle/>
           <a:p>
-            <a:pPr eaLnBrk="1" hangingPunct="1"/>
-            <a:r>
+            <a:r>
+              <a:rPr lang="fr-FR" dirty="0" smtClean="0"/>
+              <a:t>TOOLS</a:t>
+            </a:r>
+            <a:endParaRPr lang="fr-FR" dirty="0"/>
+          </a:p>
+        </p:txBody>
+      </p:sp>
+      <p:sp>
+        <p:nvSpPr>
+          <p:cNvPr id="3" name="Espace réservé du contenu 2"/>
+          <p:cNvSpPr>
+            <a:spLocks noGrp="1"/>
+          </p:cNvSpPr>
+          <p:nvPr>
+            <p:ph idx="1"/>
+          </p:nvPr>
+        </p:nvSpPr>
+        <p:spPr/>
+        <p:txBody>
+          <a:bodyPr/>
+          <a:lstStyle/>
+          <a:p>
+            <a:r>
+              <a:rPr lang="fr-FR" dirty="0" smtClean="0"/>
+              <a:t>POINTCLOUD</a:t>
+            </a:r>
+          </a:p>
+          <a:p>
+            <a:r>
+              <a:rPr lang="fr-FR" dirty="0" err="1" smtClean="0"/>
+              <a:t>CLoudCompare</a:t>
+            </a:r>
+            <a:endParaRPr lang="fr-FR" dirty="0" smtClean="0"/>
+          </a:p>
+          <a:p>
+            <a:r>
+              <a:rPr lang="fr-FR" dirty="0" smtClean="0"/>
+              <a:t>RPLY</a:t>
+            </a:r>
+          </a:p>
+          <a:p>
+            <a:endParaRPr lang="fr-FR" dirty="0" smtClean="0"/>
+          </a:p>
+          <a:p>
+            <a:r>
+              <a:rPr lang="fr-FR" dirty="0" smtClean="0"/>
+              <a:t>QGIS</a:t>
+            </a:r>
+          </a:p>
+          <a:p>
+            <a:endParaRPr lang="fr-FR" dirty="0"/>
+          </a:p>
+        </p:txBody>
+      </p:sp>
+      <p:sp>
+        <p:nvSpPr>
+          <p:cNvPr id="4" name="Espace réservé de la date 3"/>
+          <p:cNvSpPr>
+            <a:spLocks noGrp="1"/>
+          </p:cNvSpPr>
+          <p:nvPr>
+            <p:ph type="dt" sz="half" idx="10"/>
+          </p:nvPr>
+        </p:nvSpPr>
+        <p:spPr/>
+        <p:txBody>
+          <a:bodyPr/>
+          <a:lstStyle/>
+          <a:p>
+            <a:pPr>
+              <a:defRPr/>
+            </a:pPr>
+            <a:fld id="{E213AF71-F760-4AA3-87B2-C2FBB7A81BCA}" type="datetime1">
               <a:rPr lang="fr-FR" smtClean="0"/>
-              <a:t>Patch To Raster</a:t>
-            </a:r>
-          </a:p>
-        </p:txBody>
-      </p:sp>
-      <p:sp>
-        <p:nvSpPr>
-          <p:cNvPr id="16387" name="Espace réservé du contenu 2"/>
-          <p:cNvSpPr>
-            <a:spLocks noGrp="1"/>
-          </p:cNvSpPr>
-          <p:nvPr>
-            <p:ph idx="1"/>
-          </p:nvPr>
-        </p:nvSpPr>
-        <p:spPr/>
-        <p:txBody>
-          <a:bodyPr/>
-          <a:lstStyle/>
-          <a:p>
-            <a:pPr eaLnBrk="1" hangingPunct="1"/>
+              <a:t>22/09/2014</a:t>
+            </a:fld>
+            <a:endParaRPr lang="fr-FR" dirty="0"/>
+          </a:p>
+        </p:txBody>
+      </p:sp>
+      <p:sp>
+        <p:nvSpPr>
+          <p:cNvPr id="5" name="Espace réservé du pied de page 4"/>
+          <p:cNvSpPr>
+            <a:spLocks noGrp="1"/>
+          </p:cNvSpPr>
+          <p:nvPr>
+            <p:ph type="ftr" sz="quarter" idx="11"/>
+          </p:nvPr>
+        </p:nvSpPr>
+        <p:spPr/>
+        <p:txBody>
+          <a:bodyPr/>
+          <a:lstStyle/>
+          <a:p>
+            <a:pPr>
+              <a:defRPr/>
+            </a:pPr>
             <a:r>
               <a:rPr lang="fr-FR" smtClean="0"/>
-              <a:t>Get the function from PPPP utilities</a:t>
-            </a:r>
-          </a:p>
-          <a:p>
-            <a:pPr eaLnBrk="1" hangingPunct="1"/>
-            <a:r>
+              <a:t>Thales - IGN / COGIT - MATIS</a:t>
+            </a:r>
+            <a:endParaRPr lang="fr-FR" dirty="0"/>
+          </a:p>
+        </p:txBody>
+      </p:sp>
+      <p:sp>
+        <p:nvSpPr>
+          <p:cNvPr id="6" name="Espace réservé du numéro de diapositive 5"/>
+          <p:cNvSpPr>
+            <a:spLocks noGrp="1"/>
+          </p:cNvSpPr>
+          <p:nvPr>
+            <p:ph type="sldNum" sz="quarter" idx="12"/>
+          </p:nvPr>
+        </p:nvSpPr>
+        <p:spPr/>
+        <p:txBody>
+          <a:bodyPr/>
+          <a:lstStyle/>
+          <a:p>
+            <a:pPr>
+              <a:defRPr/>
+            </a:pPr>
+            <a:fld id="{504B660C-1446-45BE-A6D7-15805AAE1919}" type="slidenum">
               <a:rPr lang="fr-FR" smtClean="0"/>
-              <a:t>Get rc_random_string</a:t>
-            </a:r>
-          </a:p>
-          <a:p>
-            <a:pPr eaLnBrk="1" hangingPunct="1"/>
+              <a:pPr>
+                <a:defRPr/>
+              </a:pPr>
+              <a:t>17</a:t>
+            </a:fld>
             <a:r>
               <a:rPr lang="fr-FR" smtClean="0"/>
-              <a:t>rc_unnest_with_ordinality</a:t>
-            </a:r>
-          </a:p>
-          <a:p>
-            <a:pPr eaLnBrk="1" hangingPunct="1"/>
-            <a:r>
-              <a:rPr lang="fr-FR" smtClean="0"/>
-              <a:t>Array_agg_custom (array of array)</a:t>
-            </a:r>
+              <a:t>/</a:t>
+            </a:r>
+            <a:endParaRPr lang="fr-FR" dirty="0"/>
           </a:p>
         </p:txBody>
       </p:sp>
@@ -6797,7 +8074,7 @@
       </p:grpSpPr>
       <p:sp>
         <p:nvSpPr>
-          <p:cNvPr id="17410" name="Titre 1"/>
+          <p:cNvPr id="2" name="Titre 1"/>
           <p:cNvSpPr>
             <a:spLocks noGrp="1"/>
           </p:cNvSpPr>
@@ -6807,28 +8084,105 @@
         </p:nvSpPr>
         <p:spPr/>
         <p:txBody>
-          <a:bodyPr>
-            <a:normAutofit fontScale="90000"/>
-          </a:bodyPr>
-          <a:lstStyle/>
-          <a:p>
+          <a:bodyPr/>
+          <a:lstStyle/>
+          <a:p>
+            <a:r>
+              <a:rPr lang="fr-FR" dirty="0" smtClean="0"/>
+              <a:t>Annexes</a:t>
+            </a:r>
+            <a:endParaRPr lang="fr-FR" dirty="0"/>
+          </a:p>
+        </p:txBody>
+      </p:sp>
+      <p:sp>
+        <p:nvSpPr>
+          <p:cNvPr id="3" name="Espace réservé du pied de page 2"/>
+          <p:cNvSpPr>
+            <a:spLocks noGrp="1"/>
+          </p:cNvSpPr>
+          <p:nvPr>
+            <p:ph type="ftr" sz="quarter" idx="10"/>
+          </p:nvPr>
+        </p:nvSpPr>
+        <p:spPr/>
+        <p:txBody>
+          <a:bodyPr/>
+          <a:lstStyle/>
+          <a:p>
+            <a:pPr>
+              <a:defRPr/>
+            </a:pPr>
             <a:r>
               <a:rPr lang="fr-FR" smtClean="0"/>
-              <a:t>Image processing : </a:t>
-            </a:r>
-            <a:br>
+              <a:t>Thales - IGN / COGIT - MATIS</a:t>
+            </a:r>
+            <a:endParaRPr lang="fr-FR" dirty="0"/>
+          </a:p>
+        </p:txBody>
+      </p:sp>
+      <p:sp>
+        <p:nvSpPr>
+          <p:cNvPr id="4" name="Espace réservé de la date 3"/>
+          <p:cNvSpPr>
+            <a:spLocks noGrp="1"/>
+          </p:cNvSpPr>
+          <p:nvPr>
+            <p:ph type="dt" sz="half" idx="11"/>
+          </p:nvPr>
+        </p:nvSpPr>
+        <p:spPr/>
+        <p:txBody>
+          <a:bodyPr/>
+          <a:lstStyle/>
+          <a:p>
+            <a:pPr>
+              <a:defRPr/>
+            </a:pPr>
+            <a:fld id="{1305F5B3-A6E5-40AA-A82B-787F42B9B41F}" type="datetime1">
               <a:rPr lang="fr-FR" smtClean="0"/>
-            </a:br>
-            <a:r>
+              <a:t>22/09/2014</a:t>
+            </a:fld>
+            <a:endParaRPr lang="fr-FR" dirty="0"/>
+          </a:p>
+        </p:txBody>
+      </p:sp>
+      <p:sp>
+        <p:nvSpPr>
+          <p:cNvPr id="5" name="Espace réservé du numéro de diapositive 4"/>
+          <p:cNvSpPr>
+            <a:spLocks noGrp="1"/>
+          </p:cNvSpPr>
+          <p:nvPr>
+            <p:ph type="sldNum" sz="quarter" idx="12"/>
+          </p:nvPr>
+        </p:nvSpPr>
+        <p:spPr/>
+        <p:txBody>
+          <a:bodyPr/>
+          <a:lstStyle/>
+          <a:p>
+            <a:pPr>
+              <a:defRPr/>
+            </a:pPr>
+            <a:fld id="{F70D7BCD-66D0-4372-890E-9084B1AF6A1A}" type="slidenum">
               <a:rPr lang="fr-FR" smtClean="0"/>
-              <a:t>building detection</a:t>
-            </a:r>
-          </a:p>
-        </p:txBody>
-      </p:sp>
-      <p:sp>
-        <p:nvSpPr>
-          <p:cNvPr id="17411" name="Espace réservé du contenu 2"/>
+              <a:pPr>
+                <a:defRPr/>
+              </a:pPr>
+              <a:t>18</a:t>
+            </a:fld>
+            <a:r>
+              <a:rPr lang="fr-FR" smtClean="0"/>
+              <a:t>/</a:t>
+            </a:r>
+            <a:endParaRPr lang="fr-FR" dirty="0"/>
+          </a:p>
+        </p:txBody>
+      </p:sp>
+      <p:sp>
+        <p:nvSpPr>
+          <p:cNvPr id="6" name="Espace réservé du contenu 5"/>
           <p:cNvSpPr>
             <a:spLocks noGrp="1"/>
           </p:cNvSpPr>
@@ -6842,79 +8196,18 @@
           <a:lstStyle/>
           <a:p>
             <a:r>
-              <a:rPr lang="fr-FR" sz="1400" smtClean="0"/>
-              <a:t>Need raster with pointcloud flattened, max height, pixel size = 10cm, + count of point/ pixel</a:t>
-            </a:r>
-          </a:p>
-          <a:p>
-            <a:r>
-              <a:rPr lang="fr-FR" sz="1400" smtClean="0"/>
-              <a:t>Use python script</a:t>
-            </a:r>
-          </a:p>
-          <a:p>
-            <a:pPr lvl="1"/>
-            <a:r>
-              <a:rPr lang="fr-FR" sz="1400" smtClean="0"/>
-              <a:t>Import tif</a:t>
-            </a:r>
-          </a:p>
-          <a:p>
-            <a:pPr lvl="1"/>
-            <a:r>
-              <a:rPr lang="fr-FR" sz="1400" smtClean="0"/>
-              <a:t>Keep only pixel that are above the laser</a:t>
-            </a:r>
-          </a:p>
-          <a:p>
-            <a:pPr lvl="1"/>
-            <a:r>
-              <a:rPr lang="fr-FR" sz="1400" smtClean="0"/>
-              <a:t>Keep only pixel that have more than 100 pts/pixel</a:t>
-            </a:r>
-          </a:p>
-          <a:p>
-            <a:pPr lvl="1"/>
-            <a:r>
-              <a:rPr lang="fr-FR" sz="1400" smtClean="0"/>
-              <a:t>Export tif</a:t>
-            </a:r>
-          </a:p>
-          <a:p>
-            <a:r>
-              <a:rPr lang="fr-FR" sz="1400" smtClean="0"/>
-              <a:t>Use sfcgal to consolidate lines</a:t>
-            </a:r>
-          </a:p>
-          <a:p>
-            <a:pPr lvl="1"/>
-            <a:r>
-              <a:rPr lang="fr-FR" sz="1400" smtClean="0"/>
-              <a:t>Execute sfcgal.sql to enable the sfcgal functions.</a:t>
-            </a:r>
-          </a:p>
-          <a:p>
-            <a:pPr lvl="1"/>
-            <a:r>
-              <a:rPr lang="fr-FR" sz="1400" smtClean="0"/>
-              <a:t>Execute code  : 120 sec, complex sql</a:t>
-            </a:r>
-          </a:p>
-          <a:p>
-            <a:r>
-              <a:rPr lang="fr-FR" sz="2200" smtClean="0"/>
-              <a:t>Use python to consolidate lines</a:t>
-            </a:r>
-          </a:p>
-          <a:p>
-            <a:pPr lvl="1"/>
-            <a:r>
-              <a:rPr lang="fr-FR" sz="1800" smtClean="0"/>
-              <a:t>1 sec , very few lines.</a:t>
-            </a:r>
-          </a:p>
-          <a:p>
-            <a:endParaRPr lang="fr-FR" sz="1800" smtClean="0"/>
+              <a:rPr lang="fr-FR" dirty="0" err="1" smtClean="0"/>
+              <a:t>Sensor</a:t>
+            </a:r>
+            <a:r>
+              <a:rPr lang="fr-FR" dirty="0" smtClean="0"/>
+              <a:t> </a:t>
+            </a:r>
+            <a:r>
+              <a:rPr lang="fr-FR" dirty="0" err="1" smtClean="0"/>
+              <a:t>view</a:t>
+            </a:r>
+            <a:endParaRPr lang="fr-FR" dirty="0"/>
           </a:p>
         </p:txBody>
       </p:sp>
@@ -6945,7 +8238,7 @@
       </p:grpSpPr>
       <p:sp>
         <p:nvSpPr>
-          <p:cNvPr id="18434" name="Titre 1"/>
+          <p:cNvPr id="2" name="Titre 1"/>
           <p:cNvSpPr>
             <a:spLocks noGrp="1"/>
           </p:cNvSpPr>
@@ -6955,91 +8248,159 @@
         </p:nvSpPr>
         <p:spPr/>
         <p:txBody>
-          <a:bodyPr>
-            <a:normAutofit fontScale="90000"/>
-          </a:bodyPr>
-          <a:lstStyle/>
-          <a:p>
-            <a:r>
+          <a:bodyPr/>
+          <a:lstStyle/>
+          <a:p>
+            <a:r>
+              <a:rPr lang="fr-FR" dirty="0" smtClean="0"/>
+              <a:t>ANNEXES</a:t>
+            </a:r>
+            <a:endParaRPr lang="fr-FR" dirty="0"/>
+          </a:p>
+        </p:txBody>
+      </p:sp>
+      <p:sp>
+        <p:nvSpPr>
+          <p:cNvPr id="3" name="Espace réservé du contenu 2"/>
+          <p:cNvSpPr>
+            <a:spLocks noGrp="1"/>
+          </p:cNvSpPr>
+          <p:nvPr>
+            <p:ph idx="1"/>
+          </p:nvPr>
+        </p:nvSpPr>
+        <p:spPr/>
+        <p:txBody>
+          <a:bodyPr/>
+          <a:lstStyle/>
+          <a:p>
+            <a:r>
+              <a:rPr lang="fr-FR" dirty="0" err="1" smtClean="0"/>
+              <a:t>Sensor</a:t>
+            </a:r>
+            <a:r>
+              <a:rPr lang="fr-FR" dirty="0" smtClean="0"/>
+              <a:t> </a:t>
+            </a:r>
+            <a:r>
+              <a:rPr lang="fr-FR" dirty="0" err="1" smtClean="0"/>
+              <a:t>view</a:t>
+            </a:r>
+            <a:endParaRPr lang="fr-FR" dirty="0"/>
+          </a:p>
+        </p:txBody>
+      </p:sp>
+      <p:sp>
+        <p:nvSpPr>
+          <p:cNvPr id="4" name="Espace réservé de la date 3"/>
+          <p:cNvSpPr>
+            <a:spLocks noGrp="1"/>
+          </p:cNvSpPr>
+          <p:nvPr>
+            <p:ph type="dt" sz="half" idx="10"/>
+          </p:nvPr>
+        </p:nvSpPr>
+        <p:spPr/>
+        <p:txBody>
+          <a:bodyPr/>
+          <a:lstStyle/>
+          <a:p>
+            <a:pPr>
+              <a:defRPr/>
+            </a:pPr>
+            <a:fld id="{E213AF71-F760-4AA3-87B2-C2FBB7A81BCA}" type="datetime1">
               <a:rPr lang="fr-FR" smtClean="0"/>
-              <a:t>Image processing : </a:t>
-            </a:r>
-            <a:br>
+              <a:t>22/09/2014</a:t>
+            </a:fld>
+            <a:endParaRPr lang="fr-FR" dirty="0"/>
+          </a:p>
+        </p:txBody>
+      </p:sp>
+      <p:sp>
+        <p:nvSpPr>
+          <p:cNvPr id="5" name="Espace réservé du pied de page 4"/>
+          <p:cNvSpPr>
+            <a:spLocks noGrp="1"/>
+          </p:cNvSpPr>
+          <p:nvPr>
+            <p:ph type="ftr" sz="quarter" idx="11"/>
+          </p:nvPr>
+        </p:nvSpPr>
+        <p:spPr/>
+        <p:txBody>
+          <a:bodyPr/>
+          <a:lstStyle/>
+          <a:p>
+            <a:pPr>
+              <a:defRPr/>
+            </a:pPr>
+            <a:r>
               <a:rPr lang="fr-FR" smtClean="0"/>
-            </a:br>
-            <a:r>
+              <a:t>Thales - IGN / COGIT - MATIS</a:t>
+            </a:r>
+            <a:endParaRPr lang="fr-FR" dirty="0"/>
+          </a:p>
+        </p:txBody>
+      </p:sp>
+      <p:sp>
+        <p:nvSpPr>
+          <p:cNvPr id="6" name="Espace réservé du numéro de diapositive 5"/>
+          <p:cNvSpPr>
+            <a:spLocks noGrp="1"/>
+          </p:cNvSpPr>
+          <p:nvPr>
+            <p:ph type="sldNum" sz="quarter" idx="12"/>
+          </p:nvPr>
+        </p:nvSpPr>
+        <p:spPr/>
+        <p:txBody>
+          <a:bodyPr/>
+          <a:lstStyle/>
+          <a:p>
+            <a:pPr>
+              <a:defRPr/>
+            </a:pPr>
+            <a:fld id="{504B660C-1446-45BE-A6D7-15805AAE1919}" type="slidenum">
               <a:rPr lang="fr-FR" smtClean="0"/>
-              <a:t>sidewalk detection</a:t>
-            </a:r>
-          </a:p>
-        </p:txBody>
-      </p:sp>
-      <p:sp>
-        <p:nvSpPr>
-          <p:cNvPr id="18435" name="Espace réservé du contenu 2"/>
-          <p:cNvSpPr>
-            <a:spLocks noGrp="1"/>
-          </p:cNvSpPr>
-          <p:nvPr>
-            <p:ph idx="1"/>
-          </p:nvPr>
-        </p:nvSpPr>
-        <p:spPr/>
-        <p:txBody>
-          <a:bodyPr/>
-          <a:lstStyle/>
-          <a:p>
-            <a:r>
-              <a:rPr lang="fr-FR" sz="1400" smtClean="0"/>
-              <a:t>Need raster with pointcloud flattened, min height, pixel size = 5cm, + count of point/ pixel</a:t>
-            </a:r>
-          </a:p>
-          <a:p>
-            <a:r>
-              <a:rPr lang="fr-FR" sz="1400" smtClean="0"/>
-              <a:t>Use python script</a:t>
-            </a:r>
-          </a:p>
-          <a:p>
-            <a:pPr lvl="1"/>
-            <a:r>
-              <a:rPr lang="fr-FR" sz="1400" smtClean="0"/>
-              <a:t>Import tif</a:t>
-            </a:r>
-          </a:p>
-          <a:p>
-            <a:pPr lvl="1"/>
-            <a:r>
-              <a:rPr lang="fr-FR" sz="1400" smtClean="0"/>
-              <a:t>Keep only pixel that are between -3 and -2 meters (relativ to laser (ground = -2.5meter))</a:t>
-            </a:r>
-          </a:p>
-          <a:p>
-            <a:pPr lvl="1"/>
-            <a:r>
-              <a:rPr lang="fr-FR" sz="1400" smtClean="0"/>
-              <a:t>Compute sobel filtering on Z ,using mask found before (nota : gives the local height variation)</a:t>
-            </a:r>
-          </a:p>
-          <a:p>
-            <a:pPr lvl="1"/>
-            <a:r>
-              <a:rPr lang="fr-FR" sz="1400" smtClean="0"/>
-              <a:t>Keep values between 1cm and 12 cm (official possible height)</a:t>
-            </a:r>
-          </a:p>
-          <a:p>
-            <a:pPr lvl="1"/>
-            <a:r>
-              <a:rPr lang="fr-FR" sz="1400" smtClean="0"/>
-              <a:t>Export tif</a:t>
-            </a:r>
-          </a:p>
-          <a:p>
-            <a:endParaRPr lang="fr-FR" sz="1800" smtClean="0"/>
-          </a:p>
-        </p:txBody>
-      </p:sp>
+              <a:pPr>
+                <a:defRPr/>
+              </a:pPr>
+              <a:t>19</a:t>
+            </a:fld>
+            <a:r>
+              <a:rPr lang="fr-FR" smtClean="0"/>
+              <a:t>/</a:t>
+            </a:r>
+            <a:endParaRPr lang="fr-FR" dirty="0"/>
+          </a:p>
+        </p:txBody>
+      </p:sp>
+      <p:pic>
+        <p:nvPicPr>
+          <p:cNvPr id="36867" name="Picture 3" descr="E:\RemiCura\PROJETS\Postgres_Day_2014_10_RemiC\presentation\src\these_jerome_demantke_sensor_view.jpg"/>
+          <p:cNvPicPr>
+            <a:picLocks noChangeAspect="1" noChangeArrowheads="1"/>
+          </p:cNvPicPr>
+          <p:nvPr/>
+        </p:nvPicPr>
+        <p:blipFill>
+          <a:blip r:embed="rId2" cstate="print"/>
+          <a:srcRect/>
+          <a:stretch>
+            <a:fillRect/>
+          </a:stretch>
+        </p:blipFill>
+        <p:spPr bwMode="auto">
+          <a:xfrm>
+            <a:off x="428596" y="1643050"/>
+            <a:ext cx="8104739" cy="4929198"/>
+          </a:xfrm>
+          <a:prstGeom prst="rect">
+            <a:avLst/>
+          </a:prstGeom>
+          <a:noFill/>
+        </p:spPr>
+      </p:pic>
     </p:spTree>
   </p:cSld>
   <p:clrMapOvr>
@@ -7117,7 +8478,15 @@
           <a:p>
             <a:r>
               <a:rPr lang="en-US" dirty="0" smtClean="0"/>
-              <a:t>3. Efficient storing/QUERYING in </a:t>
+              <a:t>3. </a:t>
+            </a:r>
+            <a:r>
+              <a:rPr lang="en-US" dirty="0" err="1" smtClean="0"/>
+              <a:t>pointcloud</a:t>
+            </a:r>
+            <a:r>
+              <a:rPr lang="en-US" dirty="0" smtClean="0"/>
+              <a:t> : Efficient storing/QUERYING in </a:t>
             </a:r>
             <a:r>
               <a:rPr lang="en-US" dirty="0" err="1" smtClean="0"/>
@@ -7267,7 +8636,133 @@
       </p:grpSpPr>
       <p:sp>
         <p:nvSpPr>
-          <p:cNvPr id="19458" name="Titre 1"/>
+          <p:cNvPr id="2" name="Titre 1"/>
+          <p:cNvSpPr>
+            <a:spLocks noGrp="1"/>
+          </p:cNvSpPr>
+          <p:nvPr>
+            <p:ph type="ctrTitle"/>
+          </p:nvPr>
+        </p:nvSpPr>
+        <p:spPr/>
+        <p:txBody>
+          <a:bodyPr/>
+          <a:lstStyle/>
+          <a:p>
+            <a:endParaRPr lang="en-US"/>
+          </a:p>
+        </p:txBody>
+      </p:sp>
+      <p:sp>
+        <p:nvSpPr>
+          <p:cNvPr id="3" name="Sous-titre 2"/>
+          <p:cNvSpPr>
+            <a:spLocks noGrp="1"/>
+          </p:cNvSpPr>
+          <p:nvPr>
+            <p:ph type="subTitle" idx="1"/>
+          </p:nvPr>
+        </p:nvSpPr>
+        <p:spPr/>
+        <p:txBody>
+          <a:bodyPr/>
+          <a:lstStyle/>
+          <a:p>
+            <a:endParaRPr lang="en-US"/>
+          </a:p>
+        </p:txBody>
+      </p:sp>
+    </p:spTree>
+  </p:cSld>
+  <p:clrMapOvr>
+    <a:masterClrMapping/>
+  </p:clrMapOvr>
+</p:sld>
+</file>
+
+<file path=ppt/slides/slide21.xml><?xml version="1.0" encoding="utf-8"?>
+<p:sld xmlns:a="http://schemas.openxmlformats.org/drawingml/2006/main" xmlns:r="http://schemas.openxmlformats.org/officeDocument/2006/relationships" xmlns:p="http://schemas.openxmlformats.org/presentationml/2006/main">
+  <p:cSld>
+    <p:spTree>
+      <p:nvGrpSpPr>
+        <p:cNvPr id="1" name=""/>
+        <p:cNvGrpSpPr/>
+        <p:nvPr/>
+      </p:nvGrpSpPr>
+      <p:grpSpPr>
+        <a:xfrm>
+          <a:off x="0" y="0"/>
+          <a:ext cx="0" cy="0"/>
+          <a:chOff x="0" y="0"/>
+          <a:chExt cx="0" cy="0"/>
+        </a:xfrm>
+      </p:grpSpPr>
+      <p:sp>
+        <p:nvSpPr>
+          <p:cNvPr id="2" name="Titre 1"/>
+          <p:cNvSpPr>
+            <a:spLocks noGrp="1"/>
+          </p:cNvSpPr>
+          <p:nvPr>
+            <p:ph type="ctrTitle"/>
+          </p:nvPr>
+        </p:nvSpPr>
+        <p:spPr/>
+        <p:txBody>
+          <a:bodyPr/>
+          <a:lstStyle/>
+          <a:p>
+            <a:endParaRPr lang="en-US"/>
+          </a:p>
+        </p:txBody>
+      </p:sp>
+      <p:sp>
+        <p:nvSpPr>
+          <p:cNvPr id="3" name="Sous-titre 2"/>
+          <p:cNvSpPr>
+            <a:spLocks noGrp="1"/>
+          </p:cNvSpPr>
+          <p:nvPr>
+            <p:ph type="subTitle" idx="1"/>
+          </p:nvPr>
+        </p:nvSpPr>
+        <p:spPr/>
+        <p:txBody>
+          <a:bodyPr/>
+          <a:lstStyle/>
+          <a:p>
+            <a:endParaRPr lang="en-US"/>
+          </a:p>
+        </p:txBody>
+      </p:sp>
+    </p:spTree>
+  </p:cSld>
+  <p:clrMapOvr>
+    <a:masterClrMapping/>
+  </p:clrMapOvr>
+</p:sld>
+</file>
+
+<file path=ppt/slides/slide22.xml><?xml version="1.0" encoding="utf-8"?>
+<p:sld xmlns:a="http://schemas.openxmlformats.org/drawingml/2006/main" xmlns:r="http://schemas.openxmlformats.org/officeDocument/2006/relationships" xmlns:p="http://schemas.openxmlformats.org/presentationml/2006/main">
+  <p:cSld>
+    <p:spTree>
+      <p:nvGrpSpPr>
+        <p:cNvPr id="1" name=""/>
+        <p:cNvGrpSpPr/>
+        <p:nvPr/>
+      </p:nvGrpSpPr>
+      <p:grpSpPr>
+        <a:xfrm>
+          <a:off x="0" y="0"/>
+          <a:ext cx="0" cy="0"/>
+          <a:chOff x="0" y="0"/>
+          <a:chExt cx="0" cy="0"/>
+        </a:xfrm>
+      </p:grpSpPr>
+      <p:sp>
+        <p:nvSpPr>
+          <p:cNvPr id="3074" name="Titre 1"/>
           <p:cNvSpPr>
             <a:spLocks noGrp="1"/>
           </p:cNvSpPr>
@@ -7277,28 +8772,973 @@
         </p:nvSpPr>
         <p:spPr/>
         <p:txBody>
-          <a:bodyPr>
+          <a:bodyPr/>
+          <a:lstStyle/>
+          <a:p>
+            <a:pPr eaLnBrk="1" hangingPunct="1"/>
+            <a:r>
+              <a:rPr lang="fr-FR" smtClean="0"/>
+              <a:t>Demo postgres	</a:t>
+            </a:r>
+          </a:p>
+        </p:txBody>
+      </p:sp>
+      <p:sp>
+        <p:nvSpPr>
+          <p:cNvPr id="3" name="Espace réservé du contenu 2"/>
+          <p:cNvSpPr>
+            <a:spLocks noGrp="1"/>
+          </p:cNvSpPr>
+          <p:nvPr>
+            <p:ph idx="1"/>
+          </p:nvPr>
+        </p:nvSpPr>
+        <p:spPr/>
+        <p:txBody>
+          <a:bodyPr rtlCol="0">
+            <a:normAutofit fontScale="62500" lnSpcReduction="20000"/>
+          </a:bodyPr>
+          <a:lstStyle/>
+          <a:p>
+            <a:pPr eaLnBrk="1" fontAlgn="auto" hangingPunct="1">
+              <a:spcAft>
+                <a:spcPts val="0"/>
+              </a:spcAft>
+              <a:buFont typeface="Arial" pitchFamily="34" charset="0"/>
+              <a:buChar char="•"/>
+              <a:defRPr/>
+            </a:pPr>
+            <a:r>
+              <a:rPr lang="fr-FR" dirty="0" err="1" smtClean="0"/>
+              <a:t>_introduction</a:t>
+            </a:r>
+            <a:r>
+              <a:rPr lang="fr-FR" dirty="0" smtClean="0"/>
+              <a:t> aux nuages de points &amp; les problématiques de ce genre de données</a:t>
+            </a:r>
+          </a:p>
+          <a:p>
+            <a:pPr eaLnBrk="1" fontAlgn="auto" hangingPunct="1">
+              <a:spcAft>
+                <a:spcPts val="0"/>
+              </a:spcAft>
+              <a:buFont typeface="Arial" pitchFamily="34" charset="0"/>
+              <a:buChar char="•"/>
+              <a:defRPr/>
+            </a:pPr>
+            <a:r>
+              <a:rPr lang="fr-FR" dirty="0" err="1" smtClean="0"/>
+              <a:t>_serveur</a:t>
+            </a:r>
+            <a:r>
+              <a:rPr lang="fr-FR" dirty="0" smtClean="0"/>
+              <a:t> de nuages de points :</a:t>
+            </a:r>
+          </a:p>
+          <a:p>
+            <a:pPr lvl="1" eaLnBrk="1" fontAlgn="auto" hangingPunct="1">
+              <a:spcAft>
+                <a:spcPts val="0"/>
+              </a:spcAft>
+              <a:buFont typeface="Arial" pitchFamily="34" charset="0"/>
+              <a:buChar char="–"/>
+              <a:defRPr/>
+            </a:pPr>
+            <a:r>
+              <a:rPr lang="fr-FR" dirty="0" err="1" smtClean="0"/>
+              <a:t>_stockage</a:t>
+            </a:r>
+            <a:r>
+              <a:rPr lang="fr-FR" dirty="0" smtClean="0"/>
+              <a:t> en base de données avec </a:t>
+            </a:r>
+            <a:r>
+              <a:rPr lang="fr-FR" dirty="0" err="1" smtClean="0"/>
+              <a:t>PointCloud</a:t>
+            </a:r>
+            <a:endParaRPr lang="fr-FR" dirty="0" smtClean="0"/>
+          </a:p>
+          <a:p>
+            <a:pPr lvl="1" eaLnBrk="1" fontAlgn="auto" hangingPunct="1">
+              <a:spcAft>
+                <a:spcPts val="0"/>
+              </a:spcAft>
+              <a:buFont typeface="Arial" pitchFamily="34" charset="0"/>
+              <a:buChar char="–"/>
+              <a:defRPr/>
+            </a:pPr>
+            <a:r>
+              <a:rPr lang="fr-FR" dirty="0" err="1" smtClean="0"/>
+              <a:t>_chargement</a:t>
+            </a:r>
+            <a:r>
+              <a:rPr lang="fr-FR" dirty="0" smtClean="0"/>
+              <a:t> rapide et parallèle</a:t>
+            </a:r>
+          </a:p>
+          <a:p>
+            <a:pPr lvl="1" eaLnBrk="1" fontAlgn="auto" hangingPunct="1">
+              <a:spcAft>
+                <a:spcPts val="0"/>
+              </a:spcAft>
+              <a:buFont typeface="Arial" pitchFamily="34" charset="0"/>
+              <a:buChar char="–"/>
+              <a:defRPr/>
+            </a:pPr>
+            <a:r>
+              <a:rPr lang="fr-FR" dirty="0" err="1" smtClean="0"/>
+              <a:t>_indexations</a:t>
+            </a:r>
+            <a:r>
+              <a:rPr lang="fr-FR" dirty="0" smtClean="0"/>
+              <a:t> et performances</a:t>
+            </a:r>
+          </a:p>
+          <a:p>
+            <a:pPr eaLnBrk="1" fontAlgn="auto" hangingPunct="1">
+              <a:spcAft>
+                <a:spcPts val="0"/>
+              </a:spcAft>
+              <a:buFont typeface="Arial" pitchFamily="34" charset="0"/>
+              <a:buChar char="•"/>
+              <a:defRPr/>
+            </a:pPr>
+            <a:r>
+              <a:rPr lang="fr-FR" dirty="0" smtClean="0"/>
+              <a:t>Visu : </a:t>
+            </a:r>
+          </a:p>
+          <a:p>
+            <a:pPr lvl="1" eaLnBrk="1" fontAlgn="auto" hangingPunct="1">
+              <a:spcAft>
+                <a:spcPts val="0"/>
+              </a:spcAft>
+              <a:buFont typeface="Arial" pitchFamily="34" charset="0"/>
+              <a:buChar char="–"/>
+              <a:defRPr/>
+            </a:pPr>
+            <a:r>
+              <a:rPr lang="fr-FR" dirty="0" err="1" smtClean="0"/>
+              <a:t>_visu</a:t>
+            </a:r>
+            <a:r>
+              <a:rPr lang="fr-FR" dirty="0" smtClean="0"/>
+              <a:t> 2D dans QGIS</a:t>
+            </a:r>
+          </a:p>
+          <a:p>
+            <a:pPr lvl="1" eaLnBrk="1" fontAlgn="auto" hangingPunct="1">
+              <a:spcAft>
+                <a:spcPts val="0"/>
+              </a:spcAft>
+              <a:buFont typeface="Arial" pitchFamily="34" charset="0"/>
+              <a:buChar char="–"/>
+              <a:defRPr/>
+            </a:pPr>
+            <a:r>
+              <a:rPr lang="fr-FR" dirty="0" err="1" smtClean="0"/>
+              <a:t>_visu</a:t>
+            </a:r>
+            <a:r>
+              <a:rPr lang="fr-FR" dirty="0" smtClean="0"/>
+              <a:t> 3D interactive dans </a:t>
+            </a:r>
+            <a:r>
+              <a:rPr lang="fr-FR" dirty="0" err="1" smtClean="0"/>
+              <a:t>ITowns</a:t>
+            </a:r>
+            <a:r>
+              <a:rPr lang="fr-FR" dirty="0" smtClean="0"/>
+              <a:t> </a:t>
+            </a:r>
+          </a:p>
+          <a:p>
+            <a:pPr eaLnBrk="1" fontAlgn="auto" hangingPunct="1">
+              <a:spcAft>
+                <a:spcPts val="0"/>
+              </a:spcAft>
+              <a:buFont typeface="Arial" pitchFamily="34" charset="0"/>
+              <a:buChar char="•"/>
+              <a:defRPr/>
+            </a:pPr>
+            <a:r>
+              <a:rPr lang="fr-FR" dirty="0" err="1" smtClean="0"/>
+              <a:t>_utilisation</a:t>
+            </a:r>
+            <a:r>
+              <a:rPr lang="fr-FR" dirty="0" smtClean="0"/>
+              <a:t> (une base de 0.6 milliard et une base de 5.8 milliards de points)</a:t>
+            </a:r>
+          </a:p>
+          <a:p>
+            <a:pPr lvl="1" eaLnBrk="1" fontAlgn="auto" hangingPunct="1">
+              <a:spcAft>
+                <a:spcPts val="0"/>
+              </a:spcAft>
+              <a:buFont typeface="Arial" pitchFamily="34" charset="0"/>
+              <a:buChar char="–"/>
+              <a:defRPr/>
+            </a:pPr>
+            <a:r>
+              <a:rPr lang="fr-FR" dirty="0" err="1" smtClean="0"/>
+              <a:t>_niveaux</a:t>
+            </a:r>
+            <a:r>
+              <a:rPr lang="fr-FR" dirty="0" smtClean="0"/>
+              <a:t> de détails (</a:t>
+            </a:r>
+            <a:r>
+              <a:rPr lang="fr-FR" dirty="0" err="1" smtClean="0"/>
+              <a:t>quadtree</a:t>
+            </a:r>
+            <a:r>
+              <a:rPr lang="fr-FR" dirty="0" smtClean="0"/>
+              <a:t>/</a:t>
+            </a:r>
+            <a:r>
+              <a:rPr lang="fr-FR" dirty="0" err="1" smtClean="0"/>
+              <a:t>octree</a:t>
+            </a:r>
+            <a:r>
+              <a:rPr lang="fr-FR" dirty="0" smtClean="0"/>
+              <a:t>)</a:t>
+            </a:r>
+          </a:p>
+          <a:p>
+            <a:pPr lvl="1" eaLnBrk="1" fontAlgn="auto" hangingPunct="1">
+              <a:spcAft>
+                <a:spcPts val="0"/>
+              </a:spcAft>
+              <a:buFont typeface="Arial" pitchFamily="34" charset="0"/>
+              <a:buChar char="–"/>
+              <a:defRPr/>
+            </a:pPr>
+            <a:r>
+              <a:rPr lang="fr-FR" dirty="0" err="1" smtClean="0"/>
+              <a:t>_analyse</a:t>
+            </a:r>
+            <a:r>
+              <a:rPr lang="fr-FR" dirty="0" smtClean="0"/>
+              <a:t> basique ( PL/R  ) </a:t>
+            </a:r>
+          </a:p>
+          <a:p>
+            <a:pPr lvl="1" eaLnBrk="1" fontAlgn="auto" hangingPunct="1">
+              <a:spcAft>
+                <a:spcPts val="0"/>
+              </a:spcAft>
+              <a:buFont typeface="Arial" pitchFamily="34" charset="0"/>
+              <a:buChar char="–"/>
+              <a:defRPr/>
+            </a:pPr>
+            <a:r>
+              <a:rPr lang="fr-FR" dirty="0" err="1" smtClean="0"/>
+              <a:t>Processing</a:t>
+            </a:r>
+            <a:r>
+              <a:rPr lang="fr-FR" dirty="0" smtClean="0"/>
+              <a:t>  Pl/python</a:t>
+            </a:r>
+          </a:p>
+          <a:p>
+            <a:pPr lvl="1" eaLnBrk="1" fontAlgn="auto" hangingPunct="1">
+              <a:spcAft>
+                <a:spcPts val="0"/>
+              </a:spcAft>
+              <a:buFont typeface="Arial" pitchFamily="34" charset="0"/>
+              <a:buChar char="–"/>
+              <a:defRPr/>
+            </a:pPr>
+            <a:r>
+              <a:rPr lang="fr-FR" dirty="0" err="1" smtClean="0"/>
+              <a:t>_conversion</a:t>
+            </a:r>
+            <a:r>
+              <a:rPr lang="fr-FR" dirty="0" smtClean="0"/>
+              <a:t> en raster &amp; traitements image basiques en base.</a:t>
+            </a:r>
+          </a:p>
+          <a:p>
+            <a:pPr eaLnBrk="1" fontAlgn="auto" hangingPunct="1">
+              <a:spcAft>
+                <a:spcPts val="0"/>
+              </a:spcAft>
+              <a:buFont typeface="Arial" pitchFamily="34" charset="0"/>
+              <a:buChar char="•"/>
+              <a:defRPr/>
+            </a:pPr>
+            <a:r>
+              <a:rPr lang="fr-FR" dirty="0" err="1" smtClean="0"/>
+              <a:t>_utilisation</a:t>
+            </a:r>
+            <a:r>
+              <a:rPr lang="fr-FR" dirty="0" smtClean="0"/>
+              <a:t> par un </a:t>
+            </a:r>
+            <a:r>
+              <a:rPr lang="fr-FR" dirty="0" err="1" smtClean="0"/>
+              <a:t>algo</a:t>
+            </a:r>
+            <a:r>
+              <a:rPr lang="fr-FR" dirty="0" smtClean="0"/>
+              <a:t> interactif de détection de bord de trottoir (+zoo </a:t>
+            </a:r>
+            <a:r>
+              <a:rPr lang="fr-FR" dirty="0" err="1" smtClean="0"/>
+              <a:t>project</a:t>
+            </a:r>
+            <a:r>
+              <a:rPr lang="fr-FR" dirty="0" smtClean="0"/>
+              <a:t>)</a:t>
+            </a:r>
+          </a:p>
+          <a:p>
+            <a:pPr eaLnBrk="1" fontAlgn="auto" hangingPunct="1">
+              <a:spcAft>
+                <a:spcPts val="0"/>
+              </a:spcAft>
+              <a:buFont typeface="Arial" pitchFamily="34" charset="0"/>
+              <a:buChar char="•"/>
+              <a:defRPr/>
+            </a:pPr>
+            <a:r>
+              <a:rPr lang="fr-FR" dirty="0" err="1" smtClean="0"/>
+              <a:t>_perspectives</a:t>
+            </a:r>
+            <a:endParaRPr lang="fr-FR" dirty="0" smtClean="0"/>
+          </a:p>
+        </p:txBody>
+      </p:sp>
+    </p:spTree>
+  </p:cSld>
+  <p:clrMapOvr>
+    <a:masterClrMapping/>
+  </p:clrMapOvr>
+</p:sld>
+</file>
+
+<file path=ppt/slides/slide23.xml><?xml version="1.0" encoding="utf-8"?>
+<p:sld xmlns:a="http://schemas.openxmlformats.org/drawingml/2006/main" xmlns:r="http://schemas.openxmlformats.org/officeDocument/2006/relationships" xmlns:p="http://schemas.openxmlformats.org/presentationml/2006/main">
+  <p:cSld>
+    <p:spTree>
+      <p:nvGrpSpPr>
+        <p:cNvPr id="1" name=""/>
+        <p:cNvGrpSpPr/>
+        <p:nvPr/>
+      </p:nvGrpSpPr>
+      <p:grpSpPr>
+        <a:xfrm>
+          <a:off x="0" y="0"/>
+          <a:ext cx="0" cy="0"/>
+          <a:chOff x="0" y="0"/>
+          <a:chExt cx="0" cy="0"/>
+        </a:xfrm>
+      </p:grpSpPr>
+      <p:sp>
+        <p:nvSpPr>
+          <p:cNvPr id="4098" name="Titre 1"/>
+          <p:cNvSpPr>
+            <a:spLocks noGrp="1"/>
+          </p:cNvSpPr>
+          <p:nvPr>
+            <p:ph type="title"/>
+          </p:nvPr>
+        </p:nvSpPr>
+        <p:spPr/>
+        <p:txBody>
+          <a:bodyPr/>
+          <a:lstStyle/>
+          <a:p>
+            <a:pPr eaLnBrk="1" hangingPunct="1"/>
+            <a:r>
+              <a:rPr lang="fr-FR" smtClean="0"/>
+              <a:t>Demo postgres	</a:t>
+            </a:r>
+          </a:p>
+        </p:txBody>
+      </p:sp>
+      <p:sp>
+        <p:nvSpPr>
+          <p:cNvPr id="4099" name="Espace réservé du contenu 2"/>
+          <p:cNvSpPr>
+            <a:spLocks noGrp="1"/>
+          </p:cNvSpPr>
+          <p:nvPr>
+            <p:ph idx="1"/>
+          </p:nvPr>
+        </p:nvSpPr>
+        <p:spPr/>
+        <p:txBody>
+          <a:bodyPr/>
+          <a:lstStyle/>
+          <a:p>
+            <a:pPr eaLnBrk="1" hangingPunct="1"/>
+            <a:r>
+              <a:rPr lang="fr-FR" smtClean="0"/>
+              <a:t>LOD maison</a:t>
+            </a:r>
+          </a:p>
+          <a:p>
+            <a:pPr eaLnBrk="1" hangingPunct="1"/>
+            <a:r>
+              <a:rPr lang="fr-FR" smtClean="0"/>
+              <a:t>Index et filtrage</a:t>
+            </a:r>
+          </a:p>
+        </p:txBody>
+      </p:sp>
+    </p:spTree>
+  </p:cSld>
+  <p:clrMapOvr>
+    <a:masterClrMapping/>
+  </p:clrMapOvr>
+</p:sld>
+</file>
+
+<file path=ppt/slides/slide24.xml><?xml version="1.0" encoding="utf-8"?>
+<p:sld xmlns:a="http://schemas.openxmlformats.org/drawingml/2006/main" xmlns:r="http://schemas.openxmlformats.org/officeDocument/2006/relationships" xmlns:p="http://schemas.openxmlformats.org/presentationml/2006/main">
+  <p:cSld>
+    <p:spTree>
+      <p:nvGrpSpPr>
+        <p:cNvPr id="1" name=""/>
+        <p:cNvGrpSpPr/>
+        <p:nvPr/>
+      </p:nvGrpSpPr>
+      <p:grpSpPr>
+        <a:xfrm>
+          <a:off x="0" y="0"/>
+          <a:ext cx="0" cy="0"/>
+          <a:chOff x="0" y="0"/>
+          <a:chExt cx="0" cy="0"/>
+        </a:xfrm>
+      </p:grpSpPr>
+      <p:sp>
+        <p:nvSpPr>
+          <p:cNvPr id="5122" name="Titre 1"/>
+          <p:cNvSpPr>
+            <a:spLocks noGrp="1"/>
+          </p:cNvSpPr>
+          <p:nvPr>
+            <p:ph type="title"/>
+          </p:nvPr>
+        </p:nvSpPr>
+        <p:spPr/>
+        <p:txBody>
+          <a:bodyPr/>
+          <a:lstStyle/>
+          <a:p>
+            <a:pPr eaLnBrk="1" hangingPunct="1"/>
+            <a:r>
+              <a:rPr lang="fr-FR" smtClean="0"/>
+              <a:t>Demo PLR</a:t>
+            </a:r>
+          </a:p>
+        </p:txBody>
+      </p:sp>
+      <p:sp>
+        <p:nvSpPr>
+          <p:cNvPr id="5123" name="Espace réservé du contenu 2"/>
+          <p:cNvSpPr>
+            <a:spLocks noGrp="1"/>
+          </p:cNvSpPr>
+          <p:nvPr>
+            <p:ph idx="1"/>
+          </p:nvPr>
+        </p:nvSpPr>
+        <p:spPr/>
+        <p:txBody>
+          <a:bodyPr/>
+          <a:lstStyle/>
+          <a:p>
+            <a:pPr eaLnBrk="1" hangingPunct="1"/>
+            <a:r>
+              <a:rPr lang="fr-FR" smtClean="0"/>
+              <a:t>Analyse de correlation</a:t>
+            </a:r>
+          </a:p>
+          <a:p>
+            <a:pPr eaLnBrk="1" hangingPunct="1"/>
+            <a:r>
+              <a:rPr lang="fr-FR" smtClean="0"/>
+              <a:t>Spline fitting</a:t>
+            </a:r>
+          </a:p>
+          <a:p>
+            <a:pPr eaLnBrk="1" hangingPunct="1"/>
+            <a:r>
+              <a:rPr lang="fr-FR" smtClean="0"/>
+              <a:t>Clustering (espace eucl+reflectance)</a:t>
+            </a:r>
+          </a:p>
+        </p:txBody>
+      </p:sp>
+    </p:spTree>
+  </p:cSld>
+  <p:clrMapOvr>
+    <a:masterClrMapping/>
+  </p:clrMapOvr>
+</p:sld>
+</file>
+
+<file path=ppt/slides/slide25.xml><?xml version="1.0" encoding="utf-8"?>
+<p:sld xmlns:a="http://schemas.openxmlformats.org/drawingml/2006/main" xmlns:r="http://schemas.openxmlformats.org/officeDocument/2006/relationships" xmlns:p="http://schemas.openxmlformats.org/presentationml/2006/main">
+  <p:cSld>
+    <p:spTree>
+      <p:nvGrpSpPr>
+        <p:cNvPr id="1" name=""/>
+        <p:cNvGrpSpPr/>
+        <p:nvPr/>
+      </p:nvGrpSpPr>
+      <p:grpSpPr>
+        <a:xfrm>
+          <a:off x="0" y="0"/>
+          <a:ext cx="0" cy="0"/>
+          <a:chOff x="0" y="0"/>
+          <a:chExt cx="0" cy="0"/>
+        </a:xfrm>
+      </p:grpSpPr>
+      <p:sp>
+        <p:nvSpPr>
+          <p:cNvPr id="6146" name="Titre 1"/>
+          <p:cNvSpPr>
+            <a:spLocks noGrp="1"/>
+          </p:cNvSpPr>
+          <p:nvPr>
+            <p:ph type="title"/>
+          </p:nvPr>
+        </p:nvSpPr>
+        <p:spPr/>
+        <p:txBody>
+          <a:bodyPr/>
+          <a:lstStyle/>
+          <a:p>
+            <a:pPr eaLnBrk="1" hangingPunct="1"/>
+            <a:r>
+              <a:rPr lang="fr-FR" smtClean="0"/>
+              <a:t>Demo python</a:t>
+            </a:r>
+          </a:p>
+        </p:txBody>
+      </p:sp>
+      <p:sp>
+        <p:nvSpPr>
+          <p:cNvPr id="6147" name="Espace réservé du contenu 2"/>
+          <p:cNvSpPr>
+            <a:spLocks noGrp="1"/>
+          </p:cNvSpPr>
+          <p:nvPr>
+            <p:ph idx="1"/>
+          </p:nvPr>
+        </p:nvSpPr>
+        <p:spPr/>
+        <p:txBody>
+          <a:bodyPr/>
+          <a:lstStyle/>
+          <a:p>
+            <a:pPr eaLnBrk="1" hangingPunct="1"/>
+            <a:r>
+              <a:rPr lang="fr-FR" smtClean="0"/>
+              <a:t>Icp</a:t>
+            </a:r>
+          </a:p>
+          <a:p>
+            <a:pPr eaLnBrk="1" hangingPunct="1"/>
+            <a:r>
+              <a:rPr lang="fr-FR" smtClean="0"/>
+              <a:t>filtrage</a:t>
+            </a:r>
+          </a:p>
+          <a:p>
+            <a:pPr eaLnBrk="1" hangingPunct="1"/>
+            <a:r>
+              <a:rPr lang="fr-FR" smtClean="0"/>
+              <a:t>Detection de plan</a:t>
+            </a:r>
+          </a:p>
+          <a:p>
+            <a:pPr eaLnBrk="1" hangingPunct="1"/>
+            <a:endParaRPr lang="fr-FR" smtClean="0"/>
+          </a:p>
+        </p:txBody>
+      </p:sp>
+    </p:spTree>
+  </p:cSld>
+  <p:clrMapOvr>
+    <a:masterClrMapping/>
+  </p:clrMapOvr>
+</p:sld>
+</file>
+
+<file path=ppt/slides/slide26.xml><?xml version="1.0" encoding="utf-8"?>
+<p:sld xmlns:a="http://schemas.openxmlformats.org/drawingml/2006/main" xmlns:r="http://schemas.openxmlformats.org/officeDocument/2006/relationships" xmlns:p="http://schemas.openxmlformats.org/presentationml/2006/main">
+  <p:cSld>
+    <p:spTree>
+      <p:nvGrpSpPr>
+        <p:cNvPr id="1" name=""/>
+        <p:cNvGrpSpPr/>
+        <p:nvPr/>
+      </p:nvGrpSpPr>
+      <p:grpSpPr>
+        <a:xfrm>
+          <a:off x="0" y="0"/>
+          <a:ext cx="0" cy="0"/>
+          <a:chOff x="0" y="0"/>
+          <a:chExt cx="0" cy="0"/>
+        </a:xfrm>
+      </p:grpSpPr>
+      <p:sp>
+        <p:nvSpPr>
+          <p:cNvPr id="2" name="Titre 1"/>
+          <p:cNvSpPr>
+            <a:spLocks noGrp="1"/>
+          </p:cNvSpPr>
+          <p:nvPr>
+            <p:ph type="title"/>
+          </p:nvPr>
+        </p:nvSpPr>
+        <p:spPr/>
+        <p:txBody>
+          <a:bodyPr rtlCol="0">
             <a:normAutofit fontScale="90000"/>
           </a:bodyPr>
           <a:lstStyle/>
           <a:p>
+            <a:pPr eaLnBrk="1" fontAlgn="auto" hangingPunct="1">
+              <a:spcAft>
+                <a:spcPts val="0"/>
+              </a:spcAft>
+              <a:defRPr/>
+            </a:pPr>
+            <a:r>
+              <a:rPr lang="fr-FR" dirty="0" smtClean="0"/>
+              <a:t>Comparaison </a:t>
+            </a:r>
+            <a:r>
+              <a:rPr lang="fr-FR" dirty="0" err="1" smtClean="0"/>
+              <a:t>plpythonu</a:t>
+            </a:r>
+            <a:r>
+              <a:rPr lang="fr-FR" dirty="0" smtClean="0"/>
+              <a:t>/</a:t>
+            </a:r>
+            <a:r>
+              <a:rPr lang="fr-FR" dirty="0" err="1" smtClean="0"/>
+              <a:t>plr</a:t>
+            </a:r>
+            <a:r>
+              <a:rPr lang="fr-FR" dirty="0" smtClean="0"/>
+              <a:t> avec le package «  </a:t>
+            </a:r>
+            <a:r>
+              <a:rPr lang="fr-FR" dirty="0" err="1" smtClean="0"/>
+              <a:t>fastcluster</a:t>
+            </a:r>
             <a:r>
               <a:rPr lang="fr-FR" smtClean="0"/>
-              <a:t>Pointcloud processing : </a:t>
+              <a:t>»</a:t>
+            </a:r>
+            <a:endParaRPr lang="fr-FR" dirty="0" smtClean="0"/>
+          </a:p>
+        </p:txBody>
+      </p:sp>
+      <p:sp>
+        <p:nvSpPr>
+          <p:cNvPr id="3" name="Espace réservé du texte 2"/>
+          <p:cNvSpPr>
+            <a:spLocks noGrp="1"/>
+          </p:cNvSpPr>
+          <p:nvPr>
+            <p:ph type="body" idx="1"/>
+          </p:nvPr>
+        </p:nvSpPr>
+        <p:spPr/>
+        <p:txBody>
+          <a:bodyPr rtlCol="0">
+            <a:normAutofit/>
+          </a:bodyPr>
+          <a:lstStyle/>
+          <a:p>
+            <a:pPr eaLnBrk="1" fontAlgn="auto" hangingPunct="1">
+              <a:spcAft>
+                <a:spcPts val="0"/>
+              </a:spcAft>
+              <a:buFont typeface="Arial" pitchFamily="34" charset="0"/>
+              <a:buNone/>
+              <a:defRPr/>
+            </a:pPr>
+            <a:endParaRPr lang="fr-FR" smtClean="0"/>
+          </a:p>
+        </p:txBody>
+      </p:sp>
+    </p:spTree>
+  </p:cSld>
+  <p:clrMapOvr>
+    <a:masterClrMapping/>
+  </p:clrMapOvr>
+</p:sld>
+</file>
+
+<file path=ppt/slides/slide27.xml><?xml version="1.0" encoding="utf-8"?>
+<p:sld xmlns:a="http://schemas.openxmlformats.org/drawingml/2006/main" xmlns:r="http://schemas.openxmlformats.org/officeDocument/2006/relationships" xmlns:p="http://schemas.openxmlformats.org/presentationml/2006/main">
+  <p:cSld>
+    <p:spTree>
+      <p:nvGrpSpPr>
+        <p:cNvPr id="1" name=""/>
+        <p:cNvGrpSpPr/>
+        <p:nvPr/>
+      </p:nvGrpSpPr>
+      <p:grpSpPr>
+        <a:xfrm>
+          <a:off x="0" y="0"/>
+          <a:ext cx="0" cy="0"/>
+          <a:chOff x="0" y="0"/>
+          <a:chExt cx="0" cy="0"/>
+        </a:xfrm>
+      </p:grpSpPr>
+      <p:sp>
+        <p:nvSpPr>
+          <p:cNvPr id="8194" name="Titre 1"/>
+          <p:cNvSpPr>
+            <a:spLocks noGrp="1"/>
+          </p:cNvSpPr>
+          <p:nvPr>
+            <p:ph type="ctrTitle"/>
+          </p:nvPr>
+        </p:nvSpPr>
+        <p:spPr/>
+        <p:txBody>
+          <a:bodyPr/>
+          <a:lstStyle/>
+          <a:p>
+            <a:pPr eaLnBrk="1" hangingPunct="1"/>
+            <a:r>
+              <a:rPr lang="fr-FR" smtClean="0"/>
+              <a:t>vtk </a:t>
             </a:r>
             <a:br>
               <a:rPr lang="fr-FR" smtClean="0"/>
             </a:br>
             <a:r>
               <a:rPr lang="fr-FR" smtClean="0"/>
-              <a:t>from patch to python numpy array</a:t>
-            </a:r>
-          </a:p>
-        </p:txBody>
-      </p:sp>
-      <p:sp>
-        <p:nvSpPr>
-          <p:cNvPr id="19459" name="Espace réservé du contenu 2"/>
+              <a:t> Icp</a:t>
+            </a:r>
+          </a:p>
+        </p:txBody>
+      </p:sp>
+      <p:sp>
+        <p:nvSpPr>
+          <p:cNvPr id="3" name="Sous-titre 2"/>
+          <p:cNvSpPr>
+            <a:spLocks noGrp="1"/>
+          </p:cNvSpPr>
+          <p:nvPr>
+            <p:ph type="subTitle" idx="1"/>
+          </p:nvPr>
+        </p:nvSpPr>
+        <p:spPr/>
+        <p:txBody>
+          <a:bodyPr rtlCol="0">
+            <a:normAutofit/>
+          </a:bodyPr>
+          <a:lstStyle/>
+          <a:p>
+            <a:pPr eaLnBrk="1" fontAlgn="auto" hangingPunct="1">
+              <a:spcAft>
+                <a:spcPts val="0"/>
+              </a:spcAft>
+              <a:buFont typeface="Arial" pitchFamily="34" charset="0"/>
+              <a:buNone/>
+              <a:defRPr/>
+            </a:pPr>
+            <a:r>
+              <a:rPr lang="fr-FR" dirty="0" smtClean="0"/>
+              <a:t>http://www.vtk.org/Wiki/VTK/Examples/Python/IterativeClosestPoints</a:t>
+            </a:r>
+          </a:p>
+        </p:txBody>
+      </p:sp>
+    </p:spTree>
+  </p:cSld>
+  <p:clrMapOvr>
+    <a:masterClrMapping/>
+  </p:clrMapOvr>
+</p:sld>
+</file>
+
+<file path=ppt/slides/slide28.xml><?xml version="1.0" encoding="utf-8"?>
+<p:sld xmlns:a="http://schemas.openxmlformats.org/drawingml/2006/main" xmlns:r="http://schemas.openxmlformats.org/officeDocument/2006/relationships" xmlns:p="http://schemas.openxmlformats.org/presentationml/2006/main">
+  <p:cSld>
+    <p:spTree>
+      <p:nvGrpSpPr>
+        <p:cNvPr id="1" name=""/>
+        <p:cNvGrpSpPr/>
+        <p:nvPr/>
+      </p:nvGrpSpPr>
+      <p:grpSpPr>
+        <a:xfrm>
+          <a:off x="0" y="0"/>
+          <a:ext cx="0" cy="0"/>
+          <a:chOff x="0" y="0"/>
+          <a:chExt cx="0" cy="0"/>
+        </a:xfrm>
+      </p:grpSpPr>
+      <p:sp>
+        <p:nvSpPr>
+          <p:cNvPr id="2" name="Titre 1"/>
+          <p:cNvSpPr>
+            <a:spLocks noGrp="1"/>
+          </p:cNvSpPr>
+          <p:nvPr>
+            <p:ph type="ctrTitle"/>
+          </p:nvPr>
+        </p:nvSpPr>
+        <p:spPr>
+          <a:xfrm>
+            <a:off x="685800" y="1785938"/>
+            <a:ext cx="7772400" cy="1814512"/>
+          </a:xfrm>
+        </p:spPr>
+        <p:txBody>
+          <a:bodyPr rtlCol="0">
+            <a:normAutofit/>
+          </a:bodyPr>
+          <a:lstStyle/>
+          <a:p>
+            <a:pPr eaLnBrk="1" fontAlgn="auto" hangingPunct="1">
+              <a:spcAft>
+                <a:spcPts val="0"/>
+              </a:spcAft>
+              <a:defRPr/>
+            </a:pPr>
+            <a:r>
+              <a:rPr lang="fr-FR" dirty="0" smtClean="0"/>
+              <a:t>PCL :</a:t>
+            </a:r>
+            <a:br>
+              <a:rPr lang="fr-FR" dirty="0" smtClean="0"/>
+            </a:br>
+            <a:r>
+              <a:rPr lang="fr-FR" dirty="0" smtClean="0"/>
+              <a:t> </a:t>
+            </a:r>
+            <a:r>
+              <a:rPr lang="fr-FR" dirty="0" err="1" smtClean="0"/>
+              <a:t>Detection</a:t>
+            </a:r>
+            <a:r>
+              <a:rPr lang="fr-FR" dirty="0" smtClean="0"/>
+              <a:t> de plans</a:t>
+            </a:r>
+            <a:br>
+              <a:rPr lang="fr-FR" dirty="0" smtClean="0"/>
+            </a:br>
+            <a:r>
+              <a:rPr lang="fr-FR" dirty="0" smtClean="0"/>
+              <a:t>filtrage</a:t>
+            </a:r>
+          </a:p>
+        </p:txBody>
+      </p:sp>
+      <p:sp>
+        <p:nvSpPr>
+          <p:cNvPr id="3" name="Sous-titre 2"/>
+          <p:cNvSpPr>
+            <a:spLocks noGrp="1"/>
+          </p:cNvSpPr>
+          <p:nvPr>
+            <p:ph type="subTitle" idx="1"/>
+          </p:nvPr>
+        </p:nvSpPr>
+        <p:spPr/>
+        <p:txBody>
+          <a:bodyPr rtlCol="0">
+            <a:normAutofit/>
+          </a:bodyPr>
+          <a:lstStyle/>
+          <a:p>
+            <a:pPr eaLnBrk="1" fontAlgn="auto" hangingPunct="1">
+              <a:spcAft>
+                <a:spcPts val="0"/>
+              </a:spcAft>
+              <a:buFont typeface="Arial" pitchFamily="34" charset="0"/>
+              <a:buNone/>
+              <a:defRPr/>
+            </a:pPr>
+            <a:r>
+              <a:rPr lang="fr-FR" dirty="0" smtClean="0">
+                <a:hlinkClick r:id="rId2"/>
+              </a:rPr>
+              <a:t>https://github.com/strawlab/python-pcl/blob/master/tests/test.py</a:t>
+            </a:r>
+            <a:endParaRPr lang="fr-FR" dirty="0" smtClean="0"/>
+          </a:p>
+          <a:p>
+            <a:pPr eaLnBrk="1" fontAlgn="auto" hangingPunct="1">
+              <a:spcAft>
+                <a:spcPts val="0"/>
+              </a:spcAft>
+              <a:buFont typeface="Arial" pitchFamily="34" charset="0"/>
+              <a:buNone/>
+              <a:defRPr/>
+            </a:pPr>
+            <a:r>
+              <a:rPr lang="fr-FR" dirty="0" smtClean="0"/>
+              <a:t>https://github.com/strawlab/python-pcl/</a:t>
+            </a:r>
+          </a:p>
+        </p:txBody>
+      </p:sp>
+    </p:spTree>
+  </p:cSld>
+  <p:clrMapOvr>
+    <a:masterClrMapping/>
+  </p:clrMapOvr>
+</p:sld>
+</file>
+
+<file path=ppt/slides/slide29.xml><?xml version="1.0" encoding="utf-8"?>
+<p:sld xmlns:a="http://schemas.openxmlformats.org/drawingml/2006/main" xmlns:r="http://schemas.openxmlformats.org/officeDocument/2006/relationships" xmlns:p="http://schemas.openxmlformats.org/presentationml/2006/main">
+  <p:cSld>
+    <p:spTree>
+      <p:nvGrpSpPr>
+        <p:cNvPr id="1" name=""/>
+        <p:cNvGrpSpPr/>
+        <p:nvPr/>
+      </p:nvGrpSpPr>
+      <p:grpSpPr>
+        <a:xfrm>
+          <a:off x="0" y="0"/>
+          <a:ext cx="0" cy="0"/>
+          <a:chOff x="0" y="0"/>
+          <a:chExt cx="0" cy="0"/>
+        </a:xfrm>
+      </p:grpSpPr>
+      <p:sp>
+        <p:nvSpPr>
+          <p:cNvPr id="10242" name="Titre 1"/>
+          <p:cNvSpPr>
+            <a:spLocks noGrp="1"/>
+          </p:cNvSpPr>
+          <p:nvPr>
+            <p:ph type="title"/>
+          </p:nvPr>
+        </p:nvSpPr>
+        <p:spPr/>
+        <p:txBody>
+          <a:bodyPr/>
+          <a:lstStyle/>
+          <a:p>
+            <a:pPr eaLnBrk="1" hangingPunct="1"/>
+            <a:r>
+              <a:rPr lang="fr-FR" smtClean="0"/>
+              <a:t>Conversion en raster </a:t>
+            </a:r>
+          </a:p>
+        </p:txBody>
+      </p:sp>
+      <p:sp>
+        <p:nvSpPr>
+          <p:cNvPr id="3" name="Espace réservé du contenu 2"/>
           <p:cNvSpPr>
             <a:spLocks noGrp="1"/>
           </p:cNvSpPr>
@@ -7308,52 +9748,171 @@
         </p:nvSpPr>
         <p:spPr/>
         <p:txBody>
-          <a:bodyPr/>
-          <a:lstStyle/>
-          <a:p>
-            <a:r>
-              <a:rPr lang="fr-FR" sz="1800" smtClean="0"/>
-              <a:t>Get function array_of_array from PPPP_utilities</a:t>
-            </a:r>
-          </a:p>
-          <a:p>
-            <a:r>
-              <a:rPr lang="fr-FR" sz="1800" smtClean="0"/>
-              <a:t>Get function from PPPP/pointcloud : rc_explode</a:t>
-            </a:r>
-          </a:p>
-          <a:p>
-            <a:endParaRPr lang="fr-FR" sz="1800" smtClean="0"/>
-          </a:p>
-          <a:p>
-            <a:endParaRPr lang="fr-FR" sz="1800" smtClean="0"/>
-          </a:p>
-          <a:p>
-            <a:r>
-              <a:rPr lang="fr-FR" sz="1800" smtClean="0"/>
-              <a:t>Using pointcloud to perform plan and cylinder detection : env 1sec/patchde 4k points</a:t>
-            </a:r>
-          </a:p>
-          <a:p>
-            <a:endParaRPr lang="fr-FR" sz="1800" smtClean="0"/>
-          </a:p>
-          <a:p>
-            <a:r>
-              <a:rPr lang="fr-FR" sz="1800" smtClean="0"/>
-              <a:t>Using sclearn to perfomr ICA : same</a:t>
-            </a:r>
-          </a:p>
-          <a:p>
-            <a:endParaRPr lang="fr-FR" sz="1800" smtClean="0"/>
-          </a:p>
-          <a:p>
-            <a:r>
-              <a:rPr lang="fr-FR" sz="1800" smtClean="0"/>
-              <a:t>Using sclearn to perform dbscan : 4sec + using point cloud for normal computation + using pointcloud for outliers removal	</a:t>
-            </a:r>
-          </a:p>
-          <a:p>
-            <a:endParaRPr lang="fr-FR" sz="1800" smtClean="0"/>
+          <a:bodyPr rtlCol="0">
+            <a:normAutofit/>
+          </a:bodyPr>
+          <a:lstStyle/>
+          <a:p>
+            <a:pPr eaLnBrk="1" fontAlgn="auto" hangingPunct="1">
+              <a:spcAft>
+                <a:spcPts val="0"/>
+              </a:spcAft>
+              <a:buFont typeface="Arial" pitchFamily="34" charset="0"/>
+              <a:buChar char="•"/>
+              <a:defRPr/>
+            </a:pPr>
+            <a:r>
+              <a:rPr lang="fr-FR" dirty="0" smtClean="0"/>
+              <a:t>Cuisine perso + trick pour </a:t>
+            </a:r>
+            <a:r>
+              <a:rPr lang="fr-FR" dirty="0" err="1" smtClean="0"/>
+              <a:t>ecrire</a:t>
+            </a:r>
+            <a:r>
+              <a:rPr lang="fr-FR" dirty="0" smtClean="0"/>
+              <a:t> les fichiers </a:t>
+            </a:r>
+            <a:r>
+              <a:rPr lang="fr-FR" dirty="0" err="1" smtClean="0"/>
+              <a:t>rapidemment</a:t>
+            </a:r>
+            <a:endParaRPr lang="fr-FR" dirty="0" smtClean="0"/>
+          </a:p>
+          <a:p>
+            <a:pPr eaLnBrk="1" fontAlgn="auto" hangingPunct="1">
+              <a:spcAft>
+                <a:spcPts val="0"/>
+              </a:spcAft>
+              <a:buFont typeface="Arial" pitchFamily="34" charset="0"/>
+              <a:buChar char="•"/>
+              <a:defRPr/>
+            </a:pPr>
+            <a:r>
+              <a:rPr lang="fr-FR" dirty="0" smtClean="0"/>
+              <a:t>Filtrage </a:t>
+            </a:r>
+          </a:p>
+          <a:p>
+            <a:pPr eaLnBrk="1" fontAlgn="auto" hangingPunct="1">
+              <a:spcAft>
+                <a:spcPts val="0"/>
+              </a:spcAft>
+              <a:buFont typeface="Arial" pitchFamily="34" charset="0"/>
+              <a:buChar char="•"/>
+              <a:defRPr/>
+            </a:pPr>
+            <a:r>
+              <a:rPr lang="fr-FR" dirty="0" err="1" smtClean="0"/>
+              <a:t>Opencv</a:t>
+            </a:r>
+            <a:endParaRPr lang="fr-FR" dirty="0" smtClean="0"/>
+          </a:p>
+          <a:p>
+            <a:pPr lvl="1" eaLnBrk="1" fontAlgn="auto" hangingPunct="1">
+              <a:spcAft>
+                <a:spcPts val="0"/>
+              </a:spcAft>
+              <a:buFont typeface="Arial" pitchFamily="34" charset="0"/>
+              <a:buChar char="–"/>
+              <a:defRPr/>
+            </a:pPr>
+            <a:r>
+              <a:rPr lang="fr-FR" dirty="0" smtClean="0"/>
+              <a:t>Image basique</a:t>
+            </a:r>
+          </a:p>
+          <a:p>
+            <a:pPr lvl="1" eaLnBrk="1" fontAlgn="auto" hangingPunct="1">
+              <a:spcAft>
+                <a:spcPts val="0"/>
+              </a:spcAft>
+              <a:buFont typeface="Arial" pitchFamily="34" charset="0"/>
+              <a:buChar char="–"/>
+              <a:defRPr/>
+            </a:pPr>
+            <a:r>
+              <a:rPr lang="fr-FR" dirty="0" err="1" smtClean="0"/>
+              <a:t>Detection</a:t>
+            </a:r>
+            <a:r>
+              <a:rPr lang="fr-FR" dirty="0" smtClean="0"/>
+              <a:t> de cercle/lignes (</a:t>
+            </a:r>
+            <a:r>
+              <a:rPr lang="fr-FR" dirty="0" err="1" smtClean="0"/>
+              <a:t>hough</a:t>
+            </a:r>
+            <a:r>
+              <a:rPr lang="fr-FR" dirty="0" smtClean="0"/>
+              <a:t>)</a:t>
+            </a:r>
+          </a:p>
+          <a:p>
+            <a:pPr lvl="1" eaLnBrk="1" fontAlgn="auto" hangingPunct="1">
+              <a:spcAft>
+                <a:spcPts val="0"/>
+              </a:spcAft>
+              <a:buFont typeface="Arial" pitchFamily="34" charset="0"/>
+              <a:buChar char="–"/>
+              <a:defRPr/>
+            </a:pPr>
+            <a:r>
+              <a:rPr lang="fr-FR" dirty="0" err="1" smtClean="0"/>
+              <a:t>Detecteurs</a:t>
+            </a:r>
+            <a:endParaRPr lang="fr-FR" dirty="0" smtClean="0"/>
+          </a:p>
+          <a:p>
+            <a:pPr lvl="1" eaLnBrk="1" fontAlgn="auto" hangingPunct="1">
+              <a:spcAft>
+                <a:spcPts val="0"/>
+              </a:spcAft>
+              <a:buFont typeface="Arial" pitchFamily="34" charset="0"/>
+              <a:buChar char="–"/>
+              <a:defRPr/>
+            </a:pPr>
+            <a:r>
+              <a:rPr lang="fr-FR" dirty="0" err="1" smtClean="0"/>
+              <a:t>Matching</a:t>
+            </a:r>
+            <a:r>
+              <a:rPr lang="fr-FR" dirty="0" smtClean="0"/>
+              <a:t> pour trouver les marquages « </a:t>
+            </a:r>
+            <a:r>
+              <a:rPr lang="fr-FR" dirty="0" err="1" smtClean="0"/>
+              <a:t>velos</a:t>
+            </a:r>
+            <a:r>
+              <a:rPr lang="fr-FR" dirty="0" smtClean="0"/>
+              <a:t> »</a:t>
+            </a:r>
+          </a:p>
+          <a:p>
+            <a:pPr lvl="2" eaLnBrk="1" fontAlgn="auto" hangingPunct="1">
+              <a:spcAft>
+                <a:spcPts val="0"/>
+              </a:spcAft>
+              <a:buFont typeface="Arial" pitchFamily="34" charset="0"/>
+              <a:buChar char="•"/>
+              <a:defRPr/>
+            </a:pPr>
+            <a:r>
+              <a:rPr lang="fr-FR" dirty="0" smtClean="0"/>
+              <a:t>http://docs.opencv.org/trunk/doc/py_tutorials/py_feature2d/py_feature_homography/py_feature_homography.html#py-feature-homography</a:t>
+            </a:r>
+          </a:p>
+          <a:p>
+            <a:pPr eaLnBrk="1" fontAlgn="auto" hangingPunct="1">
+              <a:spcAft>
+                <a:spcPts val="0"/>
+              </a:spcAft>
+              <a:buFont typeface="Arial" pitchFamily="34" charset="0"/>
+              <a:buChar char="•"/>
+              <a:defRPr/>
+            </a:pPr>
+            <a:endParaRPr lang="fr-FR" dirty="0" smtClean="0"/>
           </a:p>
         </p:txBody>
       </p:sp>
@@ -7506,21 +10065,966 @@
           <a:lstStyle/>
           <a:p>
             <a:r>
+              <a:rPr lang="en-US" dirty="0" smtClean="0"/>
+              <a:t>What are point clouds</a:t>
+            </a:r>
+          </a:p>
+          <a:p>
+            <a:r>
+              <a:rPr lang="en-US" dirty="0" smtClean="0"/>
+              <a:t>Order of </a:t>
+            </a:r>
+            <a:r>
+              <a:rPr lang="en-US" dirty="0" err="1" smtClean="0"/>
+              <a:t>magnitudE</a:t>
+            </a:r>
+            <a:endParaRPr lang="en-US" dirty="0" smtClean="0"/>
+          </a:p>
+          <a:p>
+            <a:endParaRPr lang="en-US" dirty="0"/>
+          </a:p>
+        </p:txBody>
+      </p:sp>
+    </p:spTree>
+  </p:cSld>
+  <p:clrMapOvr>
+    <a:masterClrMapping/>
+  </p:clrMapOvr>
+</p:sld>
+</file>
+
+<file path=ppt/slides/slide30.xml><?xml version="1.0" encoding="utf-8"?>
+<p:sld xmlns:a="http://schemas.openxmlformats.org/drawingml/2006/main" xmlns:r="http://schemas.openxmlformats.org/officeDocument/2006/relationships" xmlns:p="http://schemas.openxmlformats.org/presentationml/2006/main">
+  <p:cSld>
+    <p:spTree>
+      <p:nvGrpSpPr>
+        <p:cNvPr id="1" name=""/>
+        <p:cNvGrpSpPr/>
+        <p:nvPr/>
+      </p:nvGrpSpPr>
+      <p:grpSpPr>
+        <a:xfrm>
+          <a:off x="0" y="0"/>
+          <a:ext cx="0" cy="0"/>
+          <a:chOff x="0" y="0"/>
+          <a:chExt cx="0" cy="0"/>
+        </a:xfrm>
+      </p:grpSpPr>
+      <p:sp>
+        <p:nvSpPr>
+          <p:cNvPr id="11266" name="Titre 1"/>
+          <p:cNvSpPr>
+            <a:spLocks noGrp="1"/>
+          </p:cNvSpPr>
+          <p:nvPr>
+            <p:ph type="ctrTitle"/>
+          </p:nvPr>
+        </p:nvSpPr>
+        <p:spPr/>
+        <p:txBody>
+          <a:bodyPr/>
+          <a:lstStyle/>
+          <a:p>
+            <a:pPr eaLnBrk="1" hangingPunct="1"/>
+            <a:r>
+              <a:rPr lang="fr-FR" smtClean="0"/>
+              <a:t>Traitement d’image basique</a:t>
+            </a:r>
+          </a:p>
+        </p:txBody>
+      </p:sp>
+      <p:sp>
+        <p:nvSpPr>
+          <p:cNvPr id="3" name="Sous-titre 2"/>
+          <p:cNvSpPr>
+            <a:spLocks noGrp="1"/>
+          </p:cNvSpPr>
+          <p:nvPr>
+            <p:ph type="subTitle" idx="1"/>
+          </p:nvPr>
+        </p:nvSpPr>
+        <p:spPr/>
+        <p:txBody>
+          <a:bodyPr rtlCol="0">
+            <a:normAutofit/>
+          </a:bodyPr>
+          <a:lstStyle/>
+          <a:p>
+            <a:pPr eaLnBrk="1" fontAlgn="auto" hangingPunct="1">
+              <a:spcAft>
+                <a:spcPts val="0"/>
+              </a:spcAft>
+              <a:buFont typeface="Arial" pitchFamily="34" charset="0"/>
+              <a:buNone/>
+              <a:defRPr/>
+            </a:pPr>
+            <a:r>
+              <a:rPr lang="fr-FR" dirty="0" smtClean="0"/>
+              <a:t>http://docs.opencv.org/trunk/doc/py_tutorials/py_tutorials.html</a:t>
+            </a:r>
+          </a:p>
+          <a:p>
+            <a:pPr eaLnBrk="1" fontAlgn="auto" hangingPunct="1">
+              <a:spcAft>
+                <a:spcPts val="0"/>
+              </a:spcAft>
+              <a:buFont typeface="Arial" pitchFamily="34" charset="0"/>
+              <a:buNone/>
+              <a:defRPr/>
+            </a:pPr>
+            <a:r>
+              <a:rPr lang="fr-FR" dirty="0" smtClean="0"/>
+              <a:t>Gradient + </a:t>
+            </a:r>
+            <a:r>
               <a:rPr lang="fr-FR" dirty="0" err="1" smtClean="0"/>
-              <a:t>What</a:t>
+              <a:t>Detection</a:t>
             </a:r>
             <a:r>
               <a:rPr lang="fr-FR" dirty="0" smtClean="0"/>
-              <a:t> are point </a:t>
+              <a:t> de cercle avec </a:t>
             </a:r>
             <a:r>
               <a:rPr lang="fr-FR" dirty="0" err="1" smtClean="0"/>
-              <a:t>clouds</a:t>
+              <a:t>OpenCV</a:t>
             </a:r>
             <a:endParaRPr lang="fr-FR" dirty="0" smtClean="0"/>
           </a:p>
-          <a:p>
-            <a:endParaRPr lang="fr-FR" dirty="0"/>
+        </p:txBody>
+      </p:sp>
+    </p:spTree>
+  </p:cSld>
+  <p:clrMapOvr>
+    <a:masterClrMapping/>
+  </p:clrMapOvr>
+</p:sld>
+</file>
+
+<file path=ppt/slides/slide31.xml><?xml version="1.0" encoding="utf-8"?>
+<p:sld xmlns:a="http://schemas.openxmlformats.org/drawingml/2006/main" xmlns:r="http://schemas.openxmlformats.org/officeDocument/2006/relationships" xmlns:p="http://schemas.openxmlformats.org/presentationml/2006/main">
+  <p:cSld>
+    <p:spTree>
+      <p:nvGrpSpPr>
+        <p:cNvPr id="1" name=""/>
+        <p:cNvGrpSpPr/>
+        <p:nvPr/>
+      </p:nvGrpSpPr>
+      <p:grpSpPr>
+        <a:xfrm>
+          <a:off x="0" y="0"/>
+          <a:ext cx="0" cy="0"/>
+          <a:chOff x="0" y="0"/>
+          <a:chExt cx="0" cy="0"/>
+        </a:xfrm>
+      </p:grpSpPr>
+      <p:sp>
+        <p:nvSpPr>
+          <p:cNvPr id="12290" name="Titre 1"/>
+          <p:cNvSpPr>
+            <a:spLocks noGrp="1"/>
+          </p:cNvSpPr>
+          <p:nvPr>
+            <p:ph type="ctrTitle"/>
+          </p:nvPr>
+        </p:nvSpPr>
+        <p:spPr/>
+        <p:txBody>
+          <a:bodyPr/>
+          <a:lstStyle/>
+          <a:p>
+            <a:pPr eaLnBrk="1" hangingPunct="1"/>
+            <a:r>
+              <a:rPr lang="fr-FR" smtClean="0"/>
+              <a:t>avancé</a:t>
+            </a:r>
+          </a:p>
+        </p:txBody>
+      </p:sp>
+      <p:sp>
+        <p:nvSpPr>
+          <p:cNvPr id="3" name="Sous-titre 2"/>
+          <p:cNvSpPr>
+            <a:spLocks noGrp="1"/>
+          </p:cNvSpPr>
+          <p:nvPr>
+            <p:ph type="subTitle" idx="1"/>
+          </p:nvPr>
+        </p:nvSpPr>
+        <p:spPr/>
+        <p:txBody>
+          <a:bodyPr rtlCol="0">
+            <a:normAutofit/>
+          </a:bodyPr>
+          <a:lstStyle/>
+          <a:p>
+            <a:pPr eaLnBrk="1" fontAlgn="auto" hangingPunct="1">
+              <a:spcAft>
+                <a:spcPts val="0"/>
+              </a:spcAft>
+              <a:buFont typeface="Arial" pitchFamily="34" charset="0"/>
+              <a:buNone/>
+              <a:defRPr/>
+            </a:pPr>
+            <a:endParaRPr lang="fr-FR" smtClean="0"/>
+          </a:p>
+        </p:txBody>
+      </p:sp>
+    </p:spTree>
+  </p:cSld>
+  <p:clrMapOvr>
+    <a:masterClrMapping/>
+  </p:clrMapOvr>
+</p:sld>
+</file>
+
+<file path=ppt/slides/slide32.xml><?xml version="1.0" encoding="utf-8"?>
+<p:sld xmlns:a="http://schemas.openxmlformats.org/drawingml/2006/main" xmlns:r="http://schemas.openxmlformats.org/officeDocument/2006/relationships" xmlns:p="http://schemas.openxmlformats.org/presentationml/2006/main">
+  <p:cSld>
+    <p:spTree>
+      <p:nvGrpSpPr>
+        <p:cNvPr id="1" name=""/>
+        <p:cNvGrpSpPr/>
+        <p:nvPr/>
+      </p:nvGrpSpPr>
+      <p:grpSpPr>
+        <a:xfrm>
+          <a:off x="0" y="0"/>
+          <a:ext cx="0" cy="0"/>
+          <a:chOff x="0" y="0"/>
+          <a:chExt cx="0" cy="0"/>
+        </a:xfrm>
+      </p:grpSpPr>
+      <p:sp>
+        <p:nvSpPr>
+          <p:cNvPr id="13314" name="Titre 1"/>
+          <p:cNvSpPr>
+            <a:spLocks noGrp="1"/>
+          </p:cNvSpPr>
+          <p:nvPr>
+            <p:ph type="title"/>
+          </p:nvPr>
+        </p:nvSpPr>
+        <p:spPr/>
+        <p:txBody>
+          <a:bodyPr/>
+          <a:lstStyle/>
+          <a:p>
+            <a:pPr eaLnBrk="1" hangingPunct="1"/>
+            <a:r>
+              <a:rPr lang="fr-FR" smtClean="0"/>
+              <a:t>24/06</a:t>
+            </a:r>
+          </a:p>
+        </p:txBody>
+      </p:sp>
+      <p:sp>
+        <p:nvSpPr>
+          <p:cNvPr id="13315" name="Espace réservé du contenu 2"/>
+          <p:cNvSpPr>
+            <a:spLocks noGrp="1"/>
+          </p:cNvSpPr>
+          <p:nvPr>
+            <p:ph idx="1"/>
+          </p:nvPr>
+        </p:nvSpPr>
+        <p:spPr/>
+        <p:txBody>
+          <a:bodyPr/>
+          <a:lstStyle/>
+          <a:p>
+            <a:pPr eaLnBrk="1" hangingPunct="1"/>
+            <a:r>
+              <a:rPr lang="fr-FR" smtClean="0"/>
+              <a:t>Travail sur clustering dans R</a:t>
+            </a:r>
+          </a:p>
+        </p:txBody>
+      </p:sp>
+    </p:spTree>
+  </p:cSld>
+  <p:clrMapOvr>
+    <a:masterClrMapping/>
+  </p:clrMapOvr>
+</p:sld>
+</file>
+
+<file path=ppt/slides/slide33.xml><?xml version="1.0" encoding="utf-8"?>
+<p:sld xmlns:a="http://schemas.openxmlformats.org/drawingml/2006/main" xmlns:r="http://schemas.openxmlformats.org/officeDocument/2006/relationships" xmlns:p="http://schemas.openxmlformats.org/presentationml/2006/main">
+  <p:cSld>
+    <p:spTree>
+      <p:nvGrpSpPr>
+        <p:cNvPr id="1" name=""/>
+        <p:cNvGrpSpPr/>
+        <p:nvPr/>
+      </p:nvGrpSpPr>
+      <p:grpSpPr>
+        <a:xfrm>
+          <a:off x="0" y="0"/>
+          <a:ext cx="0" cy="0"/>
+          <a:chOff x="0" y="0"/>
+          <a:chExt cx="0" cy="0"/>
+        </a:xfrm>
+      </p:grpSpPr>
+      <p:sp>
+        <p:nvSpPr>
+          <p:cNvPr id="14338" name="Titre 1"/>
+          <p:cNvSpPr>
+            <a:spLocks noGrp="1"/>
+          </p:cNvSpPr>
+          <p:nvPr>
+            <p:ph type="title"/>
+          </p:nvPr>
+        </p:nvSpPr>
+        <p:spPr/>
+        <p:txBody>
+          <a:bodyPr/>
+          <a:lstStyle/>
+          <a:p>
+            <a:pPr eaLnBrk="1" hangingPunct="1"/>
+            <a:r>
+              <a:rPr lang="fr-FR" smtClean="0"/>
+              <a:t>Loading data</a:t>
+            </a:r>
+          </a:p>
+        </p:txBody>
+      </p:sp>
+      <p:sp>
+        <p:nvSpPr>
+          <p:cNvPr id="14339" name="Espace réservé du contenu 2"/>
+          <p:cNvSpPr>
+            <a:spLocks noGrp="1"/>
+          </p:cNvSpPr>
+          <p:nvPr>
+            <p:ph idx="1"/>
+          </p:nvPr>
+        </p:nvSpPr>
+        <p:spPr/>
+        <p:txBody>
+          <a:bodyPr/>
+          <a:lstStyle/>
+          <a:p>
+            <a:pPr eaLnBrk="1" hangingPunct="1"/>
+            <a:r>
+              <a:rPr lang="fr-FR" smtClean="0"/>
+              <a:t>Use the github project PointCloud_In_DB</a:t>
+            </a:r>
+          </a:p>
+          <a:p>
+            <a:pPr eaLnBrk="1" hangingPunct="1"/>
+            <a:r>
+              <a:rPr lang="fr-FR" smtClean="0"/>
+              <a:t>Get the data from IGN pointcloud benchmark</a:t>
+            </a:r>
+          </a:p>
+          <a:p>
+            <a:pPr eaLnBrk="1" hangingPunct="1"/>
+            <a:r>
+              <a:rPr lang="fr-FR" smtClean="0"/>
+              <a:t>Follow instruction of github project</a:t>
+            </a:r>
+          </a:p>
+          <a:p>
+            <a:pPr eaLnBrk="1" hangingPunct="1"/>
+            <a:r>
+              <a:rPr lang="fr-FR" smtClean="0"/>
+              <a:t>Install IGN spatial ref using the github project</a:t>
+            </a:r>
+          </a:p>
+        </p:txBody>
+      </p:sp>
+    </p:spTree>
+  </p:cSld>
+  <p:clrMapOvr>
+    <a:masterClrMapping/>
+  </p:clrMapOvr>
+</p:sld>
+</file>
+
+<file path=ppt/slides/slide34.xml><?xml version="1.0" encoding="utf-8"?>
+<p:sld xmlns:a="http://schemas.openxmlformats.org/drawingml/2006/main" xmlns:r="http://schemas.openxmlformats.org/officeDocument/2006/relationships" xmlns:p="http://schemas.openxmlformats.org/presentationml/2006/main">
+  <p:cSld>
+    <p:spTree>
+      <p:nvGrpSpPr>
+        <p:cNvPr id="1" name=""/>
+        <p:cNvGrpSpPr/>
+        <p:nvPr/>
+      </p:nvGrpSpPr>
+      <p:grpSpPr>
+        <a:xfrm>
+          <a:off x="0" y="0"/>
+          <a:ext cx="0" cy="0"/>
+          <a:chOff x="0" y="0"/>
+          <a:chExt cx="0" cy="0"/>
+        </a:xfrm>
+      </p:grpSpPr>
+      <p:sp>
+        <p:nvSpPr>
+          <p:cNvPr id="15362" name="Titre 1"/>
+          <p:cNvSpPr>
+            <a:spLocks noGrp="1"/>
+          </p:cNvSpPr>
+          <p:nvPr>
+            <p:ph type="title"/>
+          </p:nvPr>
+        </p:nvSpPr>
+        <p:spPr/>
+        <p:txBody>
+          <a:bodyPr/>
+          <a:lstStyle/>
+          <a:p>
+            <a:pPr eaLnBrk="1" hangingPunct="1"/>
+            <a:r>
+              <a:rPr lang="fr-FR" smtClean="0"/>
+              <a:t>Patch To Raster</a:t>
+            </a:r>
+          </a:p>
+        </p:txBody>
+      </p:sp>
+      <p:sp>
+        <p:nvSpPr>
+          <p:cNvPr id="15363" name="Espace réservé du contenu 2"/>
+          <p:cNvSpPr>
+            <a:spLocks noGrp="1"/>
+          </p:cNvSpPr>
+          <p:nvPr>
+            <p:ph idx="1"/>
+          </p:nvPr>
+        </p:nvSpPr>
+        <p:spPr/>
+        <p:txBody>
+          <a:bodyPr/>
+          <a:lstStyle/>
+          <a:p>
+            <a:pPr eaLnBrk="1" hangingPunct="1"/>
+            <a:r>
+              <a:rPr lang="fr-FR" smtClean="0"/>
+              <a:t>Get the function from PPPP utilities</a:t>
+            </a:r>
+          </a:p>
+          <a:p>
+            <a:pPr eaLnBrk="1" hangingPunct="1"/>
+            <a:r>
+              <a:rPr lang="fr-FR" smtClean="0"/>
+              <a:t>Get rc_random_string</a:t>
+            </a:r>
+          </a:p>
+          <a:p>
+            <a:pPr eaLnBrk="1" hangingPunct="1"/>
+            <a:r>
+              <a:rPr lang="fr-FR" smtClean="0"/>
+              <a:t>rc_unnest_with_ordinality</a:t>
+            </a:r>
+          </a:p>
+          <a:p>
+            <a:pPr eaLnBrk="1" hangingPunct="1"/>
+            <a:r>
+              <a:rPr lang="fr-FR" smtClean="0"/>
+              <a:t>Array_agg_custom (array of array)</a:t>
+            </a:r>
+          </a:p>
+          <a:p>
+            <a:pPr eaLnBrk="1" hangingPunct="1"/>
+            <a:endParaRPr lang="fr-FR" smtClean="0"/>
+          </a:p>
+          <a:p>
+            <a:pPr eaLnBrk="1" hangingPunct="1"/>
+            <a:r>
+              <a:rPr lang="fr-FR" smtClean="0"/>
+              <a:t>Pour ecrire les raster qqpart :</a:t>
+            </a:r>
+          </a:p>
+          <a:p>
+            <a:pPr eaLnBrk="1" hangingPunct="1"/>
+            <a:r>
+              <a:rPr lang="fr-FR" smtClean="0"/>
+              <a:t>write_file_texte</a:t>
+            </a:r>
+          </a:p>
+          <a:p>
+            <a:pPr eaLnBrk="1" hangingPunct="1"/>
+            <a:r>
+              <a:rPr lang="fr-FR" smtClean="0"/>
+              <a:t>Activer les sorties pour les rasters : </a:t>
+            </a:r>
+          </a:p>
+        </p:txBody>
+      </p:sp>
+    </p:spTree>
+  </p:cSld>
+  <p:clrMapOvr>
+    <a:masterClrMapping/>
+  </p:clrMapOvr>
+</p:sld>
+</file>
+
+<file path=ppt/slides/slide35.xml><?xml version="1.0" encoding="utf-8"?>
+<p:sld xmlns:a="http://schemas.openxmlformats.org/drawingml/2006/main" xmlns:r="http://schemas.openxmlformats.org/officeDocument/2006/relationships" xmlns:p="http://schemas.openxmlformats.org/presentationml/2006/main">
+  <p:cSld>
+    <p:spTree>
+      <p:nvGrpSpPr>
+        <p:cNvPr id="1" name=""/>
+        <p:cNvGrpSpPr/>
+        <p:nvPr/>
+      </p:nvGrpSpPr>
+      <p:grpSpPr>
+        <a:xfrm>
+          <a:off x="0" y="0"/>
+          <a:ext cx="0" cy="0"/>
+          <a:chOff x="0" y="0"/>
+          <a:chExt cx="0" cy="0"/>
+        </a:xfrm>
+      </p:grpSpPr>
+      <p:sp>
+        <p:nvSpPr>
+          <p:cNvPr id="16386" name="Titre 1"/>
+          <p:cNvSpPr>
+            <a:spLocks noGrp="1"/>
+          </p:cNvSpPr>
+          <p:nvPr>
+            <p:ph type="title"/>
+          </p:nvPr>
+        </p:nvSpPr>
+        <p:spPr/>
+        <p:txBody>
+          <a:bodyPr/>
+          <a:lstStyle/>
+          <a:p>
+            <a:pPr eaLnBrk="1" hangingPunct="1"/>
+            <a:r>
+              <a:rPr lang="fr-FR" smtClean="0"/>
+              <a:t>Patch To Raster</a:t>
+            </a:r>
+          </a:p>
+        </p:txBody>
+      </p:sp>
+      <p:sp>
+        <p:nvSpPr>
+          <p:cNvPr id="16387" name="Espace réservé du contenu 2"/>
+          <p:cNvSpPr>
+            <a:spLocks noGrp="1"/>
+          </p:cNvSpPr>
+          <p:nvPr>
+            <p:ph idx="1"/>
+          </p:nvPr>
+        </p:nvSpPr>
+        <p:spPr/>
+        <p:txBody>
+          <a:bodyPr/>
+          <a:lstStyle/>
+          <a:p>
+            <a:pPr eaLnBrk="1" hangingPunct="1"/>
+            <a:r>
+              <a:rPr lang="fr-FR" smtClean="0"/>
+              <a:t>Get the function from PPPP utilities</a:t>
+            </a:r>
+          </a:p>
+          <a:p>
+            <a:pPr eaLnBrk="1" hangingPunct="1"/>
+            <a:r>
+              <a:rPr lang="fr-FR" smtClean="0"/>
+              <a:t>Get rc_random_string</a:t>
+            </a:r>
+          </a:p>
+          <a:p>
+            <a:pPr eaLnBrk="1" hangingPunct="1"/>
+            <a:r>
+              <a:rPr lang="fr-FR" smtClean="0"/>
+              <a:t>rc_unnest_with_ordinality</a:t>
+            </a:r>
+          </a:p>
+          <a:p>
+            <a:pPr eaLnBrk="1" hangingPunct="1"/>
+            <a:r>
+              <a:rPr lang="fr-FR" smtClean="0"/>
+              <a:t>Array_agg_custom (array of array)</a:t>
+            </a:r>
+          </a:p>
+        </p:txBody>
+      </p:sp>
+    </p:spTree>
+  </p:cSld>
+  <p:clrMapOvr>
+    <a:masterClrMapping/>
+  </p:clrMapOvr>
+</p:sld>
+</file>
+
+<file path=ppt/slides/slide36.xml><?xml version="1.0" encoding="utf-8"?>
+<p:sld xmlns:a="http://schemas.openxmlformats.org/drawingml/2006/main" xmlns:r="http://schemas.openxmlformats.org/officeDocument/2006/relationships" xmlns:p="http://schemas.openxmlformats.org/presentationml/2006/main">
+  <p:cSld>
+    <p:spTree>
+      <p:nvGrpSpPr>
+        <p:cNvPr id="1" name=""/>
+        <p:cNvGrpSpPr/>
+        <p:nvPr/>
+      </p:nvGrpSpPr>
+      <p:grpSpPr>
+        <a:xfrm>
+          <a:off x="0" y="0"/>
+          <a:ext cx="0" cy="0"/>
+          <a:chOff x="0" y="0"/>
+          <a:chExt cx="0" cy="0"/>
+        </a:xfrm>
+      </p:grpSpPr>
+      <p:sp>
+        <p:nvSpPr>
+          <p:cNvPr id="17410" name="Titre 1"/>
+          <p:cNvSpPr>
+            <a:spLocks noGrp="1"/>
+          </p:cNvSpPr>
+          <p:nvPr>
+            <p:ph type="title"/>
+          </p:nvPr>
+        </p:nvSpPr>
+        <p:spPr/>
+        <p:txBody>
+          <a:bodyPr>
+            <a:normAutofit fontScale="90000"/>
+          </a:bodyPr>
+          <a:lstStyle/>
+          <a:p>
+            <a:r>
+              <a:rPr lang="fr-FR" smtClean="0"/>
+              <a:t>Image processing : </a:t>
+            </a:r>
+            <a:br>
+              <a:rPr lang="fr-FR" smtClean="0"/>
+            </a:br>
+            <a:r>
+              <a:rPr lang="fr-FR" smtClean="0"/>
+              <a:t>building detection</a:t>
+            </a:r>
+          </a:p>
+        </p:txBody>
+      </p:sp>
+      <p:sp>
+        <p:nvSpPr>
+          <p:cNvPr id="17411" name="Espace réservé du contenu 2"/>
+          <p:cNvSpPr>
+            <a:spLocks noGrp="1"/>
+          </p:cNvSpPr>
+          <p:nvPr>
+            <p:ph idx="1"/>
+          </p:nvPr>
+        </p:nvSpPr>
+        <p:spPr/>
+        <p:txBody>
+          <a:bodyPr/>
+          <a:lstStyle/>
+          <a:p>
+            <a:r>
+              <a:rPr lang="fr-FR" sz="1400" smtClean="0"/>
+              <a:t>Need raster with pointcloud flattened, max height, pixel size = 10cm, + count of point/ pixel</a:t>
+            </a:r>
+          </a:p>
+          <a:p>
+            <a:r>
+              <a:rPr lang="fr-FR" sz="1400" smtClean="0"/>
+              <a:t>Use python script</a:t>
+            </a:r>
+          </a:p>
+          <a:p>
+            <a:pPr lvl="1"/>
+            <a:r>
+              <a:rPr lang="fr-FR" sz="1400" smtClean="0"/>
+              <a:t>Import tif</a:t>
+            </a:r>
+          </a:p>
+          <a:p>
+            <a:pPr lvl="1"/>
+            <a:r>
+              <a:rPr lang="fr-FR" sz="1400" smtClean="0"/>
+              <a:t>Keep only pixel that are above the laser</a:t>
+            </a:r>
+          </a:p>
+          <a:p>
+            <a:pPr lvl="1"/>
+            <a:r>
+              <a:rPr lang="fr-FR" sz="1400" smtClean="0"/>
+              <a:t>Keep only pixel that have more than 100 pts/pixel</a:t>
+            </a:r>
+          </a:p>
+          <a:p>
+            <a:pPr lvl="1"/>
+            <a:r>
+              <a:rPr lang="fr-FR" sz="1400" smtClean="0"/>
+              <a:t>Export tif</a:t>
+            </a:r>
+          </a:p>
+          <a:p>
+            <a:r>
+              <a:rPr lang="fr-FR" sz="1400" smtClean="0"/>
+              <a:t>Use sfcgal to consolidate lines</a:t>
+            </a:r>
+          </a:p>
+          <a:p>
+            <a:pPr lvl="1"/>
+            <a:r>
+              <a:rPr lang="fr-FR" sz="1400" smtClean="0"/>
+              <a:t>Execute sfcgal.sql to enable the sfcgal functions.</a:t>
+            </a:r>
+          </a:p>
+          <a:p>
+            <a:pPr lvl="1"/>
+            <a:r>
+              <a:rPr lang="fr-FR" sz="1400" smtClean="0"/>
+              <a:t>Execute code  : 120 sec, complex sql</a:t>
+            </a:r>
+          </a:p>
+          <a:p>
+            <a:r>
+              <a:rPr lang="fr-FR" sz="2200" smtClean="0"/>
+              <a:t>Use python to consolidate lines</a:t>
+            </a:r>
+          </a:p>
+          <a:p>
+            <a:pPr lvl="1"/>
+            <a:r>
+              <a:rPr lang="fr-FR" sz="1800" smtClean="0"/>
+              <a:t>1 sec , very few lines.</a:t>
+            </a:r>
+          </a:p>
+          <a:p>
+            <a:endParaRPr lang="fr-FR" sz="1800" smtClean="0"/>
+          </a:p>
+        </p:txBody>
+      </p:sp>
+    </p:spTree>
+  </p:cSld>
+  <p:clrMapOvr>
+    <a:masterClrMapping/>
+  </p:clrMapOvr>
+</p:sld>
+</file>
+
+<file path=ppt/slides/slide37.xml><?xml version="1.0" encoding="utf-8"?>
+<p:sld xmlns:a="http://schemas.openxmlformats.org/drawingml/2006/main" xmlns:r="http://schemas.openxmlformats.org/officeDocument/2006/relationships" xmlns:p="http://schemas.openxmlformats.org/presentationml/2006/main">
+  <p:cSld>
+    <p:spTree>
+      <p:nvGrpSpPr>
+        <p:cNvPr id="1" name=""/>
+        <p:cNvGrpSpPr/>
+        <p:nvPr/>
+      </p:nvGrpSpPr>
+      <p:grpSpPr>
+        <a:xfrm>
+          <a:off x="0" y="0"/>
+          <a:ext cx="0" cy="0"/>
+          <a:chOff x="0" y="0"/>
+          <a:chExt cx="0" cy="0"/>
+        </a:xfrm>
+      </p:grpSpPr>
+      <p:sp>
+        <p:nvSpPr>
+          <p:cNvPr id="18434" name="Titre 1"/>
+          <p:cNvSpPr>
+            <a:spLocks noGrp="1"/>
+          </p:cNvSpPr>
+          <p:nvPr>
+            <p:ph type="title"/>
+          </p:nvPr>
+        </p:nvSpPr>
+        <p:spPr/>
+        <p:txBody>
+          <a:bodyPr>
+            <a:normAutofit fontScale="90000"/>
+          </a:bodyPr>
+          <a:lstStyle/>
+          <a:p>
+            <a:r>
+              <a:rPr lang="fr-FR" smtClean="0"/>
+              <a:t>Image processing : </a:t>
+            </a:r>
+            <a:br>
+              <a:rPr lang="fr-FR" smtClean="0"/>
+            </a:br>
+            <a:r>
+              <a:rPr lang="fr-FR" smtClean="0"/>
+              <a:t>sidewalk detection</a:t>
+            </a:r>
+          </a:p>
+        </p:txBody>
+      </p:sp>
+      <p:sp>
+        <p:nvSpPr>
+          <p:cNvPr id="18435" name="Espace réservé du contenu 2"/>
+          <p:cNvSpPr>
+            <a:spLocks noGrp="1"/>
+          </p:cNvSpPr>
+          <p:nvPr>
+            <p:ph idx="1"/>
+          </p:nvPr>
+        </p:nvSpPr>
+        <p:spPr/>
+        <p:txBody>
+          <a:bodyPr/>
+          <a:lstStyle/>
+          <a:p>
+            <a:r>
+              <a:rPr lang="fr-FR" sz="1400" smtClean="0"/>
+              <a:t>Need raster with pointcloud flattened, min height, pixel size = 5cm, + count of point/ pixel</a:t>
+            </a:r>
+          </a:p>
+          <a:p>
+            <a:r>
+              <a:rPr lang="fr-FR" sz="1400" smtClean="0"/>
+              <a:t>Use python script</a:t>
+            </a:r>
+          </a:p>
+          <a:p>
+            <a:pPr lvl="1"/>
+            <a:r>
+              <a:rPr lang="fr-FR" sz="1400" smtClean="0"/>
+              <a:t>Import tif</a:t>
+            </a:r>
+          </a:p>
+          <a:p>
+            <a:pPr lvl="1"/>
+            <a:r>
+              <a:rPr lang="fr-FR" sz="1400" smtClean="0"/>
+              <a:t>Keep only pixel that are between -3 and -2 meters (relativ to laser (ground = -2.5meter))</a:t>
+            </a:r>
+          </a:p>
+          <a:p>
+            <a:pPr lvl="1"/>
+            <a:r>
+              <a:rPr lang="fr-FR" sz="1400" smtClean="0"/>
+              <a:t>Compute sobel filtering on Z ,using mask found before (nota : gives the local height variation)</a:t>
+            </a:r>
+          </a:p>
+          <a:p>
+            <a:pPr lvl="1"/>
+            <a:r>
+              <a:rPr lang="fr-FR" sz="1400" smtClean="0"/>
+              <a:t>Keep values between 1cm and 12 cm (official possible height)</a:t>
+            </a:r>
+          </a:p>
+          <a:p>
+            <a:pPr lvl="1"/>
+            <a:r>
+              <a:rPr lang="fr-FR" sz="1400" smtClean="0"/>
+              <a:t>Export tif</a:t>
+            </a:r>
+          </a:p>
+          <a:p>
+            <a:endParaRPr lang="fr-FR" sz="1800" smtClean="0"/>
+          </a:p>
+        </p:txBody>
+      </p:sp>
+    </p:spTree>
+  </p:cSld>
+  <p:clrMapOvr>
+    <a:masterClrMapping/>
+  </p:clrMapOvr>
+</p:sld>
+</file>
+
+<file path=ppt/slides/slide38.xml><?xml version="1.0" encoding="utf-8"?>
+<p:sld xmlns:a="http://schemas.openxmlformats.org/drawingml/2006/main" xmlns:r="http://schemas.openxmlformats.org/officeDocument/2006/relationships" xmlns:p="http://schemas.openxmlformats.org/presentationml/2006/main">
+  <p:cSld>
+    <p:spTree>
+      <p:nvGrpSpPr>
+        <p:cNvPr id="1" name=""/>
+        <p:cNvGrpSpPr/>
+        <p:nvPr/>
+      </p:nvGrpSpPr>
+      <p:grpSpPr>
+        <a:xfrm>
+          <a:off x="0" y="0"/>
+          <a:ext cx="0" cy="0"/>
+          <a:chOff x="0" y="0"/>
+          <a:chExt cx="0" cy="0"/>
+        </a:xfrm>
+      </p:grpSpPr>
+      <p:sp>
+        <p:nvSpPr>
+          <p:cNvPr id="19458" name="Titre 1"/>
+          <p:cNvSpPr>
+            <a:spLocks noGrp="1"/>
+          </p:cNvSpPr>
+          <p:nvPr>
+            <p:ph type="title"/>
+          </p:nvPr>
+        </p:nvSpPr>
+        <p:spPr/>
+        <p:txBody>
+          <a:bodyPr>
+            <a:normAutofit fontScale="90000"/>
+          </a:bodyPr>
+          <a:lstStyle/>
+          <a:p>
+            <a:r>
+              <a:rPr lang="fr-FR" smtClean="0"/>
+              <a:t>Pointcloud processing : </a:t>
+            </a:r>
+            <a:br>
+              <a:rPr lang="fr-FR" smtClean="0"/>
+            </a:br>
+            <a:r>
+              <a:rPr lang="fr-FR" smtClean="0"/>
+              <a:t>from patch to python numpy array</a:t>
+            </a:r>
+          </a:p>
+        </p:txBody>
+      </p:sp>
+      <p:sp>
+        <p:nvSpPr>
+          <p:cNvPr id="19459" name="Espace réservé du contenu 2"/>
+          <p:cNvSpPr>
+            <a:spLocks noGrp="1"/>
+          </p:cNvSpPr>
+          <p:nvPr>
+            <p:ph idx="1"/>
+          </p:nvPr>
+        </p:nvSpPr>
+        <p:spPr/>
+        <p:txBody>
+          <a:bodyPr/>
+          <a:lstStyle/>
+          <a:p>
+            <a:r>
+              <a:rPr lang="fr-FR" sz="1800" smtClean="0"/>
+              <a:t>Get function array_of_array from PPPP_utilities</a:t>
+            </a:r>
+          </a:p>
+          <a:p>
+            <a:r>
+              <a:rPr lang="fr-FR" sz="1800" smtClean="0"/>
+              <a:t>Get function from PPPP/pointcloud : rc_explode</a:t>
+            </a:r>
+          </a:p>
+          <a:p>
+            <a:endParaRPr lang="fr-FR" sz="1800" smtClean="0"/>
+          </a:p>
+          <a:p>
+            <a:endParaRPr lang="fr-FR" sz="1800" smtClean="0"/>
+          </a:p>
+          <a:p>
+            <a:r>
+              <a:rPr lang="fr-FR" sz="1800" smtClean="0"/>
+              <a:t>Using pointcloud to perform plan and cylinder detection : env 1sec/patchde 4k points</a:t>
+            </a:r>
+          </a:p>
+          <a:p>
+            <a:endParaRPr lang="fr-FR" sz="1800" smtClean="0"/>
+          </a:p>
+          <a:p>
+            <a:r>
+              <a:rPr lang="fr-FR" sz="1800" smtClean="0"/>
+              <a:t>Using sclearn to perfomr ICA : same</a:t>
+            </a:r>
+          </a:p>
+          <a:p>
+            <a:endParaRPr lang="fr-FR" sz="1800" smtClean="0"/>
+          </a:p>
+          <a:p>
+            <a:r>
+              <a:rPr lang="fr-FR" sz="1800" smtClean="0"/>
+              <a:t>Using sclearn to perform dbscan : 4sec + using point cloud for normal computation + using pointcloud for outliers removal	</a:t>
+            </a:r>
+          </a:p>
+          <a:p>
+            <a:endParaRPr lang="fr-FR" sz="1800" smtClean="0"/>
           </a:p>
         </p:txBody>
       </p:sp>
@@ -7551,7 +11055,7 @@
       </p:grpSpPr>
       <p:sp>
         <p:nvSpPr>
-          <p:cNvPr id="3074" name="Titre 1"/>
+          <p:cNvPr id="2" name="Titre 1"/>
           <p:cNvSpPr>
             <a:spLocks noGrp="1"/>
           </p:cNvSpPr>
@@ -7564,11 +11068,19 @@
           <a:bodyPr/>
           <a:lstStyle/>
           <a:p>
-            <a:pPr eaLnBrk="1" hangingPunct="1"/>
-            <a:r>
-              <a:rPr lang="fr-FR" smtClean="0"/>
-              <a:t>Demo postgres	</a:t>
-            </a:r>
+            <a:r>
+              <a:rPr lang="en-US" smtClean="0"/>
+              <a:t>Introduction to </a:t>
+            </a:r>
+            <a:r>
+              <a:rPr lang="en-US" smtClean="0"/>
+              <a:t>Point </a:t>
+            </a:r>
+            <a:r>
+              <a:rPr lang="en-US" smtClean="0"/>
+              <a:t>clouds</a:t>
+            </a:r>
+            <a:endParaRPr lang="en-US"/>
           </a:p>
         </p:txBody>
       </p:sp>
@@ -7582,319 +11094,116 @@
             <p:ph idx="1"/>
           </p:nvPr>
         </p:nvSpPr>
-        <p:spPr/>
-        <p:txBody>
-          <a:bodyPr rtlCol="0">
-            <a:normAutofit fontScale="62500" lnSpcReduction="20000"/>
+        <p:spPr>
+          <a:xfrm>
+            <a:off x="323850" y="1340768"/>
+            <a:ext cx="8362950" cy="5160066"/>
+          </a:xfrm>
+        </p:spPr>
+        <p:txBody>
+          <a:bodyPr>
+            <a:normAutofit/>
           </a:bodyPr>
           <a:lstStyle/>
           <a:p>
-            <a:pPr eaLnBrk="1" fontAlgn="auto" hangingPunct="1">
-              <a:spcAft>
-                <a:spcPts val="0"/>
-              </a:spcAft>
-              <a:buFont typeface="Arial" pitchFamily="34" charset="0"/>
-              <a:buChar char="•"/>
-              <a:defRPr/>
-            </a:pPr>
-            <a:r>
-              <a:rPr lang="fr-FR" dirty="0" err="1" smtClean="0"/>
-              <a:t>_introduction</a:t>
-            </a:r>
-            <a:r>
-              <a:rPr lang="fr-FR" dirty="0" smtClean="0"/>
-              <a:t> aux nuages de points &amp; les problématiques de ce genre de données</a:t>
-            </a:r>
-          </a:p>
-          <a:p>
-            <a:pPr eaLnBrk="1" fontAlgn="auto" hangingPunct="1">
-              <a:spcAft>
-                <a:spcPts val="0"/>
-              </a:spcAft>
-              <a:buFont typeface="Arial" pitchFamily="34" charset="0"/>
-              <a:buChar char="•"/>
-              <a:defRPr/>
-            </a:pPr>
-            <a:r>
-              <a:rPr lang="fr-FR" dirty="0" err="1" smtClean="0"/>
-              <a:t>_serveur</a:t>
-            </a:r>
-            <a:r>
-              <a:rPr lang="fr-FR" dirty="0" smtClean="0"/>
-              <a:t> de nuages de points :</a:t>
-            </a:r>
-          </a:p>
-          <a:p>
-            <a:pPr lvl="1" eaLnBrk="1" fontAlgn="auto" hangingPunct="1">
-              <a:spcAft>
-                <a:spcPts val="0"/>
-              </a:spcAft>
-              <a:buFont typeface="Arial" pitchFamily="34" charset="0"/>
-              <a:buChar char="–"/>
-              <a:defRPr/>
-            </a:pPr>
-            <a:r>
-              <a:rPr lang="fr-FR" dirty="0" err="1" smtClean="0"/>
-              <a:t>_stockage</a:t>
-            </a:r>
-            <a:r>
-              <a:rPr lang="fr-FR" dirty="0" smtClean="0"/>
-              <a:t> en base de données avec </a:t>
-            </a:r>
-            <a:r>
-              <a:rPr lang="fr-FR" dirty="0" err="1" smtClean="0"/>
-              <a:t>PointCloud</a:t>
-            </a:r>
-            <a:endParaRPr lang="fr-FR" dirty="0" smtClean="0"/>
-          </a:p>
-          <a:p>
-            <a:pPr lvl="1" eaLnBrk="1" fontAlgn="auto" hangingPunct="1">
-              <a:spcAft>
-                <a:spcPts val="0"/>
-              </a:spcAft>
-              <a:buFont typeface="Arial" pitchFamily="34" charset="0"/>
-              <a:buChar char="–"/>
-              <a:defRPr/>
-            </a:pPr>
-            <a:r>
-              <a:rPr lang="fr-FR" dirty="0" err="1" smtClean="0"/>
-              <a:t>_chargement</a:t>
-            </a:r>
-            <a:r>
-              <a:rPr lang="fr-FR" dirty="0" smtClean="0"/>
-              <a:t> rapide et parallèle</a:t>
-            </a:r>
-          </a:p>
-          <a:p>
-            <a:pPr lvl="1" eaLnBrk="1" fontAlgn="auto" hangingPunct="1">
-              <a:spcAft>
-                <a:spcPts val="0"/>
-              </a:spcAft>
-              <a:buFont typeface="Arial" pitchFamily="34" charset="0"/>
-              <a:buChar char="–"/>
-              <a:defRPr/>
-            </a:pPr>
-            <a:r>
-              <a:rPr lang="fr-FR" dirty="0" err="1" smtClean="0"/>
-              <a:t>_indexations</a:t>
-            </a:r>
-            <a:r>
-              <a:rPr lang="fr-FR" dirty="0" smtClean="0"/>
-              <a:t> et performances</a:t>
-            </a:r>
-          </a:p>
-          <a:p>
-            <a:pPr eaLnBrk="1" fontAlgn="auto" hangingPunct="1">
-              <a:spcAft>
-                <a:spcPts val="0"/>
-              </a:spcAft>
-              <a:buFont typeface="Arial" pitchFamily="34" charset="0"/>
-              <a:buChar char="•"/>
-              <a:defRPr/>
-            </a:pPr>
-            <a:r>
-              <a:rPr lang="fr-FR" dirty="0" smtClean="0"/>
-              <a:t>Visu : </a:t>
-            </a:r>
-          </a:p>
-          <a:p>
-            <a:pPr lvl="1" eaLnBrk="1" fontAlgn="auto" hangingPunct="1">
-              <a:spcAft>
-                <a:spcPts val="0"/>
-              </a:spcAft>
-              <a:buFont typeface="Arial" pitchFamily="34" charset="0"/>
-              <a:buChar char="–"/>
-              <a:defRPr/>
-            </a:pPr>
-            <a:r>
-              <a:rPr lang="fr-FR" dirty="0" err="1" smtClean="0"/>
-              <a:t>_visu</a:t>
-            </a:r>
-            <a:r>
-              <a:rPr lang="fr-FR" dirty="0" smtClean="0"/>
-              <a:t> 2D dans QGIS</a:t>
-            </a:r>
-          </a:p>
-          <a:p>
-            <a:pPr lvl="1" eaLnBrk="1" fontAlgn="auto" hangingPunct="1">
-              <a:spcAft>
-                <a:spcPts val="0"/>
-              </a:spcAft>
-              <a:buFont typeface="Arial" pitchFamily="34" charset="0"/>
-              <a:buChar char="–"/>
-              <a:defRPr/>
-            </a:pPr>
-            <a:r>
-              <a:rPr lang="fr-FR" dirty="0" err="1" smtClean="0"/>
-              <a:t>_visu</a:t>
-            </a:r>
-            <a:r>
-              <a:rPr lang="fr-FR" dirty="0" smtClean="0"/>
-              <a:t> 3D interactive dans </a:t>
-            </a:r>
-            <a:r>
-              <a:rPr lang="fr-FR" dirty="0" err="1" smtClean="0"/>
-              <a:t>ITowns</a:t>
-            </a:r>
-            <a:r>
-              <a:rPr lang="fr-FR" dirty="0" smtClean="0"/>
-              <a:t> </a:t>
-            </a:r>
-          </a:p>
-          <a:p>
-            <a:pPr eaLnBrk="1" fontAlgn="auto" hangingPunct="1">
-              <a:spcAft>
-                <a:spcPts val="0"/>
-              </a:spcAft>
-              <a:buFont typeface="Arial" pitchFamily="34" charset="0"/>
-              <a:buChar char="•"/>
-              <a:defRPr/>
-            </a:pPr>
-            <a:r>
-              <a:rPr lang="fr-FR" dirty="0" err="1" smtClean="0"/>
-              <a:t>_utilisation</a:t>
-            </a:r>
-            <a:r>
-              <a:rPr lang="fr-FR" dirty="0" smtClean="0"/>
-              <a:t> (une base de 0.6 milliard et une base de 5.8 milliards de points)</a:t>
-            </a:r>
-          </a:p>
-          <a:p>
-            <a:pPr lvl="1" eaLnBrk="1" fontAlgn="auto" hangingPunct="1">
-              <a:spcAft>
-                <a:spcPts val="0"/>
-              </a:spcAft>
-              <a:buFont typeface="Arial" pitchFamily="34" charset="0"/>
-              <a:buChar char="–"/>
-              <a:defRPr/>
-            </a:pPr>
-            <a:r>
-              <a:rPr lang="fr-FR" dirty="0" err="1" smtClean="0"/>
-              <a:t>_niveaux</a:t>
-            </a:r>
-            <a:r>
-              <a:rPr lang="fr-FR" dirty="0" smtClean="0"/>
-              <a:t> de détails (</a:t>
-            </a:r>
-            <a:r>
-              <a:rPr lang="fr-FR" dirty="0" err="1" smtClean="0"/>
-              <a:t>quadtree</a:t>
-            </a:r>
-            <a:r>
-              <a:rPr lang="fr-FR" dirty="0" smtClean="0"/>
+            <a:r>
+              <a:rPr lang="en-US" dirty="0" smtClean="0"/>
+              <a:t>Note : sexy point cloud images</a:t>
+            </a:r>
+            <a:endParaRPr lang="en-US" dirty="0"/>
+          </a:p>
+        </p:txBody>
+      </p:sp>
+      <p:sp>
+        <p:nvSpPr>
+          <p:cNvPr id="4" name="Espace réservé de la date 3"/>
+          <p:cNvSpPr>
+            <a:spLocks noGrp="1"/>
+          </p:cNvSpPr>
+          <p:nvPr>
+            <p:ph type="dt" sz="half" idx="10"/>
+          </p:nvPr>
+        </p:nvSpPr>
+        <p:spPr/>
+        <p:txBody>
+          <a:bodyPr/>
+          <a:lstStyle/>
+          <a:p>
+            <a:pPr>
+              <a:defRPr/>
+            </a:pPr>
+            <a:fld id="{E213AF71-F760-4AA3-87B2-C2FBB7A81BCA}" type="datetime1">
+              <a:rPr lang="en-US" smtClean="0"/>
+              <a:t>22/09/2014</a:t>
+            </a:fld>
+            <a:endParaRPr lang="en-US"/>
+          </a:p>
+        </p:txBody>
+      </p:sp>
+      <p:sp>
+        <p:nvSpPr>
+          <p:cNvPr id="5" name="Espace réservé du pied de page 4"/>
+          <p:cNvSpPr>
+            <a:spLocks noGrp="1"/>
+          </p:cNvSpPr>
+          <p:nvPr>
+            <p:ph type="ftr" sz="quarter" idx="11"/>
+          </p:nvPr>
+        </p:nvSpPr>
+        <p:spPr/>
+        <p:txBody>
+          <a:bodyPr/>
+          <a:lstStyle/>
+          <a:p>
+            <a:pPr>
+              <a:defRPr/>
+            </a:pPr>
+            <a:r>
+              <a:rPr lang="en-US" smtClean="0"/>
+              <a:t>Thales - IGN / COGIT </a:t>
+            </a:r>
+            <a:r>
+              <a:rPr lang="en-US" smtClean="0"/>
+              <a:t>- </a:t>
+            </a:r>
+            <a:r>
+              <a:rPr lang="en-US" smtClean="0"/>
+              <a:t>MATIS</a:t>
+            </a:r>
+            <a:endParaRPr lang="en-US"/>
+          </a:p>
+        </p:txBody>
+      </p:sp>
+      <p:sp>
+        <p:nvSpPr>
+          <p:cNvPr id="6" name="Espace réservé du numéro de diapositive 5"/>
+          <p:cNvSpPr>
+            <a:spLocks noGrp="1"/>
+          </p:cNvSpPr>
+          <p:nvPr>
+            <p:ph type="sldNum" sz="quarter" idx="12"/>
+          </p:nvPr>
+        </p:nvSpPr>
+        <p:spPr/>
+        <p:txBody>
+          <a:bodyPr/>
+          <a:lstStyle/>
+          <a:p>
+            <a:pPr>
+              <a:defRPr/>
+            </a:pPr>
+            <a:fld id="{504B660C-1446-45BE-A6D7-15805AAE1919}" type="slidenum">
+              <a:rPr lang="en-US" smtClean="0"/>
+              <a:pPr>
+                <a:defRPr/>
+              </a:pPr>
+              <a:t>4</a:t>
+            </a:fld>
+            <a:r>
+              <a:rPr lang="en-US" smtClean="0"/>
               <a:t>/</a:t>
             </a:r>
-            <a:r>
-              <a:rPr lang="fr-FR" dirty="0" err="1" smtClean="0"/>
-              <a:t>octree</a:t>
-            </a:r>
-            <a:r>
-              <a:rPr lang="fr-FR" dirty="0" smtClean="0"/>
-              <a:t>)</a:t>
-            </a:r>
-          </a:p>
-          <a:p>
-            <a:pPr lvl="1" eaLnBrk="1" fontAlgn="auto" hangingPunct="1">
-              <a:spcAft>
-                <a:spcPts val="0"/>
-              </a:spcAft>
-              <a:buFont typeface="Arial" pitchFamily="34" charset="0"/>
-              <a:buChar char="–"/>
-              <a:defRPr/>
-            </a:pPr>
-            <a:r>
-              <a:rPr lang="fr-FR" dirty="0" err="1" smtClean="0"/>
-              <a:t>_analyse</a:t>
-            </a:r>
-            <a:r>
-              <a:rPr lang="fr-FR" dirty="0" smtClean="0"/>
-              <a:t> basique ( PL/R  ) </a:t>
-            </a:r>
-          </a:p>
-          <a:p>
-            <a:pPr lvl="1" eaLnBrk="1" fontAlgn="auto" hangingPunct="1">
-              <a:spcAft>
-                <a:spcPts val="0"/>
-              </a:spcAft>
-              <a:buFont typeface="Arial" pitchFamily="34" charset="0"/>
-              <a:buChar char="–"/>
-              <a:defRPr/>
-            </a:pPr>
-            <a:r>
-              <a:rPr lang="fr-FR" dirty="0" err="1" smtClean="0"/>
-              <a:t>Processing</a:t>
-            </a:r>
-            <a:r>
-              <a:rPr lang="fr-FR" dirty="0" smtClean="0"/>
-              <a:t>  Pl/python</a:t>
-            </a:r>
-          </a:p>
-          <a:p>
-            <a:pPr lvl="1" eaLnBrk="1" fontAlgn="auto" hangingPunct="1">
-              <a:spcAft>
-                <a:spcPts val="0"/>
-              </a:spcAft>
-              <a:buFont typeface="Arial" pitchFamily="34" charset="0"/>
-              <a:buChar char="–"/>
-              <a:defRPr/>
-            </a:pPr>
-            <a:r>
-              <a:rPr lang="fr-FR" dirty="0" err="1" smtClean="0"/>
-              <a:t>_conversion</a:t>
-            </a:r>
-            <a:r>
-              <a:rPr lang="fr-FR" dirty="0" smtClean="0"/>
-              <a:t> en raster &amp; traitements image basiques en base.</a:t>
-            </a:r>
-          </a:p>
-          <a:p>
-            <a:pPr eaLnBrk="1" fontAlgn="auto" hangingPunct="1">
-              <a:spcAft>
-                <a:spcPts val="0"/>
-              </a:spcAft>
-              <a:buFont typeface="Arial" pitchFamily="34" charset="0"/>
-              <a:buChar char="•"/>
-              <a:defRPr/>
-            </a:pPr>
-            <a:r>
-              <a:rPr lang="fr-FR" dirty="0" err="1" smtClean="0"/>
-              <a:t>_utilisation</a:t>
-            </a:r>
-            <a:r>
-              <a:rPr lang="fr-FR" dirty="0" smtClean="0"/>
-              <a:t> par un </a:t>
-            </a:r>
-            <a:r>
-              <a:rPr lang="fr-FR" dirty="0" err="1" smtClean="0"/>
-              <a:t>algo</a:t>
-            </a:r>
-            <a:r>
-              <a:rPr lang="fr-FR" dirty="0" smtClean="0"/>
-              <a:t> interactif de détection de bord de trottoir (+zoo </a:t>
-            </a:r>
-            <a:r>
-              <a:rPr lang="fr-FR" dirty="0" err="1" smtClean="0"/>
-              <a:t>project</a:t>
-            </a:r>
-            <a:r>
-              <a:rPr lang="fr-FR" dirty="0" smtClean="0"/>
-              <a:t>)</a:t>
-            </a:r>
-          </a:p>
-          <a:p>
-            <a:pPr eaLnBrk="1" fontAlgn="auto" hangingPunct="1">
-              <a:spcAft>
-                <a:spcPts val="0"/>
-              </a:spcAft>
-              <a:buFont typeface="Arial" pitchFamily="34" charset="0"/>
-              <a:buChar char="•"/>
-              <a:defRPr/>
-            </a:pPr>
-            <a:r>
-              <a:rPr lang="fr-FR" dirty="0" err="1" smtClean="0"/>
-              <a:t>_perspectives</a:t>
-            </a:r>
-            <a:endParaRPr lang="fr-FR" dirty="0" smtClean="0"/>
+            <a:endParaRPr lang="en-US"/>
           </a:p>
         </p:txBody>
       </p:sp>
@@ -7925,7 +11234,7 @@
       </p:grpSpPr>
       <p:sp>
         <p:nvSpPr>
-          <p:cNvPr id="4098" name="Titre 1"/>
+          <p:cNvPr id="2" name="Titre 1"/>
           <p:cNvSpPr>
             <a:spLocks noGrp="1"/>
           </p:cNvSpPr>
@@ -7938,17 +11247,25 @@
           <a:bodyPr/>
           <a:lstStyle/>
           <a:p>
-            <a:pPr eaLnBrk="1" hangingPunct="1"/>
-            <a:r>
-              <a:rPr lang="fr-FR" smtClean="0"/>
-              <a:t>Demo postgres	</a:t>
-            </a:r>
-          </a:p>
-        </p:txBody>
-      </p:sp>
-      <p:sp>
-        <p:nvSpPr>
-          <p:cNvPr id="4099" name="Espace réservé du contenu 2"/>
+            <a:r>
+              <a:rPr lang="en-US" smtClean="0"/>
+              <a:t>Introduction to </a:t>
+            </a:r>
+            <a:r>
+              <a:rPr lang="en-US" smtClean="0"/>
+              <a:t>Point </a:t>
+            </a:r>
+            <a:r>
+              <a:rPr lang="en-US" smtClean="0"/>
+              <a:t>clouds</a:t>
+            </a:r>
+            <a:endParaRPr lang="en-US"/>
+          </a:p>
+        </p:txBody>
+      </p:sp>
+      <p:sp>
+        <p:nvSpPr>
+          <p:cNvPr id="3" name="Espace réservé du contenu 2"/>
           <p:cNvSpPr>
             <a:spLocks noGrp="1"/>
           </p:cNvSpPr>
@@ -7956,23 +11273,208 @@
             <p:ph idx="1"/>
           </p:nvPr>
         </p:nvSpPr>
-        <p:spPr/>
-        <p:txBody>
-          <a:bodyPr/>
-          <a:lstStyle/>
-          <a:p>
-            <a:pPr eaLnBrk="1" hangingPunct="1"/>
-            <a:r>
-              <a:rPr lang="fr-FR" smtClean="0"/>
-              <a:t>LOD maison</a:t>
-            </a:r>
-          </a:p>
-          <a:p>
-            <a:pPr eaLnBrk="1" hangingPunct="1"/>
-            <a:r>
-              <a:rPr lang="fr-FR" smtClean="0"/>
-              <a:t>Index et filtrage</a:t>
-            </a:r>
+        <p:spPr>
+          <a:xfrm>
+            <a:off x="323850" y="1340768"/>
+            <a:ext cx="8362950" cy="5160066"/>
+          </a:xfrm>
+        </p:spPr>
+        <p:txBody>
+          <a:bodyPr>
+            <a:normAutofit fontScale="92500" lnSpcReduction="10000"/>
+          </a:bodyPr>
+          <a:lstStyle/>
+          <a:p>
+            <a:r>
+              <a:rPr lang="en-US" cap="none" dirty="0" smtClean="0"/>
+              <a:t>What are Point Clouds?</a:t>
+            </a:r>
+          </a:p>
+          <a:p>
+            <a:r>
+              <a:rPr lang="en-US" cap="none" dirty="0" smtClean="0"/>
+              <a:t>A set of unordered 3D points with attributes resulting from a sensing operation. </a:t>
+            </a:r>
+            <a:endParaRPr lang="en-US" cap="none" dirty="0" smtClean="0"/>
+          </a:p>
+          <a:p>
+            <a:pPr lvl="1"/>
+            <a:r>
+              <a:rPr lang="en-US" cap="none" dirty="0" smtClean="0"/>
+              <a:t>Unordered : don’t know who the neighbors are .</a:t>
+            </a:r>
+          </a:p>
+          <a:p>
+            <a:pPr lvl="1"/>
+            <a:r>
+              <a:rPr lang="en-US" cap="none" dirty="0" smtClean="0"/>
+              <a:t>Attributes : ex : intensity of returning light, class id</a:t>
+            </a:r>
+          </a:p>
+          <a:p>
+            <a:pPr lvl="1"/>
+            <a:r>
+              <a:rPr lang="en-US" cap="none" dirty="0" smtClean="0"/>
+              <a:t>Sensing : physical sensing of reality, not like a vector point representing the position of a tree (no semantic).</a:t>
+            </a:r>
+          </a:p>
+          <a:p>
+            <a:endParaRPr lang="en-US" cap="none" dirty="0" smtClean="0"/>
+          </a:p>
+          <a:p>
+            <a:r>
+              <a:rPr lang="en-US" cap="none" dirty="0" smtClean="0"/>
+              <a:t>Mostly from : </a:t>
+            </a:r>
+          </a:p>
+          <a:p>
+            <a:pPr lvl="1"/>
+            <a:r>
+              <a:rPr lang="en-US" dirty="0" smtClean="0"/>
+              <a:t>Active sensors (laser time of flight based):</a:t>
+            </a:r>
+          </a:p>
+          <a:p>
+            <a:pPr lvl="2"/>
+            <a:r>
+              <a:rPr lang="en-US" dirty="0" smtClean="0"/>
+              <a:t>Terrestrial tripod</a:t>
+            </a:r>
+          </a:p>
+          <a:p>
+            <a:pPr lvl="2"/>
+            <a:r>
+              <a:rPr lang="en-US" dirty="0" smtClean="0"/>
+              <a:t>Terrestrial vehicle (cars/robot)</a:t>
+            </a:r>
+          </a:p>
+          <a:p>
+            <a:pPr lvl="2"/>
+            <a:r>
+              <a:rPr lang="en-US" dirty="0" smtClean="0"/>
+              <a:t>Aerial vehicle (plan/drone)</a:t>
+            </a:r>
+          </a:p>
+          <a:p>
+            <a:pPr lvl="1"/>
+            <a:r>
+              <a:rPr lang="en-US" dirty="0" err="1" smtClean="0"/>
+              <a:t>Passiv</a:t>
+            </a:r>
+            <a:r>
+              <a:rPr lang="en-US" dirty="0" smtClean="0"/>
+              <a:t>/mixed : image (</a:t>
+            </a:r>
+            <a:r>
+              <a:rPr lang="en-US" dirty="0" err="1" smtClean="0"/>
+              <a:t>sterovision</a:t>
+            </a:r>
+            <a:r>
+              <a:rPr lang="en-US" dirty="0" smtClean="0"/>
+              <a:t>). RGBZ device (</a:t>
+            </a:r>
+            <a:r>
+              <a:rPr lang="en-US" dirty="0" err="1" smtClean="0"/>
+              <a:t>Kinect</a:t>
+            </a:r>
+            <a:r>
+              <a:rPr lang="en-US" dirty="0" smtClean="0"/>
+              <a:t>)</a:t>
+            </a:r>
+            <a:endParaRPr lang="en-US" dirty="0"/>
+          </a:p>
+        </p:txBody>
+      </p:sp>
+      <p:sp>
+        <p:nvSpPr>
+          <p:cNvPr id="4" name="Espace réservé de la date 3"/>
+          <p:cNvSpPr>
+            <a:spLocks noGrp="1"/>
+          </p:cNvSpPr>
+          <p:nvPr>
+            <p:ph type="dt" sz="half" idx="10"/>
+          </p:nvPr>
+        </p:nvSpPr>
+        <p:spPr/>
+        <p:txBody>
+          <a:bodyPr/>
+          <a:lstStyle/>
+          <a:p>
+            <a:pPr>
+              <a:defRPr/>
+            </a:pPr>
+            <a:fld id="{E213AF71-F760-4AA3-87B2-C2FBB7A81BCA}" type="datetime1">
+              <a:rPr lang="en-US" smtClean="0"/>
+              <a:t>9/22/2014</a:t>
+            </a:fld>
+            <a:endParaRPr lang="en-US"/>
+          </a:p>
+        </p:txBody>
+      </p:sp>
+      <p:sp>
+        <p:nvSpPr>
+          <p:cNvPr id="5" name="Espace réservé du pied de page 4"/>
+          <p:cNvSpPr>
+            <a:spLocks noGrp="1"/>
+          </p:cNvSpPr>
+          <p:nvPr>
+            <p:ph type="ftr" sz="quarter" idx="11"/>
+          </p:nvPr>
+        </p:nvSpPr>
+        <p:spPr/>
+        <p:txBody>
+          <a:bodyPr/>
+          <a:lstStyle/>
+          <a:p>
+            <a:pPr>
+              <a:defRPr/>
+            </a:pPr>
+            <a:r>
+              <a:rPr lang="en-US" smtClean="0"/>
+              <a:t>Thales - IGN / COGIT </a:t>
+            </a:r>
+            <a:r>
+              <a:rPr lang="en-US" smtClean="0"/>
+              <a:t>- </a:t>
+            </a:r>
+            <a:r>
+              <a:rPr lang="en-US" smtClean="0"/>
+              <a:t>MATIS</a:t>
+            </a:r>
+            <a:endParaRPr lang="en-US"/>
+          </a:p>
+        </p:txBody>
+      </p:sp>
+      <p:sp>
+        <p:nvSpPr>
+          <p:cNvPr id="6" name="Espace réservé du numéro de diapositive 5"/>
+          <p:cNvSpPr>
+            <a:spLocks noGrp="1"/>
+          </p:cNvSpPr>
+          <p:nvPr>
+            <p:ph type="sldNum" sz="quarter" idx="12"/>
+          </p:nvPr>
+        </p:nvSpPr>
+        <p:spPr/>
+        <p:txBody>
+          <a:bodyPr/>
+          <a:lstStyle/>
+          <a:p>
+            <a:pPr>
+              <a:defRPr/>
+            </a:pPr>
+            <a:fld id="{504B660C-1446-45BE-A6D7-15805AAE1919}" type="slidenum">
+              <a:rPr lang="en-US" smtClean="0"/>
+              <a:pPr>
+                <a:defRPr/>
+              </a:pPr>
+              <a:t>5</a:t>
+            </a:fld>
+            <a:r>
+              <a:rPr lang="en-US" smtClean="0"/>
+              <a:t>/</a:t>
+            </a:r>
+            <a:endParaRPr lang="en-US"/>
           </a:p>
         </p:txBody>
       </p:sp>
@@ -8003,7 +11505,7 @@
       </p:grpSpPr>
       <p:sp>
         <p:nvSpPr>
-          <p:cNvPr id="5122" name="Titre 1"/>
+          <p:cNvPr id="2" name="Titre 1"/>
           <p:cNvSpPr>
             <a:spLocks noGrp="1"/>
           </p:cNvSpPr>
@@ -8016,17 +11518,21 @@
           <a:bodyPr/>
           <a:lstStyle/>
           <a:p>
-            <a:pPr eaLnBrk="1" hangingPunct="1"/>
-            <a:r>
-              <a:rPr lang="fr-FR" smtClean="0"/>
-              <a:t>Demo PLR</a:t>
-            </a:r>
-          </a:p>
-        </p:txBody>
-      </p:sp>
-      <p:sp>
-        <p:nvSpPr>
-          <p:cNvPr id="5123" name="Espace réservé du contenu 2"/>
+            <a:r>
+              <a:rPr lang="en-US" dirty="0" smtClean="0"/>
+              <a:t>Introduction to Point </a:t>
+            </a:r>
+            <a:r>
+              <a:rPr lang="en-US" dirty="0" smtClean="0"/>
+              <a:t>clouds</a:t>
+            </a:r>
+            <a:endParaRPr lang="en-US" dirty="0"/>
+          </a:p>
+        </p:txBody>
+      </p:sp>
+      <p:sp>
+        <p:nvSpPr>
+          <p:cNvPr id="3" name="Espace réservé du contenu 2"/>
           <p:cNvSpPr>
             <a:spLocks noGrp="1"/>
           </p:cNvSpPr>
@@ -8034,33 +11540,175 @@
             <p:ph idx="1"/>
           </p:nvPr>
         </p:nvSpPr>
-        <p:spPr/>
-        <p:txBody>
-          <a:bodyPr/>
-          <a:lstStyle/>
-          <a:p>
-            <a:pPr eaLnBrk="1" hangingPunct="1"/>
-            <a:r>
-              <a:rPr lang="fr-FR" smtClean="0"/>
-              <a:t>Analyse de correlation</a:t>
-            </a:r>
-          </a:p>
-          <a:p>
-            <a:pPr eaLnBrk="1" hangingPunct="1"/>
-            <a:r>
-              <a:rPr lang="fr-FR" smtClean="0"/>
-              <a:t>Spline fitting</a:t>
-            </a:r>
-          </a:p>
-          <a:p>
-            <a:pPr eaLnBrk="1" hangingPunct="1"/>
-            <a:r>
-              <a:rPr lang="fr-FR" smtClean="0"/>
-              <a:t>Clustering (espace eucl+reflectance)</a:t>
-            </a:r>
-          </a:p>
-        </p:txBody>
-      </p:sp>
+        <p:spPr>
+          <a:xfrm>
+            <a:off x="323850" y="1340768"/>
+            <a:ext cx="8362950" cy="5160066"/>
+          </a:xfrm>
+        </p:spPr>
+        <p:txBody>
+          <a:bodyPr>
+            <a:normAutofit/>
+          </a:bodyPr>
+          <a:lstStyle/>
+          <a:p>
+            <a:r>
+              <a:rPr lang="en-US" dirty="0" smtClean="0"/>
+              <a:t>Example : aerial and terrestrial </a:t>
+            </a:r>
+            <a:r>
+              <a:rPr lang="en-US" dirty="0" err="1" smtClean="0"/>
+              <a:t>pointclouds</a:t>
+            </a:r>
+            <a:endParaRPr lang="en-US" dirty="0"/>
+          </a:p>
+        </p:txBody>
+      </p:sp>
+      <p:sp>
+        <p:nvSpPr>
+          <p:cNvPr id="4" name="Espace réservé de la date 3"/>
+          <p:cNvSpPr>
+            <a:spLocks noGrp="1"/>
+          </p:cNvSpPr>
+          <p:nvPr>
+            <p:ph type="dt" sz="half" idx="10"/>
+          </p:nvPr>
+        </p:nvSpPr>
+        <p:spPr/>
+        <p:txBody>
+          <a:bodyPr/>
+          <a:lstStyle/>
+          <a:p>
+            <a:pPr>
+              <a:defRPr/>
+            </a:pPr>
+            <a:fld id="{E213AF71-F760-4AA3-87B2-C2FBB7A81BCA}" type="datetime1">
+              <a:rPr lang="en-US" smtClean="0"/>
+              <a:t>9/22/2014</a:t>
+            </a:fld>
+            <a:endParaRPr lang="en-US"/>
+          </a:p>
+        </p:txBody>
+      </p:sp>
+      <p:sp>
+        <p:nvSpPr>
+          <p:cNvPr id="5" name="Espace réservé du pied de page 4"/>
+          <p:cNvSpPr>
+            <a:spLocks noGrp="1"/>
+          </p:cNvSpPr>
+          <p:nvPr>
+            <p:ph type="ftr" sz="quarter" idx="11"/>
+          </p:nvPr>
+        </p:nvSpPr>
+        <p:spPr/>
+        <p:txBody>
+          <a:bodyPr/>
+          <a:lstStyle/>
+          <a:p>
+            <a:pPr>
+              <a:defRPr/>
+            </a:pPr>
+            <a:r>
+              <a:rPr lang="en-US" smtClean="0"/>
+              <a:t>Thales - IGN / COGIT </a:t>
+            </a:r>
+            <a:r>
+              <a:rPr lang="en-US" smtClean="0"/>
+              <a:t>- </a:t>
+            </a:r>
+            <a:r>
+              <a:rPr lang="en-US" smtClean="0"/>
+              <a:t>MATIS</a:t>
+            </a:r>
+            <a:endParaRPr lang="en-US"/>
+          </a:p>
+        </p:txBody>
+      </p:sp>
+      <p:sp>
+        <p:nvSpPr>
+          <p:cNvPr id="6" name="Espace réservé du numéro de diapositive 5"/>
+          <p:cNvSpPr>
+            <a:spLocks noGrp="1"/>
+          </p:cNvSpPr>
+          <p:nvPr>
+            <p:ph type="sldNum" sz="quarter" idx="12"/>
+          </p:nvPr>
+        </p:nvSpPr>
+        <p:spPr/>
+        <p:txBody>
+          <a:bodyPr/>
+          <a:lstStyle/>
+          <a:p>
+            <a:pPr>
+              <a:defRPr/>
+            </a:pPr>
+            <a:fld id="{504B660C-1446-45BE-A6D7-15805AAE1919}" type="slidenum">
+              <a:rPr lang="en-US" smtClean="0"/>
+              <a:pPr>
+                <a:defRPr/>
+              </a:pPr>
+              <a:t>6</a:t>
+            </a:fld>
+            <a:r>
+              <a:rPr lang="en-US" smtClean="0"/>
+              <a:t>/</a:t>
+            </a:r>
+            <a:endParaRPr lang="en-US"/>
+          </a:p>
+        </p:txBody>
+      </p:sp>
+      <p:pic>
+        <p:nvPicPr>
+          <p:cNvPr id="35845" name="Picture 5" descr="E:\RemiCura\PROJETS\Postgres_Day_2014_10_RemiC\presentation\src\these_jerome_demantke_aeriall_acquisition.jpg"/>
+          <p:cNvPicPr>
+            <a:picLocks noChangeAspect="1" noChangeArrowheads="1"/>
+          </p:cNvPicPr>
+          <p:nvPr/>
+        </p:nvPicPr>
+        <p:blipFill>
+          <a:blip r:embed="rId2" cstate="print"/>
+          <a:srcRect/>
+          <a:stretch>
+            <a:fillRect/>
+          </a:stretch>
+        </p:blipFill>
+        <p:spPr bwMode="auto">
+          <a:xfrm>
+            <a:off x="5072066" y="2112125"/>
+            <a:ext cx="4071933" cy="3817206"/>
+          </a:xfrm>
+          <a:prstGeom prst="rect">
+            <a:avLst/>
+          </a:prstGeom>
+          <a:noFill/>
+        </p:spPr>
+      </p:pic>
+      <p:pic>
+        <p:nvPicPr>
+          <p:cNvPr id="35846" name="Picture 6" descr="E:\RemiCura\PROJETS\Postgres_Day_2014_10_RemiC\presentation\src\these_jerome_demantke_terrestrial_acquisition_3.jpg"/>
+          <p:cNvPicPr>
+            <a:picLocks noChangeAspect="1" noChangeArrowheads="1"/>
+          </p:cNvPicPr>
+          <p:nvPr/>
+        </p:nvPicPr>
+        <p:blipFill>
+          <a:blip r:embed="rId3" cstate="print"/>
+          <a:srcRect r="25604"/>
+          <a:stretch>
+            <a:fillRect/>
+          </a:stretch>
+        </p:blipFill>
+        <p:spPr bwMode="auto">
+          <a:xfrm>
+            <a:off x="0" y="2099951"/>
+            <a:ext cx="4929190" cy="3848387"/>
+          </a:xfrm>
+          <a:prstGeom prst="rect">
+            <a:avLst/>
+          </a:prstGeom>
+          <a:noFill/>
+        </p:spPr>
+      </p:pic>
     </p:spTree>
   </p:cSld>
   <p:clrMapOvr>
@@ -8088,7 +11736,7 @@
       </p:grpSpPr>
       <p:sp>
         <p:nvSpPr>
-          <p:cNvPr id="6146" name="Titre 1"/>
+          <p:cNvPr id="2" name="Titre 1"/>
           <p:cNvSpPr>
             <a:spLocks noGrp="1"/>
           </p:cNvSpPr>
@@ -8101,17 +11749,25 @@
           <a:bodyPr/>
           <a:lstStyle/>
           <a:p>
-            <a:pPr eaLnBrk="1" hangingPunct="1"/>
-            <a:r>
-              <a:rPr lang="fr-FR" smtClean="0"/>
-              <a:t>Demo python</a:t>
-            </a:r>
-          </a:p>
-        </p:txBody>
-      </p:sp>
-      <p:sp>
-        <p:nvSpPr>
-          <p:cNvPr id="6147" name="Espace réservé du contenu 2"/>
+            <a:r>
+              <a:rPr lang="en-US" smtClean="0"/>
+              <a:t>Introduction to </a:t>
+            </a:r>
+            <a:r>
+              <a:rPr lang="en-US" smtClean="0"/>
+              <a:t>Point </a:t>
+            </a:r>
+            <a:r>
+              <a:rPr lang="en-US" smtClean="0"/>
+              <a:t>clouds</a:t>
+            </a:r>
+            <a:endParaRPr lang="en-US"/>
+          </a:p>
+        </p:txBody>
+      </p:sp>
+      <p:sp>
+        <p:nvSpPr>
+          <p:cNvPr id="3" name="Espace réservé du contenu 2"/>
           <p:cNvSpPr>
             <a:spLocks noGrp="1"/>
           </p:cNvSpPr>
@@ -8119,34 +11775,160 @@
             <p:ph idx="1"/>
           </p:nvPr>
         </p:nvSpPr>
-        <p:spPr/>
-        <p:txBody>
-          <a:bodyPr/>
-          <a:lstStyle/>
-          <a:p>
-            <a:pPr eaLnBrk="1" hangingPunct="1"/>
-            <a:r>
-              <a:rPr lang="fr-FR" smtClean="0"/>
-              <a:t>Icp</a:t>
-            </a:r>
-          </a:p>
-          <a:p>
-            <a:pPr eaLnBrk="1" hangingPunct="1"/>
-            <a:r>
-              <a:rPr lang="fr-FR" smtClean="0"/>
-              <a:t>filtrage</a:t>
-            </a:r>
-          </a:p>
-          <a:p>
-            <a:pPr eaLnBrk="1" hangingPunct="1"/>
-            <a:r>
-              <a:rPr lang="fr-FR" smtClean="0"/>
-              <a:t>Detection de plan</a:t>
-            </a:r>
-          </a:p>
-          <a:p>
-            <a:pPr eaLnBrk="1" hangingPunct="1"/>
-            <a:endParaRPr lang="fr-FR" smtClean="0"/>
+        <p:spPr>
+          <a:xfrm>
+            <a:off x="323850" y="1340768"/>
+            <a:ext cx="8362950" cy="5160066"/>
+          </a:xfrm>
+        </p:spPr>
+        <p:txBody>
+          <a:bodyPr>
+            <a:normAutofit/>
+          </a:bodyPr>
+          <a:lstStyle/>
+          <a:p>
+            <a:r>
+              <a:rPr lang="en-US" dirty="0" smtClean="0"/>
+              <a:t>Why so many people use it?</a:t>
+            </a:r>
+          </a:p>
+          <a:p>
+            <a:pPr lvl="1"/>
+            <a:r>
+              <a:rPr lang="en-US" dirty="0" smtClean="0"/>
+              <a:t>3D from images is an ill posed problem. </a:t>
+            </a:r>
+          </a:p>
+          <a:p>
+            <a:pPr lvl="1"/>
+            <a:r>
+              <a:rPr lang="en-US" dirty="0" smtClean="0"/>
+              <a:t>Very good precision (close and long range)</a:t>
+            </a:r>
+          </a:p>
+          <a:p>
+            <a:pPr lvl="1"/>
+            <a:r>
+              <a:rPr lang="en-US" dirty="0" smtClean="0"/>
+              <a:t>R</a:t>
+            </a:r>
+            <a:r>
+              <a:rPr lang="en-US" dirty="0" smtClean="0"/>
+              <a:t>eliable</a:t>
+            </a:r>
+          </a:p>
+          <a:p>
+            <a:pPr lvl="1"/>
+            <a:r>
+              <a:rPr lang="en-US" dirty="0" smtClean="0"/>
+              <a:t>Devices are cheap-</a:t>
+            </a:r>
+            <a:r>
+              <a:rPr lang="en-US" dirty="0" err="1" smtClean="0"/>
+              <a:t>ish</a:t>
+            </a:r>
+            <a:endParaRPr lang="en-US" dirty="0" smtClean="0"/>
+          </a:p>
+          <a:p>
+            <a:pPr lvl="1"/>
+            <a:r>
+              <a:rPr lang="en-US" dirty="0" smtClean="0"/>
+              <a:t>Complements very well images. </a:t>
+            </a:r>
+            <a:endParaRPr lang="en-US" dirty="0"/>
+          </a:p>
+        </p:txBody>
+      </p:sp>
+      <p:sp>
+        <p:nvSpPr>
+          <p:cNvPr id="4" name="Espace réservé de la date 3"/>
+          <p:cNvSpPr>
+            <a:spLocks noGrp="1"/>
+          </p:cNvSpPr>
+          <p:nvPr>
+            <p:ph type="dt" sz="half" idx="10"/>
+          </p:nvPr>
+        </p:nvSpPr>
+        <p:spPr/>
+        <p:txBody>
+          <a:bodyPr/>
+          <a:lstStyle/>
+          <a:p>
+            <a:pPr>
+              <a:defRPr/>
+            </a:pPr>
+            <a:fld id="{E213AF71-F760-4AA3-87B2-C2FBB7A81BCA}" type="datetime1">
+              <a:rPr lang="en-US" smtClean="0"/>
+              <a:t>9/22/2014</a:t>
+            </a:fld>
+            <a:endParaRPr lang="en-US"/>
+          </a:p>
+        </p:txBody>
+      </p:sp>
+      <p:sp>
+        <p:nvSpPr>
+          <p:cNvPr id="5" name="Espace réservé du pied de page 4"/>
+          <p:cNvSpPr>
+            <a:spLocks noGrp="1"/>
+          </p:cNvSpPr>
+          <p:nvPr>
+            <p:ph type="ftr" sz="quarter" idx="11"/>
+          </p:nvPr>
+        </p:nvSpPr>
+        <p:spPr/>
+        <p:txBody>
+          <a:bodyPr/>
+          <a:lstStyle/>
+          <a:p>
+            <a:pPr>
+              <a:defRPr/>
+            </a:pPr>
+            <a:r>
+              <a:rPr lang="en-US" smtClean="0"/>
+              <a:t>Thales - IGN / COGIT </a:t>
+            </a:r>
+            <a:r>
+              <a:rPr lang="en-US" smtClean="0"/>
+              <a:t>- </a:t>
+            </a:r>
+            <a:r>
+              <a:rPr lang="en-US" smtClean="0"/>
+              <a:t>MATIS</a:t>
+            </a:r>
+            <a:endParaRPr lang="en-US"/>
+          </a:p>
+        </p:txBody>
+      </p:sp>
+      <p:sp>
+        <p:nvSpPr>
+          <p:cNvPr id="6" name="Espace réservé du numéro de diapositive 5"/>
+          <p:cNvSpPr>
+            <a:spLocks noGrp="1"/>
+          </p:cNvSpPr>
+          <p:nvPr>
+            <p:ph type="sldNum" sz="quarter" idx="12"/>
+          </p:nvPr>
+        </p:nvSpPr>
+        <p:spPr/>
+        <p:txBody>
+          <a:bodyPr/>
+          <a:lstStyle/>
+          <a:p>
+            <a:pPr>
+              <a:defRPr/>
+            </a:pPr>
+            <a:fld id="{504B660C-1446-45BE-A6D7-15805AAE1919}" type="slidenum">
+              <a:rPr lang="en-US" smtClean="0"/>
+              <a:pPr>
+                <a:defRPr/>
+              </a:pPr>
+              <a:t>7</a:t>
+            </a:fld>
+            <a:r>
+              <a:rPr lang="en-US" smtClean="0"/>
+              <a:t>/</a:t>
+            </a:r>
+            <a:endParaRPr lang="en-US"/>
           </a:p>
         </p:txBody>
       </p:sp>
@@ -8187,75 +11969,214 @@
         </p:nvSpPr>
         <p:spPr/>
         <p:txBody>
-          <a:bodyPr rtlCol="0">
-            <a:normAutofit fontScale="90000"/>
-          </a:bodyPr>
-          <a:lstStyle/>
-          <a:p>
-            <a:pPr eaLnBrk="1" fontAlgn="auto" hangingPunct="1">
-              <a:spcAft>
-                <a:spcPts val="0"/>
-              </a:spcAft>
-              <a:defRPr/>
-            </a:pPr>
-            <a:r>
-              <a:rPr lang="fr-FR" dirty="0" smtClean="0"/>
-              <a:t>Comparaison </a:t>
-            </a:r>
-            <a:r>
-              <a:rPr lang="fr-FR" dirty="0" err="1" smtClean="0"/>
-              <a:t>plpythonu</a:t>
-            </a:r>
-            <a:r>
-              <a:rPr lang="fr-FR" dirty="0" smtClean="0"/>
+          <a:bodyPr/>
+          <a:lstStyle/>
+          <a:p>
+            <a:r>
+              <a:rPr lang="en-US" dirty="0" smtClean="0"/>
+              <a:t>Introduction to Point clouds</a:t>
+            </a:r>
+            <a:endParaRPr lang="fr-FR" dirty="0"/>
+          </a:p>
+        </p:txBody>
+      </p:sp>
+      <p:sp>
+        <p:nvSpPr>
+          <p:cNvPr id="3" name="Espace réservé du contenu 2"/>
+          <p:cNvSpPr>
+            <a:spLocks noGrp="1"/>
+          </p:cNvSpPr>
+          <p:nvPr>
+            <p:ph idx="1"/>
+          </p:nvPr>
+        </p:nvSpPr>
+        <p:spPr/>
+        <p:txBody>
+          <a:bodyPr/>
+          <a:lstStyle/>
+          <a:p>
+            <a:r>
+              <a:rPr lang="en-US" cap="none" dirty="0" smtClean="0"/>
+              <a:t>Point clouds are cool, but very BIG</a:t>
+            </a:r>
+          </a:p>
+          <a:p>
+            <a:pPr lvl="1"/>
+            <a:r>
+              <a:rPr lang="en-US" dirty="0" smtClean="0"/>
+              <a:t>Current devices  : 1 </a:t>
+            </a:r>
+            <a:r>
+              <a:rPr lang="en-US" b="1" dirty="0" smtClean="0"/>
+              <a:t>M</a:t>
+            </a:r>
+            <a:r>
+              <a:rPr lang="en-US" dirty="0" smtClean="0"/>
+              <a:t>illion points/</a:t>
+            </a:r>
+            <a:r>
+              <a:rPr lang="en-US" b="1" dirty="0" smtClean="0"/>
+              <a:t>sec</a:t>
+            </a:r>
+            <a:r>
+              <a:rPr lang="en-US" dirty="0" smtClean="0"/>
+              <a:t>, 12+ attributes. </a:t>
+            </a:r>
+            <a:r>
+              <a:rPr lang="en-US" dirty="0" err="1" smtClean="0"/>
+              <a:t>Outch</a:t>
+            </a:r>
+            <a:r>
+              <a:rPr lang="en-US" dirty="0" smtClean="0"/>
+              <a:t> !</a:t>
+            </a:r>
+          </a:p>
+          <a:p>
+            <a:pPr lvl="1"/>
+            <a:r>
+              <a:rPr lang="en-US" dirty="0" smtClean="0"/>
+              <a:t>1 hour : several </a:t>
+            </a:r>
+            <a:r>
+              <a:rPr lang="en-US" b="1" dirty="0" smtClean="0"/>
+              <a:t>B</a:t>
+            </a:r>
+            <a:r>
+              <a:rPr lang="en-US" dirty="0" smtClean="0"/>
+              <a:t>illions points.</a:t>
+            </a:r>
+          </a:p>
+          <a:p>
+            <a:pPr lvl="1"/>
+            <a:r>
+              <a:rPr lang="en-US" dirty="0" smtClean="0"/>
+              <a:t>Our mapping agency : 100’s of data sets, aerial + terrestrial, several type of lasers.</a:t>
+            </a:r>
+          </a:p>
+          <a:p>
+            <a:pPr lvl="1"/>
+            <a:endParaRPr lang="en-US" dirty="0" smtClean="0"/>
+          </a:p>
+          <a:p>
+            <a:pPr lvl="1"/>
+            <a:r>
+              <a:rPr lang="en-US" cap="none" dirty="0" smtClean="0"/>
+              <a:t>Can’t loa</a:t>
+            </a:r>
+            <a:r>
+              <a:rPr lang="en-US" dirty="0" smtClean="0"/>
+              <a:t>d much more than 20 Millions points in memory</a:t>
+            </a:r>
+            <a:br>
+              <a:rPr lang="en-US" dirty="0" smtClean="0"/>
+            </a:br>
+            <a:r>
+              <a:rPr lang="en-US" dirty="0" smtClean="0"/>
+              <a:t>=&gt; can’t process much more than 10 Millions points at a time.</a:t>
+            </a:r>
+          </a:p>
+          <a:p>
+            <a:pPr lvl="1"/>
+            <a:endParaRPr lang="en-US" dirty="0" smtClean="0"/>
+          </a:p>
+          <a:p>
+            <a:pPr lvl="1"/>
+            <a:r>
+              <a:rPr lang="en-US" dirty="0" smtClean="0"/>
+              <a:t>So much data : personal copy of it is not an option. All data must be centralized on specific storage solution.</a:t>
+            </a:r>
+          </a:p>
+          <a:p>
+            <a:pPr lvl="1"/>
+            <a:endParaRPr lang="en-US" cap="none" dirty="0" smtClean="0"/>
+          </a:p>
+          <a:p>
+            <a:endParaRPr lang="en-US" cap="none" dirty="0"/>
+          </a:p>
+        </p:txBody>
+      </p:sp>
+      <p:sp>
+        <p:nvSpPr>
+          <p:cNvPr id="4" name="Espace réservé de la date 3"/>
+          <p:cNvSpPr>
+            <a:spLocks noGrp="1"/>
+          </p:cNvSpPr>
+          <p:nvPr>
+            <p:ph type="dt" sz="half" idx="10"/>
+          </p:nvPr>
+        </p:nvSpPr>
+        <p:spPr/>
+        <p:txBody>
+          <a:bodyPr/>
+          <a:lstStyle/>
+          <a:p>
+            <a:pPr>
+              <a:defRPr/>
+            </a:pPr>
+            <a:fld id="{E213AF71-F760-4AA3-87B2-C2FBB7A81BCA}" type="datetime1">
+              <a:rPr lang="fr-FR" smtClean="0"/>
+              <a:t>22/09/2014</a:t>
+            </a:fld>
+            <a:endParaRPr lang="fr-FR" dirty="0"/>
+          </a:p>
+        </p:txBody>
+      </p:sp>
+      <p:sp>
+        <p:nvSpPr>
+          <p:cNvPr id="5" name="Espace réservé du pied de page 4"/>
+          <p:cNvSpPr>
+            <a:spLocks noGrp="1"/>
+          </p:cNvSpPr>
+          <p:nvPr>
+            <p:ph type="ftr" sz="quarter" idx="11"/>
+          </p:nvPr>
+        </p:nvSpPr>
+        <p:spPr/>
+        <p:txBody>
+          <a:bodyPr/>
+          <a:lstStyle/>
+          <a:p>
+            <a:pPr>
+              <a:defRPr/>
+            </a:pPr>
+            <a:r>
+              <a:rPr lang="fr-FR" smtClean="0"/>
+              <a:t>Thales - IGN / COGIT - MATIS</a:t>
+            </a:r>
+            <a:endParaRPr lang="fr-FR" dirty="0"/>
+          </a:p>
+        </p:txBody>
+      </p:sp>
+      <p:sp>
+        <p:nvSpPr>
+          <p:cNvPr id="6" name="Espace réservé du numéro de diapositive 5"/>
+          <p:cNvSpPr>
+            <a:spLocks noGrp="1"/>
+          </p:cNvSpPr>
+          <p:nvPr>
+            <p:ph type="sldNum" sz="quarter" idx="12"/>
+          </p:nvPr>
+        </p:nvSpPr>
+        <p:spPr/>
+        <p:txBody>
+          <a:bodyPr/>
+          <a:lstStyle/>
+          <a:p>
+            <a:pPr>
+              <a:defRPr/>
+            </a:pPr>
+            <a:fld id="{504B660C-1446-45BE-A6D7-15805AAE1919}" type="slidenum">
+              <a:rPr lang="fr-FR" smtClean="0"/>
+              <a:pPr>
+                <a:defRPr/>
+              </a:pPr>
+              <a:t>8</a:t>
+            </a:fld>
+            <a:r>
+              <a:rPr lang="fr-FR" smtClean="0"/>
               <a:t>/</a:t>
             </a:r>
-            <a:r>
-              <a:rPr lang="fr-FR" dirty="0" err="1" smtClean="0"/>
-              <a:t>plr</a:t>
-            </a:r>
-            <a:r>
-              <a:rPr lang="fr-FR" dirty="0" smtClean="0"/>
-              <a:t> avec le package «  </a:t>
-            </a:r>
-            <a:r>
-              <a:rPr lang="fr-FR" dirty="0" err="1" smtClean="0"/>
-              <a:t>fastcluster</a:t>
-            </a:r>
-            <a:r>
-              <a:rPr lang="fr-FR" smtClean="0"/>
-              <a:t>»</a:t>
-            </a:r>
-            <a:endParaRPr lang="fr-FR" dirty="0" smtClean="0"/>
-          </a:p>
-        </p:txBody>
-      </p:sp>
-      <p:sp>
-        <p:nvSpPr>
-          <p:cNvPr id="3" name="Espace réservé du texte 2"/>
-          <p:cNvSpPr>
-            <a:spLocks noGrp="1"/>
-          </p:cNvSpPr>
-          <p:nvPr>
-            <p:ph type="body" idx="1"/>
-          </p:nvPr>
-        </p:nvSpPr>
-        <p:spPr/>
-        <p:txBody>
-          <a:bodyPr rtlCol="0">
-            <a:normAutofit/>
-          </a:bodyPr>
-          <a:lstStyle/>
-          <a:p>
-            <a:pPr eaLnBrk="1" fontAlgn="auto" hangingPunct="1">
-              <a:spcAft>
-                <a:spcPts val="0"/>
-              </a:spcAft>
-              <a:buFont typeface="Arial" pitchFamily="34" charset="0"/>
-              <a:buNone/>
-              <a:defRPr/>
-            </a:pPr>
-            <a:endParaRPr lang="fr-FR" smtClean="0"/>
+            <a:endParaRPr lang="fr-FR" dirty="0"/>
           </a:p>
         </p:txBody>
       </p:sp>
@@ -8286,63 +12207,153 @@
       </p:grpSpPr>
       <p:sp>
         <p:nvSpPr>
-          <p:cNvPr id="8194" name="Titre 1"/>
-          <p:cNvSpPr>
-            <a:spLocks noGrp="1"/>
-          </p:cNvSpPr>
-          <p:nvPr>
-            <p:ph type="ctrTitle"/>
-          </p:nvPr>
-        </p:nvSpPr>
-        <p:spPr/>
-        <p:txBody>
-          <a:bodyPr/>
-          <a:lstStyle/>
-          <a:p>
-            <a:pPr eaLnBrk="1" hangingPunct="1"/>
+          <p:cNvPr id="2" name="Titre 1"/>
+          <p:cNvSpPr>
+            <a:spLocks noGrp="1"/>
+          </p:cNvSpPr>
+          <p:nvPr>
+            <p:ph type="title"/>
+          </p:nvPr>
+        </p:nvSpPr>
+        <p:spPr/>
+        <p:txBody>
+          <a:bodyPr/>
+          <a:lstStyle/>
+          <a:p>
+            <a:r>
+              <a:rPr lang="en-US" dirty="0" smtClean="0"/>
+              <a:t>Why use a DBMS?</a:t>
+            </a:r>
+            <a:endParaRPr lang="fr-FR" dirty="0"/>
+          </a:p>
+        </p:txBody>
+      </p:sp>
+      <p:sp>
+        <p:nvSpPr>
+          <p:cNvPr id="3" name="Espace réservé du pied de page 2"/>
+          <p:cNvSpPr>
+            <a:spLocks noGrp="1"/>
+          </p:cNvSpPr>
+          <p:nvPr>
+            <p:ph type="ftr" sz="quarter" idx="10"/>
+          </p:nvPr>
+        </p:nvSpPr>
+        <p:spPr/>
+        <p:txBody>
+          <a:bodyPr/>
+          <a:lstStyle/>
+          <a:p>
+            <a:pPr>
+              <a:defRPr/>
+            </a:pPr>
             <a:r>
               <a:rPr lang="fr-FR" smtClean="0"/>
-              <a:t>vtk </a:t>
-            </a:r>
-            <a:br>
+              <a:t>Thales - IGN / COGIT - MATIS</a:t>
+            </a:r>
+            <a:endParaRPr lang="fr-FR" dirty="0"/>
+          </a:p>
+        </p:txBody>
+      </p:sp>
+      <p:sp>
+        <p:nvSpPr>
+          <p:cNvPr id="4" name="Espace réservé de la date 3"/>
+          <p:cNvSpPr>
+            <a:spLocks noGrp="1"/>
+          </p:cNvSpPr>
+          <p:nvPr>
+            <p:ph type="dt" sz="half" idx="11"/>
+          </p:nvPr>
+        </p:nvSpPr>
+        <p:spPr/>
+        <p:txBody>
+          <a:bodyPr/>
+          <a:lstStyle/>
+          <a:p>
+            <a:pPr>
+              <a:defRPr/>
+            </a:pPr>
+            <a:fld id="{1305F5B3-A6E5-40AA-A82B-787F42B9B41F}" type="datetime1">
               <a:rPr lang="fr-FR" smtClean="0"/>
-            </a:br>
-            <a:r>
+              <a:t>22/09/2014</a:t>
+            </a:fld>
+            <a:endParaRPr lang="fr-FR" dirty="0"/>
+          </a:p>
+        </p:txBody>
+      </p:sp>
+      <p:sp>
+        <p:nvSpPr>
+          <p:cNvPr id="5" name="Espace réservé du numéro de diapositive 4"/>
+          <p:cNvSpPr>
+            <a:spLocks noGrp="1"/>
+          </p:cNvSpPr>
+          <p:nvPr>
+            <p:ph type="sldNum" sz="quarter" idx="12"/>
+          </p:nvPr>
+        </p:nvSpPr>
+        <p:spPr/>
+        <p:txBody>
+          <a:bodyPr/>
+          <a:lstStyle/>
+          <a:p>
+            <a:pPr>
+              <a:defRPr/>
+            </a:pPr>
+            <a:fld id="{F70D7BCD-66D0-4372-890E-9084B1AF6A1A}" type="slidenum">
               <a:rPr lang="fr-FR" smtClean="0"/>
-              <a:t> Icp</a:t>
-            </a:r>
-          </a:p>
-        </p:txBody>
-      </p:sp>
-      <p:sp>
-        <p:nvSpPr>
-          <p:cNvPr id="3" name="Sous-titre 2"/>
-          <p:cNvSpPr>
-            <a:spLocks noGrp="1"/>
-          </p:cNvSpPr>
-          <p:nvPr>
-            <p:ph type="subTitle" idx="1"/>
-          </p:nvPr>
-        </p:nvSpPr>
-        <p:spPr/>
-        <p:txBody>
-          <a:bodyPr rtlCol="0">
-            <a:normAutofit/>
-          </a:bodyPr>
-          <a:lstStyle/>
-          <a:p>
-            <a:pPr eaLnBrk="1" fontAlgn="auto" hangingPunct="1">
-              <a:spcAft>
-                <a:spcPts val="0"/>
-              </a:spcAft>
-              <a:buFont typeface="Arial" pitchFamily="34" charset="0"/>
-              <a:buNone/>
-              <a:defRPr/>
-            </a:pPr>
-            <a:r>
-              <a:rPr lang="fr-FR" dirty="0" smtClean="0"/>
-              <a:t>http://www.vtk.org/Wiki/VTK/Examples/Python/IterativeClosestPoints</a:t>
-            </a:r>
+              <a:pPr>
+                <a:defRPr/>
+              </a:pPr>
+              <a:t>9</a:t>
+            </a:fld>
+            <a:r>
+              <a:rPr lang="fr-FR" smtClean="0"/>
+              <a:t>/</a:t>
+            </a:r>
+            <a:endParaRPr lang="fr-FR" dirty="0"/>
+          </a:p>
+        </p:txBody>
+      </p:sp>
+      <p:sp>
+        <p:nvSpPr>
+          <p:cNvPr id="6" name="Espace réservé du contenu 5"/>
+          <p:cNvSpPr>
+            <a:spLocks noGrp="1"/>
+          </p:cNvSpPr>
+          <p:nvPr>
+            <p:ph idx="1"/>
+          </p:nvPr>
+        </p:nvSpPr>
+        <p:spPr/>
+        <p:txBody>
+          <a:bodyPr/>
+          <a:lstStyle/>
+          <a:p>
+            <a:r>
+              <a:rPr lang="en-US" dirty="0" smtClean="0"/>
+              <a:t>What people do with point clouds?</a:t>
+            </a:r>
+          </a:p>
+          <a:p>
+            <a:r>
+              <a:rPr lang="en-US" dirty="0" smtClean="0"/>
+              <a:t>Using A File system solution</a:t>
+            </a:r>
+          </a:p>
+          <a:p>
+            <a:r>
+              <a:rPr lang="en-US" dirty="0" err="1" smtClean="0"/>
+              <a:t>USing</a:t>
+            </a:r>
+            <a:r>
+              <a:rPr lang="en-US" dirty="0" smtClean="0"/>
+              <a:t> A DBMS solution</a:t>
+            </a:r>
+          </a:p>
+          <a:p>
+            <a:endParaRPr lang="en-US" dirty="0" smtClean="0"/>
+          </a:p>
+          <a:p>
+            <a:endParaRPr lang="en-US" dirty="0"/>
           </a:p>
         </p:txBody>
       </p:sp>

--- a/presentation_RCura.pptx
+++ b/presentation_RCura.pptx
@@ -5,10 +5,10 @@
     <p:sldMasterId id="2147483648" r:id="rId1"/>
   </p:sldMasterIdLst>
   <p:notesMasterIdLst>
-    <p:notesMasterId r:id="rId40"/>
+    <p:notesMasterId r:id="rId41"/>
   </p:notesMasterIdLst>
   <p:handoutMasterIdLst>
-    <p:handoutMasterId r:id="rId41"/>
+    <p:handoutMasterId r:id="rId42"/>
   </p:handoutMasterIdLst>
   <p:sldIdLst>
     <p:sldId id="256" r:id="rId2"/>
@@ -21,34 +21,35 @@
     <p:sldId id="287" r:id="rId9"/>
     <p:sldId id="288" r:id="rId10"/>
     <p:sldId id="291" r:id="rId11"/>
-    <p:sldId id="292" r:id="rId12"/>
-    <p:sldId id="293" r:id="rId13"/>
-    <p:sldId id="294" r:id="rId14"/>
-    <p:sldId id="295" r:id="rId15"/>
-    <p:sldId id="283" r:id="rId16"/>
-    <p:sldId id="278" r:id="rId17"/>
-    <p:sldId id="279" r:id="rId18"/>
-    <p:sldId id="285" r:id="rId19"/>
-    <p:sldId id="286" r:id="rId20"/>
-    <p:sldId id="296" r:id="rId21"/>
-    <p:sldId id="297" r:id="rId22"/>
-    <p:sldId id="258" r:id="rId23"/>
-    <p:sldId id="259" r:id="rId24"/>
-    <p:sldId id="260" r:id="rId25"/>
-    <p:sldId id="261" r:id="rId26"/>
-    <p:sldId id="262" r:id="rId27"/>
-    <p:sldId id="263" r:id="rId28"/>
-    <p:sldId id="264" r:id="rId29"/>
-    <p:sldId id="265" r:id="rId30"/>
-    <p:sldId id="266" r:id="rId31"/>
-    <p:sldId id="267" r:id="rId32"/>
-    <p:sldId id="268" r:id="rId33"/>
-    <p:sldId id="269" r:id="rId34"/>
-    <p:sldId id="270" r:id="rId35"/>
-    <p:sldId id="271" r:id="rId36"/>
-    <p:sldId id="272" r:id="rId37"/>
-    <p:sldId id="273" r:id="rId38"/>
-    <p:sldId id="274" r:id="rId39"/>
+    <p:sldId id="298" r:id="rId12"/>
+    <p:sldId id="292" r:id="rId13"/>
+    <p:sldId id="293" r:id="rId14"/>
+    <p:sldId id="294" r:id="rId15"/>
+    <p:sldId id="295" r:id="rId16"/>
+    <p:sldId id="283" r:id="rId17"/>
+    <p:sldId id="278" r:id="rId18"/>
+    <p:sldId id="279" r:id="rId19"/>
+    <p:sldId id="285" r:id="rId20"/>
+    <p:sldId id="286" r:id="rId21"/>
+    <p:sldId id="296" r:id="rId22"/>
+    <p:sldId id="297" r:id="rId23"/>
+    <p:sldId id="258" r:id="rId24"/>
+    <p:sldId id="259" r:id="rId25"/>
+    <p:sldId id="260" r:id="rId26"/>
+    <p:sldId id="261" r:id="rId27"/>
+    <p:sldId id="262" r:id="rId28"/>
+    <p:sldId id="263" r:id="rId29"/>
+    <p:sldId id="264" r:id="rId30"/>
+    <p:sldId id="265" r:id="rId31"/>
+    <p:sldId id="266" r:id="rId32"/>
+    <p:sldId id="267" r:id="rId33"/>
+    <p:sldId id="268" r:id="rId34"/>
+    <p:sldId id="269" r:id="rId35"/>
+    <p:sldId id="270" r:id="rId36"/>
+    <p:sldId id="271" r:id="rId37"/>
+    <p:sldId id="272" r:id="rId38"/>
+    <p:sldId id="273" r:id="rId39"/>
+    <p:sldId id="274" r:id="rId40"/>
   </p:sldIdLst>
   <p:sldSz cx="9144000" cy="6858000" type="screen4x3"/>
   <p:notesSz cx="9867900" cy="6743700"/>
@@ -5959,7 +5960,15 @@
             </a:pPr>
             <a:r>
               <a:rPr lang="en-US" dirty="0" smtClean="0"/>
-              <a:t>(See [1])</a:t>
+              <a:t>(See [3] in “</a:t>
+            </a:r>
+            <a:r>
+              <a:rPr lang="en-US" dirty="0" err="1" smtClean="0"/>
+              <a:t>ressources</a:t>
+            </a:r>
+            <a:r>
+              <a:rPr lang="en-US" dirty="0" smtClean="0"/>
+              <a:t>”)</a:t>
             </a:r>
           </a:p>
           <a:p>
@@ -5980,21 +5989,21 @@
             </a:br>
             <a:r>
               <a:rPr lang="en-US" dirty="0" smtClean="0"/>
-              <a:t>localization </a:t>
+              <a:t>  localization </a:t>
             </a:r>
             <a:br>
               <a:rPr lang="en-US" dirty="0" smtClean="0"/>
             </a:br>
             <a:r>
               <a:rPr lang="en-US" dirty="0" smtClean="0"/>
-              <a:t>time </a:t>
+              <a:t>  time </a:t>
             </a:r>
             <a:br>
               <a:rPr lang="en-US" dirty="0" smtClean="0"/>
             </a:br>
             <a:r>
               <a:rPr lang="en-US" dirty="0" smtClean="0"/>
-              <a:t>attributes</a:t>
+              <a:t>  attributes</a:t>
             </a:r>
           </a:p>
           <a:p>
@@ -6150,142 +6159,104 @@
       </p:grpSpPr>
       <p:sp>
         <p:nvSpPr>
-          <p:cNvPr id="2" name="Titre 1"/>
-          <p:cNvSpPr>
-            <a:spLocks noGrp="1"/>
-          </p:cNvSpPr>
-          <p:nvPr>
-            <p:ph type="title"/>
-          </p:nvPr>
-        </p:nvSpPr>
-        <p:spPr/>
-        <p:txBody>
-          <a:bodyPr/>
-          <a:lstStyle/>
-          <a:p>
-            <a:r>
-              <a:rPr lang="en-US" dirty="0" smtClean="0"/>
-              <a:t>Why use a </a:t>
-            </a:r>
-            <a:r>
-              <a:rPr lang="en-US" dirty="0" smtClean="0"/>
-              <a:t>DBMS?</a:t>
-            </a:r>
-            <a:endParaRPr lang="en-US" dirty="0"/>
-          </a:p>
-        </p:txBody>
-      </p:sp>
-      <p:sp>
-        <p:nvSpPr>
-          <p:cNvPr id="3" name="Espace réservé du contenu 2"/>
-          <p:cNvSpPr>
-            <a:spLocks noGrp="1"/>
-          </p:cNvSpPr>
-          <p:nvPr>
-            <p:ph idx="1"/>
-          </p:nvPr>
+          <p:cNvPr id="27" name="Rectangle 26"/>
+          <p:cNvSpPr/>
+          <p:nvPr/>
         </p:nvSpPr>
         <p:spPr>
           <a:xfrm>
-            <a:off x="357158" y="1142984"/>
-            <a:ext cx="8362950" cy="5715016"/>
+            <a:off x="6572264" y="4572008"/>
+            <a:ext cx="2357454" cy="285752"/>
+          </a:xfrm>
+          <a:prstGeom prst="rect">
+            <a:avLst/>
+          </a:prstGeom>
+          <a:noFill/>
+          <a:ln w="57150"/>
+        </p:spPr>
+        <p:style>
+          <a:lnRef idx="2">
+            <a:schemeClr val="accent2"/>
+          </a:lnRef>
+          <a:fillRef idx="1">
+            <a:schemeClr val="lt1"/>
+          </a:fillRef>
+          <a:effectRef idx="0">
+            <a:schemeClr val="accent2"/>
+          </a:effectRef>
+          <a:fontRef idx="minor">
+            <a:schemeClr val="dk1"/>
+          </a:fontRef>
+        </p:style>
+        <p:txBody>
+          <a:bodyPr rtlCol="0" anchor="ctr"/>
+          <a:lstStyle/>
+          <a:p>
+            <a:pPr algn="ctr"/>
+            <a:endParaRPr lang="en-US"/>
+          </a:p>
+        </p:txBody>
+      </p:sp>
+      <p:sp>
+        <p:nvSpPr>
+          <p:cNvPr id="2" name="Titre 1"/>
+          <p:cNvSpPr>
+            <a:spLocks noGrp="1"/>
+          </p:cNvSpPr>
+          <p:nvPr>
+            <p:ph type="title"/>
+          </p:nvPr>
+        </p:nvSpPr>
+        <p:spPr/>
+        <p:txBody>
+          <a:bodyPr/>
+          <a:lstStyle/>
+          <a:p>
+            <a:r>
+              <a:rPr lang="en-US" dirty="0" smtClean="0"/>
+              <a:t>Why use a DBMS?</a:t>
+            </a:r>
+            <a:endParaRPr lang="en-US" dirty="0"/>
+          </a:p>
+        </p:txBody>
+      </p:sp>
+      <p:sp>
+        <p:nvSpPr>
+          <p:cNvPr id="3" name="Espace réservé du contenu 2"/>
+          <p:cNvSpPr>
+            <a:spLocks noGrp="1"/>
+          </p:cNvSpPr>
+          <p:nvPr>
+            <p:ph idx="1"/>
+          </p:nvPr>
+        </p:nvSpPr>
+        <p:spPr>
+          <a:xfrm>
+            <a:off x="357158" y="1071546"/>
+            <a:ext cx="8362950" cy="4785395"/>
           </a:xfrm>
         </p:spPr>
         <p:txBody>
-          <a:bodyPr>
-            <a:normAutofit/>
-          </a:bodyPr>
-          <a:lstStyle/>
-          <a:p>
-            <a:pPr>
-              <a:buNone/>
-            </a:pPr>
-            <a:r>
-              <a:rPr lang="en-US" cap="none" dirty="0" smtClean="0"/>
-              <a:t>File system limitations</a:t>
-            </a:r>
-          </a:p>
-          <a:p>
-            <a:pPr>
-              <a:buNone/>
-            </a:pPr>
+          <a:bodyPr/>
+          <a:lstStyle/>
+          <a:p>
+            <a:r>
+              <a:rPr lang="en-US" dirty="0" smtClean="0"/>
+              <a:t>Illustration of quad tree in </a:t>
+            </a:r>
+            <a:r>
+              <a:rPr lang="en-US" dirty="0" err="1" smtClean="0"/>
+              <a:t>filesystem</a:t>
+            </a:r>
+            <a:endParaRPr lang="en-US" dirty="0" smtClean="0"/>
+          </a:p>
+          <a:p>
             <a:r>
               <a:rPr lang="en-US" cap="none" dirty="0" smtClean="0"/>
               <a:t>Typically, point clouds are cut in pieces to form a hierarchy of folders (ex : quad tree).</a:t>
             </a:r>
           </a:p>
           <a:p>
-            <a:pPr lvl="1"/>
-            <a:r>
-              <a:rPr lang="en-US" dirty="0" smtClean="0"/>
-              <a:t>Create data</a:t>
-            </a:r>
-          </a:p>
-          <a:p>
-            <a:pPr lvl="1"/>
-            <a:r>
-              <a:rPr lang="en-US" dirty="0" smtClean="0"/>
-              <a:t>Get data based on </a:t>
-            </a:r>
-            <a:br>
-              <a:rPr lang="en-US" dirty="0" smtClean="0"/>
-            </a:br>
-            <a:r>
-              <a:rPr lang="en-US" dirty="0" smtClean="0"/>
-              <a:t>localization </a:t>
-            </a:r>
-            <a:br>
-              <a:rPr lang="en-US" dirty="0" smtClean="0"/>
-            </a:br>
-            <a:r>
-              <a:rPr lang="en-US" dirty="0" smtClean="0"/>
-              <a:t>time </a:t>
-            </a:r>
-            <a:br>
-              <a:rPr lang="en-US" dirty="0" smtClean="0"/>
-            </a:br>
-            <a:r>
-              <a:rPr lang="en-US" dirty="0" smtClean="0"/>
-              <a:t>attributes</a:t>
-            </a:r>
-          </a:p>
-          <a:p>
-            <a:pPr lvl="1"/>
-            <a:r>
-              <a:rPr lang="en-US" dirty="0" smtClean="0"/>
-              <a:t>Mix data sets</a:t>
-            </a:r>
-          </a:p>
-          <a:p>
-            <a:pPr lvl="1"/>
-            <a:r>
-              <a:rPr lang="en-US" dirty="0" smtClean="0"/>
-              <a:t>Convert data </a:t>
-            </a:r>
-          </a:p>
-          <a:p>
-            <a:pPr lvl="1"/>
-            <a:r>
-              <a:rPr lang="en-US" dirty="0" smtClean="0"/>
-              <a:t>Process data</a:t>
-            </a:r>
-          </a:p>
-          <a:p>
-            <a:pPr lvl="1"/>
-            <a:r>
-              <a:rPr lang="en-US" dirty="0" smtClean="0"/>
-              <a:t>Visualize data</a:t>
-            </a:r>
-          </a:p>
-          <a:p>
-            <a:pPr lvl="1"/>
-            <a:r>
-              <a:rPr lang="en-US" dirty="0" smtClean="0"/>
-              <a:t>Update data</a:t>
-            </a:r>
-          </a:p>
-          <a:p>
-            <a:pPr lvl="1"/>
             <a:endParaRPr lang="en-US" dirty="0"/>
           </a:p>
         </p:txBody>
@@ -6310,7 +6281,7 @@
             </a:pPr>
             <a:fld id="{E213AF71-F760-4AA3-87B2-C2FBB7A81BCA}" type="datetime1">
               <a:rPr lang="fr-FR" smtClean="0"/>
-              <a:t>22/09/2014</a:t>
+              <a:t>23/09/2014</a:t>
             </a:fld>
             <a:endParaRPr lang="fr-FR" dirty="0"/>
           </a:p>
@@ -6368,436 +6339,892 @@
               <a:t>11</a:t>
             </a:fld>
             <a:r>
-              <a:rPr lang="fr-FR" smtClean="0"/>
+              <a:rPr lang="fr-FR" dirty="0" smtClean="0"/>
               <a:t>/</a:t>
             </a:r>
             <a:endParaRPr lang="fr-FR" dirty="0"/>
           </a:p>
         </p:txBody>
       </p:sp>
-      <p:sp>
-        <p:nvSpPr>
-          <p:cNvPr id="7" name="Espace réservé du contenu 2"/>
-          <p:cNvSpPr txBox="1">
-            <a:spLocks/>
-          </p:cNvSpPr>
+      <p:pic>
+        <p:nvPicPr>
+          <p:cNvPr id="37890" name="Picture 2"/>
+          <p:cNvPicPr>
+            <a:picLocks noChangeAspect="1" noChangeArrowheads="1"/>
+          </p:cNvPicPr>
           <p:nvPr/>
-        </p:nvSpPr>
-        <p:spPr>
+        </p:nvPicPr>
+        <p:blipFill>
+          <a:blip r:embed="rId2" cstate="print"/>
+          <a:srcRect/>
+          <a:stretch>
+            <a:fillRect/>
+          </a:stretch>
+        </p:blipFill>
+        <p:spPr bwMode="auto">
           <a:xfrm>
-            <a:off x="3247986" y="2357430"/>
-            <a:ext cx="5500726" cy="4618045"/>
+            <a:off x="0" y="2714620"/>
+            <a:ext cx="2357422" cy="2394743"/>
           </a:xfrm>
           <a:prstGeom prst="rect">
             <a:avLst/>
           </a:prstGeom>
+          <a:noFill/>
+          <a:ln w="9525">
+            <a:noFill/>
+            <a:miter lim="800000"/>
+            <a:headEnd/>
+            <a:tailEnd/>
+          </a:ln>
+          <a:effectLst/>
         </p:spPr>
-        <p:txBody>
-          <a:bodyPr vert="horz" lIns="91440" tIns="45720" rIns="91440" bIns="45720" rtlCol="0">
-            <a:normAutofit/>
+      </p:pic>
+      <p:sp>
+        <p:nvSpPr>
+          <p:cNvPr id="13" name="ZoneTexte 12"/>
+          <p:cNvSpPr txBox="1"/>
+          <p:nvPr/>
+        </p:nvSpPr>
+        <p:spPr>
+          <a:xfrm>
+            <a:off x="2500298" y="2214554"/>
+            <a:ext cx="1428760" cy="369332"/>
+          </a:xfrm>
+          <a:prstGeom prst="rect">
+            <a:avLst/>
+          </a:prstGeom>
+          <a:noFill/>
+        </p:spPr>
+        <p:txBody>
+          <a:bodyPr wrap="square" rtlCol="0">
+            <a:spAutoFit/>
           </a:bodyPr>
           <a:lstStyle/>
           <a:p>
-            <a:pPr marL="627063" marR="0" lvl="1" indent="-169863" algn="l" defTabSz="914400" rtl="0" eaLnBrk="0" fontAlgn="base" latinLnBrk="0" hangingPunct="0">
-              <a:lnSpc>
-                <a:spcPct val="100000"/>
-              </a:lnSpc>
-              <a:spcBef>
-                <a:spcPts val="1800"/>
-              </a:spcBef>
-              <a:spcAft>
-                <a:spcPct val="0"/>
-              </a:spcAft>
-              <a:buClr>
-                <a:srgbClr val="72797F"/>
-              </a:buClr>
-              <a:buSzTx/>
-              <a:tabLst/>
-              <a:defRPr/>
-            </a:pPr>
-            <a:r>
-              <a:rPr kumimoji="0" lang="en-US" sz="1800" b="0" i="0" u="none" strike="noStrike" kern="1200" cap="none" spc="0" normalizeH="0" baseline="0" noProof="0" dirty="0" smtClean="0">
-                <a:ln>
-                  <a:noFill/>
-                </a:ln>
-                <a:solidFill>
-                  <a:schemeClr val="tx1"/>
-                </a:solidFill>
-                <a:effectLst/>
-                <a:uLnTx/>
-                <a:uFillTx/>
-                <a:latin typeface="Arial" pitchFamily="34" charset="0"/>
-                <a:ea typeface="+mn-ea"/>
-                <a:cs typeface="Arial" pitchFamily="34" charset="0"/>
-              </a:rPr>
-              <a:t>Only 1 user at</a:t>
-            </a:r>
-            <a:r>
-              <a:rPr kumimoji="0" lang="en-US" sz="1800" b="0" i="0" u="none" strike="noStrike" kern="1200" cap="none" spc="0" normalizeH="0" noProof="0" dirty="0" smtClean="0">
-                <a:ln>
-                  <a:noFill/>
-                </a:ln>
-                <a:solidFill>
-                  <a:schemeClr val="tx1"/>
-                </a:solidFill>
-                <a:effectLst/>
-                <a:uLnTx/>
-                <a:uFillTx/>
-                <a:latin typeface="Arial" pitchFamily="34" charset="0"/>
-                <a:ea typeface="+mn-ea"/>
-                <a:cs typeface="Arial" pitchFamily="34" charset="0"/>
-              </a:rPr>
-              <a:t> a time</a:t>
-            </a:r>
-            <a:endParaRPr kumimoji="0" lang="en-US" sz="1800" b="0" i="0" u="none" strike="noStrike" kern="1200" cap="none" spc="0" normalizeH="0" baseline="0" noProof="0" dirty="0" smtClean="0">
-              <a:ln>
-                <a:noFill/>
-              </a:ln>
-              <a:solidFill>
-                <a:schemeClr val="tx1"/>
-              </a:solidFill>
-              <a:effectLst/>
-              <a:uLnTx/>
-              <a:uFillTx/>
-              <a:latin typeface="Arial" pitchFamily="34" charset="0"/>
-              <a:ea typeface="+mn-ea"/>
-              <a:cs typeface="Arial" pitchFamily="34" charset="0"/>
-            </a:endParaRPr>
-          </a:p>
-          <a:p>
-            <a:pPr marL="627063" marR="0" lvl="1" indent="-169863" algn="l" defTabSz="914400" rtl="0" eaLnBrk="0" fontAlgn="base" latinLnBrk="0" hangingPunct="0">
-              <a:lnSpc>
-                <a:spcPct val="100000"/>
-              </a:lnSpc>
-              <a:spcBef>
-                <a:spcPts val="1800"/>
-              </a:spcBef>
-              <a:spcAft>
-                <a:spcPct val="0"/>
-              </a:spcAft>
-              <a:buClr>
-                <a:srgbClr val="72797F"/>
-              </a:buClr>
-              <a:buSzTx/>
-              <a:tabLst/>
-              <a:defRPr/>
-            </a:pPr>
-            <a:r>
-              <a:rPr kumimoji="0" lang="en-US" sz="1800" b="0" i="0" u="none" strike="noStrike" kern="1200" cap="none" spc="0" normalizeH="0" baseline="0" noProof="0" dirty="0" smtClean="0">
-                <a:ln>
-                  <a:noFill/>
-                </a:ln>
-                <a:solidFill>
-                  <a:schemeClr val="tx1"/>
-                </a:solidFill>
-                <a:effectLst/>
-                <a:uLnTx/>
-                <a:uFillTx/>
-                <a:latin typeface="Arial" pitchFamily="34" charset="0"/>
-                <a:ea typeface="+mn-ea"/>
-                <a:cs typeface="Arial" pitchFamily="34" charset="0"/>
-              </a:rPr>
-              <a:t>Need to choose a File structure adapted to one and only one query type</a:t>
-            </a:r>
-            <a:br>
-              <a:rPr kumimoji="0" lang="en-US" sz="1800" b="0" i="0" u="none" strike="noStrike" kern="1200" cap="none" spc="0" normalizeH="0" baseline="0" noProof="0" dirty="0" smtClean="0">
-                <a:ln>
-                  <a:noFill/>
-                </a:ln>
-                <a:solidFill>
-                  <a:schemeClr val="tx1"/>
-                </a:solidFill>
-                <a:effectLst/>
-                <a:uLnTx/>
-                <a:uFillTx/>
-                <a:latin typeface="Arial" pitchFamily="34" charset="0"/>
-                <a:ea typeface="+mn-ea"/>
-                <a:cs typeface="Arial" pitchFamily="34" charset="0"/>
-              </a:rPr>
-            </a:br>
-            <a:r>
-              <a:rPr kumimoji="0" lang="en-US" sz="1800" b="0" i="0" u="none" strike="noStrike" kern="1200" cap="none" spc="0" normalizeH="0" baseline="0" noProof="0" dirty="0" smtClean="0">
-                <a:ln>
-                  <a:noFill/>
-                </a:ln>
-                <a:solidFill>
-                  <a:schemeClr val="tx1"/>
-                </a:solidFill>
-                <a:effectLst/>
-                <a:uLnTx/>
-                <a:uFillTx/>
-                <a:latin typeface="Arial" pitchFamily="34" charset="0"/>
-                <a:ea typeface="+mn-ea"/>
-                <a:cs typeface="Arial" pitchFamily="34" charset="0"/>
-              </a:rPr>
-              <a:t> </a:t>
-            </a:r>
-            <a:br>
-              <a:rPr kumimoji="0" lang="en-US" sz="1800" b="0" i="0" u="none" strike="noStrike" kern="1200" cap="none" spc="0" normalizeH="0" baseline="0" noProof="0" dirty="0" smtClean="0">
-                <a:ln>
-                  <a:noFill/>
-                </a:ln>
-                <a:solidFill>
-                  <a:schemeClr val="tx1"/>
-                </a:solidFill>
-                <a:effectLst/>
-                <a:uLnTx/>
-                <a:uFillTx/>
-                <a:latin typeface="Arial" pitchFamily="34" charset="0"/>
-                <a:ea typeface="+mn-ea"/>
-                <a:cs typeface="Arial" pitchFamily="34" charset="0"/>
-              </a:rPr>
-            </a:br>
-            <a:r>
-              <a:rPr kumimoji="0" lang="en-US" sz="1800" b="0" i="0" u="none" strike="noStrike" kern="1200" cap="none" spc="0" normalizeH="0" baseline="0" noProof="0" dirty="0" smtClean="0">
-                <a:ln>
-                  <a:noFill/>
-                </a:ln>
-                <a:solidFill>
-                  <a:schemeClr val="tx1"/>
-                </a:solidFill>
-                <a:effectLst/>
-                <a:uLnTx/>
-                <a:uFillTx/>
-                <a:latin typeface="Arial" pitchFamily="34" charset="0"/>
-                <a:ea typeface="+mn-ea"/>
-                <a:cs typeface="Arial" pitchFamily="34" charset="0"/>
-              </a:rPr>
-              <a:t> </a:t>
-            </a:r>
-          </a:p>
-          <a:p>
-            <a:pPr marL="627063" marR="0" lvl="1" indent="-169863" algn="l" defTabSz="914400" rtl="0" eaLnBrk="0" fontAlgn="base" latinLnBrk="0" hangingPunct="0">
-              <a:lnSpc>
-                <a:spcPct val="100000"/>
-              </a:lnSpc>
-              <a:spcBef>
-                <a:spcPts val="1800"/>
-              </a:spcBef>
-              <a:spcAft>
-                <a:spcPct val="0"/>
-              </a:spcAft>
-              <a:buClr>
-                <a:srgbClr val="72797F"/>
-              </a:buClr>
-              <a:buSzTx/>
-              <a:tabLst/>
-              <a:defRPr/>
-            </a:pPr>
-            <a:r>
-              <a:rPr kumimoji="0" lang="en-US" sz="1800" b="0" i="0" u="none" strike="noStrike" kern="1200" cap="none" spc="0" normalizeH="0" baseline="0" noProof="0" dirty="0" smtClean="0">
-                <a:ln>
-                  <a:noFill/>
-                </a:ln>
-                <a:solidFill>
-                  <a:schemeClr val="tx1"/>
-                </a:solidFill>
-                <a:effectLst/>
-                <a:uLnTx/>
-                <a:uFillTx/>
-                <a:latin typeface="Arial" pitchFamily="34" charset="0"/>
-                <a:ea typeface="+mn-ea"/>
-                <a:cs typeface="Arial" pitchFamily="34" charset="0"/>
-              </a:rPr>
-              <a:t>Very difficult</a:t>
-            </a:r>
-          </a:p>
-          <a:p>
-            <a:pPr marL="627063" marR="0" lvl="1" indent="-169863" algn="l" defTabSz="914400" rtl="0" eaLnBrk="0" fontAlgn="base" latinLnBrk="0" hangingPunct="0">
-              <a:lnSpc>
-                <a:spcPct val="100000"/>
-              </a:lnSpc>
-              <a:spcBef>
-                <a:spcPts val="1800"/>
-              </a:spcBef>
-              <a:spcAft>
-                <a:spcPct val="0"/>
-              </a:spcAft>
-              <a:buClr>
-                <a:srgbClr val="72797F"/>
-              </a:buClr>
-              <a:buSzTx/>
-              <a:tabLst/>
-              <a:defRPr/>
-            </a:pPr>
-            <a:r>
-              <a:rPr kumimoji="0" lang="en-US" sz="1800" b="0" i="0" u="none" strike="noStrike" kern="1200" cap="none" spc="0" normalizeH="0" baseline="0" noProof="0" dirty="0" smtClean="0">
-                <a:ln>
-                  <a:noFill/>
-                </a:ln>
-                <a:solidFill>
-                  <a:schemeClr val="tx1"/>
-                </a:solidFill>
-                <a:effectLst/>
-                <a:uLnTx/>
-                <a:uFillTx/>
-                <a:latin typeface="Arial" pitchFamily="34" charset="0"/>
-                <a:ea typeface="+mn-ea"/>
-                <a:cs typeface="Arial" pitchFamily="34" charset="0"/>
-              </a:rPr>
-              <a:t>OK</a:t>
-            </a:r>
-          </a:p>
-          <a:p>
-            <a:pPr marL="627063" marR="0" lvl="1" indent="-169863" algn="l" defTabSz="914400" rtl="0" eaLnBrk="0" fontAlgn="base" latinLnBrk="0" hangingPunct="0">
-              <a:lnSpc>
-                <a:spcPct val="100000"/>
-              </a:lnSpc>
-              <a:spcBef>
-                <a:spcPts val="1800"/>
-              </a:spcBef>
-              <a:spcAft>
-                <a:spcPct val="0"/>
-              </a:spcAft>
-              <a:buClr>
-                <a:srgbClr val="72797F"/>
-              </a:buClr>
-              <a:buSzTx/>
-              <a:tabLst/>
-              <a:defRPr/>
-            </a:pPr>
-            <a:r>
-              <a:rPr kumimoji="0" lang="en-US" sz="1800" b="0" i="0" u="none" strike="noStrike" kern="1200" cap="none" spc="0" normalizeH="0" baseline="0" noProof="0" dirty="0" smtClean="0">
-                <a:ln>
-                  <a:noFill/>
-                </a:ln>
-                <a:solidFill>
-                  <a:schemeClr val="tx1"/>
-                </a:solidFill>
-                <a:effectLst/>
-                <a:uLnTx/>
-                <a:uFillTx/>
-                <a:latin typeface="Arial" pitchFamily="34" charset="0"/>
-                <a:ea typeface="+mn-ea"/>
-                <a:cs typeface="Arial" pitchFamily="34" charset="0"/>
-              </a:rPr>
-              <a:t>User need to create manually buffers of</a:t>
-            </a:r>
-            <a:r>
-              <a:rPr kumimoji="0" lang="en-US" sz="1800" b="0" i="0" u="none" strike="noStrike" kern="1200" cap="none" spc="0" normalizeH="0" noProof="0" dirty="0" smtClean="0">
-                <a:ln>
-                  <a:noFill/>
-                </a:ln>
-                <a:solidFill>
-                  <a:schemeClr val="tx1"/>
-                </a:solidFill>
-                <a:effectLst/>
-                <a:uLnTx/>
-                <a:uFillTx/>
-                <a:latin typeface="Arial" pitchFamily="34" charset="0"/>
-                <a:ea typeface="+mn-ea"/>
-                <a:cs typeface="Arial" pitchFamily="34" charset="0"/>
-              </a:rPr>
-              <a:t> points</a:t>
-            </a:r>
-            <a:endParaRPr kumimoji="0" lang="en-US" sz="1800" b="0" i="0" u="none" strike="noStrike" kern="1200" cap="none" spc="0" normalizeH="0" baseline="0" noProof="0" dirty="0" smtClean="0">
-              <a:ln>
-                <a:noFill/>
-              </a:ln>
-              <a:solidFill>
-                <a:schemeClr val="tx1"/>
-              </a:solidFill>
-              <a:effectLst/>
-              <a:uLnTx/>
-              <a:uFillTx/>
-              <a:latin typeface="Arial" pitchFamily="34" charset="0"/>
-              <a:ea typeface="+mn-ea"/>
-              <a:cs typeface="Arial" pitchFamily="34" charset="0"/>
-            </a:endParaRPr>
-          </a:p>
-          <a:p>
-            <a:pPr marL="627063" marR="0" lvl="1" indent="-169863" algn="l" defTabSz="914400" rtl="0" eaLnBrk="0" fontAlgn="base" latinLnBrk="0" hangingPunct="0">
-              <a:lnSpc>
-                <a:spcPct val="100000"/>
-              </a:lnSpc>
-              <a:spcBef>
-                <a:spcPts val="1800"/>
-              </a:spcBef>
-              <a:spcAft>
-                <a:spcPct val="0"/>
-              </a:spcAft>
-              <a:buClr>
-                <a:srgbClr val="72797F"/>
-              </a:buClr>
-              <a:buSzTx/>
-              <a:tabLst/>
-              <a:defRPr/>
-            </a:pPr>
-            <a:r>
-              <a:rPr kumimoji="0" lang="en-US" sz="1800" b="0" i="0" u="none" strike="noStrike" kern="1200" cap="none" spc="0" normalizeH="0" baseline="0" noProof="0" dirty="0" smtClean="0">
-                <a:ln>
-                  <a:noFill/>
-                </a:ln>
-                <a:solidFill>
-                  <a:schemeClr val="tx1"/>
-                </a:solidFill>
-                <a:effectLst/>
-                <a:uLnTx/>
-                <a:uFillTx/>
-                <a:latin typeface="Arial" pitchFamily="34" charset="0"/>
-                <a:ea typeface="+mn-ea"/>
-                <a:cs typeface="Arial" pitchFamily="34" charset="0"/>
-              </a:rPr>
-              <a:t>OK</a:t>
-            </a:r>
-          </a:p>
-          <a:p>
-            <a:pPr marL="627063" lvl="1" indent="-169863" eaLnBrk="0" hangingPunct="0">
-              <a:spcBef>
-                <a:spcPts val="1800"/>
-              </a:spcBef>
-              <a:buClr>
-                <a:srgbClr val="72797F"/>
-              </a:buClr>
-              <a:defRPr/>
-            </a:pPr>
-            <a:r>
-              <a:rPr lang="en-US" dirty="0" smtClean="0">
-                <a:latin typeface="Arial" pitchFamily="34" charset="0"/>
-                <a:cs typeface="Arial" pitchFamily="34" charset="0"/>
-              </a:rPr>
-              <a:t>Only </a:t>
-            </a:r>
-            <a:r>
-              <a:rPr lang="en-US" dirty="0" smtClean="0">
-                <a:latin typeface="Arial" pitchFamily="34" charset="0"/>
-                <a:cs typeface="Arial" pitchFamily="34" charset="0"/>
-              </a:rPr>
-              <a:t>1 user at a time</a:t>
-            </a:r>
-          </a:p>
-          <a:p>
-            <a:pPr marL="627063" marR="0" lvl="1" indent="-169863" algn="l" defTabSz="914400" rtl="0" eaLnBrk="0" fontAlgn="base" latinLnBrk="0" hangingPunct="0">
-              <a:lnSpc>
-                <a:spcPct val="100000"/>
-              </a:lnSpc>
-              <a:spcBef>
-                <a:spcPts val="1800"/>
-              </a:spcBef>
-              <a:spcAft>
-                <a:spcPct val="0"/>
-              </a:spcAft>
-              <a:buClr>
-                <a:srgbClr val="72797F"/>
-              </a:buClr>
-              <a:buSzTx/>
-              <a:tabLst/>
-              <a:defRPr/>
-            </a:pPr>
-            <a:endParaRPr kumimoji="0" lang="en-US" sz="1800" b="0" i="0" u="none" strike="noStrike" kern="1200" cap="none" spc="0" normalizeH="0" baseline="0" noProof="0" dirty="0">
-              <a:ln>
-                <a:noFill/>
-              </a:ln>
-              <a:solidFill>
-                <a:schemeClr val="tx1"/>
-              </a:solidFill>
-              <a:effectLst/>
-              <a:uLnTx/>
-              <a:uFillTx/>
-              <a:latin typeface="Arial" pitchFamily="34" charset="0"/>
-              <a:ea typeface="+mn-ea"/>
-              <a:cs typeface="Arial" pitchFamily="34" charset="0"/>
-            </a:endParaRPr>
+            <a:r>
+              <a:rPr lang="en-US" dirty="0" smtClean="0"/>
+              <a:t>F</a:t>
+            </a:r>
+            <a:r>
+              <a:rPr lang="en-US" dirty="0" smtClean="0"/>
+              <a:t>older</a:t>
+            </a:r>
+            <a:endParaRPr lang="en-US" dirty="0"/>
+          </a:p>
+        </p:txBody>
+      </p:sp>
+      <p:sp>
+        <p:nvSpPr>
+          <p:cNvPr id="15" name="ZoneTexte 14"/>
+          <p:cNvSpPr txBox="1"/>
+          <p:nvPr/>
+        </p:nvSpPr>
+        <p:spPr>
+          <a:xfrm>
+            <a:off x="785786" y="2214554"/>
+            <a:ext cx="1428760" cy="369332"/>
+          </a:xfrm>
+          <a:prstGeom prst="rect">
+            <a:avLst/>
+          </a:prstGeom>
+          <a:noFill/>
+        </p:spPr>
+        <p:txBody>
+          <a:bodyPr wrap="square" rtlCol="0">
+            <a:spAutoFit/>
+          </a:bodyPr>
+          <a:lstStyle/>
+          <a:p>
+            <a:r>
+              <a:rPr lang="en-US" dirty="0" smtClean="0"/>
+              <a:t>Coverage </a:t>
+            </a:r>
+            <a:endParaRPr lang="en-US" dirty="0"/>
+          </a:p>
+        </p:txBody>
+      </p:sp>
+      <p:sp>
+        <p:nvSpPr>
+          <p:cNvPr id="16" name="ZoneTexte 15"/>
+          <p:cNvSpPr txBox="1"/>
+          <p:nvPr/>
+        </p:nvSpPr>
+        <p:spPr>
+          <a:xfrm>
+            <a:off x="2025633" y="2714620"/>
+            <a:ext cx="1785950" cy="369332"/>
+          </a:xfrm>
+          <a:prstGeom prst="rect">
+            <a:avLst/>
+          </a:prstGeom>
+          <a:noFill/>
+        </p:spPr>
+        <p:txBody>
+          <a:bodyPr wrap="square" rtlCol="0">
+            <a:spAutoFit/>
+          </a:bodyPr>
+          <a:lstStyle/>
+          <a:p>
+            <a:pPr algn="ctr"/>
+            <a:r>
+              <a:rPr lang="en-US" dirty="0" smtClean="0"/>
+              <a:t>/s1</a:t>
+            </a:r>
+            <a:endParaRPr lang="en-US" dirty="0"/>
+          </a:p>
+        </p:txBody>
+      </p:sp>
+      <p:sp>
+        <p:nvSpPr>
+          <p:cNvPr id="17" name="ZoneTexte 16"/>
+          <p:cNvSpPr txBox="1"/>
+          <p:nvPr/>
+        </p:nvSpPr>
+        <p:spPr>
+          <a:xfrm>
+            <a:off x="2000232" y="3679750"/>
+            <a:ext cx="1857388" cy="369332"/>
+          </a:xfrm>
+          <a:prstGeom prst="rect">
+            <a:avLst/>
+          </a:prstGeom>
+          <a:noFill/>
+        </p:spPr>
+        <p:txBody>
+          <a:bodyPr wrap="square" rtlCol="0">
+            <a:spAutoFit/>
+          </a:bodyPr>
+          <a:lstStyle/>
+          <a:p>
+            <a:pPr algn="ctr"/>
+            <a:r>
+              <a:rPr lang="en-US" dirty="0" smtClean="0"/>
+              <a:t>/s1/s1..4</a:t>
+            </a:r>
+            <a:endParaRPr lang="en-US" dirty="0"/>
+          </a:p>
+        </p:txBody>
+      </p:sp>
+      <p:sp>
+        <p:nvSpPr>
+          <p:cNvPr id="18" name="ZoneTexte 17"/>
+          <p:cNvSpPr txBox="1"/>
+          <p:nvPr/>
+        </p:nvSpPr>
+        <p:spPr>
+          <a:xfrm>
+            <a:off x="2000232" y="4572008"/>
+            <a:ext cx="1857388" cy="369332"/>
+          </a:xfrm>
+          <a:prstGeom prst="rect">
+            <a:avLst/>
+          </a:prstGeom>
+          <a:noFill/>
+        </p:spPr>
+        <p:txBody>
+          <a:bodyPr wrap="square" rtlCol="0">
+            <a:spAutoFit/>
+          </a:bodyPr>
+          <a:lstStyle/>
+          <a:p>
+            <a:pPr algn="ctr"/>
+            <a:r>
+              <a:rPr lang="en-US" dirty="0" smtClean="0"/>
+              <a:t>/s1/s1..4/s1..4</a:t>
+            </a:r>
+            <a:endParaRPr lang="en-US" dirty="0"/>
+          </a:p>
+        </p:txBody>
+      </p:sp>
+      <p:sp>
+        <p:nvSpPr>
+          <p:cNvPr id="19" name="ZoneTexte 18"/>
+          <p:cNvSpPr txBox="1"/>
+          <p:nvPr/>
+        </p:nvSpPr>
+        <p:spPr>
+          <a:xfrm>
+            <a:off x="3786182" y="2143116"/>
+            <a:ext cx="1000132" cy="646331"/>
+          </a:xfrm>
+          <a:prstGeom prst="rect">
+            <a:avLst/>
+          </a:prstGeom>
+          <a:noFill/>
+        </p:spPr>
+        <p:txBody>
+          <a:bodyPr wrap="square" rtlCol="0">
+            <a:spAutoFit/>
+          </a:bodyPr>
+          <a:lstStyle/>
+          <a:p>
+            <a:r>
+              <a:rPr lang="en-US" dirty="0" smtClean="0"/>
+              <a:t>Folder </a:t>
+            </a:r>
+          </a:p>
+          <a:p>
+            <a:r>
+              <a:rPr lang="en-US" dirty="0" smtClean="0"/>
+              <a:t>number</a:t>
+            </a:r>
+            <a:endParaRPr lang="en-US" dirty="0"/>
+          </a:p>
+        </p:txBody>
+      </p:sp>
+      <p:sp>
+        <p:nvSpPr>
+          <p:cNvPr id="21" name="ZoneTexte 20"/>
+          <p:cNvSpPr txBox="1"/>
+          <p:nvPr/>
+        </p:nvSpPr>
+        <p:spPr>
+          <a:xfrm>
+            <a:off x="3240079" y="2714620"/>
+            <a:ext cx="1785950" cy="369332"/>
+          </a:xfrm>
+          <a:prstGeom prst="rect">
+            <a:avLst/>
+          </a:prstGeom>
+          <a:noFill/>
+        </p:spPr>
+        <p:txBody>
+          <a:bodyPr wrap="square" rtlCol="0">
+            <a:spAutoFit/>
+          </a:bodyPr>
+          <a:lstStyle/>
+          <a:p>
+            <a:pPr algn="ctr"/>
+            <a:r>
+              <a:rPr lang="en-US" dirty="0" smtClean="0"/>
+              <a:t>4</a:t>
+            </a:r>
+            <a:r>
+              <a:rPr lang="en-US" baseline="30000" dirty="0" smtClean="0"/>
+              <a:t>0</a:t>
+            </a:r>
+            <a:endParaRPr lang="en-US" baseline="30000" dirty="0"/>
+          </a:p>
+        </p:txBody>
+      </p:sp>
+      <p:sp>
+        <p:nvSpPr>
+          <p:cNvPr id="22" name="ZoneTexte 21"/>
+          <p:cNvSpPr txBox="1"/>
+          <p:nvPr/>
+        </p:nvSpPr>
+        <p:spPr>
+          <a:xfrm>
+            <a:off x="3857620" y="3672130"/>
+            <a:ext cx="571504" cy="369332"/>
+          </a:xfrm>
+          <a:prstGeom prst="rect">
+            <a:avLst/>
+          </a:prstGeom>
+          <a:noFill/>
+        </p:spPr>
+        <p:txBody>
+          <a:bodyPr wrap="square" rtlCol="0">
+            <a:spAutoFit/>
+          </a:bodyPr>
+          <a:lstStyle/>
+          <a:p>
+            <a:pPr algn="ctr"/>
+            <a:r>
+              <a:rPr lang="en-US" dirty="0" smtClean="0"/>
+              <a:t>4</a:t>
+            </a:r>
+            <a:r>
+              <a:rPr lang="en-US" baseline="30000" dirty="0" smtClean="0"/>
+              <a:t>1</a:t>
+            </a:r>
+            <a:endParaRPr lang="en-US" baseline="30000" dirty="0"/>
+          </a:p>
+        </p:txBody>
+      </p:sp>
+      <p:sp>
+        <p:nvSpPr>
+          <p:cNvPr id="23" name="ZoneTexte 22"/>
+          <p:cNvSpPr txBox="1"/>
+          <p:nvPr/>
+        </p:nvSpPr>
+        <p:spPr>
+          <a:xfrm>
+            <a:off x="3786182" y="4572008"/>
+            <a:ext cx="714380" cy="369332"/>
+          </a:xfrm>
+          <a:prstGeom prst="rect">
+            <a:avLst/>
+          </a:prstGeom>
+          <a:noFill/>
+        </p:spPr>
+        <p:txBody>
+          <a:bodyPr wrap="square" rtlCol="0">
+            <a:spAutoFit/>
+          </a:bodyPr>
+          <a:lstStyle/>
+          <a:p>
+            <a:pPr algn="ctr"/>
+            <a:r>
+              <a:rPr lang="en-US" dirty="0" smtClean="0"/>
+              <a:t>4</a:t>
+            </a:r>
+            <a:r>
+              <a:rPr lang="en-US" baseline="30000" dirty="0" smtClean="0"/>
+              <a:t>2</a:t>
+            </a:r>
+            <a:endParaRPr lang="en-US" baseline="30000" dirty="0"/>
+          </a:p>
+        </p:txBody>
+      </p:sp>
+      <p:sp>
+        <p:nvSpPr>
+          <p:cNvPr id="25" name="ZoneTexte 24"/>
+          <p:cNvSpPr txBox="1"/>
+          <p:nvPr/>
+        </p:nvSpPr>
+        <p:spPr>
+          <a:xfrm>
+            <a:off x="6500794" y="2357430"/>
+            <a:ext cx="2928990" cy="2585323"/>
+          </a:xfrm>
+          <a:prstGeom prst="rect">
+            <a:avLst/>
+          </a:prstGeom>
+          <a:noFill/>
+        </p:spPr>
+        <p:txBody>
+          <a:bodyPr wrap="square" rtlCol="0">
+            <a:spAutoFit/>
+          </a:bodyPr>
+          <a:lstStyle/>
+          <a:p>
+            <a:r>
+              <a:rPr lang="en-US" sz="1200" dirty="0" smtClean="0"/>
+              <a:t> 0    </a:t>
+            </a:r>
+            <a:r>
+              <a:rPr lang="en-US" sz="1200" dirty="0" smtClean="0"/>
+              <a:t>                 </a:t>
+            </a:r>
+            <a:r>
+              <a:rPr lang="en-US" sz="1200" dirty="0" smtClean="0"/>
+              <a:t>1      </a:t>
+            </a:r>
+            <a:r>
+              <a:rPr lang="en-US" sz="1200" dirty="0" smtClean="0"/>
+              <a:t>                 </a:t>
+            </a:r>
+            <a:r>
+              <a:rPr lang="en-US" sz="1200" dirty="0" smtClean="0"/>
+              <a:t>1</a:t>
+            </a:r>
+          </a:p>
+          <a:p>
+            <a:r>
+              <a:rPr lang="en-US" sz="1200" dirty="0" smtClean="0"/>
+              <a:t> 1   </a:t>
+            </a:r>
+            <a:r>
+              <a:rPr lang="en-US" sz="1200" dirty="0" smtClean="0"/>
+              <a:t>                  </a:t>
+            </a:r>
+            <a:r>
+              <a:rPr lang="en-US" sz="1200" dirty="0" smtClean="0"/>
+              <a:t>4        </a:t>
+            </a:r>
+            <a:r>
+              <a:rPr lang="en-US" sz="1200" dirty="0" smtClean="0"/>
+              <a:t>               </a:t>
+            </a:r>
+            <a:r>
+              <a:rPr lang="en-US" sz="1200" dirty="0" smtClean="0"/>
+              <a:t>5</a:t>
+            </a:r>
+          </a:p>
+          <a:p>
+            <a:r>
+              <a:rPr lang="en-US" sz="1200" dirty="0" smtClean="0"/>
+              <a:t> 2     </a:t>
+            </a:r>
+            <a:r>
+              <a:rPr lang="en-US" sz="1200" dirty="0" smtClean="0"/>
+              <a:t>               </a:t>
+            </a:r>
+            <a:r>
+              <a:rPr lang="en-US" sz="1200" dirty="0" smtClean="0"/>
+              <a:t>16     </a:t>
+            </a:r>
+            <a:r>
+              <a:rPr lang="en-US" sz="1200" dirty="0" smtClean="0"/>
+              <a:t>                </a:t>
+            </a:r>
+            <a:r>
+              <a:rPr lang="en-US" sz="1200" dirty="0" smtClean="0"/>
+              <a:t>21</a:t>
+            </a:r>
+          </a:p>
+          <a:p>
+            <a:r>
+              <a:rPr lang="en-US" sz="1200" dirty="0" smtClean="0"/>
+              <a:t> 3    </a:t>
+            </a:r>
+            <a:r>
+              <a:rPr lang="en-US" sz="1200" dirty="0" smtClean="0"/>
+              <a:t>                 </a:t>
+            </a:r>
+            <a:r>
+              <a:rPr lang="en-US" sz="1200" dirty="0" smtClean="0"/>
+              <a:t>64    </a:t>
+            </a:r>
+            <a:r>
+              <a:rPr lang="en-US" sz="1200" dirty="0" smtClean="0"/>
+              <a:t>                </a:t>
+            </a:r>
+            <a:r>
+              <a:rPr lang="en-US" sz="1200" dirty="0" smtClean="0"/>
+              <a:t>85</a:t>
+            </a:r>
+          </a:p>
+          <a:p>
+            <a:r>
+              <a:rPr lang="en-US" sz="1200" dirty="0" smtClean="0"/>
+              <a:t> 4  </a:t>
+            </a:r>
+            <a:r>
+              <a:rPr lang="en-US" sz="1200" dirty="0" smtClean="0"/>
+              <a:t>             </a:t>
+            </a:r>
+            <a:r>
+              <a:rPr lang="en-US" sz="1200" dirty="0" smtClean="0"/>
+              <a:t>2.6e+02    </a:t>
+            </a:r>
+            <a:r>
+              <a:rPr lang="en-US" sz="1200" dirty="0" smtClean="0"/>
+              <a:t>       3.4e+02</a:t>
+            </a:r>
+            <a:endParaRPr lang="en-US" sz="1200" dirty="0" smtClean="0"/>
+          </a:p>
+          <a:p>
+            <a:r>
+              <a:rPr lang="en-US" sz="1200" dirty="0" smtClean="0"/>
+              <a:t> 5      </a:t>
+            </a:r>
+            <a:r>
+              <a:rPr lang="en-US" sz="1200" dirty="0" smtClean="0"/>
+              <a:t>         1e+03              </a:t>
+            </a:r>
+            <a:r>
+              <a:rPr lang="en-US" sz="1200" dirty="0" smtClean="0"/>
+              <a:t>1.4e+03</a:t>
+            </a:r>
+          </a:p>
+          <a:p>
+            <a:r>
+              <a:rPr lang="en-US" sz="1200" dirty="0" smtClean="0"/>
+              <a:t> 6 </a:t>
+            </a:r>
+            <a:r>
+              <a:rPr lang="en-US" sz="1200" dirty="0" smtClean="0"/>
+              <a:t>              </a:t>
+            </a:r>
+            <a:r>
+              <a:rPr lang="en-US" sz="1200" dirty="0" smtClean="0"/>
+              <a:t>4.1e+03 </a:t>
+            </a:r>
+            <a:r>
+              <a:rPr lang="en-US" sz="1200" dirty="0" smtClean="0"/>
+              <a:t>          </a:t>
+            </a:r>
+            <a:r>
+              <a:rPr lang="en-US" sz="1200" dirty="0" smtClean="0"/>
+              <a:t>5.5e+03</a:t>
+            </a:r>
+          </a:p>
+          <a:p>
+            <a:r>
+              <a:rPr lang="en-US" sz="1200" dirty="0" smtClean="0"/>
+              <a:t> 7    </a:t>
+            </a:r>
+            <a:r>
+              <a:rPr lang="en-US" sz="1200" dirty="0" smtClean="0"/>
+              <a:t>           1.6e+04           </a:t>
+            </a:r>
+            <a:r>
+              <a:rPr lang="en-US" sz="1200" dirty="0" smtClean="0"/>
+              <a:t>2.2e+04</a:t>
+            </a:r>
+          </a:p>
+          <a:p>
+            <a:r>
+              <a:rPr lang="en-US" sz="1200" dirty="0" smtClean="0"/>
+              <a:t> 8    </a:t>
+            </a:r>
+            <a:r>
+              <a:rPr lang="en-US" sz="1200" dirty="0" smtClean="0"/>
+              <a:t>           6.6e+04           </a:t>
+            </a:r>
+            <a:r>
+              <a:rPr lang="en-US" sz="1200" dirty="0" smtClean="0"/>
+              <a:t>8.7e+04</a:t>
+            </a:r>
+          </a:p>
+          <a:p>
+            <a:r>
+              <a:rPr lang="en-US" sz="1200" dirty="0" smtClean="0"/>
+              <a:t> 9    </a:t>
+            </a:r>
+            <a:r>
+              <a:rPr lang="en-US" sz="1200" dirty="0" smtClean="0"/>
+              <a:t>           2.6e+05           </a:t>
+            </a:r>
+            <a:r>
+              <a:rPr lang="en-US" sz="1200" dirty="0" smtClean="0"/>
+              <a:t>3.5e+05</a:t>
+            </a:r>
+          </a:p>
+          <a:p>
+            <a:r>
+              <a:rPr lang="en-US" sz="1200" dirty="0" smtClean="0"/>
+              <a:t>10    </a:t>
+            </a:r>
+            <a:r>
+              <a:rPr lang="en-US" sz="1200" dirty="0" smtClean="0"/>
+              <a:t>          </a:t>
+            </a:r>
+            <a:r>
+              <a:rPr lang="en-US" sz="1200" dirty="0" smtClean="0"/>
+              <a:t>1e+06   </a:t>
+            </a:r>
+            <a:r>
+              <a:rPr lang="en-US" sz="1200" dirty="0" smtClean="0"/>
+              <a:t>           </a:t>
+            </a:r>
+            <a:r>
+              <a:rPr lang="en-US" sz="1200" dirty="0" smtClean="0"/>
+              <a:t>1.4e+06</a:t>
+            </a:r>
+          </a:p>
+          <a:p>
+            <a:r>
+              <a:rPr lang="en-US" sz="1200" dirty="0" smtClean="0"/>
+              <a:t>11    </a:t>
+            </a:r>
+            <a:r>
+              <a:rPr lang="en-US" sz="1200" dirty="0" smtClean="0"/>
+              <a:t>          4.2e+06           </a:t>
+            </a:r>
+            <a:r>
+              <a:rPr lang="en-US" sz="1200" dirty="0" smtClean="0"/>
+              <a:t>5.6e+06</a:t>
+            </a:r>
+          </a:p>
+          <a:p>
+            <a:r>
+              <a:rPr lang="en-US" dirty="0" smtClean="0"/>
+              <a:t>12    </a:t>
+            </a:r>
+            <a:r>
+              <a:rPr lang="en-US" dirty="0" smtClean="0"/>
+              <a:t>  1.7e+07    2.2e+07</a:t>
+            </a:r>
+            <a:endParaRPr lang="en-US" dirty="0" smtClean="0"/>
+          </a:p>
+        </p:txBody>
+      </p:sp>
+      <p:sp>
+        <p:nvSpPr>
+          <p:cNvPr id="26" name="ZoneTexte 25"/>
+          <p:cNvSpPr txBox="1"/>
+          <p:nvPr/>
+        </p:nvSpPr>
+        <p:spPr>
+          <a:xfrm>
+            <a:off x="6572264" y="2000240"/>
+            <a:ext cx="2786050" cy="369332"/>
+          </a:xfrm>
+          <a:prstGeom prst="rect">
+            <a:avLst/>
+          </a:prstGeom>
+          <a:noFill/>
+        </p:spPr>
+        <p:txBody>
+          <a:bodyPr wrap="square" rtlCol="0">
+            <a:spAutoFit/>
+          </a:bodyPr>
+          <a:lstStyle/>
+          <a:p>
+            <a:r>
+              <a:rPr lang="en-US" dirty="0" smtClean="0"/>
+              <a:t>Level  folder  </a:t>
+            </a:r>
+            <a:r>
+              <a:rPr lang="en-US" dirty="0" err="1" smtClean="0"/>
+              <a:t>cum_folder</a:t>
+            </a:r>
+            <a:endParaRPr lang="en-US" baseline="30000" dirty="0"/>
+          </a:p>
+        </p:txBody>
+      </p:sp>
+      <p:cxnSp>
+        <p:nvCxnSpPr>
+          <p:cNvPr id="29" name="Connecteur droit avec flèche 28"/>
+          <p:cNvCxnSpPr/>
+          <p:nvPr/>
+        </p:nvCxnSpPr>
+        <p:spPr>
+          <a:xfrm flipV="1">
+            <a:off x="5357818" y="4929198"/>
+            <a:ext cx="1143008" cy="500066"/>
+          </a:xfrm>
+          <a:prstGeom prst="straightConnector1">
+            <a:avLst/>
+          </a:prstGeom>
+          <a:ln w="57150">
+            <a:tailEnd type="arrow"/>
+          </a:ln>
+        </p:spPr>
+        <p:style>
+          <a:lnRef idx="1">
+            <a:schemeClr val="accent2"/>
+          </a:lnRef>
+          <a:fillRef idx="0">
+            <a:schemeClr val="accent2"/>
+          </a:fillRef>
+          <a:effectRef idx="0">
+            <a:schemeClr val="accent2"/>
+          </a:effectRef>
+          <a:fontRef idx="minor">
+            <a:schemeClr val="tx1"/>
+          </a:fontRef>
+        </p:style>
+      </p:cxnSp>
+      <p:grpSp>
+        <p:nvGrpSpPr>
+          <p:cNvPr id="32" name="Groupe 31"/>
+          <p:cNvGrpSpPr/>
+          <p:nvPr/>
+        </p:nvGrpSpPr>
+        <p:grpSpPr>
+          <a:xfrm>
+            <a:off x="3500430" y="5357826"/>
+            <a:ext cx="1857388" cy="1214422"/>
+            <a:chOff x="3929058" y="5643578"/>
+            <a:chExt cx="1857388" cy="1214422"/>
+          </a:xfrm>
+        </p:grpSpPr>
+        <p:sp>
+          <p:nvSpPr>
+            <p:cNvPr id="30" name="ZoneTexte 29"/>
+            <p:cNvSpPr txBox="1"/>
+            <p:nvPr/>
+          </p:nvSpPr>
+          <p:spPr>
+            <a:xfrm>
+              <a:off x="3929058" y="5657671"/>
+              <a:ext cx="1857388" cy="1200329"/>
+            </a:xfrm>
+            <a:prstGeom prst="rect">
+              <a:avLst/>
+            </a:prstGeom>
+            <a:noFill/>
+          </p:spPr>
+          <p:txBody>
+            <a:bodyPr wrap="square" rtlCol="0">
+              <a:spAutoFit/>
+            </a:bodyPr>
+            <a:lstStyle/>
+            <a:p>
+              <a:r>
+                <a:rPr lang="en-US" dirty="0" smtClean="0"/>
+                <a:t>Greater than max folder number on NTFS and EXT </a:t>
+              </a:r>
+              <a:r>
+                <a:rPr lang="en-US" dirty="0" err="1" smtClean="0"/>
+                <a:t>filesystem</a:t>
+              </a:r>
+              <a:endParaRPr lang="en-US" dirty="0"/>
+            </a:p>
+          </p:txBody>
+        </p:sp>
+        <p:sp>
+          <p:nvSpPr>
+            <p:cNvPr id="31" name="Rectangle 30"/>
+            <p:cNvSpPr/>
+            <p:nvPr/>
+          </p:nvSpPr>
+          <p:spPr>
+            <a:xfrm>
+              <a:off x="3929058" y="5643578"/>
+              <a:ext cx="1785950" cy="1214422"/>
+            </a:xfrm>
+            <a:prstGeom prst="rect">
+              <a:avLst/>
+            </a:prstGeom>
+            <a:noFill/>
+            <a:ln w="57150"/>
+          </p:spPr>
+          <p:style>
+            <a:lnRef idx="2">
+              <a:schemeClr val="accent2"/>
+            </a:lnRef>
+            <a:fillRef idx="1">
+              <a:schemeClr val="lt1"/>
+            </a:fillRef>
+            <a:effectRef idx="0">
+              <a:schemeClr val="accent2"/>
+            </a:effectRef>
+            <a:fontRef idx="minor">
+              <a:schemeClr val="dk1"/>
+            </a:fontRef>
+          </p:style>
+          <p:txBody>
+            <a:bodyPr rtlCol="0" anchor="ctr"/>
+            <a:lstStyle/>
+            <a:p>
+              <a:pPr algn="ctr"/>
+              <a:endParaRPr lang="en-US"/>
+            </a:p>
+          </p:txBody>
+        </p:sp>
+      </p:grpSp>
+      <p:sp>
+        <p:nvSpPr>
+          <p:cNvPr id="34" name="Rectangle 33"/>
+          <p:cNvSpPr/>
+          <p:nvPr/>
+        </p:nvSpPr>
+        <p:spPr>
+          <a:xfrm>
+            <a:off x="0" y="2143116"/>
+            <a:ext cx="4714876" cy="3071834"/>
+          </a:xfrm>
+          <a:prstGeom prst="rect">
+            <a:avLst/>
+          </a:prstGeom>
+          <a:noFill/>
+          <a:ln w="57150"/>
+        </p:spPr>
+        <p:style>
+          <a:lnRef idx="2">
+            <a:schemeClr val="accent2"/>
+          </a:lnRef>
+          <a:fillRef idx="1">
+            <a:schemeClr val="lt1"/>
+          </a:fillRef>
+          <a:effectRef idx="0">
+            <a:schemeClr val="accent2"/>
+          </a:effectRef>
+          <a:fontRef idx="minor">
+            <a:schemeClr val="dk1"/>
+          </a:fontRef>
+        </p:style>
+        <p:txBody>
+          <a:bodyPr rtlCol="0" anchor="ctr"/>
+          <a:lstStyle/>
+          <a:p>
+            <a:pPr algn="ctr"/>
+            <a:endParaRPr lang="en-US"/>
+          </a:p>
+        </p:txBody>
+      </p:sp>
+      <p:sp>
+        <p:nvSpPr>
+          <p:cNvPr id="37" name="ZoneTexte 36"/>
+          <p:cNvSpPr txBox="1"/>
+          <p:nvPr/>
+        </p:nvSpPr>
+        <p:spPr>
+          <a:xfrm>
+            <a:off x="5715008" y="5357826"/>
+            <a:ext cx="3428992" cy="1357322"/>
+          </a:xfrm>
+          <a:prstGeom prst="rect">
+            <a:avLst/>
+          </a:prstGeom>
+          <a:noFill/>
+        </p:spPr>
+        <p:txBody>
+          <a:bodyPr wrap="square" lIns="0" tIns="0" rIns="0" bIns="0" rtlCol="0">
+            <a:noAutofit/>
+          </a:bodyPr>
+          <a:lstStyle/>
+          <a:p>
+            <a:r>
+              <a:rPr lang="en-US" dirty="0" smtClean="0"/>
+              <a:t>Is it sufficient? 100k pts/file</a:t>
+            </a:r>
+          </a:p>
+          <a:p>
+            <a:r>
+              <a:rPr lang="en-US" dirty="0" smtClean="0"/>
+              <a:t>8*10</a:t>
+            </a:r>
+            <a:r>
+              <a:rPr lang="en-US" baseline="30000" dirty="0" smtClean="0"/>
+              <a:t>6</a:t>
+            </a:r>
+            <a:r>
+              <a:rPr lang="en-US" dirty="0" smtClean="0"/>
+              <a:t> * 10</a:t>
+            </a:r>
+            <a:r>
+              <a:rPr lang="en-US" baseline="30000" dirty="0" smtClean="0"/>
+              <a:t>5</a:t>
+            </a:r>
+            <a:r>
+              <a:rPr lang="en-US" dirty="0" smtClean="0"/>
+              <a:t> = 10</a:t>
+            </a:r>
+            <a:r>
+              <a:rPr lang="en-US" baseline="30000" dirty="0" smtClean="0"/>
+              <a:t>11</a:t>
+            </a:r>
+            <a:r>
+              <a:rPr lang="en-US" dirty="0" smtClean="0"/>
+              <a:t> = </a:t>
+            </a:r>
+            <a:r>
+              <a:rPr lang="en-US" b="1" dirty="0" smtClean="0"/>
+              <a:t>800 Billions</a:t>
+            </a:r>
+            <a:r>
+              <a:rPr lang="en-US" dirty="0" smtClean="0"/>
+              <a:t> pts.</a:t>
+            </a:r>
+          </a:p>
+          <a:p>
+            <a:r>
+              <a:rPr lang="en-US" dirty="0" smtClean="0"/>
+              <a:t>For </a:t>
+            </a:r>
+            <a:r>
+              <a:rPr lang="en-US" b="1" dirty="0" smtClean="0"/>
+              <a:t>one</a:t>
+            </a:r>
+            <a:r>
+              <a:rPr lang="en-US" dirty="0" smtClean="0"/>
+              <a:t> laser : 3.6 Billions/h.</a:t>
+            </a:r>
+          </a:p>
+          <a:p>
+            <a:r>
+              <a:rPr lang="en-US" dirty="0" smtClean="0"/>
+              <a:t>Working day : 30 Billions</a:t>
+            </a:r>
+          </a:p>
+          <a:p>
+            <a:r>
+              <a:rPr lang="en-US" dirty="0" smtClean="0"/>
+              <a:t>=&gt; </a:t>
+            </a:r>
+            <a:r>
+              <a:rPr lang="en-US" b="1" dirty="0" smtClean="0"/>
+              <a:t>Only 30 days of acquisition !</a:t>
+            </a:r>
+          </a:p>
+          <a:p>
+            <a:endParaRPr lang="en-US" dirty="0"/>
           </a:p>
         </p:txBody>
       </p:sp>
@@ -6843,7 +7270,11 @@
           <a:p>
             <a:r>
               <a:rPr lang="en-US" dirty="0" smtClean="0"/>
-              <a:t>Why use a DBMS?</a:t>
+              <a:t>Why use a </a:t>
+            </a:r>
+            <a:r>
+              <a:rPr lang="en-US" dirty="0" smtClean="0"/>
+              <a:t>DBMS?</a:t>
             </a:r>
             <a:endParaRPr lang="en-US" dirty="0"/>
           </a:p>
@@ -6859,53 +7290,99 @@
             <p:ph idx="1"/>
           </p:nvPr>
         </p:nvSpPr>
-        <p:spPr/>
-        <p:txBody>
-          <a:bodyPr/>
-          <a:lstStyle/>
-          <a:p>
+        <p:spPr>
+          <a:xfrm>
+            <a:off x="357158" y="1142984"/>
+            <a:ext cx="8362950" cy="5715016"/>
+          </a:xfrm>
+        </p:spPr>
+        <p:txBody>
+          <a:bodyPr>
+            <a:normAutofit/>
+          </a:bodyPr>
+          <a:lstStyle/>
+          <a:p>
+            <a:pPr>
+              <a:buNone/>
+            </a:pPr>
+            <a:r>
+              <a:rPr lang="en-US" cap="none" dirty="0" smtClean="0"/>
+              <a:t>File system limitations</a:t>
+            </a:r>
+          </a:p>
+          <a:p>
+            <a:pPr lvl="1"/>
             <a:r>
               <a:rPr lang="en-US" dirty="0" smtClean="0"/>
-              <a:t>Using a </a:t>
-            </a:r>
-            <a:r>
-              <a:rPr lang="en-US" dirty="0" err="1" smtClean="0"/>
-              <a:t>filesystem</a:t>
-            </a:r>
-            <a:endParaRPr lang="en-US" dirty="0" smtClean="0"/>
-          </a:p>
-          <a:p>
-            <a:r>
-              <a:rPr lang="en-US" cap="none" dirty="0" smtClean="0"/>
-              <a:t>Everything can be done, but it would amounts to redeveloping a DBMS system !</a:t>
-            </a:r>
-          </a:p>
-          <a:p>
-            <a:r>
-              <a:rPr lang="en-US" cap="none" dirty="0" smtClean="0"/>
-              <a:t>No security of the data</a:t>
-            </a:r>
-          </a:p>
-          <a:p>
-            <a:r>
-              <a:rPr lang="en-US" cap="none" dirty="0" smtClean="0"/>
-              <a:t>No concurrency</a:t>
-            </a:r>
-          </a:p>
-          <a:p>
-            <a:r>
-              <a:rPr lang="en-US" cap="none" dirty="0" smtClean="0"/>
-              <a:t>Need a different solution for every kind of data (points, raster, vector)</a:t>
-            </a:r>
-          </a:p>
-          <a:p>
-            <a:endParaRPr lang="en-US" cap="none" dirty="0" smtClean="0"/>
-          </a:p>
-          <a:p>
-            <a:r>
-              <a:rPr lang="en-US" cap="none" dirty="0" smtClean="0"/>
-              <a:t>In the raster world, massive trends toward database/server.</a:t>
-            </a:r>
+              <a:t>Create data</a:t>
+            </a:r>
+          </a:p>
+          <a:p>
+            <a:pPr lvl="1"/>
+            <a:r>
+              <a:rPr lang="en-US" dirty="0" smtClean="0"/>
+              <a:t>Get data based on </a:t>
+            </a:r>
+            <a:br>
+              <a:rPr lang="en-US" dirty="0" smtClean="0"/>
+            </a:br>
+            <a:r>
+              <a:rPr lang="en-US" dirty="0" smtClean="0"/>
+              <a:t>  localization </a:t>
+            </a:r>
+            <a:br>
+              <a:rPr lang="en-US" dirty="0" smtClean="0"/>
+            </a:br>
+            <a:r>
+              <a:rPr lang="en-US" dirty="0" smtClean="0"/>
+              <a:t>  time </a:t>
+            </a:r>
+            <a:br>
+              <a:rPr lang="en-US" dirty="0" smtClean="0"/>
+            </a:br>
+            <a:r>
+              <a:rPr lang="en-US" dirty="0" smtClean="0"/>
+              <a:t>  attributes</a:t>
+            </a:r>
+          </a:p>
+          <a:p>
+            <a:pPr lvl="1"/>
+            <a:r>
+              <a:rPr lang="en-US" dirty="0" smtClean="0"/>
+              <a:t>Mix data sets</a:t>
+            </a:r>
+          </a:p>
+          <a:p>
+            <a:pPr lvl="1"/>
+            <a:r>
+              <a:rPr lang="en-US" dirty="0" smtClean="0"/>
+              <a:t>Convert data </a:t>
+            </a:r>
+          </a:p>
+          <a:p>
+            <a:pPr lvl="1"/>
+            <a:r>
+              <a:rPr lang="en-US" dirty="0" smtClean="0"/>
+              <a:t>Process data</a:t>
+            </a:r>
+          </a:p>
+          <a:p>
+            <a:pPr lvl="1"/>
+            <a:r>
+              <a:rPr lang="en-US" dirty="0" smtClean="0"/>
+              <a:t>Visualize data</a:t>
+            </a:r>
+          </a:p>
+          <a:p>
+            <a:pPr lvl="1"/>
+            <a:r>
+              <a:rPr lang="en-US" dirty="0" smtClean="0"/>
+              <a:t>Update data</a:t>
+            </a:r>
+          </a:p>
+          <a:p>
+            <a:pPr lvl="1"/>
+            <a:endParaRPr lang="en-US" dirty="0"/>
           </a:p>
         </p:txBody>
       </p:sp>
@@ -6991,6 +7468,432 @@
               <a:t>/</a:t>
             </a:r>
             <a:endParaRPr lang="fr-FR" dirty="0"/>
+          </a:p>
+        </p:txBody>
+      </p:sp>
+      <p:sp>
+        <p:nvSpPr>
+          <p:cNvPr id="7" name="Espace réservé du contenu 2"/>
+          <p:cNvSpPr txBox="1">
+            <a:spLocks/>
+          </p:cNvSpPr>
+          <p:nvPr/>
+        </p:nvSpPr>
+        <p:spPr>
+          <a:xfrm>
+            <a:off x="3214678" y="1643050"/>
+            <a:ext cx="5500726" cy="4618045"/>
+          </a:xfrm>
+          <a:prstGeom prst="rect">
+            <a:avLst/>
+          </a:prstGeom>
+        </p:spPr>
+        <p:txBody>
+          <a:bodyPr vert="horz" lIns="91440" tIns="45720" rIns="91440" bIns="45720" rtlCol="0">
+            <a:normAutofit/>
+          </a:bodyPr>
+          <a:lstStyle/>
+          <a:p>
+            <a:pPr marL="627063" marR="0" lvl="1" indent="-169863" algn="l" defTabSz="914400" rtl="0" eaLnBrk="0" fontAlgn="base" latinLnBrk="0" hangingPunct="0">
+              <a:lnSpc>
+                <a:spcPct val="100000"/>
+              </a:lnSpc>
+              <a:spcBef>
+                <a:spcPts val="1800"/>
+              </a:spcBef>
+              <a:spcAft>
+                <a:spcPct val="0"/>
+              </a:spcAft>
+              <a:buClr>
+                <a:srgbClr val="72797F"/>
+              </a:buClr>
+              <a:buSzTx/>
+              <a:tabLst/>
+              <a:defRPr/>
+            </a:pPr>
+            <a:r>
+              <a:rPr kumimoji="0" lang="en-US" sz="1800" b="0" i="0" u="none" strike="noStrike" kern="1200" cap="none" spc="0" normalizeH="0" baseline="0" noProof="0" dirty="0" smtClean="0">
+                <a:ln>
+                  <a:noFill/>
+                </a:ln>
+                <a:solidFill>
+                  <a:schemeClr val="tx1"/>
+                </a:solidFill>
+                <a:effectLst/>
+                <a:uLnTx/>
+                <a:uFillTx/>
+                <a:latin typeface="Arial" pitchFamily="34" charset="0"/>
+                <a:ea typeface="+mn-ea"/>
+                <a:cs typeface="Arial" pitchFamily="34" charset="0"/>
+              </a:rPr>
+              <a:t>Only 1 user at</a:t>
+            </a:r>
+            <a:r>
+              <a:rPr kumimoji="0" lang="en-US" sz="1800" b="0" i="0" u="none" strike="noStrike" kern="1200" cap="none" spc="0" normalizeH="0" noProof="0" dirty="0" smtClean="0">
+                <a:ln>
+                  <a:noFill/>
+                </a:ln>
+                <a:solidFill>
+                  <a:schemeClr val="tx1"/>
+                </a:solidFill>
+                <a:effectLst/>
+                <a:uLnTx/>
+                <a:uFillTx/>
+                <a:latin typeface="Arial" pitchFamily="34" charset="0"/>
+                <a:ea typeface="+mn-ea"/>
+                <a:cs typeface="Arial" pitchFamily="34" charset="0"/>
+              </a:rPr>
+              <a:t> a time</a:t>
+            </a:r>
+            <a:endParaRPr kumimoji="0" lang="en-US" sz="1800" b="0" i="0" u="none" strike="noStrike" kern="1200" cap="none" spc="0" normalizeH="0" baseline="0" noProof="0" dirty="0" smtClean="0">
+              <a:ln>
+                <a:noFill/>
+              </a:ln>
+              <a:solidFill>
+                <a:schemeClr val="tx1"/>
+              </a:solidFill>
+              <a:effectLst/>
+              <a:uLnTx/>
+              <a:uFillTx/>
+              <a:latin typeface="Arial" pitchFamily="34" charset="0"/>
+              <a:ea typeface="+mn-ea"/>
+              <a:cs typeface="Arial" pitchFamily="34" charset="0"/>
+            </a:endParaRPr>
+          </a:p>
+          <a:p>
+            <a:pPr marL="627063" marR="0" lvl="1" indent="-169863" algn="l" defTabSz="914400" rtl="0" eaLnBrk="0" fontAlgn="base" latinLnBrk="0" hangingPunct="0">
+              <a:lnSpc>
+                <a:spcPct val="100000"/>
+              </a:lnSpc>
+              <a:spcBef>
+                <a:spcPts val="1800"/>
+              </a:spcBef>
+              <a:spcAft>
+                <a:spcPct val="0"/>
+              </a:spcAft>
+              <a:buClr>
+                <a:srgbClr val="72797F"/>
+              </a:buClr>
+              <a:buSzTx/>
+              <a:tabLst/>
+              <a:defRPr/>
+            </a:pPr>
+            <a:r>
+              <a:rPr kumimoji="0" lang="en-US" sz="1800" b="0" i="0" u="none" strike="noStrike" kern="1200" cap="none" spc="0" normalizeH="0" baseline="0" noProof="0" dirty="0" smtClean="0">
+                <a:ln>
+                  <a:noFill/>
+                </a:ln>
+                <a:solidFill>
+                  <a:schemeClr val="tx1"/>
+                </a:solidFill>
+                <a:effectLst/>
+                <a:uLnTx/>
+                <a:uFillTx/>
+                <a:latin typeface="Arial" pitchFamily="34" charset="0"/>
+                <a:ea typeface="+mn-ea"/>
+                <a:cs typeface="Arial" pitchFamily="34" charset="0"/>
+              </a:rPr>
+              <a:t>Need to choose a File structure adapted to one and only one query type</a:t>
+            </a:r>
+            <a:br>
+              <a:rPr kumimoji="0" lang="en-US" sz="1800" b="0" i="0" u="none" strike="noStrike" kern="1200" cap="none" spc="0" normalizeH="0" baseline="0" noProof="0" dirty="0" smtClean="0">
+                <a:ln>
+                  <a:noFill/>
+                </a:ln>
+                <a:solidFill>
+                  <a:schemeClr val="tx1"/>
+                </a:solidFill>
+                <a:effectLst/>
+                <a:uLnTx/>
+                <a:uFillTx/>
+                <a:latin typeface="Arial" pitchFamily="34" charset="0"/>
+                <a:ea typeface="+mn-ea"/>
+                <a:cs typeface="Arial" pitchFamily="34" charset="0"/>
+              </a:rPr>
+            </a:br>
+            <a:r>
+              <a:rPr kumimoji="0" lang="en-US" sz="1800" b="0" i="0" u="none" strike="noStrike" kern="1200" cap="none" spc="0" normalizeH="0" baseline="0" noProof="0" dirty="0" smtClean="0">
+                <a:ln>
+                  <a:noFill/>
+                </a:ln>
+                <a:solidFill>
+                  <a:schemeClr val="tx1"/>
+                </a:solidFill>
+                <a:effectLst/>
+                <a:uLnTx/>
+                <a:uFillTx/>
+                <a:latin typeface="Arial" pitchFamily="34" charset="0"/>
+                <a:ea typeface="+mn-ea"/>
+                <a:cs typeface="Arial" pitchFamily="34" charset="0"/>
+              </a:rPr>
+              <a:t> </a:t>
+            </a:r>
+            <a:br>
+              <a:rPr kumimoji="0" lang="en-US" sz="1800" b="0" i="0" u="none" strike="noStrike" kern="1200" cap="none" spc="0" normalizeH="0" baseline="0" noProof="0" dirty="0" smtClean="0">
+                <a:ln>
+                  <a:noFill/>
+                </a:ln>
+                <a:solidFill>
+                  <a:schemeClr val="tx1"/>
+                </a:solidFill>
+                <a:effectLst/>
+                <a:uLnTx/>
+                <a:uFillTx/>
+                <a:latin typeface="Arial" pitchFamily="34" charset="0"/>
+                <a:ea typeface="+mn-ea"/>
+                <a:cs typeface="Arial" pitchFamily="34" charset="0"/>
+              </a:rPr>
+            </a:br>
+            <a:r>
+              <a:rPr kumimoji="0" lang="en-US" sz="1800" b="0" i="0" u="none" strike="noStrike" kern="1200" cap="none" spc="0" normalizeH="0" baseline="0" noProof="0" dirty="0" smtClean="0">
+                <a:ln>
+                  <a:noFill/>
+                </a:ln>
+                <a:solidFill>
+                  <a:schemeClr val="tx1"/>
+                </a:solidFill>
+                <a:effectLst/>
+                <a:uLnTx/>
+                <a:uFillTx/>
+                <a:latin typeface="Arial" pitchFamily="34" charset="0"/>
+                <a:ea typeface="+mn-ea"/>
+                <a:cs typeface="Arial" pitchFamily="34" charset="0"/>
+              </a:rPr>
+              <a:t> </a:t>
+            </a:r>
+          </a:p>
+          <a:p>
+            <a:pPr marL="627063" marR="0" lvl="1" indent="-169863" algn="l" defTabSz="914400" rtl="0" eaLnBrk="0" fontAlgn="base" latinLnBrk="0" hangingPunct="0">
+              <a:lnSpc>
+                <a:spcPct val="100000"/>
+              </a:lnSpc>
+              <a:spcBef>
+                <a:spcPts val="1800"/>
+              </a:spcBef>
+              <a:spcAft>
+                <a:spcPct val="0"/>
+              </a:spcAft>
+              <a:buClr>
+                <a:srgbClr val="72797F"/>
+              </a:buClr>
+              <a:buSzTx/>
+              <a:tabLst/>
+              <a:defRPr/>
+            </a:pPr>
+            <a:r>
+              <a:rPr kumimoji="0" lang="en-US" sz="1800" b="0" i="0" u="none" strike="noStrike" kern="1200" cap="none" spc="0" normalizeH="0" baseline="0" noProof="0" dirty="0" smtClean="0">
+                <a:ln>
+                  <a:noFill/>
+                </a:ln>
+                <a:solidFill>
+                  <a:schemeClr val="tx1"/>
+                </a:solidFill>
+                <a:effectLst/>
+                <a:uLnTx/>
+                <a:uFillTx/>
+                <a:latin typeface="Arial" pitchFamily="34" charset="0"/>
+                <a:ea typeface="+mn-ea"/>
+                <a:cs typeface="Arial" pitchFamily="34" charset="0"/>
+              </a:rPr>
+              <a:t>Very difficult</a:t>
+            </a:r>
+          </a:p>
+          <a:p>
+            <a:pPr marL="627063" marR="0" lvl="1" indent="-169863" algn="l" defTabSz="914400" rtl="0" eaLnBrk="0" fontAlgn="base" latinLnBrk="0" hangingPunct="0">
+              <a:lnSpc>
+                <a:spcPct val="100000"/>
+              </a:lnSpc>
+              <a:spcBef>
+                <a:spcPts val="1800"/>
+              </a:spcBef>
+              <a:spcAft>
+                <a:spcPct val="0"/>
+              </a:spcAft>
+              <a:buClr>
+                <a:srgbClr val="72797F"/>
+              </a:buClr>
+              <a:buSzTx/>
+              <a:tabLst/>
+              <a:defRPr/>
+            </a:pPr>
+            <a:r>
+              <a:rPr kumimoji="0" lang="en-US" sz="1800" b="0" i="0" u="none" strike="noStrike" kern="1200" cap="none" spc="0" normalizeH="0" baseline="0" noProof="0" dirty="0" smtClean="0">
+                <a:ln>
+                  <a:noFill/>
+                </a:ln>
+                <a:solidFill>
+                  <a:schemeClr val="tx1"/>
+                </a:solidFill>
+                <a:effectLst/>
+                <a:uLnTx/>
+                <a:uFillTx/>
+                <a:latin typeface="Arial" pitchFamily="34" charset="0"/>
+                <a:ea typeface="+mn-ea"/>
+                <a:cs typeface="Arial" pitchFamily="34" charset="0"/>
+              </a:rPr>
+              <a:t>OK</a:t>
+            </a:r>
+          </a:p>
+          <a:p>
+            <a:pPr marL="627063" marR="0" lvl="1" indent="-169863" algn="l" defTabSz="914400" rtl="0" eaLnBrk="0" fontAlgn="base" latinLnBrk="0" hangingPunct="0">
+              <a:lnSpc>
+                <a:spcPct val="100000"/>
+              </a:lnSpc>
+              <a:spcBef>
+                <a:spcPts val="1800"/>
+              </a:spcBef>
+              <a:spcAft>
+                <a:spcPct val="0"/>
+              </a:spcAft>
+              <a:buClr>
+                <a:srgbClr val="72797F"/>
+              </a:buClr>
+              <a:buSzTx/>
+              <a:tabLst/>
+              <a:defRPr/>
+            </a:pPr>
+            <a:r>
+              <a:rPr kumimoji="0" lang="en-US" sz="1800" b="0" i="0" u="none" strike="noStrike" kern="1200" cap="none" spc="0" normalizeH="0" baseline="0" noProof="0" dirty="0" smtClean="0">
+                <a:ln>
+                  <a:noFill/>
+                </a:ln>
+                <a:solidFill>
+                  <a:schemeClr val="tx1"/>
+                </a:solidFill>
+                <a:effectLst/>
+                <a:uLnTx/>
+                <a:uFillTx/>
+                <a:latin typeface="Arial" pitchFamily="34" charset="0"/>
+                <a:ea typeface="+mn-ea"/>
+                <a:cs typeface="Arial" pitchFamily="34" charset="0"/>
+              </a:rPr>
+              <a:t>User need to create manually buffers of</a:t>
+            </a:r>
+            <a:r>
+              <a:rPr kumimoji="0" lang="en-US" sz="1800" b="0" i="0" u="none" strike="noStrike" kern="1200" cap="none" spc="0" normalizeH="0" noProof="0" dirty="0" smtClean="0">
+                <a:ln>
+                  <a:noFill/>
+                </a:ln>
+                <a:solidFill>
+                  <a:schemeClr val="tx1"/>
+                </a:solidFill>
+                <a:effectLst/>
+                <a:uLnTx/>
+                <a:uFillTx/>
+                <a:latin typeface="Arial" pitchFamily="34" charset="0"/>
+                <a:ea typeface="+mn-ea"/>
+                <a:cs typeface="Arial" pitchFamily="34" charset="0"/>
+              </a:rPr>
+              <a:t> points</a:t>
+            </a:r>
+            <a:endParaRPr kumimoji="0" lang="en-US" sz="1800" b="0" i="0" u="none" strike="noStrike" kern="1200" cap="none" spc="0" normalizeH="0" baseline="0" noProof="0" dirty="0" smtClean="0">
+              <a:ln>
+                <a:noFill/>
+              </a:ln>
+              <a:solidFill>
+                <a:schemeClr val="tx1"/>
+              </a:solidFill>
+              <a:effectLst/>
+              <a:uLnTx/>
+              <a:uFillTx/>
+              <a:latin typeface="Arial" pitchFamily="34" charset="0"/>
+              <a:ea typeface="+mn-ea"/>
+              <a:cs typeface="Arial" pitchFamily="34" charset="0"/>
+            </a:endParaRPr>
+          </a:p>
+          <a:p>
+            <a:pPr marL="627063" marR="0" lvl="1" indent="-169863" algn="l" defTabSz="914400" rtl="0" eaLnBrk="0" fontAlgn="base" latinLnBrk="0" hangingPunct="0">
+              <a:lnSpc>
+                <a:spcPct val="100000"/>
+              </a:lnSpc>
+              <a:spcBef>
+                <a:spcPts val="1800"/>
+              </a:spcBef>
+              <a:spcAft>
+                <a:spcPct val="0"/>
+              </a:spcAft>
+              <a:buClr>
+                <a:srgbClr val="72797F"/>
+              </a:buClr>
+              <a:buSzTx/>
+              <a:tabLst/>
+              <a:defRPr/>
+            </a:pPr>
+            <a:r>
+              <a:rPr kumimoji="0" lang="en-US" sz="1800" b="0" i="0" u="none" strike="noStrike" kern="1200" cap="none" spc="0" normalizeH="0" baseline="0" noProof="0" dirty="0" smtClean="0">
+                <a:ln>
+                  <a:noFill/>
+                </a:ln>
+                <a:solidFill>
+                  <a:schemeClr val="tx1"/>
+                </a:solidFill>
+                <a:effectLst/>
+                <a:uLnTx/>
+                <a:uFillTx/>
+                <a:latin typeface="Arial" pitchFamily="34" charset="0"/>
+                <a:ea typeface="+mn-ea"/>
+                <a:cs typeface="Arial" pitchFamily="34" charset="0"/>
+              </a:rPr>
+              <a:t>OK</a:t>
+            </a:r>
+          </a:p>
+          <a:p>
+            <a:pPr marL="627063" lvl="1" indent="-169863" eaLnBrk="0" hangingPunct="0">
+              <a:spcBef>
+                <a:spcPts val="1800"/>
+              </a:spcBef>
+              <a:buClr>
+                <a:srgbClr val="72797F"/>
+              </a:buClr>
+              <a:defRPr/>
+            </a:pPr>
+            <a:r>
+              <a:rPr lang="en-US" dirty="0" smtClean="0">
+                <a:latin typeface="Arial" pitchFamily="34" charset="0"/>
+                <a:cs typeface="Arial" pitchFamily="34" charset="0"/>
+              </a:rPr>
+              <a:t>Only </a:t>
+            </a:r>
+            <a:r>
+              <a:rPr lang="en-US" dirty="0" smtClean="0">
+                <a:latin typeface="Arial" pitchFamily="34" charset="0"/>
+                <a:cs typeface="Arial" pitchFamily="34" charset="0"/>
+              </a:rPr>
+              <a:t>1 user at a time</a:t>
+            </a:r>
+          </a:p>
+          <a:p>
+            <a:pPr marL="627063" marR="0" lvl="1" indent="-169863" algn="l" defTabSz="914400" rtl="0" eaLnBrk="0" fontAlgn="base" latinLnBrk="0" hangingPunct="0">
+              <a:lnSpc>
+                <a:spcPct val="100000"/>
+              </a:lnSpc>
+              <a:spcBef>
+                <a:spcPts val="1800"/>
+              </a:spcBef>
+              <a:spcAft>
+                <a:spcPct val="0"/>
+              </a:spcAft>
+              <a:buClr>
+                <a:srgbClr val="72797F"/>
+              </a:buClr>
+              <a:buSzTx/>
+              <a:tabLst/>
+              <a:defRPr/>
+            </a:pPr>
+            <a:endParaRPr kumimoji="0" lang="en-US" sz="1800" b="0" i="0" u="none" strike="noStrike" kern="1200" cap="none" spc="0" normalizeH="0" baseline="0" noProof="0" dirty="0">
+              <a:ln>
+                <a:noFill/>
+              </a:ln>
+              <a:solidFill>
+                <a:schemeClr val="tx1"/>
+              </a:solidFill>
+              <a:effectLst/>
+              <a:uLnTx/>
+              <a:uFillTx/>
+              <a:latin typeface="Arial" pitchFamily="34" charset="0"/>
+              <a:ea typeface="+mn-ea"/>
+              <a:cs typeface="Arial" pitchFamily="34" charset="0"/>
+            </a:endParaRPr>
           </a:p>
         </p:txBody>
       </p:sp>
@@ -7057,17 +7960,16 @@
           <a:bodyPr/>
           <a:lstStyle/>
           <a:p>
-            <a:r>
-              <a:rPr lang="en-US" dirty="0" err="1" smtClean="0"/>
-              <a:t>USing</a:t>
+            <a:pPr>
+              <a:buNone/>
+            </a:pPr>
+            <a:r>
+              <a:rPr lang="en-US" b="0" dirty="0" smtClean="0"/>
+              <a:t>Using a </a:t>
             </a:r>
             <a:r>
               <a:rPr lang="en-US" dirty="0" smtClean="0"/>
-              <a:t> A DBMS </a:t>
-            </a:r>
-            <a:r>
-              <a:rPr lang="en-US" dirty="0" smtClean="0"/>
-              <a:t>solution</a:t>
+              <a:t>file system</a:t>
             </a:r>
           </a:p>
           <a:p>
@@ -7076,13 +7978,25 @@
           <a:p>
             <a:r>
               <a:rPr lang="en-US" cap="none" dirty="0" smtClean="0"/>
-              <a:t>Allow concurrency / clusters of servers</a:t>
+              <a:t>Everything can be done, but it would amount to redeveloping a DBMS system !</a:t>
             </a:r>
           </a:p>
           <a:p>
             <a:r>
               <a:rPr lang="en-US" cap="none" dirty="0" smtClean="0"/>
-              <a:t>All geospatial data in the same place</a:t>
+              <a:t>No security of the data</a:t>
+            </a:r>
+          </a:p>
+          <a:p>
+            <a:r>
+              <a:rPr lang="en-US" cap="none" dirty="0" smtClean="0"/>
+              <a:t>No concurrency</a:t>
+            </a:r>
+          </a:p>
+          <a:p>
+            <a:r>
+              <a:rPr lang="en-US" cap="none" dirty="0" smtClean="0"/>
+              <a:t>Need a different solution for every kind of geo-data (points, raster, vector)</a:t>
             </a:r>
           </a:p>
           <a:p>
@@ -7091,18 +8005,8 @@
           <a:p>
             <a:r>
               <a:rPr lang="en-US" cap="none" dirty="0" smtClean="0"/>
-              <a:t>Efficient querying on localization &amp; time &amp; attributes</a:t>
-            </a:r>
-          </a:p>
-          <a:p>
-            <a:endParaRPr lang="en-US" cap="none" dirty="0" smtClean="0"/>
-          </a:p>
-          <a:p>
-            <a:r>
-              <a:rPr lang="en-US" cap="none" dirty="0" smtClean="0"/>
-              <a:t>Point clouds as a service : can be integrated in sophisticated client system.</a:t>
-            </a:r>
-            <a:endParaRPr lang="en-US" cap="none" dirty="0" smtClean="0"/>
+              <a:t>In the raster world, massive trends toward database/server.</a:t>
+            </a:r>
           </a:p>
         </p:txBody>
       </p:sp>
@@ -7232,29 +8136,98 @@
           <a:lstStyle/>
           <a:p>
             <a:r>
+              <a:rPr lang="en-US" dirty="0" smtClean="0"/>
+              <a:t>Why use a DBMS?</a:t>
+            </a:r>
+            <a:endParaRPr lang="en-US" dirty="0"/>
+          </a:p>
+        </p:txBody>
+      </p:sp>
+      <p:sp>
+        <p:nvSpPr>
+          <p:cNvPr id="3" name="Espace réservé du contenu 2"/>
+          <p:cNvSpPr>
+            <a:spLocks noGrp="1"/>
+          </p:cNvSpPr>
+          <p:nvPr>
+            <p:ph idx="1"/>
+          </p:nvPr>
+        </p:nvSpPr>
+        <p:spPr/>
+        <p:txBody>
+          <a:bodyPr/>
+          <a:lstStyle/>
+          <a:p>
+            <a:r>
               <a:rPr lang="en-US" dirty="0" err="1" smtClean="0"/>
-              <a:t>PointCLOUD</a:t>
+              <a:t>USing</a:t>
             </a:r>
             <a:r>
               <a:rPr lang="en-US" dirty="0" smtClean="0"/>
-              <a:t> : efficient  storing/querying in </a:t>
-            </a:r>
-            <a:r>
-              <a:rPr lang="en-US" dirty="0" err="1" smtClean="0"/>
-              <a:t>postgres</a:t>
-            </a:r>
-            <a:endParaRPr lang="fr-FR" dirty="0"/>
-          </a:p>
-        </p:txBody>
-      </p:sp>
-      <p:sp>
-        <p:nvSpPr>
-          <p:cNvPr id="3" name="Espace réservé du pied de page 2"/>
-          <p:cNvSpPr>
-            <a:spLocks noGrp="1"/>
-          </p:cNvSpPr>
-          <p:nvPr>
-            <p:ph type="ftr" sz="quarter" idx="10"/>
+              <a:t> A DBMS </a:t>
+            </a:r>
+            <a:r>
+              <a:rPr lang="en-US" dirty="0" smtClean="0"/>
+              <a:t>solution</a:t>
+            </a:r>
+          </a:p>
+          <a:p>
+            <a:endParaRPr lang="en-US" dirty="0" smtClean="0"/>
+          </a:p>
+          <a:p>
+            <a:r>
+              <a:rPr lang="en-US" cap="none" dirty="0" smtClean="0"/>
+              <a:t>Allow concurrency / clusters of servers</a:t>
+            </a:r>
+          </a:p>
+          <a:p>
+            <a:r>
+              <a:rPr lang="en-US" cap="none" dirty="0" smtClean="0"/>
+              <a:t>All geospatial data in the same place</a:t>
+            </a:r>
+          </a:p>
+          <a:p>
+            <a:endParaRPr lang="en-US" cap="none" dirty="0" smtClean="0"/>
+          </a:p>
+          <a:p>
+            <a:r>
+              <a:rPr lang="en-US" cap="none" dirty="0" smtClean="0"/>
+              <a:t>Efficient querying on localization &amp; time &amp; attributes &amp; data set</a:t>
+            </a:r>
+          </a:p>
+          <a:p>
+            <a:r>
+              <a:rPr lang="en-US" cap="none" dirty="0" smtClean="0"/>
+              <a:t>Proper management of metadata at the data set level</a:t>
+            </a:r>
+            <a:br>
+              <a:rPr lang="en-US" cap="none" dirty="0" smtClean="0"/>
+            </a:br>
+            <a:r>
+              <a:rPr lang="en-US" cap="none" dirty="0" smtClean="0"/>
+              <a:t>+ relational link to other data.</a:t>
+            </a:r>
+          </a:p>
+          <a:p>
+            <a:endParaRPr lang="en-US" cap="none" dirty="0" smtClean="0"/>
+          </a:p>
+          <a:p>
+            <a:r>
+              <a:rPr lang="en-US" cap="none" dirty="0" smtClean="0"/>
+              <a:t>Point clouds as a service : can be integrated in sophisticated client system.</a:t>
+            </a:r>
+            <a:endParaRPr lang="en-US" cap="none" dirty="0" smtClean="0"/>
+          </a:p>
+        </p:txBody>
+      </p:sp>
+      <p:sp>
+        <p:nvSpPr>
+          <p:cNvPr id="4" name="Espace réservé de la date 3"/>
+          <p:cNvSpPr>
+            <a:spLocks noGrp="1"/>
+          </p:cNvSpPr>
+          <p:nvPr>
+            <p:ph type="dt" sz="half" idx="10"/>
           </p:nvPr>
         </p:nvSpPr>
         <p:spPr/>
@@ -7265,33 +8238,7 @@
             <a:pPr>
               <a:defRPr/>
             </a:pPr>
-            <a:r>
-              <a:rPr lang="fr-FR" smtClean="0"/>
-              <a:t>Thales - IGN / COGIT - MATIS</a:t>
-            </a:r>
-            <a:endParaRPr lang="fr-FR" dirty="0"/>
-          </a:p>
-        </p:txBody>
-      </p:sp>
-      <p:sp>
-        <p:nvSpPr>
-          <p:cNvPr id="4" name="Espace réservé de la date 3"/>
-          <p:cNvSpPr>
-            <a:spLocks noGrp="1"/>
-          </p:cNvSpPr>
-          <p:nvPr>
-            <p:ph type="dt" sz="half" idx="11"/>
-          </p:nvPr>
-        </p:nvSpPr>
-        <p:spPr/>
-        <p:txBody>
-          <a:bodyPr/>
-          <a:lstStyle/>
-          <a:p>
-            <a:pPr>
-              <a:defRPr/>
-            </a:pPr>
-            <a:fld id="{1305F5B3-A6E5-40AA-A82B-787F42B9B41F}" type="datetime1">
+            <a:fld id="{E213AF71-F760-4AA3-87B2-C2FBB7A81BCA}" type="datetime1">
               <a:rPr lang="fr-FR" smtClean="0"/>
               <a:t>22/09/2014</a:t>
             </a:fld>
@@ -7301,7 +8248,33 @@
       </p:sp>
       <p:sp>
         <p:nvSpPr>
-          <p:cNvPr id="5" name="Espace réservé du numéro de diapositive 4"/>
+          <p:cNvPr id="5" name="Espace réservé du pied de page 4"/>
+          <p:cNvSpPr>
+            <a:spLocks noGrp="1"/>
+          </p:cNvSpPr>
+          <p:nvPr>
+            <p:ph type="ftr" sz="quarter" idx="11"/>
+          </p:nvPr>
+        </p:nvSpPr>
+        <p:spPr/>
+        <p:txBody>
+          <a:bodyPr/>
+          <a:lstStyle/>
+          <a:p>
+            <a:pPr>
+              <a:defRPr/>
+            </a:pPr>
+            <a:r>
+              <a:rPr lang="fr-FR" smtClean="0"/>
+              <a:t>Thales - IGN / COGIT - MATIS</a:t>
+            </a:r>
+            <a:endParaRPr lang="fr-FR" dirty="0"/>
+          </a:p>
+        </p:txBody>
+      </p:sp>
+      <p:sp>
+        <p:nvSpPr>
+          <p:cNvPr id="6" name="Espace réservé du numéro de diapositive 5"/>
           <p:cNvSpPr>
             <a:spLocks noGrp="1"/>
           </p:cNvSpPr>
@@ -7317,7 +8290,7 @@
             <a:pPr>
               <a:defRPr/>
             </a:pPr>
-            <a:fld id="{F70D7BCD-66D0-4372-890E-9084B1AF6A1A}" type="slidenum">
+            <a:fld id="{504B660C-1446-45BE-A6D7-15805AAE1919}" type="slidenum">
               <a:rPr lang="fr-FR" smtClean="0"/>
               <a:pPr>
                 <a:defRPr/>
@@ -7329,60 +8302,6 @@
               <a:t>/</a:t>
             </a:r>
             <a:endParaRPr lang="fr-FR" dirty="0"/>
-          </a:p>
-        </p:txBody>
-      </p:sp>
-      <p:sp>
-        <p:nvSpPr>
-          <p:cNvPr id="6" name="Espace réservé du contenu 5"/>
-          <p:cNvSpPr>
-            <a:spLocks noGrp="1"/>
-          </p:cNvSpPr>
-          <p:nvPr>
-            <p:ph idx="1"/>
-          </p:nvPr>
-        </p:nvSpPr>
-        <p:spPr/>
-        <p:txBody>
-          <a:bodyPr/>
-          <a:lstStyle/>
-          <a:p>
-            <a:r>
-              <a:rPr lang="en-US" dirty="0" smtClean="0"/>
-              <a:t>What is </a:t>
-            </a:r>
-            <a:r>
-              <a:rPr lang="en-US" dirty="0" err="1" smtClean="0"/>
-              <a:t>PointCLoud</a:t>
-            </a:r>
-            <a:r>
-              <a:rPr lang="en-US" dirty="0" smtClean="0"/>
-              <a:t>?</a:t>
-            </a:r>
-          </a:p>
-          <a:p>
-            <a:r>
-              <a:rPr lang="en-US" dirty="0" smtClean="0"/>
-              <a:t>Efficient storage</a:t>
-            </a:r>
-          </a:p>
-          <a:p>
-            <a:r>
-              <a:rPr lang="en-US" dirty="0" smtClean="0"/>
-              <a:t>Efficient loading</a:t>
-            </a:r>
-          </a:p>
-          <a:p>
-            <a:r>
-              <a:rPr lang="en-US" dirty="0" smtClean="0"/>
-              <a:t>FAST querying</a:t>
-            </a:r>
-          </a:p>
-          <a:p>
-            <a:endParaRPr lang="en-US" dirty="0" smtClean="0"/>
-          </a:p>
-          <a:p>
-            <a:endParaRPr lang="en-US" dirty="0"/>
           </a:p>
         </p:txBody>
       </p:sp>
@@ -7427,8 +8346,16 @@
           <a:lstStyle/>
           <a:p>
             <a:r>
-              <a:rPr lang="fr-FR" dirty="0" smtClean="0"/>
-              <a:t>ressources</a:t>
+              <a:rPr lang="en-US" dirty="0" err="1" smtClean="0"/>
+              <a:t>PointCLOUD</a:t>
+            </a:r>
+            <a:r>
+              <a:rPr lang="en-US" dirty="0" smtClean="0"/>
+              <a:t> : efficient  storing/querying in </a:t>
+            </a:r>
+            <a:r>
+              <a:rPr lang="en-US" dirty="0" err="1" smtClean="0"/>
+              <a:t>postgres</a:t>
             </a:r>
             <a:endParaRPr lang="fr-FR" dirty="0"/>
           </a:p>
@@ -7535,16 +8462,41 @@
           <a:lstStyle/>
           <a:p>
             <a:r>
-              <a:rPr lang="fr-FR" dirty="0" smtClean="0"/>
-              <a:t>Documentation</a:t>
-            </a:r>
-          </a:p>
-          <a:p>
-            <a:r>
-              <a:rPr lang="fr-FR" dirty="0" err="1" smtClean="0"/>
-              <a:t>tools</a:t>
-            </a:r>
-            <a:endParaRPr lang="fr-FR" dirty="0"/>
+              <a:rPr lang="en-US" dirty="0" smtClean="0"/>
+              <a:t>What is </a:t>
+            </a:r>
+            <a:r>
+              <a:rPr lang="en-US" dirty="0" err="1" smtClean="0"/>
+              <a:t>PointCLoud</a:t>
+            </a:r>
+            <a:r>
+              <a:rPr lang="en-US" dirty="0" smtClean="0"/>
+              <a:t>?</a:t>
+            </a:r>
+          </a:p>
+          <a:p>
+            <a:r>
+              <a:rPr lang="en-US" dirty="0" smtClean="0"/>
+              <a:t>Efficient storage</a:t>
+            </a:r>
+          </a:p>
+          <a:p>
+            <a:r>
+              <a:rPr lang="en-US" dirty="0" smtClean="0"/>
+              <a:t>Efficient loading</a:t>
+            </a:r>
+          </a:p>
+          <a:p>
+            <a:r>
+              <a:rPr lang="en-US" dirty="0" smtClean="0"/>
+              <a:t>FAST querying</a:t>
+            </a:r>
+          </a:p>
+          <a:p>
+            <a:endParaRPr lang="en-US" dirty="0" smtClean="0"/>
+          </a:p>
+          <a:p>
+            <a:endParaRPr lang="en-US" dirty="0"/>
           </a:p>
         </p:txBody>
       </p:sp>
@@ -7590,7 +8542,7 @@
           <a:p>
             <a:r>
               <a:rPr lang="fr-FR" dirty="0" smtClean="0"/>
-              <a:t>Doc</a:t>
+              <a:t>ressources</a:t>
             </a:r>
             <a:endParaRPr lang="fr-FR" dirty="0"/>
           </a:p>
@@ -7598,185 +8550,25 @@
       </p:sp>
       <p:sp>
         <p:nvSpPr>
-          <p:cNvPr id="3" name="Espace réservé du contenu 2"/>
-          <p:cNvSpPr>
-            <a:spLocks noGrp="1"/>
-          </p:cNvSpPr>
-          <p:nvPr>
-            <p:ph idx="1"/>
-          </p:nvPr>
-        </p:nvSpPr>
-        <p:spPr/>
-        <p:txBody>
-          <a:bodyPr/>
-          <a:lstStyle/>
-          <a:p>
-            <a:r>
-              <a:rPr lang="fr-FR" dirty="0" smtClean="0"/>
-              <a:t>P. </a:t>
-            </a:r>
-            <a:r>
-              <a:rPr lang="fr-FR" dirty="0" err="1" smtClean="0"/>
-              <a:t>Ramsey</a:t>
-            </a:r>
-            <a:r>
-              <a:rPr lang="fr-FR" dirty="0" smtClean="0"/>
-              <a:t> </a:t>
-            </a:r>
-            <a:r>
-              <a:rPr lang="fr-FR" dirty="0" err="1" smtClean="0"/>
-              <a:t>presentation</a:t>
-            </a:r>
-            <a:r>
-              <a:rPr lang="fr-FR" dirty="0" smtClean="0"/>
-              <a:t> of </a:t>
-            </a:r>
-            <a:r>
-              <a:rPr lang="fr-FR" dirty="0" err="1" smtClean="0"/>
-              <a:t>PointCloud</a:t>
-            </a:r>
-            <a:r>
-              <a:rPr lang="fr-FR" dirty="0" smtClean="0"/>
-              <a:t> : </a:t>
-            </a:r>
-            <a:r>
-              <a:rPr lang="fr-FR" dirty="0" smtClean="0"/>
-              <a:t>boundlessgeo.com/</a:t>
-            </a:r>
-            <a:r>
-              <a:rPr lang="fr-FR" dirty="0" err="1" smtClean="0"/>
-              <a:t>wp</a:t>
-            </a:r>
-            <a:r>
-              <a:rPr lang="fr-FR" dirty="0" smtClean="0"/>
-              <a:t>-content/</a:t>
-            </a:r>
-            <a:r>
-              <a:rPr lang="fr-FR" dirty="0" err="1" smtClean="0"/>
-              <a:t>uploads</a:t>
-            </a:r>
-            <a:r>
-              <a:rPr lang="fr-FR" dirty="0" smtClean="0"/>
-              <a:t>/2013/10/pgpointcloud-foss4-2013.pdf</a:t>
-            </a:r>
-          </a:p>
-          <a:p>
-            <a:endParaRPr lang="fr-FR" dirty="0" smtClean="0"/>
-          </a:p>
-          <a:p>
-            <a:r>
-              <a:rPr lang="fr-FR" dirty="0" smtClean="0"/>
-              <a:t>[1] : Point </a:t>
-            </a:r>
-            <a:r>
-              <a:rPr lang="fr-FR" dirty="0" err="1" smtClean="0"/>
-              <a:t>cloud</a:t>
-            </a:r>
-            <a:r>
-              <a:rPr lang="fr-FR" dirty="0" smtClean="0"/>
-              <a:t> data </a:t>
-            </a:r>
-            <a:r>
-              <a:rPr lang="fr-FR" dirty="0" smtClean="0"/>
-              <a:t>management</a:t>
-            </a:r>
-            <a:br>
-              <a:rPr lang="fr-FR" dirty="0" smtClean="0"/>
-            </a:br>
-            <a:r>
-              <a:rPr lang="fr-FR" i="1" dirty="0" smtClean="0"/>
-              <a:t>Peter </a:t>
-            </a:r>
-            <a:r>
-              <a:rPr lang="fr-FR" i="1" dirty="0" smtClean="0"/>
-              <a:t>van </a:t>
-            </a:r>
-            <a:r>
-              <a:rPr lang="fr-FR" i="1" dirty="0" err="1" smtClean="0"/>
-              <a:t>Oosterom</a:t>
-            </a:r>
-            <a:r>
-              <a:rPr lang="fr-FR" i="1" dirty="0" smtClean="0"/>
-              <a:t>, Siva </a:t>
-            </a:r>
-            <a:r>
-              <a:rPr lang="fr-FR" i="1" dirty="0" err="1" smtClean="0"/>
-              <a:t>Ravada</a:t>
-            </a:r>
-            <a:r>
-              <a:rPr lang="fr-FR" i="1" dirty="0" smtClean="0"/>
-              <a:t>, Mike </a:t>
-            </a:r>
-            <a:r>
-              <a:rPr lang="fr-FR" i="1" dirty="0" err="1" smtClean="0"/>
-              <a:t>Horhammer</a:t>
-            </a:r>
-            <a:r>
-              <a:rPr lang="fr-FR" i="1" dirty="0" smtClean="0"/>
-              <a:t>, Oscar Marinez </a:t>
-            </a:r>
-            <a:r>
-              <a:rPr lang="fr-FR" i="1" dirty="0" err="1" smtClean="0"/>
-              <a:t>Rubi</a:t>
-            </a:r>
-            <a:r>
-              <a:rPr lang="fr-FR" i="1" dirty="0" smtClean="0"/>
-              <a:t>, Milena </a:t>
-            </a:r>
-            <a:r>
-              <a:rPr lang="fr-FR" i="1" dirty="0" err="1" smtClean="0"/>
-              <a:t>Ivanova</a:t>
-            </a:r>
-            <a:r>
-              <a:rPr lang="fr-FR" i="1" dirty="0" smtClean="0"/>
-              <a:t>, Martin </a:t>
-            </a:r>
-            <a:r>
-              <a:rPr lang="fr-FR" i="1" dirty="0" err="1" smtClean="0"/>
-              <a:t>Kodde</a:t>
-            </a:r>
-            <a:r>
-              <a:rPr lang="fr-FR" i="1" dirty="0" smtClean="0"/>
-              <a:t> </a:t>
-            </a:r>
-            <a:r>
-              <a:rPr lang="fr-FR" i="1" dirty="0" smtClean="0"/>
-              <a:t>and </a:t>
-            </a:r>
-            <a:r>
-              <a:rPr lang="fr-FR" i="1" dirty="0" smtClean="0"/>
-              <a:t>Theo </a:t>
-            </a:r>
-            <a:r>
-              <a:rPr lang="fr-FR" i="1" dirty="0" err="1" smtClean="0"/>
-              <a:t>Tijssen</a:t>
-            </a:r>
-            <a:r>
-              <a:rPr lang="fr-FR" i="1" dirty="0" smtClean="0"/>
-              <a:t/>
-            </a:r>
-            <a:br>
-              <a:rPr lang="fr-FR" i="1" dirty="0" smtClean="0"/>
-            </a:br>
-            <a:r>
-              <a:rPr lang="en-US" i="1" dirty="0" err="1" smtClean="0"/>
-              <a:t>IQmulus</a:t>
-            </a:r>
-            <a:r>
-              <a:rPr lang="en-US" i="1" dirty="0" smtClean="0"/>
-              <a:t> </a:t>
-            </a:r>
-            <a:r>
-              <a:rPr lang="en-US" i="1" dirty="0" smtClean="0"/>
-              <a:t>Workshop on Processing Large </a:t>
-            </a:r>
-            <a:r>
-              <a:rPr lang="en-US" i="1" dirty="0" smtClean="0"/>
-              <a:t>Geospatial Data</a:t>
-            </a:r>
-            <a:r>
-              <a:rPr lang="en-US" i="1" dirty="0" smtClean="0"/>
-              <a:t>, 8 July 2014, Cardiff, Wales, UK</a:t>
+          <p:cNvPr id="3" name="Espace réservé du pied de page 2"/>
+          <p:cNvSpPr>
+            <a:spLocks noGrp="1"/>
+          </p:cNvSpPr>
+          <p:nvPr>
+            <p:ph type="ftr" sz="quarter" idx="10"/>
+          </p:nvPr>
+        </p:nvSpPr>
+        <p:spPr/>
+        <p:txBody>
+          <a:bodyPr/>
+          <a:lstStyle/>
+          <a:p>
+            <a:pPr>
+              <a:defRPr/>
+            </a:pPr>
+            <a:r>
+              <a:rPr lang="fr-FR" smtClean="0"/>
+              <a:t>Thales - IGN / COGIT - MATIS</a:t>
             </a:r>
             <a:endParaRPr lang="fr-FR" dirty="0"/>
           </a:p>
@@ -7789,7 +8581,7 @@
             <a:spLocks noGrp="1"/>
           </p:cNvSpPr>
           <p:nvPr>
-            <p:ph type="dt" sz="half" idx="10"/>
+            <p:ph type="dt" sz="half" idx="11"/>
           </p:nvPr>
         </p:nvSpPr>
         <p:spPr/>
@@ -7800,7 +8592,7 @@
             <a:pPr>
               <a:defRPr/>
             </a:pPr>
-            <a:fld id="{E213AF71-F760-4AA3-87B2-C2FBB7A81BCA}" type="datetime1">
+            <a:fld id="{1305F5B3-A6E5-40AA-A82B-787F42B9B41F}" type="datetime1">
               <a:rPr lang="fr-FR" smtClean="0"/>
               <a:t>22/09/2014</a:t>
             </a:fld>
@@ -7810,12 +8602,12 @@
       </p:sp>
       <p:sp>
         <p:nvSpPr>
-          <p:cNvPr id="5" name="Espace réservé du pied de page 4"/>
-          <p:cNvSpPr>
-            <a:spLocks noGrp="1"/>
-          </p:cNvSpPr>
-          <p:nvPr>
-            <p:ph type="ftr" sz="quarter" idx="11"/>
+          <p:cNvPr id="5" name="Espace réservé du numéro de diapositive 4"/>
+          <p:cNvSpPr>
+            <a:spLocks noGrp="1"/>
+          </p:cNvSpPr>
+          <p:nvPr>
+            <p:ph type="sldNum" sz="quarter" idx="12"/>
           </p:nvPr>
         </p:nvSpPr>
         <p:spPr/>
@@ -7826,33 +8618,7 @@
             <a:pPr>
               <a:defRPr/>
             </a:pPr>
-            <a:r>
-              <a:rPr lang="fr-FR" smtClean="0"/>
-              <a:t>Thales - IGN / COGIT - MATIS</a:t>
-            </a:r>
-            <a:endParaRPr lang="fr-FR" dirty="0"/>
-          </a:p>
-        </p:txBody>
-      </p:sp>
-      <p:sp>
-        <p:nvSpPr>
-          <p:cNvPr id="6" name="Espace réservé du numéro de diapositive 5"/>
-          <p:cNvSpPr>
-            <a:spLocks noGrp="1"/>
-          </p:cNvSpPr>
-          <p:nvPr>
-            <p:ph type="sldNum" sz="quarter" idx="12"/>
-          </p:nvPr>
-        </p:nvSpPr>
-        <p:spPr/>
-        <p:txBody>
-          <a:bodyPr/>
-          <a:lstStyle/>
-          <a:p>
-            <a:pPr>
-              <a:defRPr/>
-            </a:pPr>
-            <a:fld id="{504B660C-1446-45BE-A6D7-15805AAE1919}" type="slidenum">
+            <a:fld id="{F70D7BCD-66D0-4372-890E-9084B1AF6A1A}" type="slidenum">
               <a:rPr lang="fr-FR" smtClean="0"/>
               <a:pPr>
                 <a:defRPr/>
@@ -7862,6 +8628,35 @@
             <a:r>
               <a:rPr lang="fr-FR" smtClean="0"/>
               <a:t>/</a:t>
+            </a:r>
+            <a:endParaRPr lang="fr-FR" dirty="0"/>
+          </a:p>
+        </p:txBody>
+      </p:sp>
+      <p:sp>
+        <p:nvSpPr>
+          <p:cNvPr id="6" name="Espace réservé du contenu 5"/>
+          <p:cNvSpPr>
+            <a:spLocks noGrp="1"/>
+          </p:cNvSpPr>
+          <p:nvPr>
+            <p:ph idx="1"/>
+          </p:nvPr>
+        </p:nvSpPr>
+        <p:spPr/>
+        <p:txBody>
+          <a:bodyPr/>
+          <a:lstStyle/>
+          <a:p>
+            <a:r>
+              <a:rPr lang="fr-FR" dirty="0" smtClean="0"/>
+              <a:t>Documentation</a:t>
+            </a:r>
+          </a:p>
+          <a:p>
+            <a:r>
+              <a:rPr lang="fr-FR" dirty="0" err="1" smtClean="0"/>
+              <a:t>tools</a:t>
             </a:r>
             <a:endParaRPr lang="fr-FR" dirty="0"/>
           </a:p>
@@ -7909,7 +8704,7 @@
           <a:p>
             <a:r>
               <a:rPr lang="fr-FR" dirty="0" smtClean="0"/>
-              <a:t>TOOLS</a:t>
+              <a:t>Doc</a:t>
             </a:r>
             <a:endParaRPr lang="fr-FR" dirty="0"/>
           </a:p>
@@ -7932,20 +8727,70 @@
           <a:p>
             <a:r>
               <a:rPr lang="fr-FR" dirty="0" smtClean="0"/>
-              <a:t>POINTCLOUD</a:t>
-            </a:r>
-          </a:p>
-          <a:p>
+              <a:t>[1] J. </a:t>
+            </a:r>
             <a:r>
               <a:rPr lang="fr-FR" dirty="0" err="1" smtClean="0"/>
-              <a:t>CLoudCompare</a:t>
+              <a:t>Demantké</a:t>
+            </a:r>
+            <a:r>
+              <a:rPr lang="fr-FR" dirty="0" smtClean="0"/>
+              <a:t>: </a:t>
+            </a:r>
+            <a:r>
+              <a:rPr lang="fr-FR" dirty="0" err="1" smtClean="0"/>
+              <a:t>thesis</a:t>
             </a:r>
             <a:endParaRPr lang="fr-FR" dirty="0" smtClean="0"/>
           </a:p>
           <a:p>
             <a:r>
               <a:rPr lang="fr-FR" dirty="0" smtClean="0"/>
-              <a:t>RPLY</a:t>
+              <a:t>[2] P. </a:t>
+            </a:r>
+            <a:r>
+              <a:rPr lang="fr-FR" dirty="0" err="1" smtClean="0"/>
+              <a:t>Ramsey</a:t>
+            </a:r>
+            <a:r>
+              <a:rPr lang="fr-FR" dirty="0" smtClean="0"/>
+              <a:t> </a:t>
+            </a:r>
+            <a:r>
+              <a:rPr lang="fr-FR" dirty="0" err="1" smtClean="0"/>
+              <a:t>presentation</a:t>
+            </a:r>
+            <a:r>
+              <a:rPr lang="fr-FR" dirty="0" smtClean="0"/>
+              <a:t> of </a:t>
+            </a:r>
+            <a:r>
+              <a:rPr lang="fr-FR" dirty="0" err="1" smtClean="0"/>
+              <a:t>PointCloud</a:t>
+            </a:r>
+            <a:r>
+              <a:rPr lang="fr-FR" dirty="0" smtClean="0"/>
+              <a:t> : </a:t>
+            </a:r>
+            <a:r>
+              <a:rPr lang="fr-FR" dirty="0" smtClean="0"/>
+              <a:t>boundlessgeo.com/</a:t>
+            </a:r>
+            <a:r>
+              <a:rPr lang="fr-FR" dirty="0" err="1" smtClean="0"/>
+              <a:t>wp</a:t>
+            </a:r>
+            <a:r>
+              <a:rPr lang="fr-FR" dirty="0" smtClean="0"/>
+              <a:t>-content/</a:t>
+            </a:r>
+            <a:r>
+              <a:rPr lang="fr-FR" dirty="0" err="1" smtClean="0"/>
+              <a:t>uploads</a:t>
+            </a:r>
+            <a:r>
+              <a:rPr lang="fr-FR" dirty="0" smtClean="0"/>
+              <a:t>/2013/10/pgpointcloud-foss4-2013.pdf</a:t>
             </a:r>
           </a:p>
           <a:p>
@@ -7954,10 +8799,118 @@
           <a:p>
             <a:r>
               <a:rPr lang="fr-FR" dirty="0" smtClean="0"/>
-              <a:t>QGIS</a:t>
-            </a:r>
-          </a:p>
-          <a:p>
+              <a:t>[3] : Point </a:t>
+            </a:r>
+            <a:r>
+              <a:rPr lang="fr-FR" dirty="0" err="1" smtClean="0"/>
+              <a:t>cloud</a:t>
+            </a:r>
+            <a:r>
+              <a:rPr lang="fr-FR" dirty="0" smtClean="0"/>
+              <a:t> data </a:t>
+            </a:r>
+            <a:r>
+              <a:rPr lang="fr-FR" dirty="0" smtClean="0"/>
+              <a:t>management</a:t>
+            </a:r>
+            <a:br>
+              <a:rPr lang="fr-FR" dirty="0" smtClean="0"/>
+            </a:br>
+            <a:r>
+              <a:rPr lang="fr-FR" i="1" dirty="0" smtClean="0"/>
+              <a:t>Peter </a:t>
+            </a:r>
+            <a:r>
+              <a:rPr lang="fr-FR" i="1" dirty="0" smtClean="0"/>
+              <a:t>van </a:t>
+            </a:r>
+            <a:r>
+              <a:rPr lang="fr-FR" i="1" dirty="0" err="1" smtClean="0"/>
+              <a:t>Oosterom</a:t>
+            </a:r>
+            <a:r>
+              <a:rPr lang="fr-FR" i="1" dirty="0" smtClean="0"/>
+              <a:t>, Siva </a:t>
+            </a:r>
+            <a:r>
+              <a:rPr lang="fr-FR" i="1" dirty="0" err="1" smtClean="0"/>
+              <a:t>Ravada</a:t>
+            </a:r>
+            <a:r>
+              <a:rPr lang="fr-FR" i="1" dirty="0" smtClean="0"/>
+              <a:t>, Mike </a:t>
+            </a:r>
+            <a:r>
+              <a:rPr lang="fr-FR" i="1" dirty="0" err="1" smtClean="0"/>
+              <a:t>Horhammer</a:t>
+            </a:r>
+            <a:r>
+              <a:rPr lang="fr-FR" i="1" dirty="0" smtClean="0"/>
+              <a:t>, Oscar Marinez </a:t>
+            </a:r>
+            <a:r>
+              <a:rPr lang="fr-FR" i="1" dirty="0" err="1" smtClean="0"/>
+              <a:t>Rubi</a:t>
+            </a:r>
+            <a:r>
+              <a:rPr lang="fr-FR" i="1" dirty="0" smtClean="0"/>
+              <a:t>, Milena </a:t>
+            </a:r>
+            <a:r>
+              <a:rPr lang="fr-FR" i="1" dirty="0" err="1" smtClean="0"/>
+              <a:t>Ivanova</a:t>
+            </a:r>
+            <a:r>
+              <a:rPr lang="fr-FR" i="1" dirty="0" smtClean="0"/>
+              <a:t>, Martin </a:t>
+            </a:r>
+            <a:r>
+              <a:rPr lang="fr-FR" i="1" dirty="0" err="1" smtClean="0"/>
+              <a:t>Kodde</a:t>
+            </a:r>
+            <a:r>
+              <a:rPr lang="fr-FR" i="1" dirty="0" smtClean="0"/>
+              <a:t> </a:t>
+            </a:r>
+            <a:r>
+              <a:rPr lang="fr-FR" i="1" dirty="0" smtClean="0"/>
+              <a:t>and </a:t>
+            </a:r>
+            <a:r>
+              <a:rPr lang="fr-FR" i="1" dirty="0" smtClean="0"/>
+              <a:t>Theo </a:t>
+            </a:r>
+            <a:r>
+              <a:rPr lang="fr-FR" i="1" dirty="0" err="1" smtClean="0"/>
+              <a:t>Tijssen</a:t>
+            </a:r>
+            <a:r>
+              <a:rPr lang="fr-FR" i="1" dirty="0" smtClean="0"/>
+              <a:t/>
+            </a:r>
+            <a:br>
+              <a:rPr lang="fr-FR" i="1" dirty="0" smtClean="0"/>
+            </a:br>
+            <a:r>
+              <a:rPr lang="en-US" i="1" dirty="0" err="1" smtClean="0"/>
+              <a:t>IQmulus</a:t>
+            </a:r>
+            <a:r>
+              <a:rPr lang="en-US" i="1" dirty="0" smtClean="0"/>
+              <a:t> </a:t>
+            </a:r>
+            <a:r>
+              <a:rPr lang="en-US" i="1" dirty="0" smtClean="0"/>
+              <a:t>Workshop on Processing Large </a:t>
+            </a:r>
+            <a:r>
+              <a:rPr lang="en-US" i="1" dirty="0" smtClean="0"/>
+              <a:t>Geospatial Data</a:t>
+            </a:r>
+            <a:r>
+              <a:rPr lang="en-US" i="1" dirty="0" smtClean="0"/>
+              <a:t>, 8 July 2014, Cardiff, Wales, UK</a:t>
+            </a:r>
             <a:endParaRPr lang="fr-FR" dirty="0"/>
           </a:p>
         </p:txBody>
@@ -8089,7 +9042,7 @@
           <a:p>
             <a:r>
               <a:rPr lang="fr-FR" dirty="0" smtClean="0"/>
-              <a:t>Annexes</a:t>
+              <a:t>TOOLS</a:t>
             </a:r>
             <a:endParaRPr lang="fr-FR" dirty="0"/>
           </a:p>
@@ -8097,12 +9050,59 @@
       </p:sp>
       <p:sp>
         <p:nvSpPr>
-          <p:cNvPr id="3" name="Espace réservé du pied de page 2"/>
-          <p:cNvSpPr>
-            <a:spLocks noGrp="1"/>
-          </p:cNvSpPr>
-          <p:nvPr>
-            <p:ph type="ftr" sz="quarter" idx="10"/>
+          <p:cNvPr id="3" name="Espace réservé du contenu 2"/>
+          <p:cNvSpPr>
+            <a:spLocks noGrp="1"/>
+          </p:cNvSpPr>
+          <p:nvPr>
+            <p:ph idx="1"/>
+          </p:nvPr>
+        </p:nvSpPr>
+        <p:spPr/>
+        <p:txBody>
+          <a:bodyPr/>
+          <a:lstStyle/>
+          <a:p>
+            <a:r>
+              <a:rPr lang="fr-FR" dirty="0" smtClean="0"/>
+              <a:t>POINTCLOUD</a:t>
+            </a:r>
+          </a:p>
+          <a:p>
+            <a:r>
+              <a:rPr lang="fr-FR" dirty="0" err="1" smtClean="0"/>
+              <a:t>CLoudCompare</a:t>
+            </a:r>
+            <a:endParaRPr lang="fr-FR" dirty="0" smtClean="0"/>
+          </a:p>
+          <a:p>
+            <a:r>
+              <a:rPr lang="fr-FR" dirty="0" smtClean="0"/>
+              <a:t>RPLY</a:t>
+            </a:r>
+          </a:p>
+          <a:p>
+            <a:endParaRPr lang="fr-FR" dirty="0" smtClean="0"/>
+          </a:p>
+          <a:p>
+            <a:r>
+              <a:rPr lang="fr-FR" dirty="0" smtClean="0"/>
+              <a:t>QGIS</a:t>
+            </a:r>
+          </a:p>
+          <a:p>
+            <a:endParaRPr lang="fr-FR" dirty="0"/>
+          </a:p>
+        </p:txBody>
+      </p:sp>
+      <p:sp>
+        <p:nvSpPr>
+          <p:cNvPr id="4" name="Espace réservé de la date 3"/>
+          <p:cNvSpPr>
+            <a:spLocks noGrp="1"/>
+          </p:cNvSpPr>
+          <p:nvPr>
+            <p:ph type="dt" sz="half" idx="10"/>
           </p:nvPr>
         </p:nvSpPr>
         <p:spPr/>
@@ -8113,33 +9113,7 @@
             <a:pPr>
               <a:defRPr/>
             </a:pPr>
-            <a:r>
-              <a:rPr lang="fr-FR" smtClean="0"/>
-              <a:t>Thales - IGN / COGIT - MATIS</a:t>
-            </a:r>
-            <a:endParaRPr lang="fr-FR" dirty="0"/>
-          </a:p>
-        </p:txBody>
-      </p:sp>
-      <p:sp>
-        <p:nvSpPr>
-          <p:cNvPr id="4" name="Espace réservé de la date 3"/>
-          <p:cNvSpPr>
-            <a:spLocks noGrp="1"/>
-          </p:cNvSpPr>
-          <p:nvPr>
-            <p:ph type="dt" sz="half" idx="11"/>
-          </p:nvPr>
-        </p:nvSpPr>
-        <p:spPr/>
-        <p:txBody>
-          <a:bodyPr/>
-          <a:lstStyle/>
-          <a:p>
-            <a:pPr>
-              <a:defRPr/>
-            </a:pPr>
-            <a:fld id="{1305F5B3-A6E5-40AA-A82B-787F42B9B41F}" type="datetime1">
+            <a:fld id="{E213AF71-F760-4AA3-87B2-C2FBB7A81BCA}" type="datetime1">
               <a:rPr lang="fr-FR" smtClean="0"/>
               <a:t>22/09/2014</a:t>
             </a:fld>
@@ -8149,7 +9123,33 @@
       </p:sp>
       <p:sp>
         <p:nvSpPr>
-          <p:cNvPr id="5" name="Espace réservé du numéro de diapositive 4"/>
+          <p:cNvPr id="5" name="Espace réservé du pied de page 4"/>
+          <p:cNvSpPr>
+            <a:spLocks noGrp="1"/>
+          </p:cNvSpPr>
+          <p:nvPr>
+            <p:ph type="ftr" sz="quarter" idx="11"/>
+          </p:nvPr>
+        </p:nvSpPr>
+        <p:spPr/>
+        <p:txBody>
+          <a:bodyPr/>
+          <a:lstStyle/>
+          <a:p>
+            <a:pPr>
+              <a:defRPr/>
+            </a:pPr>
+            <a:r>
+              <a:rPr lang="fr-FR" smtClean="0"/>
+              <a:t>Thales - IGN / COGIT - MATIS</a:t>
+            </a:r>
+            <a:endParaRPr lang="fr-FR" dirty="0"/>
+          </a:p>
+        </p:txBody>
+      </p:sp>
+      <p:sp>
+        <p:nvSpPr>
+          <p:cNvPr id="6" name="Espace réservé du numéro de diapositive 5"/>
           <p:cNvSpPr>
             <a:spLocks noGrp="1"/>
           </p:cNvSpPr>
@@ -8165,7 +9165,7 @@
             <a:pPr>
               <a:defRPr/>
             </a:pPr>
-            <a:fld id="{F70D7BCD-66D0-4372-890E-9084B1AF6A1A}" type="slidenum">
+            <a:fld id="{504B660C-1446-45BE-A6D7-15805AAE1919}" type="slidenum">
               <a:rPr lang="fr-FR" smtClean="0"/>
               <a:pPr>
                 <a:defRPr/>
@@ -8175,37 +9175,6 @@
             <a:r>
               <a:rPr lang="fr-FR" smtClean="0"/>
               <a:t>/</a:t>
-            </a:r>
-            <a:endParaRPr lang="fr-FR" dirty="0"/>
-          </a:p>
-        </p:txBody>
-      </p:sp>
-      <p:sp>
-        <p:nvSpPr>
-          <p:cNvPr id="6" name="Espace réservé du contenu 5"/>
-          <p:cNvSpPr>
-            <a:spLocks noGrp="1"/>
-          </p:cNvSpPr>
-          <p:nvPr>
-            <p:ph idx="1"/>
-          </p:nvPr>
-        </p:nvSpPr>
-        <p:spPr/>
-        <p:txBody>
-          <a:bodyPr/>
-          <a:lstStyle/>
-          <a:p>
-            <a:r>
-              <a:rPr lang="fr-FR" dirty="0" err="1" smtClean="0"/>
-              <a:t>Sensor</a:t>
-            </a:r>
-            <a:r>
-              <a:rPr lang="fr-FR" dirty="0" smtClean="0"/>
-              <a:t> </a:t>
-            </a:r>
-            <a:r>
-              <a:rPr lang="fr-FR" dirty="0" err="1" smtClean="0"/>
-              <a:t>view</a:t>
             </a:r>
             <a:endParaRPr lang="fr-FR" dirty="0"/>
           </a:p>
@@ -8253,7 +9222,7 @@
           <a:p>
             <a:r>
               <a:rPr lang="fr-FR" dirty="0" smtClean="0"/>
-              <a:t>ANNEXES</a:t>
+              <a:t>Annexes</a:t>
             </a:r>
             <a:endParaRPr lang="fr-FR" dirty="0"/>
           </a:p>
@@ -8261,7 +9230,92 @@
       </p:sp>
       <p:sp>
         <p:nvSpPr>
-          <p:cNvPr id="3" name="Espace réservé du contenu 2"/>
+          <p:cNvPr id="3" name="Espace réservé du pied de page 2"/>
+          <p:cNvSpPr>
+            <a:spLocks noGrp="1"/>
+          </p:cNvSpPr>
+          <p:nvPr>
+            <p:ph type="ftr" sz="quarter" idx="10"/>
+          </p:nvPr>
+        </p:nvSpPr>
+        <p:spPr/>
+        <p:txBody>
+          <a:bodyPr/>
+          <a:lstStyle/>
+          <a:p>
+            <a:pPr>
+              <a:defRPr/>
+            </a:pPr>
+            <a:r>
+              <a:rPr lang="fr-FR" smtClean="0"/>
+              <a:t>Thales - IGN / COGIT - MATIS</a:t>
+            </a:r>
+            <a:endParaRPr lang="fr-FR" dirty="0"/>
+          </a:p>
+        </p:txBody>
+      </p:sp>
+      <p:sp>
+        <p:nvSpPr>
+          <p:cNvPr id="4" name="Espace réservé de la date 3"/>
+          <p:cNvSpPr>
+            <a:spLocks noGrp="1"/>
+          </p:cNvSpPr>
+          <p:nvPr>
+            <p:ph type="dt" sz="half" idx="11"/>
+          </p:nvPr>
+        </p:nvSpPr>
+        <p:spPr/>
+        <p:txBody>
+          <a:bodyPr/>
+          <a:lstStyle/>
+          <a:p>
+            <a:pPr>
+              <a:defRPr/>
+            </a:pPr>
+            <a:fld id="{1305F5B3-A6E5-40AA-A82B-787F42B9B41F}" type="datetime1">
+              <a:rPr lang="fr-FR" smtClean="0"/>
+              <a:t>22/09/2014</a:t>
+            </a:fld>
+            <a:endParaRPr lang="fr-FR" dirty="0"/>
+          </a:p>
+        </p:txBody>
+      </p:sp>
+      <p:sp>
+        <p:nvSpPr>
+          <p:cNvPr id="5" name="Espace réservé du numéro de diapositive 4"/>
+          <p:cNvSpPr>
+            <a:spLocks noGrp="1"/>
+          </p:cNvSpPr>
+          <p:nvPr>
+            <p:ph type="sldNum" sz="quarter" idx="12"/>
+          </p:nvPr>
+        </p:nvSpPr>
+        <p:spPr/>
+        <p:txBody>
+          <a:bodyPr/>
+          <a:lstStyle/>
+          <a:p>
+            <a:pPr>
+              <a:defRPr/>
+            </a:pPr>
+            <a:fld id="{F70D7BCD-66D0-4372-890E-9084B1AF6A1A}" type="slidenum">
+              <a:rPr lang="fr-FR" smtClean="0"/>
+              <a:pPr>
+                <a:defRPr/>
+              </a:pPr>
+              <a:t>19</a:t>
+            </a:fld>
+            <a:r>
+              <a:rPr lang="fr-FR" smtClean="0"/>
+              <a:t>/</a:t>
+            </a:r>
+            <a:endParaRPr lang="fr-FR" dirty="0"/>
+          </a:p>
+        </p:txBody>
+      </p:sp>
+      <p:sp>
+        <p:nvSpPr>
+          <p:cNvPr id="6" name="Espace réservé du contenu 5"/>
           <p:cNvSpPr>
             <a:spLocks noGrp="1"/>
           </p:cNvSpPr>
@@ -8287,6 +9341,121 @@
               <a:t>view</a:t>
             </a:r>
             <a:endParaRPr lang="fr-FR" dirty="0"/>
+          </a:p>
+        </p:txBody>
+      </p:sp>
+    </p:spTree>
+  </p:cSld>
+  <p:clrMapOvr>
+    <a:masterClrMapping/>
+  </p:clrMapOvr>
+</p:sld>
+</file>
+
+<file path=ppt/slides/slide2.xml><?xml version="1.0" encoding="utf-8"?>
+<p:sld xmlns:a="http://schemas.openxmlformats.org/drawingml/2006/main" xmlns:r="http://schemas.openxmlformats.org/officeDocument/2006/relationships" xmlns:p="http://schemas.openxmlformats.org/presentationml/2006/main">
+  <p:cSld>
+    <p:spTree>
+      <p:nvGrpSpPr>
+        <p:cNvPr id="1" name=""/>
+        <p:cNvGrpSpPr/>
+        <p:nvPr/>
+      </p:nvGrpSpPr>
+      <p:grpSpPr>
+        <a:xfrm>
+          <a:off x="0" y="0"/>
+          <a:ext cx="0" cy="0"/>
+          <a:chOff x="0" y="0"/>
+          <a:chExt cx="0" cy="0"/>
+        </a:xfrm>
+      </p:grpSpPr>
+      <p:sp>
+        <p:nvSpPr>
+          <p:cNvPr id="2" name="Titre 1"/>
+          <p:cNvSpPr>
+            <a:spLocks noGrp="1"/>
+          </p:cNvSpPr>
+          <p:nvPr>
+            <p:ph type="title"/>
+          </p:nvPr>
+        </p:nvSpPr>
+        <p:spPr/>
+        <p:txBody>
+          <a:bodyPr/>
+          <a:lstStyle/>
+          <a:p>
+            <a:r>
+              <a:rPr lang="fr-FR" dirty="0" err="1" smtClean="0"/>
+              <a:t>SUmmary</a:t>
+            </a:r>
+            <a:endParaRPr lang="fr-FR" dirty="0"/>
+          </a:p>
+        </p:txBody>
+      </p:sp>
+      <p:sp>
+        <p:nvSpPr>
+          <p:cNvPr id="3" name="Espace réservé du contenu 2"/>
+          <p:cNvSpPr>
+            <a:spLocks noGrp="1"/>
+          </p:cNvSpPr>
+          <p:nvPr>
+            <p:ph idx="1"/>
+          </p:nvPr>
+        </p:nvSpPr>
+        <p:spPr/>
+        <p:txBody>
+          <a:bodyPr/>
+          <a:lstStyle/>
+          <a:p>
+            <a:r>
+              <a:rPr lang="en-US" dirty="0" smtClean="0"/>
+              <a:t>1. Introduction to Point clouds</a:t>
+            </a:r>
+          </a:p>
+          <a:p>
+            <a:r>
+              <a:rPr lang="en-US" dirty="0" smtClean="0"/>
+              <a:t>2. Why use a DBMS?</a:t>
+            </a:r>
+          </a:p>
+          <a:p>
+            <a:r>
+              <a:rPr lang="en-US" dirty="0" smtClean="0"/>
+              <a:t>3. pointcloud: Efficient storing/QUERYING in </a:t>
+            </a:r>
+            <a:r>
+              <a:rPr lang="en-US" dirty="0" err="1" smtClean="0"/>
+              <a:t>postgRes</a:t>
+            </a:r>
+            <a:endParaRPr lang="en-US" dirty="0" smtClean="0"/>
+          </a:p>
+          <a:p>
+            <a:r>
+              <a:rPr lang="en-US" dirty="0" smtClean="0"/>
+              <a:t>4. In base processing</a:t>
+            </a:r>
+          </a:p>
+          <a:p>
+            <a:r>
+              <a:rPr lang="en-US" dirty="0" smtClean="0"/>
+              <a:t>5. using the server in complex architectures</a:t>
+            </a:r>
+          </a:p>
+          <a:p>
+            <a:endParaRPr lang="en-US" dirty="0" smtClean="0"/>
+          </a:p>
+          <a:p>
+            <a:r>
+              <a:rPr lang="en-US" dirty="0" smtClean="0"/>
+              <a:t>A. references</a:t>
+            </a:r>
+          </a:p>
+          <a:p>
+            <a:r>
+              <a:rPr lang="en-US" dirty="0" smtClean="0"/>
+              <a:t>B. Annexes (screens, details)</a:t>
+            </a:r>
+            <a:endParaRPr lang="en-US" dirty="0"/>
           </a:p>
         </p:txBody>
       </p:sp>
@@ -8365,7 +9534,171 @@
               <a:pPr>
                 <a:defRPr/>
               </a:pPr>
-              <a:t>19</a:t>
+              <a:t>2</a:t>
+            </a:fld>
+            <a:r>
+              <a:rPr lang="fr-FR" smtClean="0"/>
+              <a:t>/</a:t>
+            </a:r>
+            <a:endParaRPr lang="fr-FR" dirty="0"/>
+          </a:p>
+        </p:txBody>
+      </p:sp>
+    </p:spTree>
+  </p:cSld>
+  <p:clrMapOvr>
+    <a:masterClrMapping/>
+  </p:clrMapOvr>
+</p:sld>
+</file>
+
+<file path=ppt/slides/slide20.xml><?xml version="1.0" encoding="utf-8"?>
+<p:sld xmlns:a="http://schemas.openxmlformats.org/drawingml/2006/main" xmlns:r="http://schemas.openxmlformats.org/officeDocument/2006/relationships" xmlns:p="http://schemas.openxmlformats.org/presentationml/2006/main">
+  <p:cSld>
+    <p:spTree>
+      <p:nvGrpSpPr>
+        <p:cNvPr id="1" name=""/>
+        <p:cNvGrpSpPr/>
+        <p:nvPr/>
+      </p:nvGrpSpPr>
+      <p:grpSpPr>
+        <a:xfrm>
+          <a:off x="0" y="0"/>
+          <a:ext cx="0" cy="0"/>
+          <a:chOff x="0" y="0"/>
+          <a:chExt cx="0" cy="0"/>
+        </a:xfrm>
+      </p:grpSpPr>
+      <p:sp>
+        <p:nvSpPr>
+          <p:cNvPr id="2" name="Titre 1"/>
+          <p:cNvSpPr>
+            <a:spLocks noGrp="1"/>
+          </p:cNvSpPr>
+          <p:nvPr>
+            <p:ph type="title"/>
+          </p:nvPr>
+        </p:nvSpPr>
+        <p:spPr/>
+        <p:txBody>
+          <a:bodyPr/>
+          <a:lstStyle/>
+          <a:p>
+            <a:r>
+              <a:rPr lang="fr-FR" dirty="0" smtClean="0"/>
+              <a:t>ANNEXES</a:t>
+            </a:r>
+            <a:endParaRPr lang="fr-FR" dirty="0"/>
+          </a:p>
+        </p:txBody>
+      </p:sp>
+      <p:sp>
+        <p:nvSpPr>
+          <p:cNvPr id="3" name="Espace réservé du contenu 2"/>
+          <p:cNvSpPr>
+            <a:spLocks noGrp="1"/>
+          </p:cNvSpPr>
+          <p:nvPr>
+            <p:ph idx="1"/>
+          </p:nvPr>
+        </p:nvSpPr>
+        <p:spPr/>
+        <p:txBody>
+          <a:bodyPr/>
+          <a:lstStyle/>
+          <a:p>
+            <a:r>
+              <a:rPr lang="fr-FR" dirty="0" err="1" smtClean="0"/>
+              <a:t>Sensor</a:t>
+            </a:r>
+            <a:r>
+              <a:rPr lang="fr-FR" dirty="0" smtClean="0"/>
+              <a:t> </a:t>
+            </a:r>
+            <a:r>
+              <a:rPr lang="fr-FR" dirty="0" err="1" smtClean="0"/>
+              <a:t>view</a:t>
+            </a:r>
+            <a:endParaRPr lang="fr-FR" dirty="0"/>
+          </a:p>
+        </p:txBody>
+      </p:sp>
+      <p:sp>
+        <p:nvSpPr>
+          <p:cNvPr id="4" name="Espace réservé de la date 3"/>
+          <p:cNvSpPr>
+            <a:spLocks noGrp="1"/>
+          </p:cNvSpPr>
+          <p:nvPr>
+            <p:ph type="dt" sz="half" idx="10"/>
+          </p:nvPr>
+        </p:nvSpPr>
+        <p:spPr/>
+        <p:txBody>
+          <a:bodyPr/>
+          <a:lstStyle/>
+          <a:p>
+            <a:pPr>
+              <a:defRPr/>
+            </a:pPr>
+            <a:fld id="{E213AF71-F760-4AA3-87B2-C2FBB7A81BCA}" type="datetime1">
+              <a:rPr lang="fr-FR" smtClean="0"/>
+              <a:t>23/09/2014</a:t>
+            </a:fld>
+            <a:endParaRPr lang="fr-FR" dirty="0"/>
+          </a:p>
+        </p:txBody>
+      </p:sp>
+      <p:sp>
+        <p:nvSpPr>
+          <p:cNvPr id="5" name="Espace réservé du pied de page 4"/>
+          <p:cNvSpPr>
+            <a:spLocks noGrp="1"/>
+          </p:cNvSpPr>
+          <p:nvPr>
+            <p:ph type="ftr" sz="quarter" idx="11"/>
+          </p:nvPr>
+        </p:nvSpPr>
+        <p:spPr/>
+        <p:txBody>
+          <a:bodyPr/>
+          <a:lstStyle/>
+          <a:p>
+            <a:pPr>
+              <a:defRPr/>
+            </a:pPr>
+            <a:r>
+              <a:rPr lang="fr-FR" smtClean="0"/>
+              <a:t>Thales - IGN / COGIT - MATIS</a:t>
+            </a:r>
+            <a:endParaRPr lang="fr-FR" dirty="0"/>
+          </a:p>
+        </p:txBody>
+      </p:sp>
+      <p:sp>
+        <p:nvSpPr>
+          <p:cNvPr id="6" name="Espace réservé du numéro de diapositive 5"/>
+          <p:cNvSpPr>
+            <a:spLocks noGrp="1"/>
+          </p:cNvSpPr>
+          <p:nvPr>
+            <p:ph type="sldNum" sz="quarter" idx="12"/>
+          </p:nvPr>
+        </p:nvSpPr>
+        <p:spPr/>
+        <p:txBody>
+          <a:bodyPr/>
+          <a:lstStyle/>
+          <a:p>
+            <a:pPr>
+              <a:defRPr/>
+            </a:pPr>
+            <a:fld id="{504B660C-1446-45BE-A6D7-15805AAE1919}" type="slidenum">
+              <a:rPr lang="fr-FR" smtClean="0"/>
+              <a:pPr>
+                <a:defRPr/>
+              </a:pPr>
+              <a:t>20</a:t>
             </a:fld>
             <a:r>
               <a:rPr lang="fr-FR" smtClean="0"/>
@@ -8401,274 +9734,33 @@
           <a:noFill/>
         </p:spPr>
       </p:pic>
-    </p:spTree>
-  </p:cSld>
-  <p:clrMapOvr>
-    <a:masterClrMapping/>
-  </p:clrMapOvr>
-</p:sld>
-</file>
-
-<file path=ppt/slides/slide2.xml><?xml version="1.0" encoding="utf-8"?>
-<p:sld xmlns:a="http://schemas.openxmlformats.org/drawingml/2006/main" xmlns:r="http://schemas.openxmlformats.org/officeDocument/2006/relationships" xmlns:p="http://schemas.openxmlformats.org/presentationml/2006/main">
-  <p:cSld>
-    <p:spTree>
-      <p:nvGrpSpPr>
-        <p:cNvPr id="1" name=""/>
-        <p:cNvGrpSpPr/>
-        <p:nvPr/>
-      </p:nvGrpSpPr>
-      <p:grpSpPr>
-        <a:xfrm>
-          <a:off x="0" y="0"/>
-          <a:ext cx="0" cy="0"/>
-          <a:chOff x="0" y="0"/>
-          <a:chExt cx="0" cy="0"/>
-        </a:xfrm>
-      </p:grpSpPr>
-      <p:sp>
-        <p:nvSpPr>
-          <p:cNvPr id="2" name="Titre 1"/>
-          <p:cNvSpPr>
-            <a:spLocks noGrp="1"/>
-          </p:cNvSpPr>
-          <p:nvPr>
-            <p:ph type="title"/>
-          </p:nvPr>
-        </p:nvSpPr>
-        <p:spPr/>
-        <p:txBody>
-          <a:bodyPr/>
-          <a:lstStyle/>
-          <a:p>
-            <a:r>
-              <a:rPr lang="fr-FR" dirty="0" err="1" smtClean="0"/>
-              <a:t>SUmmary</a:t>
-            </a:r>
-            <a:endParaRPr lang="fr-FR" dirty="0"/>
-          </a:p>
-        </p:txBody>
-      </p:sp>
-      <p:sp>
-        <p:nvSpPr>
-          <p:cNvPr id="3" name="Espace réservé du contenu 2"/>
-          <p:cNvSpPr>
-            <a:spLocks noGrp="1"/>
-          </p:cNvSpPr>
-          <p:nvPr>
-            <p:ph idx="1"/>
-          </p:nvPr>
-        </p:nvSpPr>
-        <p:spPr/>
-        <p:txBody>
-          <a:bodyPr/>
+      <p:sp>
+        <p:nvSpPr>
+          <p:cNvPr id="10" name="ZoneTexte 9"/>
+          <p:cNvSpPr txBox="1"/>
+          <p:nvPr/>
+        </p:nvSpPr>
+        <p:spPr>
+          <a:xfrm>
+            <a:off x="2857488" y="6215082"/>
+            <a:ext cx="4929190" cy="369332"/>
+          </a:xfrm>
+          <a:prstGeom prst="rect">
+            <a:avLst/>
+          </a:prstGeom>
+          <a:noFill/>
+        </p:spPr>
+        <p:txBody>
+          <a:bodyPr wrap="square" rtlCol="0">
+            <a:spAutoFit/>
+          </a:bodyPr>
           <a:lstStyle/>
           <a:p>
             <a:r>
               <a:rPr lang="en-US" dirty="0" smtClean="0"/>
-              <a:t>1. Introduction to Point clouds</a:t>
-            </a:r>
-          </a:p>
-          <a:p>
-            <a:r>
-              <a:rPr lang="en-US" dirty="0" smtClean="0"/>
-              <a:t>2. Why use a DBMS?</a:t>
-            </a:r>
-          </a:p>
-          <a:p>
-            <a:r>
-              <a:rPr lang="en-US" dirty="0" smtClean="0"/>
-              <a:t>3. </a:t>
-            </a:r>
-            <a:r>
-              <a:rPr lang="en-US" dirty="0" err="1" smtClean="0"/>
-              <a:t>pointcloud</a:t>
-            </a:r>
-            <a:r>
-              <a:rPr lang="en-US" dirty="0" smtClean="0"/>
-              <a:t> : Efficient storing/QUERYING in </a:t>
-            </a:r>
-            <a:r>
-              <a:rPr lang="en-US" dirty="0" err="1" smtClean="0"/>
-              <a:t>postgRes</a:t>
-            </a:r>
-            <a:endParaRPr lang="en-US" dirty="0" smtClean="0"/>
-          </a:p>
-          <a:p>
-            <a:r>
-              <a:rPr lang="en-US" dirty="0" smtClean="0"/>
-              <a:t>4. In base processing</a:t>
-            </a:r>
-          </a:p>
-          <a:p>
-            <a:r>
-              <a:rPr lang="en-US" dirty="0" smtClean="0"/>
-              <a:t>5. using the server in complex architectures</a:t>
-            </a:r>
-          </a:p>
-          <a:p>
-            <a:endParaRPr lang="en-US" dirty="0" smtClean="0"/>
-          </a:p>
-          <a:p>
-            <a:r>
-              <a:rPr lang="en-US" dirty="0" smtClean="0"/>
-              <a:t>A. references</a:t>
-            </a:r>
-          </a:p>
-          <a:p>
-            <a:r>
-              <a:rPr lang="en-US" dirty="0" smtClean="0"/>
-              <a:t>B. Annexes (screens, details)</a:t>
+              <a:t>Image from [1]</a:t>
             </a:r>
             <a:endParaRPr lang="en-US" dirty="0"/>
-          </a:p>
-        </p:txBody>
-      </p:sp>
-      <p:sp>
-        <p:nvSpPr>
-          <p:cNvPr id="4" name="Espace réservé de la date 3"/>
-          <p:cNvSpPr>
-            <a:spLocks noGrp="1"/>
-          </p:cNvSpPr>
-          <p:nvPr>
-            <p:ph type="dt" sz="half" idx="10"/>
-          </p:nvPr>
-        </p:nvSpPr>
-        <p:spPr/>
-        <p:txBody>
-          <a:bodyPr/>
-          <a:lstStyle/>
-          <a:p>
-            <a:pPr>
-              <a:defRPr/>
-            </a:pPr>
-            <a:fld id="{E213AF71-F760-4AA3-87B2-C2FBB7A81BCA}" type="datetime1">
-              <a:rPr lang="fr-FR" smtClean="0"/>
-              <a:t>22/09/2014</a:t>
-            </a:fld>
-            <a:endParaRPr lang="fr-FR" dirty="0"/>
-          </a:p>
-        </p:txBody>
-      </p:sp>
-      <p:sp>
-        <p:nvSpPr>
-          <p:cNvPr id="5" name="Espace réservé du pied de page 4"/>
-          <p:cNvSpPr>
-            <a:spLocks noGrp="1"/>
-          </p:cNvSpPr>
-          <p:nvPr>
-            <p:ph type="ftr" sz="quarter" idx="11"/>
-          </p:nvPr>
-        </p:nvSpPr>
-        <p:spPr/>
-        <p:txBody>
-          <a:bodyPr/>
-          <a:lstStyle/>
-          <a:p>
-            <a:pPr>
-              <a:defRPr/>
-            </a:pPr>
-            <a:r>
-              <a:rPr lang="fr-FR" smtClean="0"/>
-              <a:t>Thales - IGN / COGIT - MATIS</a:t>
-            </a:r>
-            <a:endParaRPr lang="fr-FR" dirty="0"/>
-          </a:p>
-        </p:txBody>
-      </p:sp>
-      <p:sp>
-        <p:nvSpPr>
-          <p:cNvPr id="6" name="Espace réservé du numéro de diapositive 5"/>
-          <p:cNvSpPr>
-            <a:spLocks noGrp="1"/>
-          </p:cNvSpPr>
-          <p:nvPr>
-            <p:ph type="sldNum" sz="quarter" idx="12"/>
-          </p:nvPr>
-        </p:nvSpPr>
-        <p:spPr/>
-        <p:txBody>
-          <a:bodyPr/>
-          <a:lstStyle/>
-          <a:p>
-            <a:pPr>
-              <a:defRPr/>
-            </a:pPr>
-            <a:fld id="{504B660C-1446-45BE-A6D7-15805AAE1919}" type="slidenum">
-              <a:rPr lang="fr-FR" smtClean="0"/>
-              <a:pPr>
-                <a:defRPr/>
-              </a:pPr>
-              <a:t>2</a:t>
-            </a:fld>
-            <a:r>
-              <a:rPr lang="fr-FR" smtClean="0"/>
-              <a:t>/</a:t>
-            </a:r>
-            <a:endParaRPr lang="fr-FR" dirty="0"/>
-          </a:p>
-        </p:txBody>
-      </p:sp>
-    </p:spTree>
-  </p:cSld>
-  <p:clrMapOvr>
-    <a:masterClrMapping/>
-  </p:clrMapOvr>
-</p:sld>
-</file>
-
-<file path=ppt/slides/slide20.xml><?xml version="1.0" encoding="utf-8"?>
-<p:sld xmlns:a="http://schemas.openxmlformats.org/drawingml/2006/main" xmlns:r="http://schemas.openxmlformats.org/officeDocument/2006/relationships" xmlns:p="http://schemas.openxmlformats.org/presentationml/2006/main">
-  <p:cSld>
-    <p:spTree>
-      <p:nvGrpSpPr>
-        <p:cNvPr id="1" name=""/>
-        <p:cNvGrpSpPr/>
-        <p:nvPr/>
-      </p:nvGrpSpPr>
-      <p:grpSpPr>
-        <a:xfrm>
-          <a:off x="0" y="0"/>
-          <a:ext cx="0" cy="0"/>
-          <a:chOff x="0" y="0"/>
-          <a:chExt cx="0" cy="0"/>
-        </a:xfrm>
-      </p:grpSpPr>
-      <p:sp>
-        <p:nvSpPr>
-          <p:cNvPr id="2" name="Titre 1"/>
-          <p:cNvSpPr>
-            <a:spLocks noGrp="1"/>
-          </p:cNvSpPr>
-          <p:nvPr>
-            <p:ph type="ctrTitle"/>
-          </p:nvPr>
-        </p:nvSpPr>
-        <p:spPr/>
-        <p:txBody>
-          <a:bodyPr/>
-          <a:lstStyle/>
-          <a:p>
-            <a:endParaRPr lang="en-US"/>
-          </a:p>
-        </p:txBody>
-      </p:sp>
-      <p:sp>
-        <p:nvSpPr>
-          <p:cNvPr id="3" name="Sous-titre 2"/>
-          <p:cNvSpPr>
-            <a:spLocks noGrp="1"/>
-          </p:cNvSpPr>
-          <p:nvPr>
-            <p:ph type="subTitle" idx="1"/>
-          </p:nvPr>
-        </p:nvSpPr>
-        <p:spPr/>
-        <p:txBody>
-          <a:bodyPr/>
-          <a:lstStyle/>
-          <a:p>
-            <a:endParaRPr lang="en-US"/>
           </a:p>
         </p:txBody>
       </p:sp>
@@ -8762,350 +9854,39 @@
       </p:grpSpPr>
       <p:sp>
         <p:nvSpPr>
-          <p:cNvPr id="3074" name="Titre 1"/>
-          <p:cNvSpPr>
-            <a:spLocks noGrp="1"/>
-          </p:cNvSpPr>
-          <p:nvPr>
-            <p:ph type="title"/>
-          </p:nvPr>
-        </p:nvSpPr>
-        <p:spPr/>
-        <p:txBody>
-          <a:bodyPr/>
-          <a:lstStyle/>
-          <a:p>
-            <a:pPr eaLnBrk="1" hangingPunct="1"/>
-            <a:r>
-              <a:rPr lang="fr-FR" smtClean="0"/>
-              <a:t>Demo postgres	</a:t>
-            </a:r>
-          </a:p>
-        </p:txBody>
-      </p:sp>
-      <p:sp>
-        <p:nvSpPr>
-          <p:cNvPr id="3" name="Espace réservé du contenu 2"/>
-          <p:cNvSpPr>
-            <a:spLocks noGrp="1"/>
-          </p:cNvSpPr>
-          <p:nvPr>
-            <p:ph idx="1"/>
-          </p:nvPr>
-        </p:nvSpPr>
-        <p:spPr/>
-        <p:txBody>
-          <a:bodyPr rtlCol="0">
-            <a:normAutofit fontScale="62500" lnSpcReduction="20000"/>
-          </a:bodyPr>
-          <a:lstStyle/>
-          <a:p>
-            <a:pPr eaLnBrk="1" fontAlgn="auto" hangingPunct="1">
-              <a:spcAft>
-                <a:spcPts val="0"/>
-              </a:spcAft>
-              <a:buFont typeface="Arial" pitchFamily="34" charset="0"/>
-              <a:buChar char="•"/>
-              <a:defRPr/>
-            </a:pPr>
-            <a:r>
-              <a:rPr lang="fr-FR" dirty="0" err="1" smtClean="0"/>
-              <a:t>_introduction</a:t>
-            </a:r>
-            <a:r>
-              <a:rPr lang="fr-FR" dirty="0" smtClean="0"/>
-              <a:t> aux nuages de points &amp; les problématiques de ce genre de données</a:t>
-            </a:r>
-          </a:p>
-          <a:p>
-            <a:pPr eaLnBrk="1" fontAlgn="auto" hangingPunct="1">
-              <a:spcAft>
-                <a:spcPts val="0"/>
-              </a:spcAft>
-              <a:buFont typeface="Arial" pitchFamily="34" charset="0"/>
-              <a:buChar char="•"/>
-              <a:defRPr/>
-            </a:pPr>
-            <a:r>
-              <a:rPr lang="fr-FR" dirty="0" err="1" smtClean="0"/>
-              <a:t>_serveur</a:t>
-            </a:r>
-            <a:r>
-              <a:rPr lang="fr-FR" dirty="0" smtClean="0"/>
-              <a:t> de nuages de points :</a:t>
-            </a:r>
-          </a:p>
-          <a:p>
-            <a:pPr lvl="1" eaLnBrk="1" fontAlgn="auto" hangingPunct="1">
-              <a:spcAft>
-                <a:spcPts val="0"/>
-              </a:spcAft>
-              <a:buFont typeface="Arial" pitchFamily="34" charset="0"/>
-              <a:buChar char="–"/>
-              <a:defRPr/>
-            </a:pPr>
-            <a:r>
-              <a:rPr lang="fr-FR" dirty="0" err="1" smtClean="0"/>
-              <a:t>_stockage</a:t>
-            </a:r>
-            <a:r>
-              <a:rPr lang="fr-FR" dirty="0" smtClean="0"/>
-              <a:t> en base de données avec </a:t>
-            </a:r>
-            <a:r>
-              <a:rPr lang="fr-FR" dirty="0" err="1" smtClean="0"/>
-              <a:t>PointCloud</a:t>
-            </a:r>
-            <a:endParaRPr lang="fr-FR" dirty="0" smtClean="0"/>
-          </a:p>
-          <a:p>
-            <a:pPr lvl="1" eaLnBrk="1" fontAlgn="auto" hangingPunct="1">
-              <a:spcAft>
-                <a:spcPts val="0"/>
-              </a:spcAft>
-              <a:buFont typeface="Arial" pitchFamily="34" charset="0"/>
-              <a:buChar char="–"/>
-              <a:defRPr/>
-            </a:pPr>
-            <a:r>
-              <a:rPr lang="fr-FR" dirty="0" err="1" smtClean="0"/>
-              <a:t>_chargement</a:t>
-            </a:r>
-            <a:r>
-              <a:rPr lang="fr-FR" dirty="0" smtClean="0"/>
-              <a:t> rapide et parallèle</a:t>
-            </a:r>
-          </a:p>
-          <a:p>
-            <a:pPr lvl="1" eaLnBrk="1" fontAlgn="auto" hangingPunct="1">
-              <a:spcAft>
-                <a:spcPts val="0"/>
-              </a:spcAft>
-              <a:buFont typeface="Arial" pitchFamily="34" charset="0"/>
-              <a:buChar char="–"/>
-              <a:defRPr/>
-            </a:pPr>
-            <a:r>
-              <a:rPr lang="fr-FR" dirty="0" err="1" smtClean="0"/>
-              <a:t>_indexations</a:t>
-            </a:r>
-            <a:r>
-              <a:rPr lang="fr-FR" dirty="0" smtClean="0"/>
-              <a:t> et performances</a:t>
-            </a:r>
-          </a:p>
-          <a:p>
-            <a:pPr eaLnBrk="1" fontAlgn="auto" hangingPunct="1">
-              <a:spcAft>
-                <a:spcPts val="0"/>
-              </a:spcAft>
-              <a:buFont typeface="Arial" pitchFamily="34" charset="0"/>
-              <a:buChar char="•"/>
-              <a:defRPr/>
-            </a:pPr>
-            <a:r>
-              <a:rPr lang="fr-FR" dirty="0" smtClean="0"/>
-              <a:t>Visu : </a:t>
-            </a:r>
-          </a:p>
-          <a:p>
-            <a:pPr lvl="1" eaLnBrk="1" fontAlgn="auto" hangingPunct="1">
-              <a:spcAft>
-                <a:spcPts val="0"/>
-              </a:spcAft>
-              <a:buFont typeface="Arial" pitchFamily="34" charset="0"/>
-              <a:buChar char="–"/>
-              <a:defRPr/>
-            </a:pPr>
-            <a:r>
-              <a:rPr lang="fr-FR" dirty="0" err="1" smtClean="0"/>
-              <a:t>_visu</a:t>
-            </a:r>
-            <a:r>
-              <a:rPr lang="fr-FR" dirty="0" smtClean="0"/>
-              <a:t> 2D dans QGIS</a:t>
-            </a:r>
-          </a:p>
-          <a:p>
-            <a:pPr lvl="1" eaLnBrk="1" fontAlgn="auto" hangingPunct="1">
-              <a:spcAft>
-                <a:spcPts val="0"/>
-              </a:spcAft>
-              <a:buFont typeface="Arial" pitchFamily="34" charset="0"/>
-              <a:buChar char="–"/>
-              <a:defRPr/>
-            </a:pPr>
-            <a:r>
-              <a:rPr lang="fr-FR" dirty="0" err="1" smtClean="0"/>
-              <a:t>_visu</a:t>
-            </a:r>
-            <a:r>
-              <a:rPr lang="fr-FR" dirty="0" smtClean="0"/>
-              <a:t> 3D interactive dans </a:t>
-            </a:r>
-            <a:r>
-              <a:rPr lang="fr-FR" dirty="0" err="1" smtClean="0"/>
-              <a:t>ITowns</a:t>
-            </a:r>
-            <a:r>
-              <a:rPr lang="fr-FR" dirty="0" smtClean="0"/>
-              <a:t> </a:t>
-            </a:r>
-          </a:p>
-          <a:p>
-            <a:pPr eaLnBrk="1" fontAlgn="auto" hangingPunct="1">
-              <a:spcAft>
-                <a:spcPts val="0"/>
-              </a:spcAft>
-              <a:buFont typeface="Arial" pitchFamily="34" charset="0"/>
-              <a:buChar char="•"/>
-              <a:defRPr/>
-            </a:pPr>
-            <a:r>
-              <a:rPr lang="fr-FR" dirty="0" err="1" smtClean="0"/>
-              <a:t>_utilisation</a:t>
-            </a:r>
-            <a:r>
-              <a:rPr lang="fr-FR" dirty="0" smtClean="0"/>
-              <a:t> (une base de 0.6 milliard et une base de 5.8 milliards de points)</a:t>
-            </a:r>
-          </a:p>
-          <a:p>
-            <a:pPr lvl="1" eaLnBrk="1" fontAlgn="auto" hangingPunct="1">
-              <a:spcAft>
-                <a:spcPts val="0"/>
-              </a:spcAft>
-              <a:buFont typeface="Arial" pitchFamily="34" charset="0"/>
-              <a:buChar char="–"/>
-              <a:defRPr/>
-            </a:pPr>
-            <a:r>
-              <a:rPr lang="fr-FR" dirty="0" err="1" smtClean="0"/>
-              <a:t>_niveaux</a:t>
-            </a:r>
-            <a:r>
-              <a:rPr lang="fr-FR" dirty="0" smtClean="0"/>
-              <a:t> de détails (</a:t>
-            </a:r>
-            <a:r>
-              <a:rPr lang="fr-FR" dirty="0" err="1" smtClean="0"/>
-              <a:t>quadtree</a:t>
-            </a:r>
-            <a:r>
-              <a:rPr lang="fr-FR" dirty="0" smtClean="0"/>
-              <a:t>/</a:t>
-            </a:r>
-            <a:r>
-              <a:rPr lang="fr-FR" dirty="0" err="1" smtClean="0"/>
-              <a:t>octree</a:t>
-            </a:r>
-            <a:r>
-              <a:rPr lang="fr-FR" dirty="0" smtClean="0"/>
-              <a:t>)</a:t>
-            </a:r>
-          </a:p>
-          <a:p>
-            <a:pPr lvl="1" eaLnBrk="1" fontAlgn="auto" hangingPunct="1">
-              <a:spcAft>
-                <a:spcPts val="0"/>
-              </a:spcAft>
-              <a:buFont typeface="Arial" pitchFamily="34" charset="0"/>
-              <a:buChar char="–"/>
-              <a:defRPr/>
-            </a:pPr>
-            <a:r>
-              <a:rPr lang="fr-FR" dirty="0" err="1" smtClean="0"/>
-              <a:t>_analyse</a:t>
-            </a:r>
-            <a:r>
-              <a:rPr lang="fr-FR" dirty="0" smtClean="0"/>
-              <a:t> basique ( PL/R  ) </a:t>
-            </a:r>
-          </a:p>
-          <a:p>
-            <a:pPr lvl="1" eaLnBrk="1" fontAlgn="auto" hangingPunct="1">
-              <a:spcAft>
-                <a:spcPts val="0"/>
-              </a:spcAft>
-              <a:buFont typeface="Arial" pitchFamily="34" charset="0"/>
-              <a:buChar char="–"/>
-              <a:defRPr/>
-            </a:pPr>
-            <a:r>
-              <a:rPr lang="fr-FR" dirty="0" err="1" smtClean="0"/>
-              <a:t>Processing</a:t>
-            </a:r>
-            <a:r>
-              <a:rPr lang="fr-FR" dirty="0" smtClean="0"/>
-              <a:t>  Pl/python</a:t>
-            </a:r>
-          </a:p>
-          <a:p>
-            <a:pPr lvl="1" eaLnBrk="1" fontAlgn="auto" hangingPunct="1">
-              <a:spcAft>
-                <a:spcPts val="0"/>
-              </a:spcAft>
-              <a:buFont typeface="Arial" pitchFamily="34" charset="0"/>
-              <a:buChar char="–"/>
-              <a:defRPr/>
-            </a:pPr>
-            <a:r>
-              <a:rPr lang="fr-FR" dirty="0" err="1" smtClean="0"/>
-              <a:t>_conversion</a:t>
-            </a:r>
-            <a:r>
-              <a:rPr lang="fr-FR" dirty="0" smtClean="0"/>
-              <a:t> en raster &amp; traitements image basiques en base.</a:t>
-            </a:r>
-          </a:p>
-          <a:p>
-            <a:pPr eaLnBrk="1" fontAlgn="auto" hangingPunct="1">
-              <a:spcAft>
-                <a:spcPts val="0"/>
-              </a:spcAft>
-              <a:buFont typeface="Arial" pitchFamily="34" charset="0"/>
-              <a:buChar char="•"/>
-              <a:defRPr/>
-            </a:pPr>
-            <a:r>
-              <a:rPr lang="fr-FR" dirty="0" err="1" smtClean="0"/>
-              <a:t>_utilisation</a:t>
-            </a:r>
-            <a:r>
-              <a:rPr lang="fr-FR" dirty="0" smtClean="0"/>
-              <a:t> par un </a:t>
-            </a:r>
-            <a:r>
-              <a:rPr lang="fr-FR" dirty="0" err="1" smtClean="0"/>
-              <a:t>algo</a:t>
-            </a:r>
-            <a:r>
-              <a:rPr lang="fr-FR" dirty="0" smtClean="0"/>
-              <a:t> interactif de détection de bord de trottoir (+zoo </a:t>
-            </a:r>
-            <a:r>
-              <a:rPr lang="fr-FR" dirty="0" err="1" smtClean="0"/>
-              <a:t>project</a:t>
-            </a:r>
-            <a:r>
-              <a:rPr lang="fr-FR" dirty="0" smtClean="0"/>
-              <a:t>)</a:t>
-            </a:r>
-          </a:p>
-          <a:p>
-            <a:pPr eaLnBrk="1" fontAlgn="auto" hangingPunct="1">
-              <a:spcAft>
-                <a:spcPts val="0"/>
-              </a:spcAft>
-              <a:buFont typeface="Arial" pitchFamily="34" charset="0"/>
-              <a:buChar char="•"/>
-              <a:defRPr/>
-            </a:pPr>
-            <a:r>
-              <a:rPr lang="fr-FR" dirty="0" err="1" smtClean="0"/>
-              <a:t>_perspectives</a:t>
-            </a:r>
-            <a:endParaRPr lang="fr-FR" dirty="0" smtClean="0"/>
+          <p:cNvPr id="2" name="Titre 1"/>
+          <p:cNvSpPr>
+            <a:spLocks noGrp="1"/>
+          </p:cNvSpPr>
+          <p:nvPr>
+            <p:ph type="ctrTitle"/>
+          </p:nvPr>
+        </p:nvSpPr>
+        <p:spPr/>
+        <p:txBody>
+          <a:bodyPr/>
+          <a:lstStyle/>
+          <a:p>
+            <a:endParaRPr lang="en-US"/>
+          </a:p>
+        </p:txBody>
+      </p:sp>
+      <p:sp>
+        <p:nvSpPr>
+          <p:cNvPr id="3" name="Sous-titre 2"/>
+          <p:cNvSpPr>
+            <a:spLocks noGrp="1"/>
+          </p:cNvSpPr>
+          <p:nvPr>
+            <p:ph type="subTitle" idx="1"/>
+          </p:nvPr>
+        </p:nvSpPr>
+        <p:spPr/>
+        <p:txBody>
+          <a:bodyPr/>
+          <a:lstStyle/>
+          <a:p>
+            <a:endParaRPr lang="en-US"/>
           </a:p>
         </p:txBody>
       </p:sp>
@@ -9136,7 +9917,7 @@
       </p:grpSpPr>
       <p:sp>
         <p:nvSpPr>
-          <p:cNvPr id="4098" name="Titre 1"/>
+          <p:cNvPr id="3074" name="Titre 1"/>
           <p:cNvSpPr>
             <a:spLocks noGrp="1"/>
           </p:cNvSpPr>
@@ -9159,7 +9940,7 @@
       </p:sp>
       <p:sp>
         <p:nvSpPr>
-          <p:cNvPr id="4099" name="Espace réservé du contenu 2"/>
+          <p:cNvPr id="3" name="Espace réservé du contenu 2"/>
           <p:cNvSpPr>
             <a:spLocks noGrp="1"/>
           </p:cNvSpPr>
@@ -9169,21 +9950,317 @@
         </p:nvSpPr>
         <p:spPr/>
         <p:txBody>
-          <a:bodyPr/>
-          <a:lstStyle/>
-          <a:p>
-            <a:pPr eaLnBrk="1" hangingPunct="1"/>
-            <a:r>
-              <a:rPr lang="fr-FR" smtClean="0"/>
-              <a:t>LOD maison</a:t>
-            </a:r>
-          </a:p>
-          <a:p>
-            <a:pPr eaLnBrk="1" hangingPunct="1"/>
-            <a:r>
-              <a:rPr lang="fr-FR" smtClean="0"/>
-              <a:t>Index et filtrage</a:t>
-            </a:r>
+          <a:bodyPr rtlCol="0">
+            <a:normAutofit fontScale="62500" lnSpcReduction="20000"/>
+          </a:bodyPr>
+          <a:lstStyle/>
+          <a:p>
+            <a:pPr eaLnBrk="1" fontAlgn="auto" hangingPunct="1">
+              <a:spcAft>
+                <a:spcPts val="0"/>
+              </a:spcAft>
+              <a:buFont typeface="Arial" pitchFamily="34" charset="0"/>
+              <a:buChar char="•"/>
+              <a:defRPr/>
+            </a:pPr>
+            <a:r>
+              <a:rPr lang="fr-FR" dirty="0" err="1" smtClean="0"/>
+              <a:t>_introduction</a:t>
+            </a:r>
+            <a:r>
+              <a:rPr lang="fr-FR" dirty="0" smtClean="0"/>
+              <a:t> aux nuages de points &amp; les problématiques de ce genre de données</a:t>
+            </a:r>
+          </a:p>
+          <a:p>
+            <a:pPr eaLnBrk="1" fontAlgn="auto" hangingPunct="1">
+              <a:spcAft>
+                <a:spcPts val="0"/>
+              </a:spcAft>
+              <a:buFont typeface="Arial" pitchFamily="34" charset="0"/>
+              <a:buChar char="•"/>
+              <a:defRPr/>
+            </a:pPr>
+            <a:r>
+              <a:rPr lang="fr-FR" dirty="0" err="1" smtClean="0"/>
+              <a:t>_serveur</a:t>
+            </a:r>
+            <a:r>
+              <a:rPr lang="fr-FR" dirty="0" smtClean="0"/>
+              <a:t> de nuages de points :</a:t>
+            </a:r>
+          </a:p>
+          <a:p>
+            <a:pPr lvl="1" eaLnBrk="1" fontAlgn="auto" hangingPunct="1">
+              <a:spcAft>
+                <a:spcPts val="0"/>
+              </a:spcAft>
+              <a:buFont typeface="Arial" pitchFamily="34" charset="0"/>
+              <a:buChar char="–"/>
+              <a:defRPr/>
+            </a:pPr>
+            <a:r>
+              <a:rPr lang="fr-FR" dirty="0" err="1" smtClean="0"/>
+              <a:t>_stockage</a:t>
+            </a:r>
+            <a:r>
+              <a:rPr lang="fr-FR" dirty="0" smtClean="0"/>
+              <a:t> en base de données avec </a:t>
+            </a:r>
+            <a:r>
+              <a:rPr lang="fr-FR" dirty="0" err="1" smtClean="0"/>
+              <a:t>PointCloud</a:t>
+            </a:r>
+            <a:endParaRPr lang="fr-FR" dirty="0" smtClean="0"/>
+          </a:p>
+          <a:p>
+            <a:pPr lvl="1" eaLnBrk="1" fontAlgn="auto" hangingPunct="1">
+              <a:spcAft>
+                <a:spcPts val="0"/>
+              </a:spcAft>
+              <a:buFont typeface="Arial" pitchFamily="34" charset="0"/>
+              <a:buChar char="–"/>
+              <a:defRPr/>
+            </a:pPr>
+            <a:r>
+              <a:rPr lang="fr-FR" dirty="0" err="1" smtClean="0"/>
+              <a:t>_chargement</a:t>
+            </a:r>
+            <a:r>
+              <a:rPr lang="fr-FR" dirty="0" smtClean="0"/>
+              <a:t> rapide et parallèle</a:t>
+            </a:r>
+          </a:p>
+          <a:p>
+            <a:pPr lvl="1" eaLnBrk="1" fontAlgn="auto" hangingPunct="1">
+              <a:spcAft>
+                <a:spcPts val="0"/>
+              </a:spcAft>
+              <a:buFont typeface="Arial" pitchFamily="34" charset="0"/>
+              <a:buChar char="–"/>
+              <a:defRPr/>
+            </a:pPr>
+            <a:r>
+              <a:rPr lang="fr-FR" dirty="0" err="1" smtClean="0"/>
+              <a:t>_indexations</a:t>
+            </a:r>
+            <a:r>
+              <a:rPr lang="fr-FR" dirty="0" smtClean="0"/>
+              <a:t> et performances</a:t>
+            </a:r>
+          </a:p>
+          <a:p>
+            <a:pPr eaLnBrk="1" fontAlgn="auto" hangingPunct="1">
+              <a:spcAft>
+                <a:spcPts val="0"/>
+              </a:spcAft>
+              <a:buFont typeface="Arial" pitchFamily="34" charset="0"/>
+              <a:buChar char="•"/>
+              <a:defRPr/>
+            </a:pPr>
+            <a:r>
+              <a:rPr lang="fr-FR" dirty="0" smtClean="0"/>
+              <a:t>Visu : </a:t>
+            </a:r>
+          </a:p>
+          <a:p>
+            <a:pPr lvl="1" eaLnBrk="1" fontAlgn="auto" hangingPunct="1">
+              <a:spcAft>
+                <a:spcPts val="0"/>
+              </a:spcAft>
+              <a:buFont typeface="Arial" pitchFamily="34" charset="0"/>
+              <a:buChar char="–"/>
+              <a:defRPr/>
+            </a:pPr>
+            <a:r>
+              <a:rPr lang="fr-FR" dirty="0" err="1" smtClean="0"/>
+              <a:t>_visu</a:t>
+            </a:r>
+            <a:r>
+              <a:rPr lang="fr-FR" dirty="0" smtClean="0"/>
+              <a:t> 2D dans QGIS</a:t>
+            </a:r>
+          </a:p>
+          <a:p>
+            <a:pPr lvl="1" eaLnBrk="1" fontAlgn="auto" hangingPunct="1">
+              <a:spcAft>
+                <a:spcPts val="0"/>
+              </a:spcAft>
+              <a:buFont typeface="Arial" pitchFamily="34" charset="0"/>
+              <a:buChar char="–"/>
+              <a:defRPr/>
+            </a:pPr>
+            <a:r>
+              <a:rPr lang="fr-FR" dirty="0" err="1" smtClean="0"/>
+              <a:t>_visu</a:t>
+            </a:r>
+            <a:r>
+              <a:rPr lang="fr-FR" dirty="0" smtClean="0"/>
+              <a:t> 3D interactive dans </a:t>
+            </a:r>
+            <a:r>
+              <a:rPr lang="fr-FR" dirty="0" err="1" smtClean="0"/>
+              <a:t>ITowns</a:t>
+            </a:r>
+            <a:r>
+              <a:rPr lang="fr-FR" dirty="0" smtClean="0"/>
+              <a:t> </a:t>
+            </a:r>
+          </a:p>
+          <a:p>
+            <a:pPr eaLnBrk="1" fontAlgn="auto" hangingPunct="1">
+              <a:spcAft>
+                <a:spcPts val="0"/>
+              </a:spcAft>
+              <a:buFont typeface="Arial" pitchFamily="34" charset="0"/>
+              <a:buChar char="•"/>
+              <a:defRPr/>
+            </a:pPr>
+            <a:r>
+              <a:rPr lang="fr-FR" dirty="0" err="1" smtClean="0"/>
+              <a:t>_utilisation</a:t>
+            </a:r>
+            <a:r>
+              <a:rPr lang="fr-FR" dirty="0" smtClean="0"/>
+              <a:t> (une base de 0.6 milliard et une base de 5.8 milliards de points)</a:t>
+            </a:r>
+          </a:p>
+          <a:p>
+            <a:pPr lvl="1" eaLnBrk="1" fontAlgn="auto" hangingPunct="1">
+              <a:spcAft>
+                <a:spcPts val="0"/>
+              </a:spcAft>
+              <a:buFont typeface="Arial" pitchFamily="34" charset="0"/>
+              <a:buChar char="–"/>
+              <a:defRPr/>
+            </a:pPr>
+            <a:r>
+              <a:rPr lang="fr-FR" dirty="0" err="1" smtClean="0"/>
+              <a:t>_niveaux</a:t>
+            </a:r>
+            <a:r>
+              <a:rPr lang="fr-FR" dirty="0" smtClean="0"/>
+              <a:t> de détails (</a:t>
+            </a:r>
+            <a:r>
+              <a:rPr lang="fr-FR" dirty="0" err="1" smtClean="0"/>
+              <a:t>quadtree</a:t>
+            </a:r>
+            <a:r>
+              <a:rPr lang="fr-FR" dirty="0" smtClean="0"/>
+              <a:t>/</a:t>
+            </a:r>
+            <a:r>
+              <a:rPr lang="fr-FR" dirty="0" err="1" smtClean="0"/>
+              <a:t>octree</a:t>
+            </a:r>
+            <a:r>
+              <a:rPr lang="fr-FR" dirty="0" smtClean="0"/>
+              <a:t>)</a:t>
+            </a:r>
+          </a:p>
+          <a:p>
+            <a:pPr lvl="1" eaLnBrk="1" fontAlgn="auto" hangingPunct="1">
+              <a:spcAft>
+                <a:spcPts val="0"/>
+              </a:spcAft>
+              <a:buFont typeface="Arial" pitchFamily="34" charset="0"/>
+              <a:buChar char="–"/>
+              <a:defRPr/>
+            </a:pPr>
+            <a:r>
+              <a:rPr lang="fr-FR" dirty="0" err="1" smtClean="0"/>
+              <a:t>_analyse</a:t>
+            </a:r>
+            <a:r>
+              <a:rPr lang="fr-FR" dirty="0" smtClean="0"/>
+              <a:t> basique ( PL/R  ) </a:t>
+            </a:r>
+          </a:p>
+          <a:p>
+            <a:pPr lvl="1" eaLnBrk="1" fontAlgn="auto" hangingPunct="1">
+              <a:spcAft>
+                <a:spcPts val="0"/>
+              </a:spcAft>
+              <a:buFont typeface="Arial" pitchFamily="34" charset="0"/>
+              <a:buChar char="–"/>
+              <a:defRPr/>
+            </a:pPr>
+            <a:r>
+              <a:rPr lang="fr-FR" dirty="0" err="1" smtClean="0"/>
+              <a:t>Processing</a:t>
+            </a:r>
+            <a:r>
+              <a:rPr lang="fr-FR" dirty="0" smtClean="0"/>
+              <a:t>  Pl/python</a:t>
+            </a:r>
+          </a:p>
+          <a:p>
+            <a:pPr lvl="1" eaLnBrk="1" fontAlgn="auto" hangingPunct="1">
+              <a:spcAft>
+                <a:spcPts val="0"/>
+              </a:spcAft>
+              <a:buFont typeface="Arial" pitchFamily="34" charset="0"/>
+              <a:buChar char="–"/>
+              <a:defRPr/>
+            </a:pPr>
+            <a:r>
+              <a:rPr lang="fr-FR" dirty="0" err="1" smtClean="0"/>
+              <a:t>_conversion</a:t>
+            </a:r>
+            <a:r>
+              <a:rPr lang="fr-FR" dirty="0" smtClean="0"/>
+              <a:t> en raster &amp; traitements image basiques en base.</a:t>
+            </a:r>
+          </a:p>
+          <a:p>
+            <a:pPr eaLnBrk="1" fontAlgn="auto" hangingPunct="1">
+              <a:spcAft>
+                <a:spcPts val="0"/>
+              </a:spcAft>
+              <a:buFont typeface="Arial" pitchFamily="34" charset="0"/>
+              <a:buChar char="•"/>
+              <a:defRPr/>
+            </a:pPr>
+            <a:r>
+              <a:rPr lang="fr-FR" dirty="0" err="1" smtClean="0"/>
+              <a:t>_utilisation</a:t>
+            </a:r>
+            <a:r>
+              <a:rPr lang="fr-FR" dirty="0" smtClean="0"/>
+              <a:t> par un </a:t>
+            </a:r>
+            <a:r>
+              <a:rPr lang="fr-FR" dirty="0" err="1" smtClean="0"/>
+              <a:t>algo</a:t>
+            </a:r>
+            <a:r>
+              <a:rPr lang="fr-FR" dirty="0" smtClean="0"/>
+              <a:t> interactif de détection de bord de trottoir (+zoo </a:t>
+            </a:r>
+            <a:r>
+              <a:rPr lang="fr-FR" dirty="0" err="1" smtClean="0"/>
+              <a:t>project</a:t>
+            </a:r>
+            <a:r>
+              <a:rPr lang="fr-FR" dirty="0" smtClean="0"/>
+              <a:t>)</a:t>
+            </a:r>
+          </a:p>
+          <a:p>
+            <a:pPr eaLnBrk="1" fontAlgn="auto" hangingPunct="1">
+              <a:spcAft>
+                <a:spcPts val="0"/>
+              </a:spcAft>
+              <a:buFont typeface="Arial" pitchFamily="34" charset="0"/>
+              <a:buChar char="•"/>
+              <a:defRPr/>
+            </a:pPr>
+            <a:r>
+              <a:rPr lang="fr-FR" dirty="0" err="1" smtClean="0"/>
+              <a:t>_perspectives</a:t>
+            </a:r>
+            <a:endParaRPr lang="fr-FR" dirty="0" smtClean="0"/>
           </a:p>
         </p:txBody>
       </p:sp>
@@ -9214,7 +10291,7 @@
       </p:grpSpPr>
       <p:sp>
         <p:nvSpPr>
-          <p:cNvPr id="5122" name="Titre 1"/>
+          <p:cNvPr id="4098" name="Titre 1"/>
           <p:cNvSpPr>
             <a:spLocks noGrp="1"/>
           </p:cNvSpPr>
@@ -9230,14 +10307,14 @@
             <a:pPr eaLnBrk="1" hangingPunct="1"/>
             <a:r>
               <a:rPr lang="fr-FR" smtClean="0"/>
-              <a:t>Demo PLR</a:t>
-            </a:r>
-          </a:p>
-        </p:txBody>
-      </p:sp>
-      <p:sp>
-        <p:nvSpPr>
-          <p:cNvPr id="5123" name="Espace réservé du contenu 2"/>
+              <a:t>Demo postgres	</a:t>
+            </a:r>
+          </a:p>
+        </p:txBody>
+      </p:sp>
+      <p:sp>
+        <p:nvSpPr>
+          <p:cNvPr id="4099" name="Espace réservé du contenu 2"/>
           <p:cNvSpPr>
             <a:spLocks noGrp="1"/>
           </p:cNvSpPr>
@@ -9253,21 +10330,14 @@
             <a:pPr eaLnBrk="1" hangingPunct="1"/>
             <a:r>
               <a:rPr lang="fr-FR" smtClean="0"/>
-              <a:t>Analyse de correlation</a:t>
+              <a:t>LOD maison</a:t>
             </a:r>
           </a:p>
           <a:p>
             <a:pPr eaLnBrk="1" hangingPunct="1"/>
             <a:r>
               <a:rPr lang="fr-FR" smtClean="0"/>
-              <a:t>Spline fitting</a:t>
-            </a:r>
-          </a:p>
-          <a:p>
-            <a:pPr eaLnBrk="1" hangingPunct="1"/>
-            <a:r>
-              <a:rPr lang="fr-FR" smtClean="0"/>
-              <a:t>Clustering (espace eucl+reflectance)</a:t>
+              <a:t>Index et filtrage</a:t>
             </a:r>
           </a:p>
         </p:txBody>
@@ -9299,7 +10369,7 @@
       </p:grpSpPr>
       <p:sp>
         <p:nvSpPr>
-          <p:cNvPr id="6146" name="Titre 1"/>
+          <p:cNvPr id="5122" name="Titre 1"/>
           <p:cNvSpPr>
             <a:spLocks noGrp="1"/>
           </p:cNvSpPr>
@@ -9315,14 +10385,14 @@
             <a:pPr eaLnBrk="1" hangingPunct="1"/>
             <a:r>
               <a:rPr lang="fr-FR" smtClean="0"/>
-              <a:t>Demo python</a:t>
-            </a:r>
-          </a:p>
-        </p:txBody>
-      </p:sp>
-      <p:sp>
-        <p:nvSpPr>
-          <p:cNvPr id="6147" name="Espace réservé du contenu 2"/>
+              <a:t>Demo PLR</a:t>
+            </a:r>
+          </a:p>
+        </p:txBody>
+      </p:sp>
+      <p:sp>
+        <p:nvSpPr>
+          <p:cNvPr id="5123" name="Espace réservé du contenu 2"/>
           <p:cNvSpPr>
             <a:spLocks noGrp="1"/>
           </p:cNvSpPr>
@@ -9338,26 +10408,22 @@
             <a:pPr eaLnBrk="1" hangingPunct="1"/>
             <a:r>
               <a:rPr lang="fr-FR" smtClean="0"/>
-              <a:t>Icp</a:t>
+              <a:t>Analyse de correlation</a:t>
             </a:r>
           </a:p>
           <a:p>
             <a:pPr eaLnBrk="1" hangingPunct="1"/>
             <a:r>
               <a:rPr lang="fr-FR" smtClean="0"/>
-              <a:t>filtrage</a:t>
+              <a:t>Spline fitting</a:t>
             </a:r>
           </a:p>
           <a:p>
             <a:pPr eaLnBrk="1" hangingPunct="1"/>
             <a:r>
               <a:rPr lang="fr-FR" smtClean="0"/>
-              <a:t>Detection de plan</a:t>
-            </a:r>
-          </a:p>
-          <a:p>
-            <a:pPr eaLnBrk="1" hangingPunct="1"/>
-            <a:endParaRPr lang="fr-FR" smtClean="0"/>
+              <a:t>Clustering (espace eucl+reflectance)</a:t>
+            </a:r>
           </a:p>
         </p:txBody>
       </p:sp>
@@ -9388,7 +10454,7 @@
       </p:grpSpPr>
       <p:sp>
         <p:nvSpPr>
-          <p:cNvPr id="2" name="Titre 1"/>
+          <p:cNvPr id="6146" name="Titre 1"/>
           <p:cNvSpPr>
             <a:spLocks noGrp="1"/>
           </p:cNvSpPr>
@@ -9398,74 +10464,54 @@
         </p:nvSpPr>
         <p:spPr/>
         <p:txBody>
-          <a:bodyPr rtlCol="0">
-            <a:normAutofit fontScale="90000"/>
-          </a:bodyPr>
-          <a:lstStyle/>
-          <a:p>
-            <a:pPr eaLnBrk="1" fontAlgn="auto" hangingPunct="1">
-              <a:spcAft>
-                <a:spcPts val="0"/>
-              </a:spcAft>
-              <a:defRPr/>
-            </a:pPr>
-            <a:r>
-              <a:rPr lang="fr-FR" dirty="0" smtClean="0"/>
-              <a:t>Comparaison </a:t>
-            </a:r>
-            <a:r>
-              <a:rPr lang="fr-FR" dirty="0" err="1" smtClean="0"/>
-              <a:t>plpythonu</a:t>
-            </a:r>
-            <a:r>
-              <a:rPr lang="fr-FR" dirty="0" smtClean="0"/>
-              <a:t>/</a:t>
-            </a:r>
-            <a:r>
-              <a:rPr lang="fr-FR" dirty="0" err="1" smtClean="0"/>
-              <a:t>plr</a:t>
-            </a:r>
-            <a:r>
-              <a:rPr lang="fr-FR" dirty="0" smtClean="0"/>
-              <a:t> avec le package «  </a:t>
-            </a:r>
-            <a:r>
-              <a:rPr lang="fr-FR" dirty="0" err="1" smtClean="0"/>
-              <a:t>fastcluster</a:t>
-            </a:r>
+          <a:bodyPr/>
+          <a:lstStyle/>
+          <a:p>
+            <a:pPr eaLnBrk="1" hangingPunct="1"/>
             <a:r>
               <a:rPr lang="fr-FR" smtClean="0"/>
-              <a:t>»</a:t>
-            </a:r>
-            <a:endParaRPr lang="fr-FR" dirty="0" smtClean="0"/>
-          </a:p>
-        </p:txBody>
-      </p:sp>
-      <p:sp>
-        <p:nvSpPr>
-          <p:cNvPr id="3" name="Espace réservé du texte 2"/>
-          <p:cNvSpPr>
-            <a:spLocks noGrp="1"/>
-          </p:cNvSpPr>
-          <p:nvPr>
-            <p:ph type="body" idx="1"/>
-          </p:nvPr>
-        </p:nvSpPr>
-        <p:spPr/>
-        <p:txBody>
-          <a:bodyPr rtlCol="0">
-            <a:normAutofit/>
-          </a:bodyPr>
-          <a:lstStyle/>
-          <a:p>
-            <a:pPr eaLnBrk="1" fontAlgn="auto" hangingPunct="1">
-              <a:spcAft>
-                <a:spcPts val="0"/>
-              </a:spcAft>
-              <a:buFont typeface="Arial" pitchFamily="34" charset="0"/>
-              <a:buNone/>
-              <a:defRPr/>
-            </a:pPr>
+              <a:t>Demo python</a:t>
+            </a:r>
+          </a:p>
+        </p:txBody>
+      </p:sp>
+      <p:sp>
+        <p:nvSpPr>
+          <p:cNvPr id="6147" name="Espace réservé du contenu 2"/>
+          <p:cNvSpPr>
+            <a:spLocks noGrp="1"/>
+          </p:cNvSpPr>
+          <p:nvPr>
+            <p:ph idx="1"/>
+          </p:nvPr>
+        </p:nvSpPr>
+        <p:spPr/>
+        <p:txBody>
+          <a:bodyPr/>
+          <a:lstStyle/>
+          <a:p>
+            <a:pPr eaLnBrk="1" hangingPunct="1"/>
+            <a:r>
+              <a:rPr lang="fr-FR" smtClean="0"/>
+              <a:t>Icp</a:t>
+            </a:r>
+          </a:p>
+          <a:p>
+            <a:pPr eaLnBrk="1" hangingPunct="1"/>
+            <a:r>
+              <a:rPr lang="fr-FR" smtClean="0"/>
+              <a:t>filtrage</a:t>
+            </a:r>
+          </a:p>
+          <a:p>
+            <a:pPr eaLnBrk="1" hangingPunct="1"/>
+            <a:r>
+              <a:rPr lang="fr-FR" smtClean="0"/>
+              <a:t>Detection de plan</a:t>
+            </a:r>
+          </a:p>
+          <a:p>
+            <a:pPr eaLnBrk="1" hangingPunct="1"/>
             <a:endParaRPr lang="fr-FR" smtClean="0"/>
           </a:p>
         </p:txBody>
@@ -9497,42 +10543,67 @@
       </p:grpSpPr>
       <p:sp>
         <p:nvSpPr>
-          <p:cNvPr id="8194" name="Titre 1"/>
-          <p:cNvSpPr>
-            <a:spLocks noGrp="1"/>
-          </p:cNvSpPr>
-          <p:nvPr>
-            <p:ph type="ctrTitle"/>
-          </p:nvPr>
-        </p:nvSpPr>
-        <p:spPr/>
-        <p:txBody>
-          <a:bodyPr/>
-          <a:lstStyle/>
-          <a:p>
-            <a:pPr eaLnBrk="1" hangingPunct="1"/>
+          <p:cNvPr id="2" name="Titre 1"/>
+          <p:cNvSpPr>
+            <a:spLocks noGrp="1"/>
+          </p:cNvSpPr>
+          <p:nvPr>
+            <p:ph type="title"/>
+          </p:nvPr>
+        </p:nvSpPr>
+        <p:spPr/>
+        <p:txBody>
+          <a:bodyPr rtlCol="0">
+            <a:normAutofit fontScale="90000"/>
+          </a:bodyPr>
+          <a:lstStyle/>
+          <a:p>
+            <a:pPr eaLnBrk="1" fontAlgn="auto" hangingPunct="1">
+              <a:spcAft>
+                <a:spcPts val="0"/>
+              </a:spcAft>
+              <a:defRPr/>
+            </a:pPr>
+            <a:r>
+              <a:rPr lang="fr-FR" dirty="0" smtClean="0"/>
+              <a:t>Comparaison </a:t>
+            </a:r>
+            <a:r>
+              <a:rPr lang="fr-FR" dirty="0" err="1" smtClean="0"/>
+              <a:t>plpythonu</a:t>
+            </a:r>
+            <a:r>
+              <a:rPr lang="fr-FR" dirty="0" smtClean="0"/>
+              <a:t>/</a:t>
+            </a:r>
+            <a:r>
+              <a:rPr lang="fr-FR" dirty="0" err="1" smtClean="0"/>
+              <a:t>plr</a:t>
+            </a:r>
+            <a:r>
+              <a:rPr lang="fr-FR" dirty="0" smtClean="0"/>
+              <a:t> avec le package «  </a:t>
+            </a:r>
+            <a:r>
+              <a:rPr lang="fr-FR" dirty="0" err="1" smtClean="0"/>
+              <a:t>fastcluster</a:t>
+            </a:r>
             <a:r>
               <a:rPr lang="fr-FR" smtClean="0"/>
-              <a:t>vtk </a:t>
-            </a:r>
-            <a:br>
-              <a:rPr lang="fr-FR" smtClean="0"/>
-            </a:br>
-            <a:r>
-              <a:rPr lang="fr-FR" smtClean="0"/>
-              <a:t> Icp</a:t>
-            </a:r>
-          </a:p>
-        </p:txBody>
-      </p:sp>
-      <p:sp>
-        <p:nvSpPr>
-          <p:cNvPr id="3" name="Sous-titre 2"/>
-          <p:cNvSpPr>
-            <a:spLocks noGrp="1"/>
-          </p:cNvSpPr>
-          <p:nvPr>
-            <p:ph type="subTitle" idx="1"/>
+              <a:t>»</a:t>
+            </a:r>
+            <a:endParaRPr lang="fr-FR" dirty="0" smtClean="0"/>
+          </a:p>
+        </p:txBody>
+      </p:sp>
+      <p:sp>
+        <p:nvSpPr>
+          <p:cNvPr id="3" name="Espace réservé du texte 2"/>
+          <p:cNvSpPr>
+            <a:spLocks noGrp="1"/>
+          </p:cNvSpPr>
+          <p:nvPr>
+            <p:ph type="body" idx="1"/>
           </p:nvPr>
         </p:nvSpPr>
         <p:spPr/>
@@ -9550,10 +10621,7 @@
               <a:buNone/>
               <a:defRPr/>
             </a:pPr>
-            <a:r>
-              <a:rPr lang="fr-FR" dirty="0" smtClean="0"/>
-              <a:t>http://www.vtk.org/Wiki/VTK/Examples/Python/IterativeClosestPoints</a:t>
-            </a:r>
+            <a:endParaRPr lang="fr-FR" smtClean="0"/>
           </a:p>
         </p:txBody>
       </p:sp>
@@ -9584,7 +10652,7 @@
       </p:grpSpPr>
       <p:sp>
         <p:nvSpPr>
-          <p:cNvPr id="2" name="Titre 1"/>
+          <p:cNvPr id="8194" name="Titre 1"/>
           <p:cNvSpPr>
             <a:spLocks noGrp="1"/>
           </p:cNvSpPr>
@@ -9592,49 +10660,22 @@
             <p:ph type="ctrTitle"/>
           </p:nvPr>
         </p:nvSpPr>
-        <p:spPr>
-          <a:xfrm>
-            <a:off x="685800" y="1785938"/>
-            <a:ext cx="7772400" cy="1814512"/>
-          </a:xfrm>
-        </p:spPr>
-        <p:txBody>
-          <a:bodyPr rtlCol="0">
-            <a:normAutofit/>
-          </a:bodyPr>
-          <a:lstStyle/>
-          <a:p>
-            <a:pPr eaLnBrk="1" fontAlgn="auto" hangingPunct="1">
-              <a:spcAft>
-                <a:spcPts val="0"/>
-              </a:spcAft>
-              <a:defRPr/>
-            </a:pPr>
-            <a:r>
-              <a:rPr lang="fr-FR" dirty="0" smtClean="0"/>
-              <a:t>PCL :</a:t>
+        <p:spPr/>
+        <p:txBody>
+          <a:bodyPr/>
+          <a:lstStyle/>
+          <a:p>
+            <a:pPr eaLnBrk="1" hangingPunct="1"/>
+            <a:r>
+              <a:rPr lang="fr-FR" smtClean="0"/>
+              <a:t>vtk </a:t>
             </a:r>
             <a:br>
-              <a:rPr lang="fr-FR" dirty="0" smtClean="0"/>
+              <a:rPr lang="fr-FR" smtClean="0"/>
             </a:br>
             <a:r>
-              <a:rPr lang="fr-FR" dirty="0" smtClean="0"/>
-              <a:t> </a:t>
-            </a:r>
-            <a:r>
-              <a:rPr lang="fr-FR" dirty="0" err="1" smtClean="0"/>
-              <a:t>Detection</a:t>
-            </a:r>
-            <a:r>
-              <a:rPr lang="fr-FR" dirty="0" smtClean="0"/>
-              <a:t> de plans</a:t>
-            </a:r>
-            <a:br>
-              <a:rPr lang="fr-FR" dirty="0" smtClean="0"/>
-            </a:br>
-            <a:r>
-              <a:rPr lang="fr-FR" dirty="0" smtClean="0"/>
-              <a:t>filtrage</a:t>
+              <a:rPr lang="fr-FR" smtClean="0"/>
+              <a:t> Icp</a:t>
             </a:r>
           </a:p>
         </p:txBody>
@@ -9665,25 +10706,8 @@
               <a:defRPr/>
             </a:pPr>
             <a:r>
-              <a:rPr lang="fr-FR" dirty="0" smtClean="0">
-                <a:hlinkClick r:id="rId2"/>
-              </a:rPr>
-              <a:t>https://github.com/strawlab/python-pcl/blob/master/tests/test.py</a:t>
-            </a:r>
-            <a:endParaRPr lang="fr-FR" dirty="0" smtClean="0"/>
-          </a:p>
-          <a:p>
-            <a:pPr eaLnBrk="1" fontAlgn="auto" hangingPunct="1">
-              <a:spcAft>
-                <a:spcPts val="0"/>
-              </a:spcAft>
-              <a:buFont typeface="Arial" pitchFamily="34" charset="0"/>
-              <a:buNone/>
-              <a:defRPr/>
-            </a:pPr>
-            <a:r>
               <a:rPr lang="fr-FR" dirty="0" smtClean="0"/>
-              <a:t>https://github.com/strawlab/python-pcl/</a:t>
+              <a:t>http://www.vtk.org/Wiki/VTK/Examples/Python/IterativeClosestPoints</a:t>
             </a:r>
           </a:p>
         </p:txBody>
@@ -9715,35 +10739,69 @@
       </p:grpSpPr>
       <p:sp>
         <p:nvSpPr>
-          <p:cNvPr id="10242" name="Titre 1"/>
-          <p:cNvSpPr>
-            <a:spLocks noGrp="1"/>
-          </p:cNvSpPr>
-          <p:nvPr>
-            <p:ph type="title"/>
-          </p:nvPr>
-        </p:nvSpPr>
-        <p:spPr/>
-        <p:txBody>
-          <a:bodyPr/>
-          <a:lstStyle/>
-          <a:p>
-            <a:pPr eaLnBrk="1" hangingPunct="1"/>
-            <a:r>
-              <a:rPr lang="fr-FR" smtClean="0"/>
-              <a:t>Conversion en raster </a:t>
-            </a:r>
-          </a:p>
-        </p:txBody>
-      </p:sp>
-      <p:sp>
-        <p:nvSpPr>
-          <p:cNvPr id="3" name="Espace réservé du contenu 2"/>
-          <p:cNvSpPr>
-            <a:spLocks noGrp="1"/>
-          </p:cNvSpPr>
-          <p:nvPr>
-            <p:ph idx="1"/>
+          <p:cNvPr id="2" name="Titre 1"/>
+          <p:cNvSpPr>
+            <a:spLocks noGrp="1"/>
+          </p:cNvSpPr>
+          <p:nvPr>
+            <p:ph type="ctrTitle"/>
+          </p:nvPr>
+        </p:nvSpPr>
+        <p:spPr>
+          <a:xfrm>
+            <a:off x="685800" y="1785938"/>
+            <a:ext cx="7772400" cy="1814512"/>
+          </a:xfrm>
+        </p:spPr>
+        <p:txBody>
+          <a:bodyPr rtlCol="0">
+            <a:normAutofit/>
+          </a:bodyPr>
+          <a:lstStyle/>
+          <a:p>
+            <a:pPr eaLnBrk="1" fontAlgn="auto" hangingPunct="1">
+              <a:spcAft>
+                <a:spcPts val="0"/>
+              </a:spcAft>
+              <a:defRPr/>
+            </a:pPr>
+            <a:r>
+              <a:rPr lang="fr-FR" dirty="0" smtClean="0"/>
+              <a:t>PCL :</a:t>
+            </a:r>
+            <a:br>
+              <a:rPr lang="fr-FR" dirty="0" smtClean="0"/>
+            </a:br>
+            <a:r>
+              <a:rPr lang="fr-FR" dirty="0" smtClean="0"/>
+              <a:t> </a:t>
+            </a:r>
+            <a:r>
+              <a:rPr lang="fr-FR" dirty="0" err="1" smtClean="0"/>
+              <a:t>Detection</a:t>
+            </a:r>
+            <a:r>
+              <a:rPr lang="fr-FR" dirty="0" smtClean="0"/>
+              <a:t> de plans</a:t>
+            </a:r>
+            <a:br>
+              <a:rPr lang="fr-FR" dirty="0" smtClean="0"/>
+            </a:br>
+            <a:r>
+              <a:rPr lang="fr-FR" dirty="0" smtClean="0"/>
+              <a:t>filtrage</a:t>
+            </a:r>
+          </a:p>
+        </p:txBody>
+      </p:sp>
+      <p:sp>
+        <p:nvSpPr>
+          <p:cNvPr id="3" name="Sous-titre 2"/>
+          <p:cNvSpPr>
+            <a:spLocks noGrp="1"/>
+          </p:cNvSpPr>
+          <p:nvPr>
+            <p:ph type="subTitle" idx="1"/>
           </p:nvPr>
         </p:nvSpPr>
         <p:spPr/>
@@ -9758,24 +10816,14 @@
                 <a:spcPts val="0"/>
               </a:spcAft>
               <a:buFont typeface="Arial" pitchFamily="34" charset="0"/>
-              <a:buChar char="•"/>
-              <a:defRPr/>
-            </a:pPr>
-            <a:r>
-              <a:rPr lang="fr-FR" dirty="0" smtClean="0"/>
-              <a:t>Cuisine perso + trick pour </a:t>
-            </a:r>
-            <a:r>
-              <a:rPr lang="fr-FR" dirty="0" err="1" smtClean="0"/>
-              <a:t>ecrire</a:t>
-            </a:r>
-            <a:r>
-              <a:rPr lang="fr-FR" dirty="0" smtClean="0"/>
-              <a:t> les fichiers </a:t>
-            </a:r>
-            <a:r>
-              <a:rPr lang="fr-FR" dirty="0" err="1" smtClean="0"/>
-              <a:t>rapidemment</a:t>
+              <a:buNone/>
+              <a:defRPr/>
+            </a:pPr>
+            <a:r>
+              <a:rPr lang="fr-FR" dirty="0" smtClean="0">
+                <a:hlinkClick r:id="rId2"/>
+              </a:rPr>
+              <a:t>https://github.com/strawlab/python-pcl/blob/master/tests/test.py</a:t>
             </a:r>
             <a:endParaRPr lang="fr-FR" dirty="0" smtClean="0"/>
           </a:p>
@@ -9785,134 +10833,13 @@
                 <a:spcPts val="0"/>
               </a:spcAft>
               <a:buFont typeface="Arial" pitchFamily="34" charset="0"/>
-              <a:buChar char="•"/>
+              <a:buNone/>
               <a:defRPr/>
             </a:pPr>
             <a:r>
               <a:rPr lang="fr-FR" dirty="0" smtClean="0"/>
-              <a:t>Filtrage </a:t>
-            </a:r>
-          </a:p>
-          <a:p>
-            <a:pPr eaLnBrk="1" fontAlgn="auto" hangingPunct="1">
-              <a:spcAft>
-                <a:spcPts val="0"/>
-              </a:spcAft>
-              <a:buFont typeface="Arial" pitchFamily="34" charset="0"/>
-              <a:buChar char="•"/>
-              <a:defRPr/>
-            </a:pPr>
-            <a:r>
-              <a:rPr lang="fr-FR" dirty="0" err="1" smtClean="0"/>
-              <a:t>Opencv</a:t>
-            </a:r>
-            <a:endParaRPr lang="fr-FR" dirty="0" smtClean="0"/>
-          </a:p>
-          <a:p>
-            <a:pPr lvl="1" eaLnBrk="1" fontAlgn="auto" hangingPunct="1">
-              <a:spcAft>
-                <a:spcPts val="0"/>
-              </a:spcAft>
-              <a:buFont typeface="Arial" pitchFamily="34" charset="0"/>
-              <a:buChar char="–"/>
-              <a:defRPr/>
-            </a:pPr>
-            <a:r>
-              <a:rPr lang="fr-FR" dirty="0" smtClean="0"/>
-              <a:t>Image basique</a:t>
-            </a:r>
-          </a:p>
-          <a:p>
-            <a:pPr lvl="1" eaLnBrk="1" fontAlgn="auto" hangingPunct="1">
-              <a:spcAft>
-                <a:spcPts val="0"/>
-              </a:spcAft>
-              <a:buFont typeface="Arial" pitchFamily="34" charset="0"/>
-              <a:buChar char="–"/>
-              <a:defRPr/>
-            </a:pPr>
-            <a:r>
-              <a:rPr lang="fr-FR" dirty="0" err="1" smtClean="0"/>
-              <a:t>Detection</a:t>
-            </a:r>
-            <a:r>
-              <a:rPr lang="fr-FR" dirty="0" smtClean="0"/>
-              <a:t> de cercle/lignes (</a:t>
-            </a:r>
-            <a:r>
-              <a:rPr lang="fr-FR" dirty="0" err="1" smtClean="0"/>
-              <a:t>hough</a:t>
-            </a:r>
-            <a:r>
-              <a:rPr lang="fr-FR" dirty="0" smtClean="0"/>
-              <a:t>)</a:t>
-            </a:r>
-          </a:p>
-          <a:p>
-            <a:pPr lvl="1" eaLnBrk="1" fontAlgn="auto" hangingPunct="1">
-              <a:spcAft>
-                <a:spcPts val="0"/>
-              </a:spcAft>
-              <a:buFont typeface="Arial" pitchFamily="34" charset="0"/>
-              <a:buChar char="–"/>
-              <a:defRPr/>
-            </a:pPr>
-            <a:r>
-              <a:rPr lang="fr-FR" dirty="0" err="1" smtClean="0"/>
-              <a:t>Detecteurs</a:t>
-            </a:r>
-            <a:endParaRPr lang="fr-FR" dirty="0" smtClean="0"/>
-          </a:p>
-          <a:p>
-            <a:pPr lvl="1" eaLnBrk="1" fontAlgn="auto" hangingPunct="1">
-              <a:spcAft>
-                <a:spcPts val="0"/>
-              </a:spcAft>
-              <a:buFont typeface="Arial" pitchFamily="34" charset="0"/>
-              <a:buChar char="–"/>
-              <a:defRPr/>
-            </a:pPr>
-            <a:r>
-              <a:rPr lang="fr-FR" dirty="0" err="1" smtClean="0"/>
-              <a:t>Matching</a:t>
-            </a:r>
-            <a:r>
-              <a:rPr lang="fr-FR" dirty="0" smtClean="0"/>
-              <a:t> pour trouver les marquages « </a:t>
-            </a:r>
-            <a:r>
-              <a:rPr lang="fr-FR" dirty="0" err="1" smtClean="0"/>
-              <a:t>velos</a:t>
-            </a:r>
-            <a:r>
-              <a:rPr lang="fr-FR" dirty="0" smtClean="0"/>
-              <a:t> »</a:t>
-            </a:r>
-          </a:p>
-          <a:p>
-            <a:pPr lvl="2" eaLnBrk="1" fontAlgn="auto" hangingPunct="1">
-              <a:spcAft>
-                <a:spcPts val="0"/>
-              </a:spcAft>
-              <a:buFont typeface="Arial" pitchFamily="34" charset="0"/>
-              <a:buChar char="•"/>
-              <a:defRPr/>
-            </a:pPr>
-            <a:r>
-              <a:rPr lang="fr-FR" dirty="0" smtClean="0"/>
-              <a:t>http://docs.opencv.org/trunk/doc/py_tutorials/py_feature2d/py_feature_homography/py_feature_homography.html#py-feature-homography</a:t>
-            </a:r>
-          </a:p>
-          <a:p>
-            <a:pPr eaLnBrk="1" fontAlgn="auto" hangingPunct="1">
-              <a:spcAft>
-                <a:spcPts val="0"/>
-              </a:spcAft>
-              <a:buFont typeface="Arial" pitchFamily="34" charset="0"/>
-              <a:buChar char="•"/>
-              <a:defRPr/>
-            </a:pPr>
-            <a:endParaRPr lang="fr-FR" dirty="0" smtClean="0"/>
+              <a:t>https://github.com/strawlab/python-pcl/</a:t>
+            </a:r>
           </a:p>
         </p:txBody>
       </p:sp>
@@ -10112,12 +11039,12 @@
       </p:grpSpPr>
       <p:sp>
         <p:nvSpPr>
-          <p:cNvPr id="11266" name="Titre 1"/>
-          <p:cNvSpPr>
-            <a:spLocks noGrp="1"/>
-          </p:cNvSpPr>
-          <p:nvPr>
-            <p:ph type="ctrTitle"/>
+          <p:cNvPr id="10242" name="Titre 1"/>
+          <p:cNvSpPr>
+            <a:spLocks noGrp="1"/>
+          </p:cNvSpPr>
+          <p:nvPr>
+            <p:ph type="title"/>
           </p:nvPr>
         </p:nvSpPr>
         <p:spPr/>
@@ -10128,19 +11055,19 @@
             <a:pPr eaLnBrk="1" hangingPunct="1"/>
             <a:r>
               <a:rPr lang="fr-FR" smtClean="0"/>
-              <a:t>Traitement d’image basique</a:t>
-            </a:r>
-          </a:p>
-        </p:txBody>
-      </p:sp>
-      <p:sp>
-        <p:nvSpPr>
-          <p:cNvPr id="3" name="Sous-titre 2"/>
-          <p:cNvSpPr>
-            <a:spLocks noGrp="1"/>
-          </p:cNvSpPr>
-          <p:nvPr>
-            <p:ph type="subTitle" idx="1"/>
+              <a:t>Conversion en raster </a:t>
+            </a:r>
+          </a:p>
+        </p:txBody>
+      </p:sp>
+      <p:sp>
+        <p:nvSpPr>
+          <p:cNvPr id="3" name="Espace réservé du contenu 2"/>
+          <p:cNvSpPr>
+            <a:spLocks noGrp="1"/>
+          </p:cNvSpPr>
+          <p:nvPr>
+            <p:ph idx="1"/>
           </p:nvPr>
         </p:nvSpPr>
         <p:spPr/>
@@ -10155,13 +11082,26 @@
                 <a:spcPts val="0"/>
               </a:spcAft>
               <a:buFont typeface="Arial" pitchFamily="34" charset="0"/>
-              <a:buNone/>
+              <a:buChar char="•"/>
               <a:defRPr/>
             </a:pPr>
             <a:r>
               <a:rPr lang="fr-FR" dirty="0" smtClean="0"/>
-              <a:t>http://docs.opencv.org/trunk/doc/py_tutorials/py_tutorials.html</a:t>
-            </a:r>
+              <a:t>Cuisine perso + trick pour </a:t>
+            </a:r>
+            <a:r>
+              <a:rPr lang="fr-FR" dirty="0" err="1" smtClean="0"/>
+              <a:t>ecrire</a:t>
+            </a:r>
+            <a:r>
+              <a:rPr lang="fr-FR" dirty="0" smtClean="0"/>
+              <a:t> les fichiers </a:t>
+            </a:r>
+            <a:r>
+              <a:rPr lang="fr-FR" dirty="0" err="1" smtClean="0"/>
+              <a:t>rapidemment</a:t>
+            </a:r>
+            <a:endParaRPr lang="fr-FR" dirty="0" smtClean="0"/>
           </a:p>
           <a:p>
             <a:pPr eaLnBrk="1" fontAlgn="auto" hangingPunct="1">
@@ -10169,25 +11109,133 @@
                 <a:spcPts val="0"/>
               </a:spcAft>
               <a:buFont typeface="Arial" pitchFamily="34" charset="0"/>
-              <a:buNone/>
+              <a:buChar char="•"/>
               <a:defRPr/>
             </a:pPr>
             <a:r>
               <a:rPr lang="fr-FR" dirty="0" smtClean="0"/>
-              <a:t>Gradient + </a:t>
-            </a:r>
+              <a:t>Filtrage </a:t>
+            </a:r>
+          </a:p>
+          <a:p>
+            <a:pPr eaLnBrk="1" fontAlgn="auto" hangingPunct="1">
+              <a:spcAft>
+                <a:spcPts val="0"/>
+              </a:spcAft>
+              <a:buFont typeface="Arial" pitchFamily="34" charset="0"/>
+              <a:buChar char="•"/>
+              <a:defRPr/>
+            </a:pPr>
+            <a:r>
+              <a:rPr lang="fr-FR" dirty="0" err="1" smtClean="0"/>
+              <a:t>Opencv</a:t>
+            </a:r>
+            <a:endParaRPr lang="fr-FR" dirty="0" smtClean="0"/>
+          </a:p>
+          <a:p>
+            <a:pPr lvl="1" eaLnBrk="1" fontAlgn="auto" hangingPunct="1">
+              <a:spcAft>
+                <a:spcPts val="0"/>
+              </a:spcAft>
+              <a:buFont typeface="Arial" pitchFamily="34" charset="0"/>
+              <a:buChar char="–"/>
+              <a:defRPr/>
+            </a:pPr>
+            <a:r>
+              <a:rPr lang="fr-FR" dirty="0" smtClean="0"/>
+              <a:t>Image basique</a:t>
+            </a:r>
+          </a:p>
+          <a:p>
+            <a:pPr lvl="1" eaLnBrk="1" fontAlgn="auto" hangingPunct="1">
+              <a:spcAft>
+                <a:spcPts val="0"/>
+              </a:spcAft>
+              <a:buFont typeface="Arial" pitchFamily="34" charset="0"/>
+              <a:buChar char="–"/>
+              <a:defRPr/>
+            </a:pPr>
             <a:r>
               <a:rPr lang="fr-FR" dirty="0" err="1" smtClean="0"/>
               <a:t>Detection</a:t>
             </a:r>
             <a:r>
               <a:rPr lang="fr-FR" dirty="0" smtClean="0"/>
-              <a:t> de cercle avec </a:t>
+              <a:t> de cercle/lignes (</a:t>
             </a:r>
             <a:r>
               <a:rPr lang="fr-FR" dirty="0" err="1" smtClean="0"/>
-              <a:t>OpenCV</a:t>
-            </a:r>
+              <a:t>hough</a:t>
+            </a:r>
+            <a:r>
+              <a:rPr lang="fr-FR" dirty="0" smtClean="0"/>
+              <a:t>)</a:t>
+            </a:r>
+          </a:p>
+          <a:p>
+            <a:pPr lvl="1" eaLnBrk="1" fontAlgn="auto" hangingPunct="1">
+              <a:spcAft>
+                <a:spcPts val="0"/>
+              </a:spcAft>
+              <a:buFont typeface="Arial" pitchFamily="34" charset="0"/>
+              <a:buChar char="–"/>
+              <a:defRPr/>
+            </a:pPr>
+            <a:r>
+              <a:rPr lang="fr-FR" dirty="0" err="1" smtClean="0"/>
+              <a:t>Detecteurs</a:t>
+            </a:r>
+            <a:endParaRPr lang="fr-FR" dirty="0" smtClean="0"/>
+          </a:p>
+          <a:p>
+            <a:pPr lvl="1" eaLnBrk="1" fontAlgn="auto" hangingPunct="1">
+              <a:spcAft>
+                <a:spcPts val="0"/>
+              </a:spcAft>
+              <a:buFont typeface="Arial" pitchFamily="34" charset="0"/>
+              <a:buChar char="–"/>
+              <a:defRPr/>
+            </a:pPr>
+            <a:r>
+              <a:rPr lang="fr-FR" dirty="0" err="1" smtClean="0"/>
+              <a:t>Matching</a:t>
+            </a:r>
+            <a:r>
+              <a:rPr lang="fr-FR" dirty="0" smtClean="0"/>
+              <a:t> pour trouver les marquages « </a:t>
+            </a:r>
+            <a:r>
+              <a:rPr lang="fr-FR" dirty="0" err="1" smtClean="0"/>
+              <a:t>velos</a:t>
+            </a:r>
+            <a:r>
+              <a:rPr lang="fr-FR" dirty="0" smtClean="0"/>
+              <a:t> »</a:t>
+            </a:r>
+          </a:p>
+          <a:p>
+            <a:pPr lvl="2" eaLnBrk="1" fontAlgn="auto" hangingPunct="1">
+              <a:spcAft>
+                <a:spcPts val="0"/>
+              </a:spcAft>
+              <a:buFont typeface="Arial" pitchFamily="34" charset="0"/>
+              <a:buChar char="•"/>
+              <a:defRPr/>
+            </a:pPr>
+            <a:r>
+              <a:rPr lang="fr-FR" dirty="0" smtClean="0"/>
+              <a:t>http://docs.opencv.org/trunk/doc/py_tutorials/py_feature2d/py_feature_homography/py_feature_homography.html#py-feature-homography</a:t>
+            </a:r>
+          </a:p>
+          <a:p>
+            <a:pPr eaLnBrk="1" fontAlgn="auto" hangingPunct="1">
+              <a:spcAft>
+                <a:spcPts val="0"/>
+              </a:spcAft>
+              <a:buFont typeface="Arial" pitchFamily="34" charset="0"/>
+              <a:buChar char="•"/>
+              <a:defRPr/>
+            </a:pPr>
             <a:endParaRPr lang="fr-FR" dirty="0" smtClean="0"/>
           </a:p>
         </p:txBody>
@@ -10219,7 +11267,7 @@
       </p:grpSpPr>
       <p:sp>
         <p:nvSpPr>
-          <p:cNvPr id="12290" name="Titre 1"/>
+          <p:cNvPr id="11266" name="Titre 1"/>
           <p:cNvSpPr>
             <a:spLocks noGrp="1"/>
           </p:cNvSpPr>
@@ -10235,7 +11283,7 @@
             <a:pPr eaLnBrk="1" hangingPunct="1"/>
             <a:r>
               <a:rPr lang="fr-FR" smtClean="0"/>
-              <a:t>avancé</a:t>
+              <a:t>Traitement d’image basique</a:t>
             </a:r>
           </a:p>
         </p:txBody>
@@ -10265,7 +11313,37 @@
               <a:buNone/>
               <a:defRPr/>
             </a:pPr>
-            <a:endParaRPr lang="fr-FR" smtClean="0"/>
+            <a:r>
+              <a:rPr lang="fr-FR" dirty="0" smtClean="0"/>
+              <a:t>http://docs.opencv.org/trunk/doc/py_tutorials/py_tutorials.html</a:t>
+            </a:r>
+          </a:p>
+          <a:p>
+            <a:pPr eaLnBrk="1" fontAlgn="auto" hangingPunct="1">
+              <a:spcAft>
+                <a:spcPts val="0"/>
+              </a:spcAft>
+              <a:buFont typeface="Arial" pitchFamily="34" charset="0"/>
+              <a:buNone/>
+              <a:defRPr/>
+            </a:pPr>
+            <a:r>
+              <a:rPr lang="fr-FR" dirty="0" smtClean="0"/>
+              <a:t>Gradient + </a:t>
+            </a:r>
+            <a:r>
+              <a:rPr lang="fr-FR" dirty="0" err="1" smtClean="0"/>
+              <a:t>Detection</a:t>
+            </a:r>
+            <a:r>
+              <a:rPr lang="fr-FR" dirty="0" smtClean="0"/>
+              <a:t> de cercle avec </a:t>
+            </a:r>
+            <a:r>
+              <a:rPr lang="fr-FR" dirty="0" err="1" smtClean="0"/>
+              <a:t>OpenCV</a:t>
+            </a:r>
+            <a:endParaRPr lang="fr-FR" dirty="0" smtClean="0"/>
           </a:p>
         </p:txBody>
       </p:sp>
@@ -10296,12 +11374,12 @@
       </p:grpSpPr>
       <p:sp>
         <p:nvSpPr>
-          <p:cNvPr id="13314" name="Titre 1"/>
-          <p:cNvSpPr>
-            <a:spLocks noGrp="1"/>
-          </p:cNvSpPr>
-          <p:nvPr>
-            <p:ph type="title"/>
+          <p:cNvPr id="12290" name="Titre 1"/>
+          <p:cNvSpPr>
+            <a:spLocks noGrp="1"/>
+          </p:cNvSpPr>
+          <p:nvPr>
+            <p:ph type="ctrTitle"/>
           </p:nvPr>
         </p:nvSpPr>
         <p:spPr/>
@@ -10312,31 +11390,37 @@
             <a:pPr eaLnBrk="1" hangingPunct="1"/>
             <a:r>
               <a:rPr lang="fr-FR" smtClean="0"/>
-              <a:t>24/06</a:t>
-            </a:r>
-          </a:p>
-        </p:txBody>
-      </p:sp>
-      <p:sp>
-        <p:nvSpPr>
-          <p:cNvPr id="13315" name="Espace réservé du contenu 2"/>
-          <p:cNvSpPr>
-            <a:spLocks noGrp="1"/>
-          </p:cNvSpPr>
-          <p:nvPr>
-            <p:ph idx="1"/>
-          </p:nvPr>
-        </p:nvSpPr>
-        <p:spPr/>
-        <p:txBody>
-          <a:bodyPr/>
-          <a:lstStyle/>
-          <a:p>
-            <a:pPr eaLnBrk="1" hangingPunct="1"/>
-            <a:r>
-              <a:rPr lang="fr-FR" smtClean="0"/>
-              <a:t>Travail sur clustering dans R</a:t>
-            </a:r>
+              <a:t>avancé</a:t>
+            </a:r>
+          </a:p>
+        </p:txBody>
+      </p:sp>
+      <p:sp>
+        <p:nvSpPr>
+          <p:cNvPr id="3" name="Sous-titre 2"/>
+          <p:cNvSpPr>
+            <a:spLocks noGrp="1"/>
+          </p:cNvSpPr>
+          <p:nvPr>
+            <p:ph type="subTitle" idx="1"/>
+          </p:nvPr>
+        </p:nvSpPr>
+        <p:spPr/>
+        <p:txBody>
+          <a:bodyPr rtlCol="0">
+            <a:normAutofit/>
+          </a:bodyPr>
+          <a:lstStyle/>
+          <a:p>
+            <a:pPr eaLnBrk="1" fontAlgn="auto" hangingPunct="1">
+              <a:spcAft>
+                <a:spcPts val="0"/>
+              </a:spcAft>
+              <a:buFont typeface="Arial" pitchFamily="34" charset="0"/>
+              <a:buNone/>
+              <a:defRPr/>
+            </a:pPr>
+            <a:endParaRPr lang="fr-FR" smtClean="0"/>
           </a:p>
         </p:txBody>
       </p:sp>
@@ -10367,7 +11451,7 @@
       </p:grpSpPr>
       <p:sp>
         <p:nvSpPr>
-          <p:cNvPr id="14338" name="Titre 1"/>
+          <p:cNvPr id="13314" name="Titre 1"/>
           <p:cNvSpPr>
             <a:spLocks noGrp="1"/>
           </p:cNvSpPr>
@@ -10383,14 +11467,14 @@
             <a:pPr eaLnBrk="1" hangingPunct="1"/>
             <a:r>
               <a:rPr lang="fr-FR" smtClean="0"/>
-              <a:t>Loading data</a:t>
-            </a:r>
-          </a:p>
-        </p:txBody>
-      </p:sp>
-      <p:sp>
-        <p:nvSpPr>
-          <p:cNvPr id="14339" name="Espace réservé du contenu 2"/>
+              <a:t>24/06</a:t>
+            </a:r>
+          </a:p>
+        </p:txBody>
+      </p:sp>
+      <p:sp>
+        <p:nvSpPr>
+          <p:cNvPr id="13315" name="Espace réservé du contenu 2"/>
           <p:cNvSpPr>
             <a:spLocks noGrp="1"/>
           </p:cNvSpPr>
@@ -10406,28 +11490,7 @@
             <a:pPr eaLnBrk="1" hangingPunct="1"/>
             <a:r>
               <a:rPr lang="fr-FR" smtClean="0"/>
-              <a:t>Use the github project PointCloud_In_DB</a:t>
-            </a:r>
-          </a:p>
-          <a:p>
-            <a:pPr eaLnBrk="1" hangingPunct="1"/>
-            <a:r>
-              <a:rPr lang="fr-FR" smtClean="0"/>
-              <a:t>Get the data from IGN pointcloud benchmark</a:t>
-            </a:r>
-          </a:p>
-          <a:p>
-            <a:pPr eaLnBrk="1" hangingPunct="1"/>
-            <a:r>
-              <a:rPr lang="fr-FR" smtClean="0"/>
-              <a:t>Follow instruction of github project</a:t>
-            </a:r>
-          </a:p>
-          <a:p>
-            <a:pPr eaLnBrk="1" hangingPunct="1"/>
-            <a:r>
-              <a:rPr lang="fr-FR" smtClean="0"/>
-              <a:t>Install IGN spatial ref using the github project</a:t>
+              <a:t>Travail sur clustering dans R</a:t>
             </a:r>
           </a:p>
         </p:txBody>
@@ -10459,7 +11522,7 @@
       </p:grpSpPr>
       <p:sp>
         <p:nvSpPr>
-          <p:cNvPr id="15362" name="Titre 1"/>
+          <p:cNvPr id="14338" name="Titre 1"/>
           <p:cNvSpPr>
             <a:spLocks noGrp="1"/>
           </p:cNvSpPr>
@@ -10475,14 +11538,14 @@
             <a:pPr eaLnBrk="1" hangingPunct="1"/>
             <a:r>
               <a:rPr lang="fr-FR" smtClean="0"/>
-              <a:t>Patch To Raster</a:t>
-            </a:r>
-          </a:p>
-        </p:txBody>
-      </p:sp>
-      <p:sp>
-        <p:nvSpPr>
-          <p:cNvPr id="15363" name="Espace réservé du contenu 2"/>
+              <a:t>Loading data</a:t>
+            </a:r>
+          </a:p>
+        </p:txBody>
+      </p:sp>
+      <p:sp>
+        <p:nvSpPr>
+          <p:cNvPr id="14339" name="Espace réservé du contenu 2"/>
           <p:cNvSpPr>
             <a:spLocks noGrp="1"/>
           </p:cNvSpPr>
@@ -10498,53 +11561,28 @@
             <a:pPr eaLnBrk="1" hangingPunct="1"/>
             <a:r>
               <a:rPr lang="fr-FR" smtClean="0"/>
-              <a:t>Get the function from PPPP utilities</a:t>
+              <a:t>Use the github project PointCloud_In_DB</a:t>
             </a:r>
           </a:p>
           <a:p>
             <a:pPr eaLnBrk="1" hangingPunct="1"/>
             <a:r>
               <a:rPr lang="fr-FR" smtClean="0"/>
-              <a:t>Get rc_random_string</a:t>
+              <a:t>Get the data from IGN pointcloud benchmark</a:t>
             </a:r>
           </a:p>
           <a:p>
             <a:pPr eaLnBrk="1" hangingPunct="1"/>
             <a:r>
               <a:rPr lang="fr-FR" smtClean="0"/>
-              <a:t>rc_unnest_with_ordinality</a:t>
+              <a:t>Follow instruction of github project</a:t>
             </a:r>
           </a:p>
           <a:p>
             <a:pPr eaLnBrk="1" hangingPunct="1"/>
             <a:r>
               <a:rPr lang="fr-FR" smtClean="0"/>
-              <a:t>Array_agg_custom (array of array)</a:t>
-            </a:r>
-          </a:p>
-          <a:p>
-            <a:pPr eaLnBrk="1" hangingPunct="1"/>
-            <a:endParaRPr lang="fr-FR" smtClean="0"/>
-          </a:p>
-          <a:p>
-            <a:pPr eaLnBrk="1" hangingPunct="1"/>
-            <a:r>
-              <a:rPr lang="fr-FR" smtClean="0"/>
-              <a:t>Pour ecrire les raster qqpart :</a:t>
-            </a:r>
-          </a:p>
-          <a:p>
-            <a:pPr eaLnBrk="1" hangingPunct="1"/>
-            <a:r>
-              <a:rPr lang="fr-FR" smtClean="0"/>
-              <a:t>write_file_texte</a:t>
-            </a:r>
-          </a:p>
-          <a:p>
-            <a:pPr eaLnBrk="1" hangingPunct="1"/>
-            <a:r>
-              <a:rPr lang="fr-FR" smtClean="0"/>
-              <a:t>Activer les sorties pour les rasters : </a:t>
+              <a:t>Install IGN spatial ref using the github project</a:t>
             </a:r>
           </a:p>
         </p:txBody>
@@ -10576,7 +11614,7 @@
       </p:grpSpPr>
       <p:sp>
         <p:nvSpPr>
-          <p:cNvPr id="16386" name="Titre 1"/>
+          <p:cNvPr id="15362" name="Titre 1"/>
           <p:cNvSpPr>
             <a:spLocks noGrp="1"/>
           </p:cNvSpPr>
@@ -10599,7 +11637,7 @@
       </p:sp>
       <p:sp>
         <p:nvSpPr>
-          <p:cNvPr id="16387" name="Espace réservé du contenu 2"/>
+          <p:cNvPr id="15363" name="Espace réservé du contenu 2"/>
           <p:cNvSpPr>
             <a:spLocks noGrp="1"/>
           </p:cNvSpPr>
@@ -10637,6 +11675,31 @@
             <a:r>
               <a:rPr lang="fr-FR" smtClean="0"/>
               <a:t>Array_agg_custom (array of array)</a:t>
+            </a:r>
+          </a:p>
+          <a:p>
+            <a:pPr eaLnBrk="1" hangingPunct="1"/>
+            <a:endParaRPr lang="fr-FR" smtClean="0"/>
+          </a:p>
+          <a:p>
+            <a:pPr eaLnBrk="1" hangingPunct="1"/>
+            <a:r>
+              <a:rPr lang="fr-FR" smtClean="0"/>
+              <a:t>Pour ecrire les raster qqpart :</a:t>
+            </a:r>
+          </a:p>
+          <a:p>
+            <a:pPr eaLnBrk="1" hangingPunct="1"/>
+            <a:r>
+              <a:rPr lang="fr-FR" smtClean="0"/>
+              <a:t>write_file_texte</a:t>
+            </a:r>
+          </a:p>
+          <a:p>
+            <a:pPr eaLnBrk="1" hangingPunct="1"/>
+            <a:r>
+              <a:rPr lang="fr-FR" smtClean="0"/>
+              <a:t>Activer les sorties pour les rasters : </a:t>
             </a:r>
           </a:p>
         </p:txBody>
@@ -10668,7 +11731,7 @@
       </p:grpSpPr>
       <p:sp>
         <p:nvSpPr>
-          <p:cNvPr id="17410" name="Titre 1"/>
+          <p:cNvPr id="16386" name="Titre 1"/>
           <p:cNvSpPr>
             <a:spLocks noGrp="1"/>
           </p:cNvSpPr>
@@ -10678,114 +11741,58 @@
         </p:nvSpPr>
         <p:spPr/>
         <p:txBody>
-          <a:bodyPr>
-            <a:normAutofit fontScale="90000"/>
-          </a:bodyPr>
-          <a:lstStyle/>
-          <a:p>
+          <a:bodyPr/>
+          <a:lstStyle/>
+          <a:p>
+            <a:pPr eaLnBrk="1" hangingPunct="1"/>
             <a:r>
               <a:rPr lang="fr-FR" smtClean="0"/>
-              <a:t>Image processing : </a:t>
-            </a:r>
-            <a:br>
+              <a:t>Patch To Raster</a:t>
+            </a:r>
+          </a:p>
+        </p:txBody>
+      </p:sp>
+      <p:sp>
+        <p:nvSpPr>
+          <p:cNvPr id="16387" name="Espace réservé du contenu 2"/>
+          <p:cNvSpPr>
+            <a:spLocks noGrp="1"/>
+          </p:cNvSpPr>
+          <p:nvPr>
+            <p:ph idx="1"/>
+          </p:nvPr>
+        </p:nvSpPr>
+        <p:spPr/>
+        <p:txBody>
+          <a:bodyPr/>
+          <a:lstStyle/>
+          <a:p>
+            <a:pPr eaLnBrk="1" hangingPunct="1"/>
+            <a:r>
               <a:rPr lang="fr-FR" smtClean="0"/>
-            </a:br>
+              <a:t>Get the function from PPPP utilities</a:t>
+            </a:r>
+          </a:p>
+          <a:p>
+            <a:pPr eaLnBrk="1" hangingPunct="1"/>
             <a:r>
               <a:rPr lang="fr-FR" smtClean="0"/>
-              <a:t>building detection</a:t>
-            </a:r>
-          </a:p>
-        </p:txBody>
-      </p:sp>
-      <p:sp>
-        <p:nvSpPr>
-          <p:cNvPr id="17411" name="Espace réservé du contenu 2"/>
-          <p:cNvSpPr>
-            <a:spLocks noGrp="1"/>
-          </p:cNvSpPr>
-          <p:nvPr>
-            <p:ph idx="1"/>
-          </p:nvPr>
-        </p:nvSpPr>
-        <p:spPr/>
-        <p:txBody>
-          <a:bodyPr/>
-          <a:lstStyle/>
-          <a:p>
-            <a:r>
-              <a:rPr lang="fr-FR" sz="1400" smtClean="0"/>
-              <a:t>Need raster with pointcloud flattened, max height, pixel size = 10cm, + count of point/ pixel</a:t>
-            </a:r>
-          </a:p>
-          <a:p>
-            <a:r>
-              <a:rPr lang="fr-FR" sz="1400" smtClean="0"/>
-              <a:t>Use python script</a:t>
-            </a:r>
-          </a:p>
-          <a:p>
-            <a:pPr lvl="1"/>
-            <a:r>
-              <a:rPr lang="fr-FR" sz="1400" smtClean="0"/>
-              <a:t>Import tif</a:t>
-            </a:r>
-          </a:p>
-          <a:p>
-            <a:pPr lvl="1"/>
-            <a:r>
-              <a:rPr lang="fr-FR" sz="1400" smtClean="0"/>
-              <a:t>Keep only pixel that are above the laser</a:t>
-            </a:r>
-          </a:p>
-          <a:p>
-            <a:pPr lvl="1"/>
-            <a:r>
-              <a:rPr lang="fr-FR" sz="1400" smtClean="0"/>
-              <a:t>Keep only pixel that have more than 100 pts/pixel</a:t>
-            </a:r>
-          </a:p>
-          <a:p>
-            <a:pPr lvl="1"/>
-            <a:r>
-              <a:rPr lang="fr-FR" sz="1400" smtClean="0"/>
-              <a:t>Export tif</a:t>
-            </a:r>
-          </a:p>
-          <a:p>
-            <a:r>
-              <a:rPr lang="fr-FR" sz="1400" smtClean="0"/>
-              <a:t>Use sfcgal to consolidate lines</a:t>
-            </a:r>
-          </a:p>
-          <a:p>
-            <a:pPr lvl="1"/>
-            <a:r>
-              <a:rPr lang="fr-FR" sz="1400" smtClean="0"/>
-              <a:t>Execute sfcgal.sql to enable the sfcgal functions.</a:t>
-            </a:r>
-          </a:p>
-          <a:p>
-            <a:pPr lvl="1"/>
-            <a:r>
-              <a:rPr lang="fr-FR" sz="1400" smtClean="0"/>
-              <a:t>Execute code  : 120 sec, complex sql</a:t>
-            </a:r>
-          </a:p>
-          <a:p>
-            <a:r>
-              <a:rPr lang="fr-FR" sz="2200" smtClean="0"/>
-              <a:t>Use python to consolidate lines</a:t>
-            </a:r>
-          </a:p>
-          <a:p>
-            <a:pPr lvl="1"/>
-            <a:r>
-              <a:rPr lang="fr-FR" sz="1800" smtClean="0"/>
-              <a:t>1 sec , very few lines.</a:t>
-            </a:r>
-          </a:p>
-          <a:p>
-            <a:endParaRPr lang="fr-FR" sz="1800" smtClean="0"/>
+              <a:t>Get rc_random_string</a:t>
+            </a:r>
+          </a:p>
+          <a:p>
+            <a:pPr eaLnBrk="1" hangingPunct="1"/>
+            <a:r>
+              <a:rPr lang="fr-FR" smtClean="0"/>
+              <a:t>rc_unnest_with_ordinality</a:t>
+            </a:r>
+          </a:p>
+          <a:p>
+            <a:pPr eaLnBrk="1" hangingPunct="1"/>
+            <a:r>
+              <a:rPr lang="fr-FR" smtClean="0"/>
+              <a:t>Array_agg_custom (array of array)</a:t>
+            </a:r>
           </a:p>
         </p:txBody>
       </p:sp>
@@ -10816,7 +11823,7 @@
       </p:grpSpPr>
       <p:sp>
         <p:nvSpPr>
-          <p:cNvPr id="18434" name="Titre 1"/>
+          <p:cNvPr id="17410" name="Titre 1"/>
           <p:cNvSpPr>
             <a:spLocks noGrp="1"/>
           </p:cNvSpPr>
@@ -10840,14 +11847,14 @@
             </a:br>
             <a:r>
               <a:rPr lang="fr-FR" smtClean="0"/>
-              <a:t>sidewalk detection</a:t>
-            </a:r>
-          </a:p>
-        </p:txBody>
-      </p:sp>
-      <p:sp>
-        <p:nvSpPr>
-          <p:cNvPr id="18435" name="Espace réservé du contenu 2"/>
+              <a:t>building detection</a:t>
+            </a:r>
+          </a:p>
+        </p:txBody>
+      </p:sp>
+      <p:sp>
+        <p:nvSpPr>
+          <p:cNvPr id="17411" name="Espace réservé du contenu 2"/>
           <p:cNvSpPr>
             <a:spLocks noGrp="1"/>
           </p:cNvSpPr>
@@ -10862,7 +11869,7 @@
           <a:p>
             <a:r>
               <a:rPr lang="fr-FR" sz="1400" smtClean="0"/>
-              <a:t>Need raster with pointcloud flattened, min height, pixel size = 5cm, + count of point/ pixel</a:t>
+              <a:t>Need raster with pointcloud flattened, max height, pixel size = 10cm, + count of point/ pixel</a:t>
             </a:r>
           </a:p>
           <a:p>
@@ -10882,21 +11889,14 @@
             <a:pPr lvl="1"/>
             <a:r>
               <a:rPr lang="fr-FR" sz="1400" smtClean="0"/>
-              <a:t>Keep only pixel that are between -3 and -2 meters (relativ to laser (ground = -2.5meter))</a:t>
+              <a:t>Keep only pixel that are above the laser</a:t>
             </a:r>
           </a:p>
           <a:p>
             <a:pPr lvl="1"/>
             <a:r>
               <a:rPr lang="fr-FR" sz="1400" smtClean="0"/>
-              <a:t>Compute sobel filtering on Z ,using mask found before (nota : gives the local height variation)</a:t>
-            </a:r>
-          </a:p>
-          <a:p>
-            <a:pPr lvl="1"/>
-            <a:r>
-              <a:rPr lang="fr-FR" sz="1400" smtClean="0"/>
-              <a:t>Keep values between 1cm and 12 cm (official possible height)</a:t>
+              <a:t>Keep only pixel that have more than 100 pts/pixel</a:t>
             </a:r>
           </a:p>
           <a:p>
@@ -10904,6 +11904,39 @@
             <a:r>
               <a:rPr lang="fr-FR" sz="1400" smtClean="0"/>
               <a:t>Export tif</a:t>
+            </a:r>
+          </a:p>
+          <a:p>
+            <a:r>
+              <a:rPr lang="fr-FR" sz="1400" smtClean="0"/>
+              <a:t>Use sfcgal to consolidate lines</a:t>
+            </a:r>
+          </a:p>
+          <a:p>
+            <a:pPr lvl="1"/>
+            <a:r>
+              <a:rPr lang="fr-FR" sz="1400" smtClean="0"/>
+              <a:t>Execute sfcgal.sql to enable the sfcgal functions.</a:t>
+            </a:r>
+          </a:p>
+          <a:p>
+            <a:pPr lvl="1"/>
+            <a:r>
+              <a:rPr lang="fr-FR" sz="1400" smtClean="0"/>
+              <a:t>Execute code  : 120 sec, complex sql</a:t>
+            </a:r>
+          </a:p>
+          <a:p>
+            <a:r>
+              <a:rPr lang="fr-FR" sz="2200" smtClean="0"/>
+              <a:t>Use python to consolidate lines</a:t>
+            </a:r>
+          </a:p>
+          <a:p>
+            <a:pPr lvl="1"/>
+            <a:r>
+              <a:rPr lang="fr-FR" sz="1800" smtClean="0"/>
+              <a:t>1 sec , very few lines.</a:t>
             </a:r>
           </a:p>
           <a:p>
@@ -10938,6 +11971,128 @@
       </p:grpSpPr>
       <p:sp>
         <p:nvSpPr>
+          <p:cNvPr id="18434" name="Titre 1"/>
+          <p:cNvSpPr>
+            <a:spLocks noGrp="1"/>
+          </p:cNvSpPr>
+          <p:nvPr>
+            <p:ph type="title"/>
+          </p:nvPr>
+        </p:nvSpPr>
+        <p:spPr/>
+        <p:txBody>
+          <a:bodyPr>
+            <a:normAutofit fontScale="90000"/>
+          </a:bodyPr>
+          <a:lstStyle/>
+          <a:p>
+            <a:r>
+              <a:rPr lang="fr-FR" smtClean="0"/>
+              <a:t>Image processing : </a:t>
+            </a:r>
+            <a:br>
+              <a:rPr lang="fr-FR" smtClean="0"/>
+            </a:br>
+            <a:r>
+              <a:rPr lang="fr-FR" smtClean="0"/>
+              <a:t>sidewalk detection</a:t>
+            </a:r>
+          </a:p>
+        </p:txBody>
+      </p:sp>
+      <p:sp>
+        <p:nvSpPr>
+          <p:cNvPr id="18435" name="Espace réservé du contenu 2"/>
+          <p:cNvSpPr>
+            <a:spLocks noGrp="1"/>
+          </p:cNvSpPr>
+          <p:nvPr>
+            <p:ph idx="1"/>
+          </p:nvPr>
+        </p:nvSpPr>
+        <p:spPr/>
+        <p:txBody>
+          <a:bodyPr/>
+          <a:lstStyle/>
+          <a:p>
+            <a:r>
+              <a:rPr lang="fr-FR" sz="1400" smtClean="0"/>
+              <a:t>Need raster with pointcloud flattened, min height, pixel size = 5cm, + count of point/ pixel</a:t>
+            </a:r>
+          </a:p>
+          <a:p>
+            <a:r>
+              <a:rPr lang="fr-FR" sz="1400" smtClean="0"/>
+              <a:t>Use python script</a:t>
+            </a:r>
+          </a:p>
+          <a:p>
+            <a:pPr lvl="1"/>
+            <a:r>
+              <a:rPr lang="fr-FR" sz="1400" smtClean="0"/>
+              <a:t>Import tif</a:t>
+            </a:r>
+          </a:p>
+          <a:p>
+            <a:pPr lvl="1"/>
+            <a:r>
+              <a:rPr lang="fr-FR" sz="1400" smtClean="0"/>
+              <a:t>Keep only pixel that are between -3 and -2 meters (relativ to laser (ground = -2.5meter))</a:t>
+            </a:r>
+          </a:p>
+          <a:p>
+            <a:pPr lvl="1"/>
+            <a:r>
+              <a:rPr lang="fr-FR" sz="1400" smtClean="0"/>
+              <a:t>Compute sobel filtering on Z ,using mask found before (nota : gives the local height variation)</a:t>
+            </a:r>
+          </a:p>
+          <a:p>
+            <a:pPr lvl="1"/>
+            <a:r>
+              <a:rPr lang="fr-FR" sz="1400" smtClean="0"/>
+              <a:t>Keep values between 1cm and 12 cm (official possible height)</a:t>
+            </a:r>
+          </a:p>
+          <a:p>
+            <a:pPr lvl="1"/>
+            <a:r>
+              <a:rPr lang="fr-FR" sz="1400" smtClean="0"/>
+              <a:t>Export tif</a:t>
+            </a:r>
+          </a:p>
+          <a:p>
+            <a:endParaRPr lang="fr-FR" sz="1800" smtClean="0"/>
+          </a:p>
+        </p:txBody>
+      </p:sp>
+    </p:spTree>
+  </p:cSld>
+  <p:clrMapOvr>
+    <a:masterClrMapping/>
+  </p:clrMapOvr>
+</p:sld>
+</file>
+
+<file path=ppt/slides/slide39.xml><?xml version="1.0" encoding="utf-8"?>
+<p:sld xmlns:a="http://schemas.openxmlformats.org/drawingml/2006/main" xmlns:r="http://schemas.openxmlformats.org/officeDocument/2006/relationships" xmlns:p="http://schemas.openxmlformats.org/presentationml/2006/main">
+  <p:cSld>
+    <p:spTree>
+      <p:nvGrpSpPr>
+        <p:cNvPr id="1" name=""/>
+        <p:cNvGrpSpPr/>
+        <p:nvPr/>
+      </p:nvGrpSpPr>
+      <p:grpSpPr>
+        <a:xfrm>
+          <a:off x="0" y="0"/>
+          <a:ext cx="0" cy="0"/>
+          <a:chOff x="0" y="0"/>
+          <a:chExt cx="0" cy="0"/>
+        </a:xfrm>
+      </p:grpSpPr>
+      <p:sp>
+        <p:nvSpPr>
           <p:cNvPr id="19458" name="Titre 1"/>
           <p:cNvSpPr>
             <a:spLocks noGrp="1"/>
@@ -11108,7 +12263,7 @@
           <a:p>
             <a:r>
               <a:rPr lang="en-US" dirty="0" smtClean="0"/>
-              <a:t>Note : sexy point cloud images</a:t>
+              <a:t>Note: sexy point cloud images</a:t>
             </a:r>
             <a:endParaRPr lang="en-US" dirty="0"/>
           </a:p>
@@ -11301,21 +12456,21 @@
             <a:pPr lvl="1"/>
             <a:r>
               <a:rPr lang="en-US" cap="none" dirty="0" smtClean="0"/>
-              <a:t>Unordered : don’t know who the neighbors are .</a:t>
+              <a:t>Unordered: don’t know who the neighbors are .</a:t>
             </a:r>
           </a:p>
           <a:p>
             <a:pPr lvl="1"/>
             <a:r>
               <a:rPr lang="en-US" cap="none" dirty="0" smtClean="0"/>
-              <a:t>Attributes : ex : intensity of returning light, class id</a:t>
+              <a:t>Attributes: ex: intensity of returning light, class id</a:t>
             </a:r>
           </a:p>
           <a:p>
             <a:pPr lvl="1"/>
             <a:r>
               <a:rPr lang="en-US" cap="none" dirty="0" smtClean="0"/>
-              <a:t>Sensing : physical sensing of reality, not like a vector point representing the position of a tree (no semantic).</a:t>
+              <a:t>Sensing: physical sensing of reality, not like a vector point representing the position of a tree (no semantic).</a:t>
             </a:r>
           </a:p>
           <a:p>
@@ -11358,20 +12513,8 @@
           <a:p>
             <a:pPr lvl="1"/>
             <a:r>
-              <a:rPr lang="en-US" dirty="0" err="1" smtClean="0"/>
-              <a:t>Passiv</a:t>
-            </a:r>
-            <a:r>
               <a:rPr lang="en-US" dirty="0" smtClean="0"/>
-              <a:t>/mixed : image (</a:t>
-            </a:r>
-            <a:r>
-              <a:rPr lang="en-US" dirty="0" err="1" smtClean="0"/>
-              <a:t>sterovision</a:t>
-            </a:r>
-            <a:r>
-              <a:rPr lang="en-US" dirty="0" smtClean="0"/>
-              <a:t>). RGBZ device (</a:t>
+              <a:t>Passive/mixed : image (stereovision). RGBZ device (</a:t>
             </a:r>
             <a:r>
               <a:rPr lang="en-US" dirty="0" err="1" smtClean="0"/>
@@ -11554,11 +12697,7 @@
           <a:p>
             <a:r>
               <a:rPr lang="en-US" dirty="0" smtClean="0"/>
-              <a:t>Example : aerial and terrestrial </a:t>
-            </a:r>
-            <a:r>
-              <a:rPr lang="en-US" dirty="0" err="1" smtClean="0"/>
-              <a:t>pointclouds</a:t>
+              <a:t>Example : aerial and terrestrial point clouds</a:t>
             </a:r>
             <a:endParaRPr lang="en-US" dirty="0"/>
           </a:p>
@@ -11584,7 +12723,7 @@
             </a:pPr>
             <a:fld id="{E213AF71-F760-4AA3-87B2-C2FBB7A81BCA}" type="datetime1">
               <a:rPr lang="en-US" smtClean="0"/>
-              <a:t>9/22/2014</a:t>
+              <a:t>9/23/2014</a:t>
             </a:fld>
             <a:endParaRPr lang="en-US"/>
           </a:p>
@@ -11709,6 +12848,66 @@
           <a:noFill/>
         </p:spPr>
       </p:pic>
+      <p:sp>
+        <p:nvSpPr>
+          <p:cNvPr id="12" name="ZoneTexte 11"/>
+          <p:cNvSpPr txBox="1"/>
+          <p:nvPr/>
+        </p:nvSpPr>
+        <p:spPr>
+          <a:xfrm>
+            <a:off x="0" y="5929330"/>
+            <a:ext cx="4929190" cy="369332"/>
+          </a:xfrm>
+          <a:prstGeom prst="rect">
+            <a:avLst/>
+          </a:prstGeom>
+          <a:noFill/>
+        </p:spPr>
+        <p:txBody>
+          <a:bodyPr wrap="square" rtlCol="0">
+            <a:spAutoFit/>
+          </a:bodyPr>
+          <a:lstStyle/>
+          <a:p>
+            <a:r>
+              <a:rPr lang="en-US" dirty="0" smtClean="0"/>
+              <a:t>Image from [1]</a:t>
+            </a:r>
+            <a:endParaRPr lang="en-US" dirty="0"/>
+          </a:p>
+        </p:txBody>
+      </p:sp>
+      <p:sp>
+        <p:nvSpPr>
+          <p:cNvPr id="13" name="ZoneTexte 12"/>
+          <p:cNvSpPr txBox="1"/>
+          <p:nvPr/>
+        </p:nvSpPr>
+        <p:spPr>
+          <a:xfrm>
+            <a:off x="5072066" y="6000768"/>
+            <a:ext cx="4071934" cy="369332"/>
+          </a:xfrm>
+          <a:prstGeom prst="rect">
+            <a:avLst/>
+          </a:prstGeom>
+          <a:noFill/>
+        </p:spPr>
+        <p:txBody>
+          <a:bodyPr wrap="square" rtlCol="0">
+            <a:spAutoFit/>
+          </a:bodyPr>
+          <a:lstStyle/>
+          <a:p>
+            <a:r>
+              <a:rPr lang="en-US" dirty="0" smtClean="0"/>
+              <a:t>Image from [1]</a:t>
+            </a:r>
+            <a:endParaRPr lang="en-US" dirty="0"/>
+          </a:p>
+        </p:txBody>
+      </p:sp>
     </p:spTree>
   </p:cSld>
   <p:clrMapOvr>
@@ -11796,7 +12995,7 @@
             <a:pPr lvl="1"/>
             <a:r>
               <a:rPr lang="en-US" dirty="0" smtClean="0"/>
-              <a:t>3D from images is an ill posed problem. </a:t>
+              <a:t>3D from images is an ill posed problem. (i.e.: given a pixel in image space, what is its position and size in real world )</a:t>
             </a:r>
           </a:p>
           <a:p>
@@ -12004,7 +13203,7 @@
             <a:pPr lvl="1"/>
             <a:r>
               <a:rPr lang="en-US" dirty="0" smtClean="0"/>
-              <a:t>Current devices  : 1 </a:t>
+              <a:t>Current devices: 1 </a:t>
             </a:r>
             <a:r>
               <a:rPr lang="en-US" b="1" dirty="0" smtClean="0"/>
@@ -12035,7 +13234,7 @@
             <a:pPr lvl="1"/>
             <a:r>
               <a:rPr lang="en-US" dirty="0" smtClean="0"/>
-              <a:t>1 hour : several </a:t>
+              <a:t>1 hour: several </a:t>
             </a:r>
             <a:r>
               <a:rPr lang="en-US" b="1" dirty="0" smtClean="0"/>
@@ -12050,7 +13249,7 @@
             <a:pPr lvl="1"/>
             <a:r>
               <a:rPr lang="en-US" dirty="0" smtClean="0"/>
-              <a:t>Our mapping agency : 100’s of data sets, aerial + terrestrial, several type of lasers.</a:t>
+              <a:t>French mapping agency: 100’s of data sets, aerial + terrestrial, several type of lasers.</a:t>
             </a:r>
           </a:p>
           <a:p>
@@ -12083,7 +13282,7 @@
             <a:pPr lvl="1"/>
             <a:r>
               <a:rPr lang="en-US" dirty="0" smtClean="0"/>
-              <a:t>So much data : personal copy of it is not an option. All data must be centralized on specific storage solution.</a:t>
+              <a:t>So much data: personal copy of it is not an option. All data must be centralized on specific storage solution.</a:t>
             </a:r>
           </a:p>
           <a:p>
